--- a/Presentation.pptx
+++ b/Presentation.pptx
@@ -5,20 +5,25 @@
     <p:sldMasterId id="2147483775" r:id="rId1"/>
   </p:sldMasterIdLst>
   <p:notesMasterIdLst>
-    <p:notesMasterId r:id="rId13"/>
+    <p:notesMasterId r:id="rId18"/>
   </p:notesMasterIdLst>
   <p:sldIdLst>
     <p:sldId id="256" r:id="rId2"/>
     <p:sldId id="257" r:id="rId3"/>
     <p:sldId id="258" r:id="rId4"/>
-    <p:sldId id="259" r:id="rId5"/>
-    <p:sldId id="260" r:id="rId6"/>
-    <p:sldId id="262" r:id="rId7"/>
-    <p:sldId id="263" r:id="rId8"/>
-    <p:sldId id="264" r:id="rId9"/>
-    <p:sldId id="265" r:id="rId10"/>
-    <p:sldId id="266" r:id="rId11"/>
-    <p:sldId id="261" r:id="rId12"/>
+    <p:sldId id="267" r:id="rId5"/>
+    <p:sldId id="269" r:id="rId6"/>
+    <p:sldId id="270" r:id="rId7"/>
+    <p:sldId id="271" r:id="rId8"/>
+    <p:sldId id="259" r:id="rId9"/>
+    <p:sldId id="260" r:id="rId10"/>
+    <p:sldId id="262" r:id="rId11"/>
+    <p:sldId id="263" r:id="rId12"/>
+    <p:sldId id="264" r:id="rId13"/>
+    <p:sldId id="265" r:id="rId14"/>
+    <p:sldId id="266" r:id="rId15"/>
+    <p:sldId id="261" r:id="rId16"/>
+    <p:sldId id="268" r:id="rId17"/>
   </p:sldIdLst>
   <p:sldSz cx="12192000" cy="6858000"/>
   <p:notesSz cx="6858000" cy="9144000"/>
@@ -123,6 +128,32 @@
     </p:ext>
   </p:extLst>
 </p:presentation>
+</file>
+
+<file path=ppt/commentAuthors.xml><?xml version="1.0" encoding="utf-8"?>
+<p:cmAuthorLst xmlns:a="http://schemas.openxmlformats.org/drawingml/2006/main" xmlns:r="http://schemas.openxmlformats.org/officeDocument/2006/relationships" xmlns:p="http://schemas.openxmlformats.org/presentationml/2006/main">
+  <p:cmAuthor id="1" name="LENG  Mathieu" initials="LM" lastIdx="1" clrIdx="0">
+    <p:extLst>
+      <p:ext uri="{19B8F6BF-5375-455C-9EA6-DF929625EA0E}">
+        <p15:presenceInfo xmlns:p15="http://schemas.microsoft.com/office/powerpoint/2012/main" userId="S::mathieu.leng@ulb.be::0fa4fe20-0f54-466e-aaef-2f998807d7fc" providerId="AD"/>
+      </p:ext>
+    </p:extLst>
+  </p:cmAuthor>
+</p:cmAuthorLst>
+</file>
+
+<file path=ppt/comments/comment1.xml><?xml version="1.0" encoding="utf-8"?>
+<p:cmLst xmlns:a="http://schemas.openxmlformats.org/drawingml/2006/main" xmlns:r="http://schemas.openxmlformats.org/officeDocument/2006/relationships" xmlns:p="http://schemas.openxmlformats.org/presentationml/2006/main">
+  <p:cm authorId="1" dt="2021-05-12T11:17:52.416" idx="1">
+    <p:pos x="10" y="10"/>
+    <p:text/>
+    <p:extLst>
+      <p:ext uri="{C676402C-5697-4E1C-873F-D02D1690AC5C}">
+        <p15:threadingInfo xmlns:p15="http://schemas.microsoft.com/office/powerpoint/2012/main" timeZoneBias="-120"/>
+      </p:ext>
+    </p:extLst>
+  </p:cm>
+</p:cmLst>
 </file>
 
 <file path=ppt/notesMasters/notesMaster1.xml><?xml version="1.0" encoding="utf-8"?>
@@ -561,6 +592,93 @@
 </p:notes>
 </file>
 
+<file path=ppt/notesSlides/notesSlide2.xml><?xml version="1.0" encoding="utf-8"?>
+<p:notes xmlns:a="http://schemas.openxmlformats.org/drawingml/2006/main" xmlns:r="http://schemas.openxmlformats.org/officeDocument/2006/relationships" xmlns:p="http://schemas.openxmlformats.org/presentationml/2006/main">
+  <p:cSld>
+    <p:spTree>
+      <p:nvGrpSpPr>
+        <p:cNvPr id="1" name=""/>
+        <p:cNvGrpSpPr/>
+        <p:nvPr/>
+      </p:nvGrpSpPr>
+      <p:grpSpPr>
+        <a:xfrm>
+          <a:off x="0" y="0"/>
+          <a:ext cx="0" cy="0"/>
+          <a:chOff x="0" y="0"/>
+          <a:chExt cx="0" cy="0"/>
+        </a:xfrm>
+      </p:grpSpPr>
+      <p:sp>
+        <p:nvSpPr>
+          <p:cNvPr id="2" name="Espace réservé de l'image des diapositives 1"/>
+          <p:cNvSpPr>
+            <a:spLocks noGrp="1" noRot="1" noChangeAspect="1"/>
+          </p:cNvSpPr>
+          <p:nvPr>
+            <p:ph type="sldImg"/>
+          </p:nvPr>
+        </p:nvSpPr>
+        <p:spPr/>
+      </p:sp>
+      <p:sp>
+        <p:nvSpPr>
+          <p:cNvPr id="3" name="Espace réservé des notes 2"/>
+          <p:cNvSpPr>
+            <a:spLocks noGrp="1"/>
+          </p:cNvSpPr>
+          <p:nvPr>
+            <p:ph type="body" idx="1"/>
+          </p:nvPr>
+        </p:nvSpPr>
+        <p:spPr/>
+        <p:txBody>
+          <a:bodyPr/>
+          <a:lstStyle/>
+          <a:p>
+            <a:r>
+              <a:rPr lang="fr-FR" dirty="0"/>
+              <a:t>		</a:t>
+            </a:r>
+          </a:p>
+        </p:txBody>
+      </p:sp>
+      <p:sp>
+        <p:nvSpPr>
+          <p:cNvPr id="4" name="Espace réservé du numéro de diapositive 3"/>
+          <p:cNvSpPr>
+            <a:spLocks noGrp="1"/>
+          </p:cNvSpPr>
+          <p:nvPr>
+            <p:ph type="sldNum" sz="quarter" idx="5"/>
+          </p:nvPr>
+        </p:nvSpPr>
+        <p:spPr/>
+        <p:txBody>
+          <a:bodyPr/>
+          <a:lstStyle/>
+          <a:p>
+            <a:fld id="{39824EDE-B2BE-8844-B4FC-1C780A45674B}" type="slidenum">
+              <a:rPr lang="fr-FR" smtClean="0"/>
+              <a:t>4</a:t>
+            </a:fld>
+            <a:endParaRPr lang="fr-FR"/>
+          </a:p>
+        </p:txBody>
+      </p:sp>
+    </p:spTree>
+    <p:extLst>
+      <p:ext uri="{BB962C8B-B14F-4D97-AF65-F5344CB8AC3E}">
+        <p14:creationId xmlns:p14="http://schemas.microsoft.com/office/powerpoint/2010/main" val="2019126456"/>
+      </p:ext>
+    </p:extLst>
+  </p:cSld>
+  <p:clrMapOvr>
+    <a:masterClrMapping/>
+  </p:clrMapOvr>
+</p:notes>
+</file>
+
 <file path=ppt/slideLayouts/slideLayout1.xml><?xml version="1.0" encoding="utf-8"?>
 <p:sldLayout xmlns:a="http://schemas.openxmlformats.org/drawingml/2006/main" xmlns:r="http://schemas.openxmlformats.org/officeDocument/2006/relationships" xmlns:p="http://schemas.openxmlformats.org/presentationml/2006/main" type="title" preserve="1">
   <p:cSld name="Diapositive de titre">
@@ -709,7 +827,7 @@
             <a:fld id="{0D4E46AA-1EC0-4433-9956-E798E94A6FB7}" type="datetimeFigureOut">
               <a:rPr lang="en-US" smtClean="0"/>
               <a:pPr/>
-              <a:t>5/11/2021</a:t>
+              <a:t>5/11/21</a:t>
             </a:fld>
             <a:endParaRPr lang="en-US" dirty="0"/>
           </a:p>
@@ -909,7 +1027,7 @@
             <a:fld id="{0D4E46AA-1EC0-4433-9956-E798E94A6FB7}" type="datetimeFigureOut">
               <a:rPr lang="en-US" smtClean="0"/>
               <a:pPr/>
-              <a:t>5/11/2021</a:t>
+              <a:t>5/11/21</a:t>
             </a:fld>
             <a:endParaRPr lang="en-US" dirty="0"/>
           </a:p>
@@ -1119,7 +1237,7 @@
             <a:fld id="{0D4E46AA-1EC0-4433-9956-E798E94A6FB7}" type="datetimeFigureOut">
               <a:rPr lang="en-US" smtClean="0"/>
               <a:pPr/>
-              <a:t>5/11/2021</a:t>
+              <a:t>5/11/21</a:t>
             </a:fld>
             <a:endParaRPr lang="en-US" dirty="0"/>
           </a:p>
@@ -1319,7 +1437,7 @@
             <a:fld id="{0D4E46AA-1EC0-4433-9956-E798E94A6FB7}" type="datetimeFigureOut">
               <a:rPr lang="en-US" smtClean="0"/>
               <a:pPr/>
-              <a:t>5/11/2021</a:t>
+              <a:t>5/11/21</a:t>
             </a:fld>
             <a:endParaRPr lang="en-US" dirty="0"/>
           </a:p>
@@ -1596,7 +1714,7 @@
             <a:fld id="{0D4E46AA-1EC0-4433-9956-E798E94A6FB7}" type="datetimeFigureOut">
               <a:rPr lang="en-US" smtClean="0"/>
               <a:pPr/>
-              <a:t>5/11/2021</a:t>
+              <a:t>5/11/21</a:t>
             </a:fld>
             <a:endParaRPr lang="en-US" dirty="0"/>
           </a:p>
@@ -1863,7 +1981,7 @@
             <a:fld id="{0D4E46AA-1EC0-4433-9956-E798E94A6FB7}" type="datetimeFigureOut">
               <a:rPr lang="en-US" smtClean="0"/>
               <a:pPr/>
-              <a:t>5/11/2021</a:t>
+              <a:t>5/11/21</a:t>
             </a:fld>
             <a:endParaRPr lang="en-US" dirty="0"/>
           </a:p>
@@ -2277,7 +2395,7 @@
             <a:fld id="{0D4E46AA-1EC0-4433-9956-E798E94A6FB7}" type="datetimeFigureOut">
               <a:rPr lang="en-US" smtClean="0"/>
               <a:pPr/>
-              <a:t>5/11/2021</a:t>
+              <a:t>5/11/21</a:t>
             </a:fld>
             <a:endParaRPr lang="en-US" dirty="0"/>
           </a:p>
@@ -2420,7 +2538,7 @@
             <a:fld id="{0D4E46AA-1EC0-4433-9956-E798E94A6FB7}" type="datetimeFigureOut">
               <a:rPr lang="en-US" smtClean="0"/>
               <a:pPr/>
-              <a:t>5/11/2021</a:t>
+              <a:t>5/11/21</a:t>
             </a:fld>
             <a:endParaRPr lang="en-US" dirty="0"/>
           </a:p>
@@ -2535,7 +2653,7 @@
             <a:fld id="{0D4E46AA-1EC0-4433-9956-E798E94A6FB7}" type="datetimeFigureOut">
               <a:rPr lang="en-US" smtClean="0"/>
               <a:pPr/>
-              <a:t>5/11/2021</a:t>
+              <a:t>5/11/21</a:t>
             </a:fld>
             <a:endParaRPr lang="en-US" dirty="0"/>
           </a:p>
@@ -2848,7 +2966,7 @@
             <a:fld id="{0D4E46AA-1EC0-4433-9956-E798E94A6FB7}" type="datetimeFigureOut">
               <a:rPr lang="en-US" smtClean="0"/>
               <a:pPr/>
-              <a:t>5/11/2021</a:t>
+              <a:t>5/11/21</a:t>
             </a:fld>
             <a:endParaRPr lang="en-US" dirty="0"/>
           </a:p>
@@ -3138,7 +3256,7 @@
             <a:fld id="{0D4E46AA-1EC0-4433-9956-E798E94A6FB7}" type="datetimeFigureOut">
               <a:rPr lang="en-US" smtClean="0"/>
               <a:pPr/>
-              <a:t>5/11/2021</a:t>
+              <a:t>5/11/21</a:t>
             </a:fld>
             <a:endParaRPr lang="en-US" dirty="0"/>
           </a:p>
@@ -3381,7 +3499,7 @@
             <a:fld id="{0D4E46AA-1EC0-4433-9956-E798E94A6FB7}" type="datetimeFigureOut">
               <a:rPr lang="en-US" smtClean="0"/>
               <a:pPr/>
-              <a:t>5/11/2021</a:t>
+              <a:t>5/11/21</a:t>
             </a:fld>
             <a:endParaRPr lang="en-US" dirty="0"/>
           </a:p>
@@ -3855,18 +3973,59 @@
         <p:spPr>
           <a:xfrm>
             <a:off x="914401" y="914400"/>
-            <a:ext cx="4659086" cy="1838227"/>
+            <a:ext cx="4589685" cy="1745673"/>
           </a:xfrm>
           <a:solidFill>
-            <a:schemeClr val="tx1">
-              <a:lumMod val="65000"/>
-              <a:lumOff val="35000"/>
-              <a:alpha val="64000"/>
+            <a:schemeClr val="bg2">
+              <a:lumMod val="50000"/>
+              <a:alpha val="42990"/>
             </a:schemeClr>
           </a:solidFill>
-          <a:ln>
-            <a:noFill/>
-          </a:ln>
+        </p:spPr>
+        <p:txBody>
+          <a:bodyPr anchor="t">
+            <a:normAutofit/>
+          </a:bodyPr>
+          <a:lstStyle/>
+          <a:p>
+            <a:r>
+              <a:rPr lang="fr-FR" b="1" dirty="0">
+                <a:solidFill>
+                  <a:srgbClr val="FFFFFF"/>
+                </a:solidFill>
+              </a:rPr>
+              <a:t>Projet Base de Données </a:t>
+            </a:r>
+          </a:p>
+        </p:txBody>
+      </p:sp>
+      <p:sp>
+        <p:nvSpPr>
+          <p:cNvPr id="3" name="Sous-titre 2">
+            <a:extLst>
+              <a:ext uri="{FF2B5EF4-FFF2-40B4-BE49-F238E27FC236}">
+                <a16:creationId xmlns:a16="http://schemas.microsoft.com/office/drawing/2014/main" id="{7BAFA528-AB97-6942-9655-353742FFDA78}"/>
+              </a:ext>
+            </a:extLst>
+          </p:cNvPr>
+          <p:cNvSpPr>
+            <a:spLocks noGrp="1"/>
+          </p:cNvSpPr>
+          <p:nvPr>
+            <p:ph type="subTitle" idx="1"/>
+          </p:nvPr>
+        </p:nvSpPr>
+        <p:spPr>
+          <a:xfrm>
+            <a:off x="914401" y="5668687"/>
+            <a:ext cx="4589685" cy="812923"/>
+          </a:xfrm>
+          <a:solidFill>
+            <a:schemeClr val="bg2">
+              <a:lumMod val="50000"/>
+              <a:alpha val="62000"/>
+            </a:schemeClr>
+          </a:solidFill>
         </p:spPr>
         <p:txBody>
           <a:bodyPr anchor="t">
@@ -3880,7 +4039,7 @@
                   <a:srgbClr val="FFFFFF"/>
                 </a:solidFill>
               </a:rPr>
-              <a:t>Projet Base de </a:t>
+              <a:t>QUIVRON </a:t>
             </a:r>
             <a:r>
               <a:rPr lang="fr-FR" dirty="0" err="1">
@@ -3888,7 +4047,7 @@
                   <a:srgbClr val="FFFFFF"/>
                 </a:solidFill>
               </a:rPr>
-              <a:t>Donnees</a:t>
+              <a:t>Loic</a:t>
             </a:r>
             <a:r>
               <a:rPr lang="fr-FR" dirty="0">
@@ -3896,131 +4055,8 @@
                   <a:srgbClr val="FFFFFF"/>
                 </a:solidFill>
               </a:rPr>
-              <a:t> </a:t>
-            </a:r>
-          </a:p>
-        </p:txBody>
-      </p:sp>
-      <p:sp>
-        <p:nvSpPr>
-          <p:cNvPr id="3" name="Sous-titre 2">
-            <a:extLst>
-              <a:ext uri="{FF2B5EF4-FFF2-40B4-BE49-F238E27FC236}">
-                <a16:creationId xmlns:a16="http://schemas.microsoft.com/office/drawing/2014/main" id="{7BAFA528-AB97-6942-9655-353742FFDA78}"/>
-              </a:ext>
-            </a:extLst>
-          </p:cNvPr>
-          <p:cNvSpPr>
-            <a:spLocks noGrp="1"/>
-          </p:cNvSpPr>
-          <p:nvPr>
-            <p:ph type="subTitle" idx="1"/>
-          </p:nvPr>
-        </p:nvSpPr>
-        <p:spPr>
-          <a:xfrm>
-            <a:off x="925290" y="5253051"/>
-            <a:ext cx="4589685" cy="812923"/>
-          </a:xfrm>
-          <a:solidFill>
-            <a:schemeClr val="tx1">
-              <a:lumMod val="65000"/>
-              <a:lumOff val="35000"/>
-              <a:alpha val="69000"/>
-            </a:schemeClr>
-          </a:solidFill>
-        </p:spPr>
-        <p:txBody>
-          <a:bodyPr anchor="t">
-            <a:normAutofit/>
-          </a:bodyPr>
-          <a:lstStyle/>
-          <a:p>
-            <a:r>
-              <a:rPr lang="fr-FR" dirty="0">
-                <a:solidFill>
-                  <a:srgbClr val="FFFFFF"/>
-                </a:solidFill>
-              </a:rPr>
-              <a:t>Quivron LOIC, </a:t>
-            </a:r>
-            <a:r>
-              <a:rPr lang="fr-FR" dirty="0" err="1">
-                <a:solidFill>
-                  <a:srgbClr val="FFFFFF"/>
-                </a:solidFill>
-              </a:rPr>
-              <a:t>ALOnso</a:t>
-            </a:r>
-            <a:r>
-              <a:rPr lang="fr-FR" dirty="0">
-                <a:solidFill>
-                  <a:srgbClr val="FFFFFF"/>
-                </a:solidFill>
-              </a:rPr>
-              <a:t> </a:t>
-            </a:r>
-            <a:r>
-              <a:rPr lang="fr-FR" dirty="0" err="1">
-                <a:solidFill>
-                  <a:srgbClr val="FFFFFF"/>
-                </a:solidFill>
-              </a:rPr>
-              <a:t>alonso</a:t>
-            </a:r>
-            <a:r>
-              <a:rPr lang="fr-FR" dirty="0">
-                <a:solidFill>
-                  <a:srgbClr val="FFFFFF"/>
-                </a:solidFill>
-              </a:rPr>
-              <a:t> </a:t>
-            </a:r>
-            <a:r>
-              <a:rPr lang="fr-FR" dirty="0" err="1">
-                <a:solidFill>
-                  <a:srgbClr val="FFFFFF"/>
-                </a:solidFill>
-              </a:rPr>
-              <a:t>david</a:t>
-            </a:r>
-            <a:r>
-              <a:rPr lang="fr-FR" dirty="0">
-                <a:solidFill>
-                  <a:srgbClr val="FFFFFF"/>
-                </a:solidFill>
-              </a:rPr>
-              <a:t>, </a:t>
-            </a:r>
-            <a:r>
-              <a:rPr lang="fr-FR" dirty="0" err="1">
-                <a:solidFill>
-                  <a:srgbClr val="FFFFFF"/>
-                </a:solidFill>
-              </a:rPr>
-              <a:t>leng</a:t>
-            </a:r>
-            <a:r>
-              <a:rPr lang="fr-FR" dirty="0">
-                <a:solidFill>
-                  <a:srgbClr val="FFFFFF"/>
-                </a:solidFill>
-              </a:rPr>
-              <a:t> </a:t>
-            </a:r>
-            <a:r>
-              <a:rPr lang="fr-FR" dirty="0" err="1">
-                <a:solidFill>
-                  <a:srgbClr val="FFFFFF"/>
-                </a:solidFill>
-              </a:rPr>
-              <a:t>mathieu</a:t>
-            </a:r>
-            <a:endParaRPr lang="fr-FR" dirty="0">
-              <a:solidFill>
-                <a:srgbClr val="FFFFFF"/>
-              </a:solidFill>
-            </a:endParaRPr>
+              <a:t>, ALONSO ALONSO David, LENG Mathieu</a:t>
+            </a:r>
           </a:p>
         </p:txBody>
       </p:sp>
@@ -4093,10 +4129,10 @@
       </p:grpSpPr>
       <p:sp>
         <p:nvSpPr>
-          <p:cNvPr id="19" name="Rectangle : coins arrondis 18">
-            <a:extLst>
-              <a:ext uri="{FF2B5EF4-FFF2-40B4-BE49-F238E27FC236}">
-                <a16:creationId xmlns:a16="http://schemas.microsoft.com/office/drawing/2014/main" id="{D9E79A17-FFF3-F943-AE76-85374AC696E3}"/>
+          <p:cNvPr id="17" name="Rectangle : coins arrondis 16">
+            <a:extLst>
+              <a:ext uri="{FF2B5EF4-FFF2-40B4-BE49-F238E27FC236}">
+                <a16:creationId xmlns:a16="http://schemas.microsoft.com/office/drawing/2014/main" id="{9A336FC6-F7BA-EB49-BC78-156B9C549ECC}"/>
               </a:ext>
             </a:extLst>
           </p:cNvPr>
@@ -4105,8 +4141,8 @@
         </p:nvSpPr>
         <p:spPr>
           <a:xfrm>
-            <a:off x="1031358" y="2083987"/>
-            <a:ext cx="9473609" cy="4603898"/>
+            <a:off x="2647507" y="2434856"/>
+            <a:ext cx="6741042" cy="3678864"/>
           </a:xfrm>
           <a:prstGeom prst="roundRect">
             <a:avLst/>
@@ -4169,7 +4205,7 @@
             </a:r>
             <a:r>
               <a:rPr lang="en-US" dirty="0"/>
-              <a:t> 6</a:t>
+              <a:t> 2</a:t>
             </a:r>
           </a:p>
         </p:txBody>
@@ -4179,7 +4215,377 @@
           <p:cNvPr id="4" name="Image 3" descr="Une image contenant texte&#10;&#10;Description générée automatiquement">
             <a:extLst>
               <a:ext uri="{FF2B5EF4-FFF2-40B4-BE49-F238E27FC236}">
-                <a16:creationId xmlns:a16="http://schemas.microsoft.com/office/drawing/2014/main" id="{311545CE-7869-BA4F-845F-386309B603B4}"/>
+                <a16:creationId xmlns:a16="http://schemas.microsoft.com/office/drawing/2014/main" id="{B8C12947-99A2-B246-B9C7-341691E8C3F4}"/>
+              </a:ext>
+            </a:extLst>
+          </p:cNvPr>
+          <p:cNvPicPr>
+            <a:picLocks noChangeAspect="1"/>
+          </p:cNvPicPr>
+          <p:nvPr/>
+        </p:nvPicPr>
+        <p:blipFill rotWithShape="1">
+          <a:blip r:embed="rId2"/>
+          <a:srcRect r="34034"/>
+          <a:stretch/>
+        </p:blipFill>
+        <p:spPr>
+          <a:xfrm>
+            <a:off x="2931928" y="2765284"/>
+            <a:ext cx="6225926" cy="2996613"/>
+          </a:xfrm>
+          <a:prstGeom prst="rect">
+            <a:avLst/>
+          </a:prstGeom>
+        </p:spPr>
+      </p:pic>
+      <p:sp>
+        <p:nvSpPr>
+          <p:cNvPr id="6" name="ZoneTexte 5">
+            <a:extLst>
+              <a:ext uri="{FF2B5EF4-FFF2-40B4-BE49-F238E27FC236}">
+                <a16:creationId xmlns:a16="http://schemas.microsoft.com/office/drawing/2014/main" id="{F95ED1DE-2582-0448-80BF-8B97A34CAF45}"/>
+              </a:ext>
+            </a:extLst>
+          </p:cNvPr>
+          <p:cNvSpPr txBox="1"/>
+          <p:nvPr/>
+        </p:nvSpPr>
+        <p:spPr>
+          <a:xfrm>
+            <a:off x="1222746" y="1713701"/>
+            <a:ext cx="9799734" cy="369332"/>
+          </a:xfrm>
+          <a:prstGeom prst="rect">
+            <a:avLst/>
+          </a:prstGeom>
+          <a:noFill/>
+        </p:spPr>
+        <p:txBody>
+          <a:bodyPr wrap="none" rtlCol="0">
+            <a:spAutoFit/>
+          </a:bodyPr>
+          <a:lstStyle/>
+          <a:p>
+            <a:r>
+              <a:rPr lang="fr-FR" dirty="0"/>
+              <a:t>Sélectionnez le pays qui a administré le plus grand nombre total de vaccins (toutes les dates cumulées)</a:t>
+            </a:r>
+          </a:p>
+        </p:txBody>
+      </p:sp>
+    </p:spTree>
+    <p:extLst>
+      <p:ext uri="{BB962C8B-B14F-4D97-AF65-F5344CB8AC3E}">
+        <p14:creationId xmlns:p14="http://schemas.microsoft.com/office/powerpoint/2010/main" val="1202713288"/>
+      </p:ext>
+    </p:extLst>
+  </p:cSld>
+  <p:clrMapOvr>
+    <a:masterClrMapping/>
+  </p:clrMapOvr>
+</p:sld>
+</file>
+
+<file path=ppt/slides/slide11.xml><?xml version="1.0" encoding="utf-8"?>
+<p:sld xmlns:a="http://schemas.openxmlformats.org/drawingml/2006/main" xmlns:r="http://schemas.openxmlformats.org/officeDocument/2006/relationships" xmlns:p="http://schemas.openxmlformats.org/presentationml/2006/main">
+  <p:cSld>
+    <p:bg>
+      <p:bgPr>
+        <a:solidFill>
+          <a:schemeClr val="bg1"/>
+        </a:solidFill>
+        <a:effectLst/>
+      </p:bgPr>
+    </p:bg>
+    <p:spTree>
+      <p:nvGrpSpPr>
+        <p:cNvPr id="1" name=""/>
+        <p:cNvGrpSpPr/>
+        <p:nvPr/>
+      </p:nvGrpSpPr>
+      <p:grpSpPr>
+        <a:xfrm>
+          <a:off x="0" y="0"/>
+          <a:ext cx="0" cy="0"/>
+          <a:chOff x="0" y="0"/>
+          <a:chExt cx="0" cy="0"/>
+        </a:xfrm>
+      </p:grpSpPr>
+      <p:sp>
+        <p:nvSpPr>
+          <p:cNvPr id="14" name="Rectangle : coins arrondis 13">
+            <a:extLst>
+              <a:ext uri="{FF2B5EF4-FFF2-40B4-BE49-F238E27FC236}">
+                <a16:creationId xmlns:a16="http://schemas.microsoft.com/office/drawing/2014/main" id="{F1C3C5AC-0C3B-1B4A-B730-BAB4E91FE8ED}"/>
+              </a:ext>
+            </a:extLst>
+          </p:cNvPr>
+          <p:cNvSpPr/>
+          <p:nvPr/>
+        </p:nvSpPr>
+        <p:spPr>
+          <a:xfrm>
+            <a:off x="2670885" y="2870791"/>
+            <a:ext cx="6685765" cy="1743739"/>
+          </a:xfrm>
+          <a:prstGeom prst="roundRect">
+            <a:avLst/>
+          </a:prstGeom>
+        </p:spPr>
+        <p:style>
+          <a:lnRef idx="2">
+            <a:schemeClr val="dk1"/>
+          </a:lnRef>
+          <a:fillRef idx="1">
+            <a:schemeClr val="lt1"/>
+          </a:fillRef>
+          <a:effectRef idx="0">
+            <a:schemeClr val="dk1"/>
+          </a:effectRef>
+          <a:fontRef idx="minor">
+            <a:schemeClr val="dk1"/>
+          </a:fontRef>
+        </p:style>
+        <p:txBody>
+          <a:bodyPr rtlCol="0" anchor="ctr"/>
+          <a:lstStyle/>
+          <a:p>
+            <a:pPr algn="ctr"/>
+            <a:endParaRPr lang="fr-FR" dirty="0"/>
+          </a:p>
+        </p:txBody>
+      </p:sp>
+      <p:sp>
+        <p:nvSpPr>
+          <p:cNvPr id="2" name="Titre 1">
+            <a:extLst>
+              <a:ext uri="{FF2B5EF4-FFF2-40B4-BE49-F238E27FC236}">
+                <a16:creationId xmlns:a16="http://schemas.microsoft.com/office/drawing/2014/main" id="{12CC11B5-C4EA-ED40-AC48-F81663564CEF}"/>
+              </a:ext>
+            </a:extLst>
+          </p:cNvPr>
+          <p:cNvSpPr>
+            <a:spLocks noGrp="1"/>
+          </p:cNvSpPr>
+          <p:nvPr>
+            <p:ph type="title"/>
+          </p:nvPr>
+        </p:nvSpPr>
+        <p:spPr>
+          <a:xfrm>
+            <a:off x="914401" y="914400"/>
+            <a:ext cx="4035055" cy="2996649"/>
+          </a:xfrm>
+        </p:spPr>
+        <p:txBody>
+          <a:bodyPr vert="horz" lIns="91440" tIns="45720" rIns="91440" bIns="45720" rtlCol="0" anchor="t">
+            <a:normAutofit/>
+          </a:bodyPr>
+          <a:lstStyle/>
+          <a:p>
+            <a:r>
+              <a:rPr lang="en-US" dirty="0" err="1"/>
+              <a:t>Requête</a:t>
+            </a:r>
+            <a:r>
+              <a:rPr lang="en-US" dirty="0"/>
+              <a:t> 3</a:t>
+            </a:r>
+          </a:p>
+        </p:txBody>
+      </p:sp>
+      <p:pic>
+        <p:nvPicPr>
+          <p:cNvPr id="7" name="Image 6">
+            <a:extLst>
+              <a:ext uri="{FF2B5EF4-FFF2-40B4-BE49-F238E27FC236}">
+                <a16:creationId xmlns:a16="http://schemas.microsoft.com/office/drawing/2014/main" id="{8B806F89-F368-5647-BF8E-D272FFFEA624}"/>
+              </a:ext>
+            </a:extLst>
+          </p:cNvPr>
+          <p:cNvPicPr>
+            <a:picLocks noChangeAspect="1"/>
+          </p:cNvPicPr>
+          <p:nvPr/>
+        </p:nvPicPr>
+        <p:blipFill rotWithShape="1">
+          <a:blip r:embed="rId2"/>
+          <a:srcRect r="33377"/>
+          <a:stretch/>
+        </p:blipFill>
+        <p:spPr>
+          <a:xfrm>
+            <a:off x="2969142" y="3154365"/>
+            <a:ext cx="6218959" cy="1117600"/>
+          </a:xfrm>
+          <a:prstGeom prst="rect">
+            <a:avLst/>
+          </a:prstGeom>
+        </p:spPr>
+      </p:pic>
+      <p:sp>
+        <p:nvSpPr>
+          <p:cNvPr id="8" name="ZoneTexte 7">
+            <a:extLst>
+              <a:ext uri="{FF2B5EF4-FFF2-40B4-BE49-F238E27FC236}">
+                <a16:creationId xmlns:a16="http://schemas.microsoft.com/office/drawing/2014/main" id="{8B4C196D-7F98-2D4E-9A26-02F2D6992943}"/>
+              </a:ext>
+            </a:extLst>
+          </p:cNvPr>
+          <p:cNvSpPr txBox="1"/>
+          <p:nvPr/>
+        </p:nvSpPr>
+        <p:spPr>
+          <a:xfrm>
+            <a:off x="1087848" y="1701210"/>
+            <a:ext cx="6154698" cy="369332"/>
+          </a:xfrm>
+          <a:prstGeom prst="rect">
+            <a:avLst/>
+          </a:prstGeom>
+          <a:noFill/>
+        </p:spPr>
+        <p:txBody>
+          <a:bodyPr wrap="none" rtlCol="0">
+            <a:spAutoFit/>
+          </a:bodyPr>
+          <a:lstStyle/>
+          <a:p>
+            <a:r>
+              <a:rPr lang="fr-FR" dirty="0"/>
+              <a:t>Pour chaque vaccin, sélectionnez le nom des pays qui l'utilisent </a:t>
+            </a:r>
+          </a:p>
+        </p:txBody>
+      </p:sp>
+    </p:spTree>
+    <p:extLst>
+      <p:ext uri="{BB962C8B-B14F-4D97-AF65-F5344CB8AC3E}">
+        <p14:creationId xmlns:p14="http://schemas.microsoft.com/office/powerpoint/2010/main" val="904910003"/>
+      </p:ext>
+    </p:extLst>
+  </p:cSld>
+  <p:clrMapOvr>
+    <a:masterClrMapping/>
+  </p:clrMapOvr>
+</p:sld>
+</file>
+
+<file path=ppt/slides/slide12.xml><?xml version="1.0" encoding="utf-8"?>
+<p:sld xmlns:a="http://schemas.openxmlformats.org/drawingml/2006/main" xmlns:r="http://schemas.openxmlformats.org/officeDocument/2006/relationships" xmlns:p="http://schemas.openxmlformats.org/presentationml/2006/main">
+  <p:cSld>
+    <p:bg>
+      <p:bgPr>
+        <a:solidFill>
+          <a:schemeClr val="bg1"/>
+        </a:solidFill>
+        <a:effectLst/>
+      </p:bgPr>
+    </p:bg>
+    <p:spTree>
+      <p:nvGrpSpPr>
+        <p:cNvPr id="1" name=""/>
+        <p:cNvGrpSpPr/>
+        <p:nvPr/>
+      </p:nvGrpSpPr>
+      <p:grpSpPr>
+        <a:xfrm>
+          <a:off x="0" y="0"/>
+          <a:ext cx="0" cy="0"/>
+          <a:chOff x="0" y="0"/>
+          <a:chExt cx="0" cy="0"/>
+        </a:xfrm>
+      </p:grpSpPr>
+      <p:sp>
+        <p:nvSpPr>
+          <p:cNvPr id="15" name="Rectangle : coins arrondis 14">
+            <a:extLst>
+              <a:ext uri="{FF2B5EF4-FFF2-40B4-BE49-F238E27FC236}">
+                <a16:creationId xmlns:a16="http://schemas.microsoft.com/office/drawing/2014/main" id="{EAF92106-DED9-D34B-AE66-88C6472A8163}"/>
+              </a:ext>
+            </a:extLst>
+          </p:cNvPr>
+          <p:cNvSpPr/>
+          <p:nvPr/>
+        </p:nvSpPr>
+        <p:spPr>
+          <a:xfrm>
+            <a:off x="820820" y="2833259"/>
+            <a:ext cx="10864361" cy="1664309"/>
+          </a:xfrm>
+          <a:prstGeom prst="roundRect">
+            <a:avLst/>
+          </a:prstGeom>
+        </p:spPr>
+        <p:style>
+          <a:lnRef idx="2">
+            <a:schemeClr val="dk1"/>
+          </a:lnRef>
+          <a:fillRef idx="1">
+            <a:schemeClr val="lt1"/>
+          </a:fillRef>
+          <a:effectRef idx="0">
+            <a:schemeClr val="dk1"/>
+          </a:effectRef>
+          <a:fontRef idx="minor">
+            <a:schemeClr val="dk1"/>
+          </a:fontRef>
+        </p:style>
+        <p:txBody>
+          <a:bodyPr rtlCol="0" anchor="ctr"/>
+          <a:lstStyle/>
+          <a:p>
+            <a:pPr algn="ctr"/>
+            <a:endParaRPr lang="fr-FR" dirty="0"/>
+          </a:p>
+        </p:txBody>
+      </p:sp>
+      <p:sp>
+        <p:nvSpPr>
+          <p:cNvPr id="2" name="Titre 1">
+            <a:extLst>
+              <a:ext uri="{FF2B5EF4-FFF2-40B4-BE49-F238E27FC236}">
+                <a16:creationId xmlns:a16="http://schemas.microsoft.com/office/drawing/2014/main" id="{12CC11B5-C4EA-ED40-AC48-F81663564CEF}"/>
+              </a:ext>
+            </a:extLst>
+          </p:cNvPr>
+          <p:cNvSpPr>
+            <a:spLocks noGrp="1"/>
+          </p:cNvSpPr>
+          <p:nvPr>
+            <p:ph type="title"/>
+          </p:nvPr>
+        </p:nvSpPr>
+        <p:spPr>
+          <a:xfrm>
+            <a:off x="914401" y="914400"/>
+            <a:ext cx="4035055" cy="2996649"/>
+          </a:xfrm>
+        </p:spPr>
+        <p:txBody>
+          <a:bodyPr vert="horz" lIns="91440" tIns="45720" rIns="91440" bIns="45720" rtlCol="0" anchor="t">
+            <a:normAutofit/>
+          </a:bodyPr>
+          <a:lstStyle/>
+          <a:p>
+            <a:r>
+              <a:rPr lang="en-US" dirty="0" err="1"/>
+              <a:t>Requête</a:t>
+            </a:r>
+            <a:r>
+              <a:rPr lang="en-US" dirty="0"/>
+              <a:t> 4</a:t>
+            </a:r>
+          </a:p>
+        </p:txBody>
+      </p:sp>
+      <p:pic>
+        <p:nvPicPr>
+          <p:cNvPr id="4" name="Image 3">
+            <a:extLst>
+              <a:ext uri="{FF2B5EF4-FFF2-40B4-BE49-F238E27FC236}">
+                <a16:creationId xmlns:a16="http://schemas.microsoft.com/office/drawing/2014/main" id="{19854CEB-0158-A84F-B428-3D0431F8497B}"/>
               </a:ext>
             </a:extLst>
           </p:cNvPr>
@@ -4196,7 +4602,387 @@
         </p:blipFill>
         <p:spPr>
           <a:xfrm>
-            <a:off x="1486960" y="2245905"/>
+            <a:off x="990600" y="3205086"/>
+            <a:ext cx="10575636" cy="1000087"/>
+          </a:xfrm>
+          <a:prstGeom prst="rect">
+            <a:avLst/>
+          </a:prstGeom>
+        </p:spPr>
+      </p:pic>
+      <p:sp>
+        <p:nvSpPr>
+          <p:cNvPr id="5" name="ZoneTexte 4">
+            <a:extLst>
+              <a:ext uri="{FF2B5EF4-FFF2-40B4-BE49-F238E27FC236}">
+                <a16:creationId xmlns:a16="http://schemas.microsoft.com/office/drawing/2014/main" id="{4B3A1A6C-215D-BF4F-B351-75E63EA446C9}"/>
+              </a:ext>
+            </a:extLst>
+          </p:cNvPr>
+          <p:cNvSpPr txBox="1"/>
+          <p:nvPr/>
+        </p:nvSpPr>
+        <p:spPr>
+          <a:xfrm>
+            <a:off x="1057044" y="1834109"/>
+            <a:ext cx="7784823" cy="369332"/>
+          </a:xfrm>
+          <a:prstGeom prst="rect">
+            <a:avLst/>
+          </a:prstGeom>
+          <a:noFill/>
+        </p:spPr>
+        <p:txBody>
+          <a:bodyPr wrap="none" rtlCol="0">
+            <a:spAutoFit/>
+          </a:bodyPr>
+          <a:lstStyle/>
+          <a:p>
+            <a:r>
+              <a:rPr lang="fr-FR" dirty="0"/>
+              <a:t>La proportion de la population hospitalisée pour chaque pays, le 1er janvier 2021</a:t>
+            </a:r>
+          </a:p>
+        </p:txBody>
+      </p:sp>
+    </p:spTree>
+    <p:extLst>
+      <p:ext uri="{BB962C8B-B14F-4D97-AF65-F5344CB8AC3E}">
+        <p14:creationId xmlns:p14="http://schemas.microsoft.com/office/powerpoint/2010/main" val="2668238740"/>
+      </p:ext>
+    </p:extLst>
+  </p:cSld>
+  <p:clrMapOvr>
+    <a:masterClrMapping/>
+  </p:clrMapOvr>
+</p:sld>
+</file>
+
+<file path=ppt/slides/slide13.xml><?xml version="1.0" encoding="utf-8"?>
+<p:sld xmlns:a="http://schemas.openxmlformats.org/drawingml/2006/main" xmlns:r="http://schemas.openxmlformats.org/officeDocument/2006/relationships" xmlns:p="http://schemas.openxmlformats.org/presentationml/2006/main">
+  <p:cSld>
+    <p:bg>
+      <p:bgPr>
+        <a:solidFill>
+          <a:schemeClr val="bg1"/>
+        </a:solidFill>
+        <a:effectLst/>
+      </p:bgPr>
+    </p:bg>
+    <p:spTree>
+      <p:nvGrpSpPr>
+        <p:cNvPr id="1" name=""/>
+        <p:cNvGrpSpPr/>
+        <p:nvPr/>
+      </p:nvGrpSpPr>
+      <p:grpSpPr>
+        <a:xfrm>
+          <a:off x="0" y="0"/>
+          <a:ext cx="0" cy="0"/>
+          <a:chOff x="0" y="0"/>
+          <a:chExt cx="0" cy="0"/>
+        </a:xfrm>
+      </p:grpSpPr>
+      <p:sp>
+        <p:nvSpPr>
+          <p:cNvPr id="13" name="Rectangle : coins arrondis 12">
+            <a:extLst>
+              <a:ext uri="{FF2B5EF4-FFF2-40B4-BE49-F238E27FC236}">
+                <a16:creationId xmlns:a16="http://schemas.microsoft.com/office/drawing/2014/main" id="{58930596-5410-134D-A2A9-C597310EB175}"/>
+              </a:ext>
+            </a:extLst>
+          </p:cNvPr>
+          <p:cNvSpPr/>
+          <p:nvPr/>
+        </p:nvSpPr>
+        <p:spPr>
+          <a:xfrm>
+            <a:off x="817418" y="2891412"/>
+            <a:ext cx="10697642" cy="1456660"/>
+          </a:xfrm>
+          <a:prstGeom prst="roundRect">
+            <a:avLst/>
+          </a:prstGeom>
+        </p:spPr>
+        <p:style>
+          <a:lnRef idx="2">
+            <a:schemeClr val="dk1"/>
+          </a:lnRef>
+          <a:fillRef idx="1">
+            <a:schemeClr val="lt1"/>
+          </a:fillRef>
+          <a:effectRef idx="0">
+            <a:schemeClr val="dk1"/>
+          </a:effectRef>
+          <a:fontRef idx="minor">
+            <a:schemeClr val="dk1"/>
+          </a:fontRef>
+        </p:style>
+        <p:txBody>
+          <a:bodyPr rtlCol="0" anchor="ctr"/>
+          <a:lstStyle/>
+          <a:p>
+            <a:pPr algn="ctr"/>
+            <a:endParaRPr lang="fr-FR" dirty="0"/>
+          </a:p>
+        </p:txBody>
+      </p:sp>
+      <p:sp>
+        <p:nvSpPr>
+          <p:cNvPr id="2" name="Titre 1">
+            <a:extLst>
+              <a:ext uri="{FF2B5EF4-FFF2-40B4-BE49-F238E27FC236}">
+                <a16:creationId xmlns:a16="http://schemas.microsoft.com/office/drawing/2014/main" id="{12CC11B5-C4EA-ED40-AC48-F81663564CEF}"/>
+              </a:ext>
+            </a:extLst>
+          </p:cNvPr>
+          <p:cNvSpPr>
+            <a:spLocks noGrp="1"/>
+          </p:cNvSpPr>
+          <p:nvPr>
+            <p:ph type="title"/>
+          </p:nvPr>
+        </p:nvSpPr>
+        <p:spPr>
+          <a:xfrm>
+            <a:off x="914401" y="914400"/>
+            <a:ext cx="6980274" cy="2996649"/>
+          </a:xfrm>
+        </p:spPr>
+        <p:txBody>
+          <a:bodyPr vert="horz" lIns="91440" tIns="45720" rIns="91440" bIns="45720" rtlCol="0" anchor="t">
+            <a:normAutofit/>
+          </a:bodyPr>
+          <a:lstStyle/>
+          <a:p>
+            <a:r>
+              <a:rPr lang="en-US" dirty="0" err="1"/>
+              <a:t>Requête</a:t>
+            </a:r>
+            <a:r>
+              <a:rPr lang="en-US" dirty="0"/>
+              <a:t> 5</a:t>
+            </a:r>
+          </a:p>
+        </p:txBody>
+      </p:sp>
+      <p:pic>
+        <p:nvPicPr>
+          <p:cNvPr id="5" name="Image 4">
+            <a:extLst>
+              <a:ext uri="{FF2B5EF4-FFF2-40B4-BE49-F238E27FC236}">
+                <a16:creationId xmlns:a16="http://schemas.microsoft.com/office/drawing/2014/main" id="{0FC88044-5207-6F45-ABFA-371C48C70507}"/>
+              </a:ext>
+            </a:extLst>
+          </p:cNvPr>
+          <p:cNvPicPr>
+            <a:picLocks noChangeAspect="1"/>
+          </p:cNvPicPr>
+          <p:nvPr/>
+        </p:nvPicPr>
+        <p:blipFill>
+          <a:blip r:embed="rId2"/>
+          <a:stretch>
+            <a:fillRect/>
+          </a:stretch>
+        </p:blipFill>
+        <p:spPr>
+          <a:xfrm>
+            <a:off x="876401" y="3098767"/>
+            <a:ext cx="10495506" cy="1041949"/>
+          </a:xfrm>
+          <a:prstGeom prst="rect">
+            <a:avLst/>
+          </a:prstGeom>
+        </p:spPr>
+      </p:pic>
+      <p:sp>
+        <p:nvSpPr>
+          <p:cNvPr id="6" name="ZoneTexte 5">
+            <a:extLst>
+              <a:ext uri="{FF2B5EF4-FFF2-40B4-BE49-F238E27FC236}">
+                <a16:creationId xmlns:a16="http://schemas.microsoft.com/office/drawing/2014/main" id="{ABBB3430-F7B2-1844-8D08-43366D7F46F6}"/>
+              </a:ext>
+            </a:extLst>
+          </p:cNvPr>
+          <p:cNvSpPr txBox="1"/>
+          <p:nvPr/>
+        </p:nvSpPr>
+        <p:spPr>
+          <a:xfrm>
+            <a:off x="1212112" y="1637415"/>
+            <a:ext cx="10302948" cy="369332"/>
+          </a:xfrm>
+          <a:prstGeom prst="rect">
+            <a:avLst/>
+          </a:prstGeom>
+          <a:noFill/>
+        </p:spPr>
+        <p:txBody>
+          <a:bodyPr wrap="square" rtlCol="0">
+            <a:spAutoFit/>
+          </a:bodyPr>
+          <a:lstStyle/>
+          <a:p>
+            <a:r>
+              <a:rPr lang="fr-FR" dirty="0"/>
+              <a:t>Calculez l’évolution, pour chaque jour et chaque pays, du nombre de patients hospitalisés (</a:t>
+            </a:r>
+            <a:r>
+              <a:rPr lang="fr-FR" b="1" dirty="0" err="1"/>
+              <a:t>hosp_patients</a:t>
+            </a:r>
+            <a:r>
+              <a:rPr lang="fr-FR" dirty="0"/>
+              <a:t>)</a:t>
+            </a:r>
+          </a:p>
+        </p:txBody>
+      </p:sp>
+    </p:spTree>
+    <p:extLst>
+      <p:ext uri="{BB962C8B-B14F-4D97-AF65-F5344CB8AC3E}">
+        <p14:creationId xmlns:p14="http://schemas.microsoft.com/office/powerpoint/2010/main" val="2931938702"/>
+      </p:ext>
+    </p:extLst>
+  </p:cSld>
+  <p:clrMapOvr>
+    <a:masterClrMapping/>
+  </p:clrMapOvr>
+</p:sld>
+</file>
+
+<file path=ppt/slides/slide14.xml><?xml version="1.0" encoding="utf-8"?>
+<p:sld xmlns:a="http://schemas.openxmlformats.org/drawingml/2006/main" xmlns:r="http://schemas.openxmlformats.org/officeDocument/2006/relationships" xmlns:p="http://schemas.openxmlformats.org/presentationml/2006/main">
+  <p:cSld>
+    <p:bg>
+      <p:bgPr>
+        <a:solidFill>
+          <a:schemeClr val="bg1"/>
+        </a:solidFill>
+        <a:effectLst/>
+      </p:bgPr>
+    </p:bg>
+    <p:spTree>
+      <p:nvGrpSpPr>
+        <p:cNvPr id="1" name=""/>
+        <p:cNvGrpSpPr/>
+        <p:nvPr/>
+      </p:nvGrpSpPr>
+      <p:grpSpPr>
+        <a:xfrm>
+          <a:off x="0" y="0"/>
+          <a:ext cx="0" cy="0"/>
+          <a:chOff x="0" y="0"/>
+          <a:chExt cx="0" cy="0"/>
+        </a:xfrm>
+      </p:grpSpPr>
+      <p:sp>
+        <p:nvSpPr>
+          <p:cNvPr id="19" name="Rectangle : coins arrondis 18">
+            <a:extLst>
+              <a:ext uri="{FF2B5EF4-FFF2-40B4-BE49-F238E27FC236}">
+                <a16:creationId xmlns:a16="http://schemas.microsoft.com/office/drawing/2014/main" id="{D9E79A17-FFF3-F943-AE76-85374AC696E3}"/>
+              </a:ext>
+            </a:extLst>
+          </p:cNvPr>
+          <p:cNvSpPr/>
+          <p:nvPr/>
+        </p:nvSpPr>
+        <p:spPr>
+          <a:xfrm>
+            <a:off x="1743743" y="2083987"/>
+            <a:ext cx="9473609" cy="4603898"/>
+          </a:xfrm>
+          <a:prstGeom prst="roundRect">
+            <a:avLst/>
+          </a:prstGeom>
+        </p:spPr>
+        <p:style>
+          <a:lnRef idx="2">
+            <a:schemeClr val="dk1"/>
+          </a:lnRef>
+          <a:fillRef idx="1">
+            <a:schemeClr val="lt1"/>
+          </a:fillRef>
+          <a:effectRef idx="0">
+            <a:schemeClr val="dk1"/>
+          </a:effectRef>
+          <a:fontRef idx="minor">
+            <a:schemeClr val="dk1"/>
+          </a:fontRef>
+        </p:style>
+        <p:txBody>
+          <a:bodyPr rtlCol="0" anchor="ctr"/>
+          <a:lstStyle/>
+          <a:p>
+            <a:pPr algn="ctr"/>
+            <a:endParaRPr lang="fr-FR" dirty="0"/>
+          </a:p>
+        </p:txBody>
+      </p:sp>
+      <p:sp>
+        <p:nvSpPr>
+          <p:cNvPr id="2" name="Titre 1">
+            <a:extLst>
+              <a:ext uri="{FF2B5EF4-FFF2-40B4-BE49-F238E27FC236}">
+                <a16:creationId xmlns:a16="http://schemas.microsoft.com/office/drawing/2014/main" id="{12CC11B5-C4EA-ED40-AC48-F81663564CEF}"/>
+              </a:ext>
+            </a:extLst>
+          </p:cNvPr>
+          <p:cNvSpPr>
+            <a:spLocks noGrp="1"/>
+          </p:cNvSpPr>
+          <p:nvPr>
+            <p:ph type="title"/>
+          </p:nvPr>
+        </p:nvSpPr>
+        <p:spPr>
+          <a:xfrm>
+            <a:off x="914401" y="914400"/>
+            <a:ext cx="4035055" cy="2996649"/>
+          </a:xfrm>
+        </p:spPr>
+        <p:txBody>
+          <a:bodyPr vert="horz" lIns="91440" tIns="45720" rIns="91440" bIns="45720" rtlCol="0" anchor="t">
+            <a:normAutofit/>
+          </a:bodyPr>
+          <a:lstStyle/>
+          <a:p>
+            <a:r>
+              <a:rPr lang="en-US" dirty="0" err="1"/>
+              <a:t>Requête</a:t>
+            </a:r>
+            <a:r>
+              <a:rPr lang="en-US" dirty="0"/>
+              <a:t> 6</a:t>
+            </a:r>
+          </a:p>
+        </p:txBody>
+      </p:sp>
+      <p:pic>
+        <p:nvPicPr>
+          <p:cNvPr id="4" name="Image 3" descr="Une image contenant texte&#10;&#10;Description générée automatiquement">
+            <a:extLst>
+              <a:ext uri="{FF2B5EF4-FFF2-40B4-BE49-F238E27FC236}">
+                <a16:creationId xmlns:a16="http://schemas.microsoft.com/office/drawing/2014/main" id="{311545CE-7869-BA4F-845F-386309B603B4}"/>
+              </a:ext>
+            </a:extLst>
+          </p:cNvPr>
+          <p:cNvPicPr>
+            <a:picLocks noChangeAspect="1"/>
+          </p:cNvPicPr>
+          <p:nvPr/>
+        </p:nvPicPr>
+        <p:blipFill>
+          <a:blip r:embed="rId2"/>
+          <a:stretch>
+            <a:fillRect/>
+          </a:stretch>
+        </p:blipFill>
+        <p:spPr>
+          <a:xfrm>
+            <a:off x="2199345" y="4486556"/>
             <a:ext cx="4546600" cy="927100"/>
           </a:xfrm>
           <a:prstGeom prst="rect">
@@ -4226,7 +5012,7 @@
         </p:blipFill>
         <p:spPr>
           <a:xfrm>
-            <a:off x="1486960" y="3403659"/>
+            <a:off x="2156976" y="5689659"/>
             <a:ext cx="8915400" cy="850900"/>
           </a:xfrm>
           <a:prstGeom prst="rect">
@@ -4256,7 +5042,7 @@
         </p:blipFill>
         <p:spPr>
           <a:xfrm>
-            <a:off x="1486960" y="4559659"/>
+            <a:off x="2284408" y="2481632"/>
             <a:ext cx="2628900" cy="1892300"/>
           </a:xfrm>
           <a:prstGeom prst="rect">
@@ -4295,6 +5081,117 @@
             <a:r>
               <a:rPr lang="fr-FR" dirty="0"/>
               <a:t>Sélectionnez le nom des vaccins disponibles à la fois en Belgique et en France</a:t>
+            </a:r>
+          </a:p>
+        </p:txBody>
+      </p:sp>
+      <p:sp>
+        <p:nvSpPr>
+          <p:cNvPr id="21" name="ZoneTexte 20">
+            <a:extLst>
+              <a:ext uri="{FF2B5EF4-FFF2-40B4-BE49-F238E27FC236}">
+                <a16:creationId xmlns:a16="http://schemas.microsoft.com/office/drawing/2014/main" id="{3B37F850-E270-0E48-AF7C-AC9423DAE9A4}"/>
+              </a:ext>
+            </a:extLst>
+          </p:cNvPr>
+          <p:cNvSpPr txBox="1"/>
+          <p:nvPr/>
+        </p:nvSpPr>
+        <p:spPr>
+          <a:xfrm>
+            <a:off x="467834" y="4622361"/>
+            <a:ext cx="1371601" cy="646331"/>
+          </a:xfrm>
+          <a:prstGeom prst="rect">
+            <a:avLst/>
+          </a:prstGeom>
+          <a:noFill/>
+        </p:spPr>
+        <p:txBody>
+          <a:bodyPr wrap="square" rtlCol="0">
+            <a:spAutoFit/>
+          </a:bodyPr>
+          <a:lstStyle/>
+          <a:p>
+            <a:r>
+              <a:rPr lang="fr-FR" dirty="0"/>
+              <a:t>Algèbre relationnel</a:t>
+            </a:r>
+          </a:p>
+        </p:txBody>
+      </p:sp>
+      <p:sp>
+        <p:nvSpPr>
+          <p:cNvPr id="22" name="Rectangle 21">
+            <a:extLst>
+              <a:ext uri="{FF2B5EF4-FFF2-40B4-BE49-F238E27FC236}">
+                <a16:creationId xmlns:a16="http://schemas.microsoft.com/office/drawing/2014/main" id="{4BC677D3-DF9D-E346-AA82-9FFF21208AFA}"/>
+              </a:ext>
+            </a:extLst>
+          </p:cNvPr>
+          <p:cNvSpPr/>
+          <p:nvPr/>
+        </p:nvSpPr>
+        <p:spPr>
+          <a:xfrm>
+            <a:off x="467834" y="5765551"/>
+            <a:ext cx="1371601" cy="646331"/>
+          </a:xfrm>
+          <a:prstGeom prst="rect">
+            <a:avLst/>
+          </a:prstGeom>
+        </p:spPr>
+        <p:txBody>
+          <a:bodyPr wrap="square">
+            <a:spAutoFit/>
+          </a:bodyPr>
+          <a:lstStyle/>
+          <a:p>
+            <a:r>
+              <a:rPr lang="fr-FR" dirty="0"/>
+              <a:t>Calcul</a:t>
+            </a:r>
+          </a:p>
+          <a:p>
+            <a:r>
+              <a:rPr lang="fr-FR" dirty="0" err="1"/>
+              <a:t>Tuple</a:t>
+            </a:r>
+            <a:endParaRPr lang="fr-FR" dirty="0"/>
+          </a:p>
+        </p:txBody>
+      </p:sp>
+      <p:sp>
+        <p:nvSpPr>
+          <p:cNvPr id="23" name="ZoneTexte 22">
+            <a:extLst>
+              <a:ext uri="{FF2B5EF4-FFF2-40B4-BE49-F238E27FC236}">
+                <a16:creationId xmlns:a16="http://schemas.microsoft.com/office/drawing/2014/main" id="{E4575AA6-6AFC-E94F-9450-4E7BF17E82F9}"/>
+              </a:ext>
+            </a:extLst>
+          </p:cNvPr>
+          <p:cNvSpPr txBox="1"/>
+          <p:nvPr/>
+        </p:nvSpPr>
+        <p:spPr>
+          <a:xfrm>
+            <a:off x="492147" y="3073060"/>
+            <a:ext cx="794395" cy="369332"/>
+          </a:xfrm>
+          <a:prstGeom prst="rect">
+            <a:avLst/>
+          </a:prstGeom>
+          <a:noFill/>
+        </p:spPr>
+        <p:txBody>
+          <a:bodyPr wrap="square" rtlCol="0">
+            <a:spAutoFit/>
+          </a:bodyPr>
+          <a:lstStyle/>
+          <a:p>
+            <a:r>
+              <a:rPr lang="fr-FR" dirty="0"/>
+              <a:t>SQL</a:t>
             </a:r>
           </a:p>
         </p:txBody>
@@ -4312,7 +5209,7 @@
 </p:sld>
 </file>
 
-<file path=ppt/slides/slide11.xml><?xml version="1.0" encoding="utf-8"?>
+<file path=ppt/slides/slide15.xml><?xml version="1.0" encoding="utf-8"?>
 <p:sld xmlns:a="http://schemas.openxmlformats.org/drawingml/2006/main" xmlns:r="http://schemas.openxmlformats.org/officeDocument/2006/relationships" xmlns:p="http://schemas.openxmlformats.org/presentationml/2006/main">
   <p:cSld>
     <p:spTree>
@@ -4386,6 +5283,137 @@
     <p:extLst>
       <p:ext uri="{BB962C8B-B14F-4D97-AF65-F5344CB8AC3E}">
         <p14:creationId xmlns:p14="http://schemas.microsoft.com/office/powerpoint/2010/main" val="1633204293"/>
+      </p:ext>
+    </p:extLst>
+  </p:cSld>
+  <p:clrMapOvr>
+    <a:masterClrMapping/>
+  </p:clrMapOvr>
+</p:sld>
+</file>
+
+<file path=ppt/slides/slide16.xml><?xml version="1.0" encoding="utf-8"?>
+<p:sld xmlns:a="http://schemas.openxmlformats.org/drawingml/2006/main" xmlns:r="http://schemas.openxmlformats.org/officeDocument/2006/relationships" xmlns:p="http://schemas.openxmlformats.org/presentationml/2006/main">
+  <p:cSld>
+    <p:spTree>
+      <p:nvGrpSpPr>
+        <p:cNvPr id="1" name=""/>
+        <p:cNvGrpSpPr/>
+        <p:nvPr/>
+      </p:nvGrpSpPr>
+      <p:grpSpPr>
+        <a:xfrm>
+          <a:off x="0" y="0"/>
+          <a:ext cx="0" cy="0"/>
+          <a:chOff x="0" y="0"/>
+          <a:chExt cx="0" cy="0"/>
+        </a:xfrm>
+      </p:grpSpPr>
+      <p:sp>
+        <p:nvSpPr>
+          <p:cNvPr id="2" name="Titre 1">
+            <a:extLst>
+              <a:ext uri="{FF2B5EF4-FFF2-40B4-BE49-F238E27FC236}">
+                <a16:creationId xmlns:a16="http://schemas.microsoft.com/office/drawing/2014/main" id="{9239C80C-CFCB-9247-95D5-7097D4392247}"/>
+              </a:ext>
+            </a:extLst>
+          </p:cNvPr>
+          <p:cNvSpPr>
+            <a:spLocks noGrp="1"/>
+          </p:cNvSpPr>
+          <p:nvPr>
+            <p:ph type="title"/>
+          </p:nvPr>
+        </p:nvSpPr>
+        <p:spPr/>
+        <p:txBody>
+          <a:bodyPr/>
+          <a:lstStyle/>
+          <a:p>
+            <a:r>
+              <a:rPr lang="fr-FR" dirty="0"/>
+              <a:t>Plus … toujours plus !</a:t>
+            </a:r>
+          </a:p>
+        </p:txBody>
+      </p:sp>
+      <p:sp>
+        <p:nvSpPr>
+          <p:cNvPr id="3" name="Espace réservé du contenu 2">
+            <a:extLst>
+              <a:ext uri="{FF2B5EF4-FFF2-40B4-BE49-F238E27FC236}">
+                <a16:creationId xmlns:a16="http://schemas.microsoft.com/office/drawing/2014/main" id="{0A4C1146-46D3-9047-AAE1-1286AA5421A1}"/>
+              </a:ext>
+            </a:extLst>
+          </p:cNvPr>
+          <p:cNvSpPr>
+            <a:spLocks noGrp="1"/>
+          </p:cNvSpPr>
+          <p:nvPr>
+            <p:ph idx="1"/>
+          </p:nvPr>
+        </p:nvSpPr>
+        <p:spPr/>
+        <p:txBody>
+          <a:bodyPr/>
+          <a:lstStyle/>
+          <a:p>
+            <a:r>
+              <a:rPr lang="fr-FR" dirty="0"/>
+              <a:t>Implémentation de ‘trigger’</a:t>
+            </a:r>
+          </a:p>
+          <a:p>
+            <a:r>
+              <a:rPr lang="fr-FR" dirty="0"/>
+              <a:t>Une GUI très propre</a:t>
+            </a:r>
+          </a:p>
+          <a:p>
+            <a:r>
+              <a:rPr lang="fr-FR" dirty="0"/>
+              <a:t>Formulaire utilisateur</a:t>
+            </a:r>
+          </a:p>
+          <a:p>
+            <a:r>
+              <a:rPr lang="fr-FR" dirty="0"/>
+              <a:t>Des boutons... Et un formulaire de requêtes</a:t>
+            </a:r>
+          </a:p>
+          <a:p>
+            <a:pPr lvl="1"/>
+            <a:r>
+              <a:rPr lang="fr-FR" dirty="0"/>
+              <a:t>Gestion des erreurs en ‘AJAX’</a:t>
+            </a:r>
+          </a:p>
+          <a:p>
+            <a:pPr lvl="1"/>
+            <a:r>
+              <a:rPr lang="fr-FR" dirty="0"/>
+              <a:t>Feedback précis et ergonomique</a:t>
+            </a:r>
+          </a:p>
+          <a:p>
+            <a:r>
+              <a:rPr lang="fr-FR" dirty="0"/>
+              <a:t>Vue de profil</a:t>
+            </a:r>
+          </a:p>
+          <a:p>
+            <a:endParaRPr lang="fr-FR" dirty="0"/>
+          </a:p>
+          <a:p>
+            <a:pPr lvl="1"/>
+            <a:endParaRPr lang="fr-FR" dirty="0"/>
+          </a:p>
+        </p:txBody>
+      </p:sp>
+    </p:spTree>
+    <p:extLst>
+      <p:ext uri="{BB962C8B-B14F-4D97-AF65-F5344CB8AC3E}">
+        <p14:creationId xmlns:p14="http://schemas.microsoft.com/office/powerpoint/2010/main" val="2524340035"/>
       </p:ext>
     </p:extLst>
   </p:cSld>
@@ -4420,38 +5448,404 @@
           <a:chExt cx="0" cy="0"/>
         </a:xfrm>
       </p:grpSpPr>
-      <p:sp>
-        <p:nvSpPr>
-          <p:cNvPr id="2" name="Titre 1">
-            <a:extLst>
-              <a:ext uri="{FF2B5EF4-FFF2-40B4-BE49-F238E27FC236}">
-                <a16:creationId xmlns:a16="http://schemas.microsoft.com/office/drawing/2014/main" id="{396665DD-ADA5-2A40-953B-3B8FEE18AB7C}"/>
-              </a:ext>
-            </a:extLst>
-          </p:cNvPr>
-          <p:cNvSpPr>
-            <a:spLocks noGrp="1"/>
-          </p:cNvSpPr>
-          <p:nvPr>
-            <p:ph type="title"/>
+      <p:sp useBgFill="1">
+        <p:nvSpPr>
+          <p:cNvPr id="17" name="Rectangle 11">
+            <a:extLst>
+              <a:ext uri="{FF2B5EF4-FFF2-40B4-BE49-F238E27FC236}">
+                <a16:creationId xmlns:a16="http://schemas.microsoft.com/office/drawing/2014/main" id="{B5FA7C47-B7C1-4D2E-AB49-ED23BA34BA83}"/>
+              </a:ext>
+              <a:ext uri="{C183D7F6-B498-43B3-948B-1728B52AA6E4}">
+                <adec:decorative xmlns:adec="http://schemas.microsoft.com/office/drawing/2017/decorative" val="1"/>
+              </a:ext>
+            </a:extLst>
+          </p:cNvPr>
+          <p:cNvSpPr>
+            <a:spLocks noGrp="1" noRot="1" noChangeAspect="1" noMove="1" noResize="1" noEditPoints="1" noAdjustHandles="1" noChangeArrowheads="1" noChangeShapeType="1" noTextEdit="1"/>
+          </p:cNvSpPr>
+          <p:nvPr>
+            <p:extLst>
+              <p:ext uri="{386F3935-93C4-4BCD-93E2-E3B085C9AB24}">
+                <p16:designElem xmlns:p16="http://schemas.microsoft.com/office/powerpoint/2015/main" val="1"/>
+              </p:ext>
+            </p:extLst>
           </p:nvPr>
         </p:nvSpPr>
         <p:spPr>
           <a:xfrm>
-            <a:off x="914401" y="1371600"/>
-            <a:ext cx="3943762" cy="1314443"/>
-          </a:xfrm>
-        </p:spPr>
-        <p:txBody>
-          <a:bodyPr vert="horz" lIns="91440" tIns="45720" rIns="91440" bIns="45720" rtlCol="0" anchor="t">
+            <a:off x="0" y="0"/>
+            <a:ext cx="12188952" cy="6858000"/>
+          </a:xfrm>
+          <a:prstGeom prst="rect">
+            <a:avLst/>
+          </a:prstGeom>
+          <a:ln>
+            <a:noFill/>
+          </a:ln>
+        </p:spPr>
+        <p:style>
+          <a:lnRef idx="2">
+            <a:schemeClr val="accent1">
+              <a:shade val="50000"/>
+            </a:schemeClr>
+          </a:lnRef>
+          <a:fillRef idx="1">
+            <a:schemeClr val="accent1"/>
+          </a:fillRef>
+          <a:effectRef idx="0">
+            <a:schemeClr val="accent1"/>
+          </a:effectRef>
+          <a:fontRef idx="minor">
+            <a:schemeClr val="lt1"/>
+          </a:fontRef>
+        </p:style>
+        <p:txBody>
+          <a:bodyPr rtlCol="0" anchor="ctr"/>
+          <a:lstStyle/>
+          <a:p>
+            <a:pPr algn="ctr"/>
+            <a:endParaRPr lang="en-US"/>
+          </a:p>
+        </p:txBody>
+      </p:sp>
+      <p:sp>
+        <p:nvSpPr>
+          <p:cNvPr id="19" name="Freeform 6">
+            <a:extLst>
+              <a:ext uri="{FF2B5EF4-FFF2-40B4-BE49-F238E27FC236}">
+                <a16:creationId xmlns:a16="http://schemas.microsoft.com/office/drawing/2014/main" id="{596EE156-ABF1-4329-A6BA-03B4254E0877}"/>
+              </a:ext>
+              <a:ext uri="{C183D7F6-B498-43B3-948B-1728B52AA6E4}">
+                <adec:decorative xmlns:adec="http://schemas.microsoft.com/office/drawing/2017/decorative" val="1"/>
+              </a:ext>
+            </a:extLst>
+          </p:cNvPr>
+          <p:cNvSpPr>
+            <a:spLocks noGrp="1" noRot="1" noChangeAspect="1" noMove="1" noResize="1" noEditPoints="1" noAdjustHandles="1" noChangeArrowheads="1" noChangeShapeType="1" noTextEdit="1"/>
+          </p:cNvSpPr>
+          <p:nvPr>
+            <p:extLst>
+              <p:ext uri="{386F3935-93C4-4BCD-93E2-E3B085C9AB24}">
+                <p16:designElem xmlns:p16="http://schemas.microsoft.com/office/powerpoint/2015/main" val="1"/>
+              </p:ext>
+            </p:extLst>
+          </p:nvPr>
+        </p:nvSpPr>
+        <p:spPr bwMode="auto">
+          <a:xfrm flipH="1">
+            <a:off x="521144" y="911116"/>
+            <a:ext cx="687754" cy="5710965"/>
+          </a:xfrm>
+          <a:custGeom>
+            <a:avLst/>
+            <a:gdLst>
+              <a:gd name="T0" fmla="*/ 414 w 414"/>
+              <a:gd name="T1" fmla="*/ 2447 h 2447"/>
+              <a:gd name="T2" fmla="*/ 0 w 414"/>
+              <a:gd name="T3" fmla="*/ 2247 h 2447"/>
+              <a:gd name="T4" fmla="*/ 0 w 414"/>
+              <a:gd name="T5" fmla="*/ 0 h 2447"/>
+              <a:gd name="T6" fmla="*/ 414 w 414"/>
+              <a:gd name="T7" fmla="*/ 200 h 2447"/>
+              <a:gd name="T8" fmla="*/ 414 w 414"/>
+              <a:gd name="T9" fmla="*/ 2447 h 2447"/>
+            </a:gdLst>
+            <a:ahLst/>
+            <a:cxnLst>
+              <a:cxn ang="0">
+                <a:pos x="T0" y="T1"/>
+              </a:cxn>
+              <a:cxn ang="0">
+                <a:pos x="T2" y="T3"/>
+              </a:cxn>
+              <a:cxn ang="0">
+                <a:pos x="T4" y="T5"/>
+              </a:cxn>
+              <a:cxn ang="0">
+                <a:pos x="T6" y="T7"/>
+              </a:cxn>
+              <a:cxn ang="0">
+                <a:pos x="T8" y="T9"/>
+              </a:cxn>
+            </a:cxnLst>
+            <a:rect l="0" t="0" r="r" b="b"/>
+            <a:pathLst>
+              <a:path w="414" h="2447">
+                <a:moveTo>
+                  <a:pt x="414" y="2447"/>
+                </a:moveTo>
+                <a:lnTo>
+                  <a:pt x="0" y="2247"/>
+                </a:lnTo>
+                <a:lnTo>
+                  <a:pt x="0" y="0"/>
+                </a:lnTo>
+                <a:lnTo>
+                  <a:pt x="414" y="200"/>
+                </a:lnTo>
+                <a:lnTo>
+                  <a:pt x="414" y="2447"/>
+                </a:lnTo>
+                <a:close/>
+              </a:path>
+            </a:pathLst>
+          </a:custGeom>
+          <a:solidFill>
+            <a:schemeClr val="accent1">
+              <a:lumMod val="75000"/>
+            </a:schemeClr>
+          </a:solidFill>
+          <a:ln>
+            <a:noFill/>
+          </a:ln>
+        </p:spPr>
+        <p:txBody>
+          <a:bodyPr vert="horz" wrap="square" lIns="91440" tIns="45720" rIns="91440" bIns="45720" numCol="1" anchor="t" anchorCtr="0" compatLnSpc="1">
+            <a:prstTxWarp prst="textNoShape">
+              <a:avLst/>
+            </a:prstTxWarp>
+          </a:bodyPr>
+          <a:lstStyle/>
+          <a:p>
+            <a:endParaRPr lang="en-US"/>
+          </a:p>
+        </p:txBody>
+      </p:sp>
+      <p:sp>
+        <p:nvSpPr>
+          <p:cNvPr id="16" name="Rectangle 8">
+            <a:extLst>
+              <a:ext uri="{FF2B5EF4-FFF2-40B4-BE49-F238E27FC236}">
+                <a16:creationId xmlns:a16="http://schemas.microsoft.com/office/drawing/2014/main" id="{19B9933F-AAB3-444A-8BB5-9CA194A8BC63}"/>
+              </a:ext>
+              <a:ext uri="{C183D7F6-B498-43B3-948B-1728B52AA6E4}">
+                <adec:decorative xmlns:adec="http://schemas.microsoft.com/office/drawing/2017/decorative" val="1"/>
+              </a:ext>
+            </a:extLst>
+          </p:cNvPr>
+          <p:cNvSpPr>
+            <a:spLocks noGrp="1" noRot="1" noChangeAspect="1" noMove="1" noResize="1" noEditPoints="1" noAdjustHandles="1" noChangeArrowheads="1" noChangeShapeType="1" noTextEdit="1"/>
+          </p:cNvSpPr>
+          <p:nvPr>
+            <p:extLst>
+              <p:ext uri="{386F3935-93C4-4BCD-93E2-E3B085C9AB24}">
+                <p16:designElem xmlns:p16="http://schemas.microsoft.com/office/powerpoint/2015/main" val="1"/>
+              </p:ext>
+            </p:extLst>
+          </p:nvPr>
+        </p:nvSpPr>
+        <p:spPr bwMode="auto">
+          <a:xfrm flipH="1">
+            <a:off x="0" y="1370435"/>
+            <a:ext cx="527226" cy="5251646"/>
+          </a:xfrm>
+          <a:prstGeom prst="rect">
+            <a:avLst/>
+          </a:prstGeom>
+          <a:solidFill>
+            <a:schemeClr val="accent1"/>
+          </a:solidFill>
+          <a:ln>
+            <a:noFill/>
+          </a:ln>
+        </p:spPr>
+        <p:txBody>
+          <a:bodyPr vert="horz" wrap="square" lIns="91440" tIns="45720" rIns="91440" bIns="45720" numCol="1" anchor="t" anchorCtr="0" compatLnSpc="1">
+            <a:prstTxWarp prst="textNoShape">
+              <a:avLst/>
+            </a:prstTxWarp>
+          </a:bodyPr>
+          <a:lstStyle/>
+          <a:p>
+            <a:endParaRPr lang="en-US"/>
+          </a:p>
+        </p:txBody>
+      </p:sp>
+      <p:sp>
+        <p:nvSpPr>
+          <p:cNvPr id="18" name="Freeform 7">
+            <a:extLst>
+              <a:ext uri="{FF2B5EF4-FFF2-40B4-BE49-F238E27FC236}">
+                <a16:creationId xmlns:a16="http://schemas.microsoft.com/office/drawing/2014/main" id="{7D20183A-0B1D-4A1F-89B1-ADBEDBC6E54E}"/>
+              </a:ext>
+              <a:ext uri="{C183D7F6-B498-43B3-948B-1728B52AA6E4}">
+                <adec:decorative xmlns:adec="http://schemas.microsoft.com/office/drawing/2017/decorative" val="1"/>
+              </a:ext>
+            </a:extLst>
+          </p:cNvPr>
+          <p:cNvSpPr>
+            <a:spLocks noGrp="1" noRot="1" noChangeAspect="1" noMove="1" noResize="1" noEditPoints="1" noAdjustHandles="1" noChangeArrowheads="1" noChangeShapeType="1" noTextEdit="1"/>
+          </p:cNvSpPr>
+          <p:nvPr>
+            <p:extLst>
+              <p:ext uri="{386F3935-93C4-4BCD-93E2-E3B085C9AB24}">
+                <p16:designElem xmlns:p16="http://schemas.microsoft.com/office/powerpoint/2015/main" val="1"/>
+              </p:ext>
+            </p:extLst>
+          </p:nvPr>
+        </p:nvSpPr>
+        <p:spPr bwMode="auto">
+          <a:xfrm flipH="1">
+            <a:off x="800164" y="643467"/>
+            <a:ext cx="409371" cy="5521414"/>
+          </a:xfrm>
+          <a:custGeom>
+            <a:avLst/>
+            <a:gdLst>
+              <a:gd name="T0" fmla="*/ 209 w 209"/>
+              <a:gd name="T1" fmla="*/ 2246 h 2358"/>
+              <a:gd name="T2" fmla="*/ 0 w 209"/>
+              <a:gd name="T3" fmla="*/ 2358 h 2358"/>
+              <a:gd name="T4" fmla="*/ 0 w 209"/>
+              <a:gd name="T5" fmla="*/ 111 h 2358"/>
+              <a:gd name="T6" fmla="*/ 209 w 209"/>
+              <a:gd name="T7" fmla="*/ 0 h 2358"/>
+              <a:gd name="T8" fmla="*/ 209 w 209"/>
+              <a:gd name="T9" fmla="*/ 2246 h 2358"/>
+            </a:gdLst>
+            <a:ahLst/>
+            <a:cxnLst>
+              <a:cxn ang="0">
+                <a:pos x="T0" y="T1"/>
+              </a:cxn>
+              <a:cxn ang="0">
+                <a:pos x="T2" y="T3"/>
+              </a:cxn>
+              <a:cxn ang="0">
+                <a:pos x="T4" y="T5"/>
+              </a:cxn>
+              <a:cxn ang="0">
+                <a:pos x="T6" y="T7"/>
+              </a:cxn>
+              <a:cxn ang="0">
+                <a:pos x="T8" y="T9"/>
+              </a:cxn>
+            </a:cxnLst>
+            <a:rect l="0" t="0" r="r" b="b"/>
+            <a:pathLst>
+              <a:path w="209" h="2358">
+                <a:moveTo>
+                  <a:pt x="209" y="2246"/>
+                </a:moveTo>
+                <a:lnTo>
+                  <a:pt x="0" y="2358"/>
+                </a:lnTo>
+                <a:lnTo>
+                  <a:pt x="0" y="111"/>
+                </a:lnTo>
+                <a:lnTo>
+                  <a:pt x="209" y="0"/>
+                </a:lnTo>
+                <a:lnTo>
+                  <a:pt x="209" y="2246"/>
+                </a:lnTo>
+                <a:close/>
+              </a:path>
+            </a:pathLst>
+          </a:custGeom>
+          <a:solidFill>
+            <a:schemeClr val="accent1">
+              <a:lumMod val="50000"/>
+            </a:schemeClr>
+          </a:solidFill>
+          <a:ln>
+            <a:noFill/>
+          </a:ln>
+        </p:spPr>
+        <p:txBody>
+          <a:bodyPr vert="horz" wrap="square" lIns="91440" tIns="45720" rIns="91440" bIns="45720" numCol="1" anchor="t" anchorCtr="0" compatLnSpc="1">
+            <a:prstTxWarp prst="textNoShape">
+              <a:avLst/>
+            </a:prstTxWarp>
+          </a:bodyPr>
+          <a:lstStyle/>
+          <a:p>
+            <a:endParaRPr lang="en-US"/>
+          </a:p>
+        </p:txBody>
+      </p:sp>
+      <p:sp>
+        <p:nvSpPr>
+          <p:cNvPr id="20" name="Rectangle 8">
+            <a:extLst>
+              <a:ext uri="{FF2B5EF4-FFF2-40B4-BE49-F238E27FC236}">
+                <a16:creationId xmlns:a16="http://schemas.microsoft.com/office/drawing/2014/main" id="{131031D3-26CD-4214-A9A4-5857EFA15A0C}"/>
+              </a:ext>
+              <a:ext uri="{C183D7F6-B498-43B3-948B-1728B52AA6E4}">
+                <adec:decorative xmlns:adec="http://schemas.microsoft.com/office/drawing/2017/decorative" val="1"/>
+              </a:ext>
+            </a:extLst>
+          </p:cNvPr>
+          <p:cNvSpPr>
+            <a:spLocks noGrp="1" noRot="1" noChangeAspect="1" noMove="1" noResize="1" noEditPoints="1" noAdjustHandles="1" noChangeArrowheads="1" noChangeShapeType="1" noTextEdit="1"/>
+          </p:cNvSpPr>
+          <p:nvPr>
+            <p:extLst>
+              <p:ext uri="{386F3935-93C4-4BCD-93E2-E3B085C9AB24}">
+                <p16:designElem xmlns:p16="http://schemas.microsoft.com/office/powerpoint/2015/main" val="1"/>
+              </p:ext>
+            </p:extLst>
+          </p:nvPr>
+        </p:nvSpPr>
+        <p:spPr bwMode="auto">
+          <a:xfrm>
+            <a:off x="795529" y="644382"/>
+            <a:ext cx="3856024" cy="5251646"/>
+          </a:xfrm>
+          <a:prstGeom prst="rect">
+            <a:avLst/>
+          </a:prstGeom>
+          <a:solidFill>
+            <a:schemeClr val="accent1"/>
+          </a:solidFill>
+          <a:ln>
+            <a:noFill/>
+          </a:ln>
+        </p:spPr>
+        <p:txBody>
+          <a:bodyPr vert="horz" wrap="square" lIns="91440" tIns="45720" rIns="91440" bIns="45720" numCol="1" anchor="t" anchorCtr="0" compatLnSpc="1">
+            <a:prstTxWarp prst="textNoShape">
+              <a:avLst/>
+            </a:prstTxWarp>
+          </a:bodyPr>
+          <a:lstStyle/>
+          <a:p>
+            <a:endParaRPr lang="en-US"/>
+          </a:p>
+        </p:txBody>
+      </p:sp>
+      <p:sp>
+        <p:nvSpPr>
+          <p:cNvPr id="2" name="Titre 1">
+            <a:extLst>
+              <a:ext uri="{FF2B5EF4-FFF2-40B4-BE49-F238E27FC236}">
+                <a16:creationId xmlns:a16="http://schemas.microsoft.com/office/drawing/2014/main" id="{396665DD-ADA5-2A40-953B-3B8FEE18AB7C}"/>
+              </a:ext>
+            </a:extLst>
+          </p:cNvPr>
+          <p:cNvSpPr>
+            <a:spLocks noGrp="1"/>
+          </p:cNvSpPr>
+          <p:nvPr>
+            <p:ph type="title"/>
+          </p:nvPr>
+        </p:nvSpPr>
+        <p:spPr>
+          <a:xfrm>
+            <a:off x="1146879" y="998002"/>
+            <a:ext cx="3182940" cy="1471959"/>
+          </a:xfrm>
+        </p:spPr>
+        <p:txBody>
+          <a:bodyPr vert="horz" lIns="91440" tIns="45720" rIns="91440" bIns="45720" rtlCol="0" anchor="ctr">
             <a:normAutofit/>
           </a:bodyPr>
           <a:lstStyle/>
           <a:p>
             <a:r>
-              <a:rPr lang="en-US" kern="1200">
+              <a:rPr lang="en-US" sz="3600" kern="1200">
                 <a:solidFill>
-                  <a:schemeClr val="tx1"/>
+                  <a:srgbClr val="FFFFFF"/>
                 </a:solidFill>
                 <a:latin typeface="+mj-lt"/>
                 <a:ea typeface="+mj-ea"/>
@@ -4462,12 +5856,276 @@
           </a:p>
         </p:txBody>
       </p:sp>
+      <p:sp>
+        <p:nvSpPr>
+          <p:cNvPr id="6" name="ZoneTexte 5">
+            <a:extLst>
+              <a:ext uri="{FF2B5EF4-FFF2-40B4-BE49-F238E27FC236}">
+                <a16:creationId xmlns:a16="http://schemas.microsoft.com/office/drawing/2014/main" id="{CA663BFA-AE79-9B4B-83C8-AEA16E58F4A9}"/>
+              </a:ext>
+            </a:extLst>
+          </p:cNvPr>
+          <p:cNvSpPr txBox="1"/>
+          <p:nvPr/>
+        </p:nvSpPr>
+        <p:spPr>
+          <a:xfrm>
+            <a:off x="1139635" y="2546161"/>
+            <a:ext cx="3357937" cy="2985929"/>
+          </a:xfrm>
+          <a:prstGeom prst="rect">
+            <a:avLst/>
+          </a:prstGeom>
+        </p:spPr>
+        <p:txBody>
+          <a:bodyPr vert="horz" lIns="91440" tIns="45720" rIns="91440" bIns="45720" rtlCol="0" anchor="t">
+            <a:normAutofit fontScale="92500" lnSpcReduction="10000"/>
+          </a:bodyPr>
+          <a:lstStyle/>
+          <a:p>
+            <a:pPr marL="285750" indent="-228600">
+              <a:lnSpc>
+                <a:spcPct val="90000"/>
+              </a:lnSpc>
+              <a:spcAft>
+                <a:spcPts val="600"/>
+              </a:spcAft>
+              <a:buSzPct val="87000"/>
+              <a:buFont typeface="Arial" panose="020B0604020202020204" pitchFamily="34" charset="0"/>
+              <a:buChar char="•"/>
+            </a:pPr>
+            <a:r>
+              <a:rPr lang="en-US" sz="2400" dirty="0">
+                <a:solidFill>
+                  <a:srgbClr val="FEFFFF"/>
+                </a:solidFill>
+              </a:rPr>
+              <a:t>Les </a:t>
+            </a:r>
+            <a:r>
+              <a:rPr lang="en-US" sz="2400" dirty="0" err="1">
+                <a:solidFill>
+                  <a:srgbClr val="FEFFFF"/>
+                </a:solidFill>
+              </a:rPr>
+              <a:t>hypothèses</a:t>
+            </a:r>
+            <a:endParaRPr lang="en-US" sz="2400" dirty="0">
+              <a:solidFill>
+                <a:srgbClr val="FEFFFF"/>
+              </a:solidFill>
+            </a:endParaRPr>
+          </a:p>
+          <a:p>
+            <a:pPr marL="285750" indent="-228600">
+              <a:lnSpc>
+                <a:spcPct val="90000"/>
+              </a:lnSpc>
+              <a:spcAft>
+                <a:spcPts val="600"/>
+              </a:spcAft>
+              <a:buSzPct val="87000"/>
+              <a:buFont typeface="Arial" panose="020B0604020202020204" pitchFamily="34" charset="0"/>
+              <a:buChar char="•"/>
+            </a:pPr>
+            <a:r>
+              <a:rPr lang="en-US" sz="2400" dirty="0">
+                <a:solidFill>
+                  <a:srgbClr val="FEFFFF"/>
+                </a:solidFill>
+              </a:rPr>
+              <a:t>Les </a:t>
+            </a:r>
+            <a:r>
+              <a:rPr lang="en-US" sz="2400" dirty="0" err="1">
+                <a:solidFill>
+                  <a:srgbClr val="FEFFFF"/>
+                </a:solidFill>
+              </a:rPr>
+              <a:t>contraintes</a:t>
+            </a:r>
+            <a:r>
+              <a:rPr lang="en-US" sz="2400" dirty="0">
+                <a:solidFill>
+                  <a:srgbClr val="FEFFFF"/>
+                </a:solidFill>
+              </a:rPr>
+              <a:t> </a:t>
+            </a:r>
+            <a:r>
+              <a:rPr lang="en-US" sz="2400" dirty="0" err="1">
+                <a:solidFill>
+                  <a:srgbClr val="FEFFFF"/>
+                </a:solidFill>
+              </a:rPr>
+              <a:t>d’intégrité</a:t>
+            </a:r>
+            <a:endParaRPr lang="en-US" sz="2400" dirty="0">
+              <a:solidFill>
+                <a:srgbClr val="FEFFFF"/>
+              </a:solidFill>
+            </a:endParaRPr>
+          </a:p>
+          <a:p>
+            <a:pPr marL="742950" lvl="1" indent="-228600">
+              <a:lnSpc>
+                <a:spcPct val="90000"/>
+              </a:lnSpc>
+              <a:spcAft>
+                <a:spcPts val="600"/>
+              </a:spcAft>
+              <a:buSzPct val="87000"/>
+              <a:buFont typeface="Arial" panose="020B0604020202020204" pitchFamily="34" charset="0"/>
+              <a:buChar char="•"/>
+            </a:pPr>
+            <a:r>
+              <a:rPr lang="en-US" sz="2400" dirty="0" err="1">
+                <a:solidFill>
+                  <a:srgbClr val="FEFFFF"/>
+                </a:solidFill>
+              </a:rPr>
+              <a:t>Adresse</a:t>
+            </a:r>
+            <a:r>
+              <a:rPr lang="en-US" sz="2400" dirty="0">
+                <a:solidFill>
+                  <a:srgbClr val="FEFFFF"/>
+                </a:solidFill>
+              </a:rPr>
+              <a:t> </a:t>
+            </a:r>
+            <a:r>
+              <a:rPr lang="en-US" sz="2400" dirty="0" err="1">
+                <a:solidFill>
+                  <a:srgbClr val="FEFFFF"/>
+                </a:solidFill>
+              </a:rPr>
+              <a:t>entière</a:t>
+            </a:r>
+            <a:endParaRPr lang="en-US" sz="2400" dirty="0">
+              <a:solidFill>
+                <a:srgbClr val="FEFFFF"/>
+              </a:solidFill>
+            </a:endParaRPr>
+          </a:p>
+          <a:p>
+            <a:pPr marL="742950" lvl="1" indent="-228600">
+              <a:lnSpc>
+                <a:spcPct val="90000"/>
+              </a:lnSpc>
+              <a:spcAft>
+                <a:spcPts val="600"/>
+              </a:spcAft>
+              <a:buSzPct val="87000"/>
+              <a:buFont typeface="Arial" panose="020B0604020202020204" pitchFamily="34" charset="0"/>
+              <a:buChar char="•"/>
+            </a:pPr>
+            <a:r>
+              <a:rPr lang="en-US" sz="2400" dirty="0" err="1">
+                <a:solidFill>
+                  <a:srgbClr val="FEFFFF"/>
+                </a:solidFill>
+              </a:rPr>
+              <a:t>Nb_icu</a:t>
+            </a:r>
+            <a:r>
+              <a:rPr lang="en-US" sz="2400" dirty="0">
+                <a:solidFill>
+                  <a:srgbClr val="FEFFFF"/>
+                </a:solidFill>
+              </a:rPr>
+              <a:t> &lt;= </a:t>
+            </a:r>
+            <a:r>
+              <a:rPr lang="en-US" sz="2400" dirty="0" err="1">
+                <a:solidFill>
+                  <a:srgbClr val="FEFFFF"/>
+                </a:solidFill>
+              </a:rPr>
+              <a:t>nb_hospitalisation</a:t>
+            </a:r>
+            <a:endParaRPr lang="en-US" sz="2400" dirty="0">
+              <a:solidFill>
+                <a:srgbClr val="FEFFFF"/>
+              </a:solidFill>
+            </a:endParaRPr>
+          </a:p>
+          <a:p>
+            <a:pPr marL="742950" lvl="1" indent="-228600">
+              <a:lnSpc>
+                <a:spcPct val="90000"/>
+              </a:lnSpc>
+              <a:spcAft>
+                <a:spcPts val="600"/>
+              </a:spcAft>
+              <a:buSzPct val="87000"/>
+              <a:buFont typeface="Arial" panose="020B0604020202020204" pitchFamily="34" charset="0"/>
+              <a:buChar char="•"/>
+            </a:pPr>
+            <a:r>
+              <a:rPr lang="en-US" sz="2400" dirty="0" err="1">
+                <a:solidFill>
+                  <a:srgbClr val="FEFFFF"/>
+                </a:solidFill>
+              </a:rPr>
+              <a:t>DateDébutVaccination</a:t>
+            </a:r>
+            <a:r>
+              <a:rPr lang="en-US" sz="2400" dirty="0">
+                <a:solidFill>
+                  <a:srgbClr val="FEFFFF"/>
+                </a:solidFill>
+              </a:rPr>
+              <a:t> &lt;= Date</a:t>
+            </a:r>
+          </a:p>
+          <a:p>
+            <a:pPr marL="742950" lvl="1" indent="-228600">
+              <a:lnSpc>
+                <a:spcPct val="90000"/>
+              </a:lnSpc>
+              <a:spcAft>
+                <a:spcPts val="600"/>
+              </a:spcAft>
+              <a:buSzPct val="87000"/>
+              <a:buFont typeface="Arial" panose="020B0604020202020204" pitchFamily="34" charset="0"/>
+              <a:buChar char="•"/>
+            </a:pPr>
+            <a:r>
+              <a:rPr lang="en-US" sz="2400" dirty="0">
+                <a:solidFill>
+                  <a:srgbClr val="FEFFFF"/>
+                </a:solidFill>
+              </a:rPr>
+              <a:t>…</a:t>
+            </a:r>
+          </a:p>
+          <a:p>
+            <a:pPr marL="285750" indent="-228600">
+              <a:lnSpc>
+                <a:spcPct val="90000"/>
+              </a:lnSpc>
+              <a:spcAft>
+                <a:spcPts val="600"/>
+              </a:spcAft>
+              <a:buSzPct val="87000"/>
+              <a:buFont typeface="Arial" panose="020B0604020202020204" pitchFamily="34" charset="0"/>
+              <a:buChar char="•"/>
+            </a:pPr>
+            <a:endParaRPr lang="en-US" sz="2400" dirty="0">
+              <a:solidFill>
+                <a:srgbClr val="FEFFFF"/>
+              </a:solidFill>
+            </a:endParaRPr>
+          </a:p>
+        </p:txBody>
+      </p:sp>
       <p:pic>
         <p:nvPicPr>
-          <p:cNvPr id="10" name="Espace réservé du contenu 9">
-            <a:extLst>
-              <a:ext uri="{FF2B5EF4-FFF2-40B4-BE49-F238E27FC236}">
-                <a16:creationId xmlns:a16="http://schemas.microsoft.com/office/drawing/2014/main" id="{75AB5626-7A6A-214D-8F9D-3BAEFC50D6E9}"/>
+          <p:cNvPr id="13" name="Espace réservé du contenu 12">
+            <a:extLst>
+              <a:ext uri="{FF2B5EF4-FFF2-40B4-BE49-F238E27FC236}">
+                <a16:creationId xmlns:a16="http://schemas.microsoft.com/office/drawing/2014/main" id="{AE7C2E4F-FE3E-D948-875B-E36F7BC10DFA}"/>
               </a:ext>
             </a:extLst>
           </p:cNvPr>
@@ -4486,105 +6144,11 @@
         </p:blipFill>
         <p:spPr>
           <a:xfrm>
-            <a:off x="6557814" y="503002"/>
-            <a:ext cx="5634186" cy="6147582"/>
+            <a:off x="5641868" y="-3076"/>
+            <a:ext cx="6548112" cy="6861075"/>
           </a:xfrm>
         </p:spPr>
       </p:pic>
-      <p:sp>
-        <p:nvSpPr>
-          <p:cNvPr id="6" name="ZoneTexte 5">
-            <a:extLst>
-              <a:ext uri="{FF2B5EF4-FFF2-40B4-BE49-F238E27FC236}">
-                <a16:creationId xmlns:a16="http://schemas.microsoft.com/office/drawing/2014/main" id="{CA663BFA-AE79-9B4B-83C8-AEA16E58F4A9}"/>
-              </a:ext>
-            </a:extLst>
-          </p:cNvPr>
-          <p:cNvSpPr txBox="1"/>
-          <p:nvPr/>
-        </p:nvSpPr>
-        <p:spPr>
-          <a:xfrm>
-            <a:off x="914400" y="2853369"/>
-            <a:ext cx="3943762" cy="3088460"/>
-          </a:xfrm>
-          <a:prstGeom prst="rect">
-            <a:avLst/>
-          </a:prstGeom>
-        </p:spPr>
-        <p:txBody>
-          <a:bodyPr vert="horz" lIns="91440" tIns="45720" rIns="91440" bIns="45720" rtlCol="0">
-            <a:normAutofit/>
-          </a:bodyPr>
-          <a:lstStyle/>
-          <a:p>
-            <a:pPr marL="285750" indent="-285750" defTabSz="914400">
-              <a:lnSpc>
-                <a:spcPct val="120000"/>
-              </a:lnSpc>
-              <a:spcAft>
-                <a:spcPts val="600"/>
-              </a:spcAft>
-              <a:buSzPct val="87000"/>
-              <a:buFontTx/>
-              <a:buChar char="-"/>
-            </a:pPr>
-            <a:r>
-              <a:rPr lang="en-US" dirty="0"/>
-              <a:t>Les </a:t>
-            </a:r>
-            <a:r>
-              <a:rPr lang="en-US" dirty="0" err="1"/>
-              <a:t>hypothèses</a:t>
-            </a:r>
-            <a:endParaRPr lang="en-US" dirty="0"/>
-          </a:p>
-          <a:p>
-            <a:pPr marL="285750" indent="-285750" defTabSz="914400">
-              <a:lnSpc>
-                <a:spcPct val="120000"/>
-              </a:lnSpc>
-              <a:spcAft>
-                <a:spcPts val="600"/>
-              </a:spcAft>
-              <a:buSzPct val="87000"/>
-              <a:buFontTx/>
-              <a:buChar char="-"/>
-            </a:pPr>
-            <a:r>
-              <a:rPr lang="en-US" dirty="0"/>
-              <a:t>Les </a:t>
-            </a:r>
-            <a:r>
-              <a:rPr lang="en-US" dirty="0" err="1"/>
-              <a:t>contraintes</a:t>
-            </a:r>
-            <a:r>
-              <a:rPr lang="en-US" dirty="0"/>
-              <a:t> </a:t>
-            </a:r>
-            <a:r>
-              <a:rPr lang="en-US" dirty="0" err="1"/>
-              <a:t>d’intégrité</a:t>
-            </a:r>
-            <a:endParaRPr lang="en-US" dirty="0"/>
-          </a:p>
-          <a:p>
-            <a:pPr marL="285750" indent="-285750" defTabSz="914400">
-              <a:lnSpc>
-                <a:spcPct val="120000"/>
-              </a:lnSpc>
-              <a:spcAft>
-                <a:spcPts val="600"/>
-              </a:spcAft>
-              <a:buSzPct val="87000"/>
-              <a:buFontTx/>
-              <a:buChar char="-"/>
-            </a:pPr>
-            <a:endParaRPr lang="en-US" dirty="0"/>
-          </a:p>
-        </p:txBody>
-      </p:sp>
     </p:spTree>
     <p:extLst>
       <p:ext uri="{BB962C8B-B14F-4D97-AF65-F5344CB8AC3E}">
@@ -4601,6 +6165,14 @@
 <file path=ppt/slides/slide3.xml><?xml version="1.0" encoding="utf-8"?>
 <p:sld xmlns:a="http://schemas.openxmlformats.org/drawingml/2006/main" xmlns:r="http://schemas.openxmlformats.org/officeDocument/2006/relationships" xmlns:p="http://schemas.openxmlformats.org/presentationml/2006/main">
   <p:cSld>
+    <p:bg>
+      <p:bgPr>
+        <a:solidFill>
+          <a:schemeClr val="bg1"/>
+        </a:solidFill>
+        <a:effectLst/>
+      </p:bgPr>
+    </p:bg>
     <p:spTree>
       <p:nvGrpSpPr>
         <p:cNvPr id="1" name=""/>
@@ -4617,6 +6189,382 @@
       </p:grpSpPr>
       <p:sp>
         <p:nvSpPr>
+          <p:cNvPr id="61" name="Rectangle 60">
+            <a:extLst>
+              <a:ext uri="{FF2B5EF4-FFF2-40B4-BE49-F238E27FC236}">
+                <a16:creationId xmlns:a16="http://schemas.microsoft.com/office/drawing/2014/main" id="{0DE6A193-4755-479A-BC6F-A7EBCA73BE1A}"/>
+              </a:ext>
+              <a:ext uri="{C183D7F6-B498-43B3-948B-1728B52AA6E4}">
+                <adec:decorative xmlns:adec="http://schemas.microsoft.com/office/drawing/2017/decorative" val="1"/>
+              </a:ext>
+            </a:extLst>
+          </p:cNvPr>
+          <p:cNvSpPr>
+            <a:spLocks noGrp="1" noRot="1" noChangeAspect="1" noMove="1" noResize="1" noEditPoints="1" noAdjustHandles="1" noChangeArrowheads="1" noChangeShapeType="1" noTextEdit="1"/>
+          </p:cNvSpPr>
+          <p:nvPr>
+            <p:extLst>
+              <p:ext uri="{386F3935-93C4-4BCD-93E2-E3B085C9AB24}">
+                <p16:designElem xmlns:p16="http://schemas.microsoft.com/office/powerpoint/2015/main" val="1"/>
+              </p:ext>
+            </p:extLst>
+          </p:nvPr>
+        </p:nvSpPr>
+        <p:spPr>
+          <a:xfrm>
+            <a:off x="0" y="0"/>
+            <a:ext cx="12192001" cy="6858000"/>
+          </a:xfrm>
+          <a:prstGeom prst="rect">
+            <a:avLst/>
+          </a:prstGeom>
+          <a:solidFill>
+            <a:schemeClr val="tx1"/>
+          </a:solidFill>
+          <a:ln>
+            <a:noFill/>
+          </a:ln>
+        </p:spPr>
+        <p:style>
+          <a:lnRef idx="2">
+            <a:schemeClr val="accent1">
+              <a:shade val="50000"/>
+            </a:schemeClr>
+          </a:lnRef>
+          <a:fillRef idx="1">
+            <a:schemeClr val="accent1"/>
+          </a:fillRef>
+          <a:effectRef idx="0">
+            <a:schemeClr val="accent1"/>
+          </a:effectRef>
+          <a:fontRef idx="minor">
+            <a:schemeClr val="lt1"/>
+          </a:fontRef>
+        </p:style>
+        <p:txBody>
+          <a:bodyPr rtlCol="0" anchor="ctr"/>
+          <a:lstStyle/>
+          <a:p>
+            <a:pPr algn="ctr"/>
+            <a:endParaRPr lang="en-US"/>
+          </a:p>
+        </p:txBody>
+      </p:sp>
+      <p:sp>
+        <p:nvSpPr>
+          <p:cNvPr id="63" name="Freeform: Shape 62">
+            <a:extLst>
+              <a:ext uri="{FF2B5EF4-FFF2-40B4-BE49-F238E27FC236}">
+                <a16:creationId xmlns:a16="http://schemas.microsoft.com/office/drawing/2014/main" id="{5A55B759-31A7-423C-9BC2-A8BC09FE98B9}"/>
+              </a:ext>
+              <a:ext uri="{C183D7F6-B498-43B3-948B-1728B52AA6E4}">
+                <adec:decorative xmlns:adec="http://schemas.microsoft.com/office/drawing/2017/decorative" val="1"/>
+              </a:ext>
+            </a:extLst>
+          </p:cNvPr>
+          <p:cNvSpPr>
+            <a:spLocks noGrp="1" noRot="1" noChangeAspect="1" noMove="1" noResize="1" noEditPoints="1" noAdjustHandles="1" noChangeArrowheads="1" noChangeShapeType="1" noTextEdit="1"/>
+          </p:cNvSpPr>
+          <p:nvPr>
+            <p:extLst>
+              <p:ext uri="{386F3935-93C4-4BCD-93E2-E3B085C9AB24}">
+                <p16:designElem xmlns:p16="http://schemas.microsoft.com/office/powerpoint/2015/main" val="1"/>
+              </p:ext>
+            </p:extLst>
+          </p:nvPr>
+        </p:nvSpPr>
+        <p:spPr>
+          <a:xfrm flipV="1">
+            <a:off x="0" y="-478"/>
+            <a:ext cx="6754318" cy="6858478"/>
+          </a:xfrm>
+          <a:custGeom>
+            <a:avLst/>
+            <a:gdLst>
+              <a:gd name="connsiteX0" fmla="*/ 0 w 6754318"/>
+              <a:gd name="connsiteY0" fmla="*/ 6858478 h 6858478"/>
+              <a:gd name="connsiteX1" fmla="*/ 6754318 w 6754318"/>
+              <a:gd name="connsiteY1" fmla="*/ 6858478 h 6858478"/>
+              <a:gd name="connsiteX2" fmla="*/ 3577943 w 6754318"/>
+              <a:gd name="connsiteY2" fmla="*/ 0 h 6858478"/>
+              <a:gd name="connsiteX3" fmla="*/ 3572366 w 6754318"/>
+              <a:gd name="connsiteY3" fmla="*/ 0 h 6858478"/>
+              <a:gd name="connsiteX4" fmla="*/ 2506138 w 6754318"/>
+              <a:gd name="connsiteY4" fmla="*/ 0 h 6858478"/>
+              <a:gd name="connsiteX5" fmla="*/ 0 w 6754318"/>
+              <a:gd name="connsiteY5" fmla="*/ 0 h 6858478"/>
+            </a:gdLst>
+            <a:ahLst/>
+            <a:cxnLst>
+              <a:cxn ang="0">
+                <a:pos x="connsiteX0" y="connsiteY0"/>
+              </a:cxn>
+              <a:cxn ang="0">
+                <a:pos x="connsiteX1" y="connsiteY1"/>
+              </a:cxn>
+              <a:cxn ang="0">
+                <a:pos x="connsiteX2" y="connsiteY2"/>
+              </a:cxn>
+              <a:cxn ang="0">
+                <a:pos x="connsiteX3" y="connsiteY3"/>
+              </a:cxn>
+              <a:cxn ang="0">
+                <a:pos x="connsiteX4" y="connsiteY4"/>
+              </a:cxn>
+              <a:cxn ang="0">
+                <a:pos x="connsiteX5" y="connsiteY5"/>
+              </a:cxn>
+            </a:cxnLst>
+            <a:rect l="l" t="t" r="r" b="b"/>
+            <a:pathLst>
+              <a:path w="6754318" h="6858478">
+                <a:moveTo>
+                  <a:pt x="0" y="6858478"/>
+                </a:moveTo>
+                <a:lnTo>
+                  <a:pt x="6754318" y="6858478"/>
+                </a:lnTo>
+                <a:lnTo>
+                  <a:pt x="3577943" y="0"/>
+                </a:lnTo>
+                <a:lnTo>
+                  <a:pt x="3572366" y="0"/>
+                </a:lnTo>
+                <a:lnTo>
+                  <a:pt x="2506138" y="0"/>
+                </a:lnTo>
+                <a:lnTo>
+                  <a:pt x="0" y="0"/>
+                </a:lnTo>
+                <a:close/>
+              </a:path>
+            </a:pathLst>
+          </a:custGeom>
+          <a:solidFill>
+            <a:schemeClr val="bg1">
+              <a:lumMod val="85000"/>
+              <a:lumOff val="15000"/>
+              <a:alpha val="70000"/>
+            </a:schemeClr>
+          </a:solidFill>
+          <a:ln>
+            <a:noFill/>
+          </a:ln>
+        </p:spPr>
+        <p:style>
+          <a:lnRef idx="2">
+            <a:schemeClr val="accent1">
+              <a:shade val="50000"/>
+            </a:schemeClr>
+          </a:lnRef>
+          <a:fillRef idx="1">
+            <a:schemeClr val="accent1"/>
+          </a:fillRef>
+          <a:effectRef idx="0">
+            <a:schemeClr val="accent1"/>
+          </a:effectRef>
+          <a:fontRef idx="minor">
+            <a:schemeClr val="lt1"/>
+          </a:fontRef>
+        </p:style>
+        <p:txBody>
+          <a:bodyPr wrap="square" rtlCol="0" anchor="ctr">
+            <a:noAutofit/>
+          </a:bodyPr>
+          <a:lstStyle/>
+          <a:p>
+            <a:pPr marL="0" marR="0" lvl="0" indent="0" algn="ctr" defTabSz="914400" rtl="0" eaLnBrk="1" fontAlgn="auto" latinLnBrk="0" hangingPunct="1">
+              <a:lnSpc>
+                <a:spcPct val="100000"/>
+              </a:lnSpc>
+              <a:spcBef>
+                <a:spcPts val="0"/>
+              </a:spcBef>
+              <a:spcAft>
+                <a:spcPts val="0"/>
+              </a:spcAft>
+              <a:buClrTx/>
+              <a:buSzTx/>
+              <a:buFontTx/>
+              <a:buNone/>
+              <a:tabLst/>
+              <a:defRPr/>
+            </a:pPr>
+            <a:endParaRPr kumimoji="0" lang="en-US" sz="1800" b="0" i="0" u="none" strike="noStrike" kern="1200" cap="none" spc="0" normalizeH="0" baseline="0" noProof="0">
+              <a:ln>
+                <a:noFill/>
+              </a:ln>
+              <a:solidFill>
+                <a:prstClr val="white"/>
+              </a:solidFill>
+              <a:effectLst/>
+              <a:uLnTx/>
+              <a:uFillTx/>
+              <a:latin typeface="Calibri" panose="020F0502020204030204"/>
+              <a:ea typeface="+mn-ea"/>
+              <a:cs typeface="+mn-cs"/>
+            </a:endParaRPr>
+          </a:p>
+        </p:txBody>
+      </p:sp>
+      <p:sp>
+        <p:nvSpPr>
+          <p:cNvPr id="65" name="Freeform: Shape 64">
+            <a:extLst>
+              <a:ext uri="{FF2B5EF4-FFF2-40B4-BE49-F238E27FC236}">
+                <a16:creationId xmlns:a16="http://schemas.microsoft.com/office/drawing/2014/main" id="{F78796AF-79A0-47AC-BEFD-BFFC00F968C4}"/>
+              </a:ext>
+              <a:ext uri="{C183D7F6-B498-43B3-948B-1728B52AA6E4}">
+                <adec:decorative xmlns:adec="http://schemas.microsoft.com/office/drawing/2017/decorative" val="1"/>
+              </a:ext>
+            </a:extLst>
+          </p:cNvPr>
+          <p:cNvSpPr>
+            <a:spLocks noGrp="1" noRot="1" noChangeAspect="1" noMove="1" noResize="1" noEditPoints="1" noAdjustHandles="1" noChangeArrowheads="1" noChangeShapeType="1" noTextEdit="1"/>
+          </p:cNvSpPr>
+          <p:nvPr>
+            <p:extLst>
+              <p:ext uri="{386F3935-93C4-4BCD-93E2-E3B085C9AB24}">
+                <p16:designElem xmlns:p16="http://schemas.microsoft.com/office/powerpoint/2015/main" val="1"/>
+              </p:ext>
+            </p:extLst>
+          </p:nvPr>
+        </p:nvSpPr>
+        <p:spPr>
+          <a:xfrm flipV="1">
+            <a:off x="1" y="-478"/>
+            <a:ext cx="5953780" cy="6858478"/>
+          </a:xfrm>
+          <a:custGeom>
+            <a:avLst/>
+            <a:gdLst>
+              <a:gd name="connsiteX0" fmla="*/ 0 w 5953780"/>
+              <a:gd name="connsiteY0" fmla="*/ 6858478 h 6858478"/>
+              <a:gd name="connsiteX1" fmla="*/ 5953780 w 5953780"/>
+              <a:gd name="connsiteY1" fmla="*/ 6858478 h 6858478"/>
+              <a:gd name="connsiteX2" fmla="*/ 2777405 w 5953780"/>
+              <a:gd name="connsiteY2" fmla="*/ 0 h 6858478"/>
+              <a:gd name="connsiteX3" fmla="*/ 2771828 w 5953780"/>
+              <a:gd name="connsiteY3" fmla="*/ 0 h 6858478"/>
+              <a:gd name="connsiteX4" fmla="*/ 1705600 w 5953780"/>
+              <a:gd name="connsiteY4" fmla="*/ 0 h 6858478"/>
+              <a:gd name="connsiteX5" fmla="*/ 0 w 5953780"/>
+              <a:gd name="connsiteY5" fmla="*/ 0 h 6858478"/>
+            </a:gdLst>
+            <a:ahLst/>
+            <a:cxnLst>
+              <a:cxn ang="0">
+                <a:pos x="connsiteX0" y="connsiteY0"/>
+              </a:cxn>
+              <a:cxn ang="0">
+                <a:pos x="connsiteX1" y="connsiteY1"/>
+              </a:cxn>
+              <a:cxn ang="0">
+                <a:pos x="connsiteX2" y="connsiteY2"/>
+              </a:cxn>
+              <a:cxn ang="0">
+                <a:pos x="connsiteX3" y="connsiteY3"/>
+              </a:cxn>
+              <a:cxn ang="0">
+                <a:pos x="connsiteX4" y="connsiteY4"/>
+              </a:cxn>
+              <a:cxn ang="0">
+                <a:pos x="connsiteX5" y="connsiteY5"/>
+              </a:cxn>
+            </a:cxnLst>
+            <a:rect l="l" t="t" r="r" b="b"/>
+            <a:pathLst>
+              <a:path w="5953780" h="6858478">
+                <a:moveTo>
+                  <a:pt x="0" y="6858478"/>
+                </a:moveTo>
+                <a:lnTo>
+                  <a:pt x="5953780" y="6858478"/>
+                </a:lnTo>
+                <a:lnTo>
+                  <a:pt x="2777405" y="0"/>
+                </a:lnTo>
+                <a:lnTo>
+                  <a:pt x="2771828" y="0"/>
+                </a:lnTo>
+                <a:lnTo>
+                  <a:pt x="1705600" y="0"/>
+                </a:lnTo>
+                <a:lnTo>
+                  <a:pt x="0" y="0"/>
+                </a:lnTo>
+                <a:close/>
+              </a:path>
+            </a:pathLst>
+          </a:custGeom>
+          <a:solidFill>
+            <a:schemeClr val="bg1">
+              <a:lumMod val="85000"/>
+              <a:lumOff val="15000"/>
+            </a:schemeClr>
+          </a:solidFill>
+          <a:ln>
+            <a:noFill/>
+          </a:ln>
+        </p:spPr>
+        <p:style>
+          <a:lnRef idx="2">
+            <a:schemeClr val="accent1">
+              <a:shade val="50000"/>
+            </a:schemeClr>
+          </a:lnRef>
+          <a:fillRef idx="1">
+            <a:schemeClr val="accent1"/>
+          </a:fillRef>
+          <a:effectRef idx="0">
+            <a:schemeClr val="accent1"/>
+          </a:effectRef>
+          <a:fontRef idx="minor">
+            <a:schemeClr val="lt1"/>
+          </a:fontRef>
+        </p:style>
+        <p:txBody>
+          <a:bodyPr wrap="square" rtlCol="0" anchor="ctr">
+            <a:noAutofit/>
+          </a:bodyPr>
+          <a:lstStyle/>
+          <a:p>
+            <a:pPr marL="0" marR="0" lvl="0" indent="0" algn="ctr" defTabSz="914400" rtl="0" eaLnBrk="1" fontAlgn="auto" latinLnBrk="0" hangingPunct="1">
+              <a:lnSpc>
+                <a:spcPct val="100000"/>
+              </a:lnSpc>
+              <a:spcBef>
+                <a:spcPts val="0"/>
+              </a:spcBef>
+              <a:spcAft>
+                <a:spcPts val="0"/>
+              </a:spcAft>
+              <a:buClrTx/>
+              <a:buSzTx/>
+              <a:buFontTx/>
+              <a:buNone/>
+              <a:tabLst/>
+              <a:defRPr/>
+            </a:pPr>
+            <a:endParaRPr kumimoji="0" lang="en-US" sz="1800" b="0" i="0" u="none" strike="noStrike" kern="1200" cap="none" spc="0" normalizeH="0" baseline="0" noProof="0">
+              <a:ln>
+                <a:noFill/>
+              </a:ln>
+              <a:solidFill>
+                <a:prstClr val="white"/>
+              </a:solidFill>
+              <a:effectLst/>
+              <a:uLnTx/>
+              <a:uFillTx/>
+              <a:latin typeface="Calibri" panose="020F0502020204030204"/>
+              <a:ea typeface="+mn-ea"/>
+              <a:cs typeface="+mn-cs"/>
+            </a:endParaRPr>
+          </a:p>
+        </p:txBody>
+      </p:sp>
+      <p:sp>
+        <p:nvSpPr>
           <p:cNvPr id="2" name="Titre 1">
             <a:extLst>
               <a:ext uri="{FF2B5EF4-FFF2-40B4-BE49-F238E27FC236}">
@@ -4631,13 +6579,20 @@
             <p:ph type="title"/>
           </p:nvPr>
         </p:nvSpPr>
-        <p:spPr/>
-        <p:txBody>
-          <a:bodyPr/>
-          <a:lstStyle/>
-          <a:p>
-            <a:r>
-              <a:rPr lang="fr-FR" dirty="0"/>
+        <p:spPr>
+          <a:xfrm>
+            <a:off x="804672" y="338328"/>
+            <a:ext cx="3877056" cy="2249424"/>
+          </a:xfrm>
+        </p:spPr>
+        <p:txBody>
+          <a:bodyPr vert="horz" lIns="91440" tIns="45720" rIns="91440" bIns="45720" rtlCol="0" anchor="b">
+            <a:normAutofit/>
+          </a:bodyPr>
+          <a:lstStyle/>
+          <a:p>
+            <a:r>
+              <a:rPr lang="en-US" sz="5400"/>
               <a:t>Modèle relationnel </a:t>
             </a:r>
           </a:p>
@@ -4659,18 +6614,143 @@
             <p:ph idx="1"/>
           </p:nvPr>
         </p:nvSpPr>
-        <p:spPr/>
-        <p:txBody>
-          <a:bodyPr/>
-          <a:lstStyle/>
-          <a:p>
-            <a:r>
-              <a:rPr lang="fr-FR" dirty="0"/>
-              <a:t>Les  contraintes d’intégrité</a:t>
-            </a:r>
-          </a:p>
-        </p:txBody>
-      </p:sp>
+        <p:spPr>
+          <a:xfrm>
+            <a:off x="804671" y="2724912"/>
+            <a:ext cx="4011877" cy="1155525"/>
+          </a:xfrm>
+        </p:spPr>
+        <p:txBody>
+          <a:bodyPr vert="horz" lIns="91440" tIns="45720" rIns="91440" bIns="45720" rtlCol="0" anchor="t">
+            <a:normAutofit/>
+          </a:bodyPr>
+          <a:lstStyle/>
+          <a:p>
+            <a:pPr marL="0" indent="0">
+              <a:buNone/>
+            </a:pPr>
+            <a:r>
+              <a:rPr lang="en-US" sz="2000" dirty="0"/>
+              <a:t>Les  </a:t>
+            </a:r>
+            <a:r>
+              <a:rPr lang="en-US" sz="2000" dirty="0" err="1"/>
+              <a:t>contraintes</a:t>
+            </a:r>
+            <a:r>
+              <a:rPr lang="en-US" sz="2000" dirty="0"/>
+              <a:t> </a:t>
+            </a:r>
+            <a:r>
+              <a:rPr lang="en-US" sz="2000" dirty="0" err="1"/>
+              <a:t>d’intégrité</a:t>
+            </a:r>
+            <a:endParaRPr lang="en-US" sz="2000" dirty="0"/>
+          </a:p>
+          <a:p>
+            <a:pPr lvl="1"/>
+            <a:r>
+              <a:rPr lang="en-US" sz="1600" dirty="0" err="1"/>
+              <a:t>Region.nom_continent</a:t>
+            </a:r>
+            <a:r>
+              <a:rPr lang="en-US" sz="1600" dirty="0"/>
+              <a:t> </a:t>
+            </a:r>
+            <a:r>
+              <a:rPr lang="en-US" sz="1600" dirty="0" err="1"/>
+              <a:t>est</a:t>
+            </a:r>
+            <a:r>
+              <a:rPr lang="en-US" sz="1600" dirty="0"/>
+              <a:t> unique</a:t>
+            </a:r>
+          </a:p>
+          <a:p>
+            <a:pPr lvl="1"/>
+            <a:r>
+              <a:rPr lang="en-US" sz="1600" dirty="0" err="1"/>
+              <a:t>Pays.nom</a:t>
+            </a:r>
+            <a:r>
+              <a:rPr lang="en-US" sz="1600" dirty="0"/>
+              <a:t> </a:t>
+            </a:r>
+            <a:r>
+              <a:rPr lang="en-US" sz="1600" dirty="0" err="1"/>
+              <a:t>est</a:t>
+            </a:r>
+            <a:r>
+              <a:rPr lang="en-US" sz="1600" dirty="0"/>
+              <a:t> unique</a:t>
+            </a:r>
+          </a:p>
+          <a:p>
+            <a:pPr lvl="1"/>
+            <a:endParaRPr lang="en-US" sz="1600" dirty="0"/>
+          </a:p>
+        </p:txBody>
+      </p:sp>
+      <p:pic>
+        <p:nvPicPr>
+          <p:cNvPr id="5" name="Image 4">
+            <a:extLst>
+              <a:ext uri="{FF2B5EF4-FFF2-40B4-BE49-F238E27FC236}">
+                <a16:creationId xmlns:a16="http://schemas.microsoft.com/office/drawing/2014/main" id="{59FE1F0F-69B6-D344-9448-32B69534BA17}"/>
+              </a:ext>
+            </a:extLst>
+          </p:cNvPr>
+          <p:cNvPicPr>
+            <a:picLocks noChangeAspect="1"/>
+          </p:cNvPicPr>
+          <p:nvPr/>
+        </p:nvPicPr>
+        <p:blipFill>
+          <a:blip r:embed="rId3"/>
+          <a:stretch>
+            <a:fillRect/>
+          </a:stretch>
+        </p:blipFill>
+        <p:spPr>
+          <a:xfrm>
+            <a:off x="6096000" y="2261057"/>
+            <a:ext cx="5585606" cy="2010817"/>
+          </a:xfrm>
+          <a:prstGeom prst="rect">
+            <a:avLst/>
+          </a:prstGeom>
+        </p:spPr>
+      </p:pic>
+      <p:pic>
+        <p:nvPicPr>
+          <p:cNvPr id="9" name="Image 8" descr="Une image contenant texte&#10;&#10;Description générée automatiquement">
+            <a:extLst>
+              <a:ext uri="{FF2B5EF4-FFF2-40B4-BE49-F238E27FC236}">
+                <a16:creationId xmlns:a16="http://schemas.microsoft.com/office/drawing/2014/main" id="{1A33AF66-EB61-3246-8503-123C7F7CAD4C}"/>
+              </a:ext>
+            </a:extLst>
+          </p:cNvPr>
+          <p:cNvPicPr>
+            <a:picLocks noChangeAspect="1"/>
+          </p:cNvPicPr>
+          <p:nvPr/>
+        </p:nvPicPr>
+        <p:blipFill>
+          <a:blip r:embed="rId4"/>
+          <a:stretch>
+            <a:fillRect/>
+          </a:stretch>
+        </p:blipFill>
+        <p:spPr>
+          <a:xfrm>
+            <a:off x="4734099" y="4765961"/>
+            <a:ext cx="6921795" cy="1020964"/>
+          </a:xfrm>
+          <a:prstGeom prst="rect">
+            <a:avLst/>
+          </a:prstGeom>
+        </p:spPr>
+      </p:pic>
     </p:spTree>
     <p:extLst>
       <p:ext uri="{BB962C8B-B14F-4D97-AF65-F5344CB8AC3E}">
@@ -4679,7 +6759,7 @@
     </p:extLst>
   </p:cSld>
   <p:clrMapOvr>
-    <a:masterClrMapping/>
+    <a:overrideClrMapping bg1="dk1" tx1="lt1" bg2="dk2" tx2="lt2" accent1="accent1" accent2="accent2" accent3="accent3" accent4="accent4" accent5="accent5" accent6="accent6" hlink="hlink" folHlink="folHlink"/>
   </p:clrMapOvr>
 </p:sld>
 </file>
@@ -4711,35 +6791,411 @@
       </p:grpSpPr>
       <p:sp>
         <p:nvSpPr>
-          <p:cNvPr id="2" name="Titre 1">
-            <a:extLst>
-              <a:ext uri="{FF2B5EF4-FFF2-40B4-BE49-F238E27FC236}">
-                <a16:creationId xmlns:a16="http://schemas.microsoft.com/office/drawing/2014/main" id="{B2C3CE7B-EC7D-3243-9FA9-C8A3CB3C3CB1}"/>
-              </a:ext>
-            </a:extLst>
-          </p:cNvPr>
-          <p:cNvSpPr>
-            <a:spLocks noGrp="1"/>
-          </p:cNvSpPr>
-          <p:nvPr>
-            <p:ph type="title"/>
+          <p:cNvPr id="92" name="Rectangle 83">
+            <a:extLst>
+              <a:ext uri="{FF2B5EF4-FFF2-40B4-BE49-F238E27FC236}">
+                <a16:creationId xmlns:a16="http://schemas.microsoft.com/office/drawing/2014/main" id="{0DE6A193-4755-479A-BC6F-A7EBCA73BE1A}"/>
+              </a:ext>
+              <a:ext uri="{C183D7F6-B498-43B3-948B-1728B52AA6E4}">
+                <adec:decorative xmlns:adec="http://schemas.microsoft.com/office/drawing/2017/decorative" val="1"/>
+              </a:ext>
+            </a:extLst>
+          </p:cNvPr>
+          <p:cNvSpPr>
+            <a:spLocks noGrp="1" noRot="1" noChangeAspect="1" noMove="1" noResize="1" noEditPoints="1" noAdjustHandles="1" noChangeArrowheads="1" noChangeShapeType="1" noTextEdit="1"/>
+          </p:cNvSpPr>
+          <p:nvPr>
+            <p:extLst>
+              <p:ext uri="{386F3935-93C4-4BCD-93E2-E3B085C9AB24}">
+                <p16:designElem xmlns:p16="http://schemas.microsoft.com/office/powerpoint/2015/main" val="1"/>
+              </p:ext>
+            </p:extLst>
           </p:nvPr>
         </p:nvSpPr>
         <p:spPr>
           <a:xfrm>
-            <a:off x="914401" y="1371600"/>
-            <a:ext cx="3943762" cy="1314443"/>
-          </a:xfrm>
-        </p:spPr>
-        <p:txBody>
-          <a:bodyPr>
+            <a:off x="0" y="0"/>
+            <a:ext cx="12192001" cy="6858000"/>
+          </a:xfrm>
+          <a:prstGeom prst="rect">
+            <a:avLst/>
+          </a:prstGeom>
+          <a:solidFill>
+            <a:schemeClr val="tx1"/>
+          </a:solidFill>
+          <a:ln>
+            <a:noFill/>
+          </a:ln>
+        </p:spPr>
+        <p:style>
+          <a:lnRef idx="2">
+            <a:schemeClr val="accent1">
+              <a:shade val="50000"/>
+            </a:schemeClr>
+          </a:lnRef>
+          <a:fillRef idx="1">
+            <a:schemeClr val="accent1"/>
+          </a:fillRef>
+          <a:effectRef idx="0">
+            <a:schemeClr val="accent1"/>
+          </a:effectRef>
+          <a:fontRef idx="minor">
+            <a:schemeClr val="lt1"/>
+          </a:fontRef>
+        </p:style>
+        <p:txBody>
+          <a:bodyPr rtlCol="0" anchor="ctr"/>
+          <a:lstStyle/>
+          <a:p>
+            <a:pPr algn="ctr"/>
+            <a:endParaRPr lang="en-US"/>
+          </a:p>
+        </p:txBody>
+      </p:sp>
+      <p:sp>
+        <p:nvSpPr>
+          <p:cNvPr id="93" name="Freeform: Shape 85">
+            <a:extLst>
+              <a:ext uri="{FF2B5EF4-FFF2-40B4-BE49-F238E27FC236}">
+                <a16:creationId xmlns:a16="http://schemas.microsoft.com/office/drawing/2014/main" id="{5A55B759-31A7-423C-9BC2-A8BC09FE98B9}"/>
+              </a:ext>
+              <a:ext uri="{C183D7F6-B498-43B3-948B-1728B52AA6E4}">
+                <adec:decorative xmlns:adec="http://schemas.microsoft.com/office/drawing/2017/decorative" val="1"/>
+              </a:ext>
+            </a:extLst>
+          </p:cNvPr>
+          <p:cNvSpPr>
+            <a:spLocks noGrp="1" noRot="1" noChangeAspect="1" noMove="1" noResize="1" noEditPoints="1" noAdjustHandles="1" noChangeArrowheads="1" noChangeShapeType="1" noTextEdit="1"/>
+          </p:cNvSpPr>
+          <p:nvPr>
+            <p:extLst>
+              <p:ext uri="{386F3935-93C4-4BCD-93E2-E3B085C9AB24}">
+                <p16:designElem xmlns:p16="http://schemas.microsoft.com/office/powerpoint/2015/main" val="1"/>
+              </p:ext>
+            </p:extLst>
+          </p:nvPr>
+        </p:nvSpPr>
+        <p:spPr>
+          <a:xfrm flipV="1">
+            <a:off x="0" y="-478"/>
+            <a:ext cx="6754318" cy="6858478"/>
+          </a:xfrm>
+          <a:custGeom>
+            <a:avLst/>
+            <a:gdLst>
+              <a:gd name="connsiteX0" fmla="*/ 0 w 6754318"/>
+              <a:gd name="connsiteY0" fmla="*/ 6858478 h 6858478"/>
+              <a:gd name="connsiteX1" fmla="*/ 6754318 w 6754318"/>
+              <a:gd name="connsiteY1" fmla="*/ 6858478 h 6858478"/>
+              <a:gd name="connsiteX2" fmla="*/ 3577943 w 6754318"/>
+              <a:gd name="connsiteY2" fmla="*/ 0 h 6858478"/>
+              <a:gd name="connsiteX3" fmla="*/ 3572366 w 6754318"/>
+              <a:gd name="connsiteY3" fmla="*/ 0 h 6858478"/>
+              <a:gd name="connsiteX4" fmla="*/ 2506138 w 6754318"/>
+              <a:gd name="connsiteY4" fmla="*/ 0 h 6858478"/>
+              <a:gd name="connsiteX5" fmla="*/ 0 w 6754318"/>
+              <a:gd name="connsiteY5" fmla="*/ 0 h 6858478"/>
+            </a:gdLst>
+            <a:ahLst/>
+            <a:cxnLst>
+              <a:cxn ang="0">
+                <a:pos x="connsiteX0" y="connsiteY0"/>
+              </a:cxn>
+              <a:cxn ang="0">
+                <a:pos x="connsiteX1" y="connsiteY1"/>
+              </a:cxn>
+              <a:cxn ang="0">
+                <a:pos x="connsiteX2" y="connsiteY2"/>
+              </a:cxn>
+              <a:cxn ang="0">
+                <a:pos x="connsiteX3" y="connsiteY3"/>
+              </a:cxn>
+              <a:cxn ang="0">
+                <a:pos x="connsiteX4" y="connsiteY4"/>
+              </a:cxn>
+              <a:cxn ang="0">
+                <a:pos x="connsiteX5" y="connsiteY5"/>
+              </a:cxn>
+            </a:cxnLst>
+            <a:rect l="l" t="t" r="r" b="b"/>
+            <a:pathLst>
+              <a:path w="6754318" h="6858478">
+                <a:moveTo>
+                  <a:pt x="0" y="6858478"/>
+                </a:moveTo>
+                <a:lnTo>
+                  <a:pt x="6754318" y="6858478"/>
+                </a:lnTo>
+                <a:lnTo>
+                  <a:pt x="3577943" y="0"/>
+                </a:lnTo>
+                <a:lnTo>
+                  <a:pt x="3572366" y="0"/>
+                </a:lnTo>
+                <a:lnTo>
+                  <a:pt x="2506138" y="0"/>
+                </a:lnTo>
+                <a:lnTo>
+                  <a:pt x="0" y="0"/>
+                </a:lnTo>
+                <a:close/>
+              </a:path>
+            </a:pathLst>
+          </a:custGeom>
+          <a:solidFill>
+            <a:schemeClr val="bg1">
+              <a:lumMod val="85000"/>
+              <a:lumOff val="15000"/>
+              <a:alpha val="70000"/>
+            </a:schemeClr>
+          </a:solidFill>
+          <a:ln>
+            <a:noFill/>
+          </a:ln>
+        </p:spPr>
+        <p:style>
+          <a:lnRef idx="2">
+            <a:schemeClr val="accent1">
+              <a:shade val="50000"/>
+            </a:schemeClr>
+          </a:lnRef>
+          <a:fillRef idx="1">
+            <a:schemeClr val="accent1"/>
+          </a:fillRef>
+          <a:effectRef idx="0">
+            <a:schemeClr val="accent1"/>
+          </a:effectRef>
+          <a:fontRef idx="minor">
+            <a:schemeClr val="lt1"/>
+          </a:fontRef>
+        </p:style>
+        <p:txBody>
+          <a:bodyPr wrap="square" rtlCol="0" anchor="ctr">
+            <a:noAutofit/>
+          </a:bodyPr>
+          <a:lstStyle/>
+          <a:p>
+            <a:pPr marL="0" marR="0" lvl="0" indent="0" algn="ctr" defTabSz="914400" rtl="0" eaLnBrk="1" fontAlgn="auto" latinLnBrk="0" hangingPunct="1">
+              <a:lnSpc>
+                <a:spcPct val="100000"/>
+              </a:lnSpc>
+              <a:spcBef>
+                <a:spcPts val="0"/>
+              </a:spcBef>
+              <a:spcAft>
+                <a:spcPts val="0"/>
+              </a:spcAft>
+              <a:buClrTx/>
+              <a:buSzTx/>
+              <a:buFontTx/>
+              <a:buNone/>
+              <a:tabLst/>
+              <a:defRPr/>
+            </a:pPr>
+            <a:endParaRPr kumimoji="0" lang="en-US" sz="1800" b="0" i="0" u="none" strike="noStrike" kern="1200" cap="none" spc="0" normalizeH="0" baseline="0" noProof="0">
+              <a:ln>
+                <a:noFill/>
+              </a:ln>
+              <a:solidFill>
+                <a:prstClr val="white"/>
+              </a:solidFill>
+              <a:effectLst/>
+              <a:uLnTx/>
+              <a:uFillTx/>
+              <a:latin typeface="Calibri" panose="020F0502020204030204"/>
+              <a:ea typeface="+mn-ea"/>
+              <a:cs typeface="+mn-cs"/>
+            </a:endParaRPr>
+          </a:p>
+        </p:txBody>
+      </p:sp>
+      <p:sp>
+        <p:nvSpPr>
+          <p:cNvPr id="94" name="Freeform: Shape 87">
+            <a:extLst>
+              <a:ext uri="{FF2B5EF4-FFF2-40B4-BE49-F238E27FC236}">
+                <a16:creationId xmlns:a16="http://schemas.microsoft.com/office/drawing/2014/main" id="{F78796AF-79A0-47AC-BEFD-BFFC00F968C4}"/>
+              </a:ext>
+              <a:ext uri="{C183D7F6-B498-43B3-948B-1728B52AA6E4}">
+                <adec:decorative xmlns:adec="http://schemas.microsoft.com/office/drawing/2017/decorative" val="1"/>
+              </a:ext>
+            </a:extLst>
+          </p:cNvPr>
+          <p:cNvSpPr>
+            <a:spLocks noGrp="1" noRot="1" noChangeAspect="1" noMove="1" noResize="1" noEditPoints="1" noAdjustHandles="1" noChangeArrowheads="1" noChangeShapeType="1" noTextEdit="1"/>
+          </p:cNvSpPr>
+          <p:nvPr>
+            <p:extLst>
+              <p:ext uri="{386F3935-93C4-4BCD-93E2-E3B085C9AB24}">
+                <p16:designElem xmlns:p16="http://schemas.microsoft.com/office/powerpoint/2015/main" val="1"/>
+              </p:ext>
+            </p:extLst>
+          </p:nvPr>
+        </p:nvSpPr>
+        <p:spPr>
+          <a:xfrm flipV="1">
+            <a:off x="1" y="-478"/>
+            <a:ext cx="5953780" cy="6858478"/>
+          </a:xfrm>
+          <a:custGeom>
+            <a:avLst/>
+            <a:gdLst>
+              <a:gd name="connsiteX0" fmla="*/ 0 w 5953780"/>
+              <a:gd name="connsiteY0" fmla="*/ 6858478 h 6858478"/>
+              <a:gd name="connsiteX1" fmla="*/ 5953780 w 5953780"/>
+              <a:gd name="connsiteY1" fmla="*/ 6858478 h 6858478"/>
+              <a:gd name="connsiteX2" fmla="*/ 2777405 w 5953780"/>
+              <a:gd name="connsiteY2" fmla="*/ 0 h 6858478"/>
+              <a:gd name="connsiteX3" fmla="*/ 2771828 w 5953780"/>
+              <a:gd name="connsiteY3" fmla="*/ 0 h 6858478"/>
+              <a:gd name="connsiteX4" fmla="*/ 1705600 w 5953780"/>
+              <a:gd name="connsiteY4" fmla="*/ 0 h 6858478"/>
+              <a:gd name="connsiteX5" fmla="*/ 0 w 5953780"/>
+              <a:gd name="connsiteY5" fmla="*/ 0 h 6858478"/>
+            </a:gdLst>
+            <a:ahLst/>
+            <a:cxnLst>
+              <a:cxn ang="0">
+                <a:pos x="connsiteX0" y="connsiteY0"/>
+              </a:cxn>
+              <a:cxn ang="0">
+                <a:pos x="connsiteX1" y="connsiteY1"/>
+              </a:cxn>
+              <a:cxn ang="0">
+                <a:pos x="connsiteX2" y="connsiteY2"/>
+              </a:cxn>
+              <a:cxn ang="0">
+                <a:pos x="connsiteX3" y="connsiteY3"/>
+              </a:cxn>
+              <a:cxn ang="0">
+                <a:pos x="connsiteX4" y="connsiteY4"/>
+              </a:cxn>
+              <a:cxn ang="0">
+                <a:pos x="connsiteX5" y="connsiteY5"/>
+              </a:cxn>
+            </a:cxnLst>
+            <a:rect l="l" t="t" r="r" b="b"/>
+            <a:pathLst>
+              <a:path w="5953780" h="6858478">
+                <a:moveTo>
+                  <a:pt x="0" y="6858478"/>
+                </a:moveTo>
+                <a:lnTo>
+                  <a:pt x="5953780" y="6858478"/>
+                </a:lnTo>
+                <a:lnTo>
+                  <a:pt x="2777405" y="0"/>
+                </a:lnTo>
+                <a:lnTo>
+                  <a:pt x="2771828" y="0"/>
+                </a:lnTo>
+                <a:lnTo>
+                  <a:pt x="1705600" y="0"/>
+                </a:lnTo>
+                <a:lnTo>
+                  <a:pt x="0" y="0"/>
+                </a:lnTo>
+                <a:close/>
+              </a:path>
+            </a:pathLst>
+          </a:custGeom>
+          <a:solidFill>
+            <a:schemeClr val="bg1">
+              <a:lumMod val="85000"/>
+              <a:lumOff val="15000"/>
+            </a:schemeClr>
+          </a:solidFill>
+          <a:ln>
+            <a:noFill/>
+          </a:ln>
+        </p:spPr>
+        <p:style>
+          <a:lnRef idx="2">
+            <a:schemeClr val="accent1">
+              <a:shade val="50000"/>
+            </a:schemeClr>
+          </a:lnRef>
+          <a:fillRef idx="1">
+            <a:schemeClr val="accent1"/>
+          </a:fillRef>
+          <a:effectRef idx="0">
+            <a:schemeClr val="accent1"/>
+          </a:effectRef>
+          <a:fontRef idx="minor">
+            <a:schemeClr val="lt1"/>
+          </a:fontRef>
+        </p:style>
+        <p:txBody>
+          <a:bodyPr wrap="square" rtlCol="0" anchor="ctr">
+            <a:noAutofit/>
+          </a:bodyPr>
+          <a:lstStyle/>
+          <a:p>
+            <a:pPr marL="0" marR="0" lvl="0" indent="0" algn="ctr" defTabSz="914400" rtl="0" eaLnBrk="1" fontAlgn="auto" latinLnBrk="0" hangingPunct="1">
+              <a:lnSpc>
+                <a:spcPct val="100000"/>
+              </a:lnSpc>
+              <a:spcBef>
+                <a:spcPts val="0"/>
+              </a:spcBef>
+              <a:spcAft>
+                <a:spcPts val="0"/>
+              </a:spcAft>
+              <a:buClrTx/>
+              <a:buSzTx/>
+              <a:buFontTx/>
+              <a:buNone/>
+              <a:tabLst/>
+              <a:defRPr/>
+            </a:pPr>
+            <a:endParaRPr kumimoji="0" lang="en-US" sz="1800" b="0" i="0" u="none" strike="noStrike" kern="1200" cap="none" spc="0" normalizeH="0" baseline="0" noProof="0">
+              <a:ln>
+                <a:noFill/>
+              </a:ln>
+              <a:solidFill>
+                <a:prstClr val="white"/>
+              </a:solidFill>
+              <a:effectLst/>
+              <a:uLnTx/>
+              <a:uFillTx/>
+              <a:latin typeface="Calibri" panose="020F0502020204030204"/>
+              <a:ea typeface="+mn-ea"/>
+              <a:cs typeface="+mn-cs"/>
+            </a:endParaRPr>
+          </a:p>
+        </p:txBody>
+      </p:sp>
+      <p:sp>
+        <p:nvSpPr>
+          <p:cNvPr id="2" name="Titre 1">
+            <a:extLst>
+              <a:ext uri="{FF2B5EF4-FFF2-40B4-BE49-F238E27FC236}">
+                <a16:creationId xmlns:a16="http://schemas.microsoft.com/office/drawing/2014/main" id="{350917AE-DFB8-7F46-8C4E-846B04B3DFEC}"/>
+              </a:ext>
+            </a:extLst>
+          </p:cNvPr>
+          <p:cNvSpPr>
+            <a:spLocks noGrp="1"/>
+          </p:cNvSpPr>
+          <p:nvPr>
+            <p:ph type="title"/>
+          </p:nvPr>
+        </p:nvSpPr>
+        <p:spPr>
+          <a:xfrm>
+            <a:off x="804672" y="338328"/>
+            <a:ext cx="3877056" cy="2249424"/>
+          </a:xfrm>
+        </p:spPr>
+        <p:txBody>
+          <a:bodyPr vert="horz" lIns="91440" tIns="45720" rIns="91440" bIns="45720" rtlCol="0" anchor="b">
             <a:normAutofit/>
           </a:bodyPr>
           <a:lstStyle/>
           <a:p>
             <a:r>
-              <a:rPr lang="fr-FR" dirty="0"/>
-              <a:t>Requêtes</a:t>
+              <a:rPr lang="en-US" sz="5400"/>
+              <a:t>Modèle relationnel </a:t>
             </a:r>
           </a:p>
         </p:txBody>
@@ -4749,7 +7205,7 @@
           <p:cNvPr id="3" name="Espace réservé du contenu 2">
             <a:extLst>
               <a:ext uri="{FF2B5EF4-FFF2-40B4-BE49-F238E27FC236}">
-                <a16:creationId xmlns:a16="http://schemas.microsoft.com/office/drawing/2014/main" id="{A4C07AAA-FD61-AA48-BCBD-F45357F9C7ED}"/>
+                <a16:creationId xmlns:a16="http://schemas.microsoft.com/office/drawing/2014/main" id="{1FB7EE4C-EEC6-C74B-866F-D5BA489E9A94}"/>
               </a:ext>
             </a:extLst>
           </p:cNvPr>
@@ -4762,112 +7218,99 @@
         </p:nvSpPr>
         <p:spPr>
           <a:xfrm>
-            <a:off x="914400" y="2853369"/>
-            <a:ext cx="3943762" cy="3088460"/>
-          </a:xfrm>
-        </p:spPr>
-        <p:txBody>
-          <a:bodyPr>
-            <a:normAutofit fontScale="85000" lnSpcReduction="10000"/>
+            <a:off x="804671" y="2724912"/>
+            <a:ext cx="4158581" cy="1155525"/>
+          </a:xfrm>
+        </p:spPr>
+        <p:txBody>
+          <a:bodyPr vert="horz" lIns="91440" tIns="45720" rIns="91440" bIns="45720" rtlCol="0" anchor="t">
+            <a:normAutofit fontScale="92500" lnSpcReduction="20000"/>
           </a:bodyPr>
           <a:lstStyle/>
           <a:p>
-            <a:pPr>
-              <a:lnSpc>
-                <a:spcPct val="110000"/>
-              </a:lnSpc>
+            <a:pPr marL="0" indent="0">
+              <a:buNone/>
             </a:pPr>
             <a:r>
-              <a:rPr lang="fr-FR"/>
-              <a:t>6 Requêtes </a:t>
-            </a:r>
-          </a:p>
-          <a:p>
-            <a:pPr marL="617220" lvl="1" indent="-342900">
-              <a:lnSpc>
-                <a:spcPct val="110000"/>
-              </a:lnSpc>
-              <a:buFont typeface="+mj-lt"/>
-              <a:buAutoNum type="arabicPeriod"/>
-            </a:pPr>
-            <a:r>
-              <a:rPr lang="fr-FR"/>
-              <a:t>Hospitalisations &gt;= 5000</a:t>
-            </a:r>
-          </a:p>
-          <a:p>
-            <a:pPr marL="617220" lvl="1" indent="-342900">
-              <a:lnSpc>
-                <a:spcPct val="110000"/>
-              </a:lnSpc>
-              <a:buFont typeface="+mj-lt"/>
-              <a:buAutoNum type="arabicPeriod"/>
-            </a:pPr>
-            <a:r>
-              <a:rPr lang="fr-FR"/>
-              <a:t>Plus gros vaccinateur</a:t>
-            </a:r>
-          </a:p>
-          <a:p>
-            <a:pPr marL="617220" lvl="1" indent="-342900">
-              <a:lnSpc>
-                <a:spcPct val="110000"/>
-              </a:lnSpc>
-              <a:buFont typeface="+mj-lt"/>
-              <a:buAutoNum type="arabicPeriod"/>
-            </a:pPr>
-            <a:r>
-              <a:rPr lang="fr-FR"/>
-              <a:t>Qui utitilise quel vaccin</a:t>
-            </a:r>
-          </a:p>
-          <a:p>
-            <a:pPr marL="617220" lvl="1" indent="-342900">
-              <a:lnSpc>
-                <a:spcPct val="110000"/>
-              </a:lnSpc>
-              <a:buFont typeface="+mj-lt"/>
-              <a:buAutoNum type="arabicPeriod"/>
-            </a:pPr>
-            <a:r>
-              <a:rPr lang="fr-FR"/>
-              <a:t>% hospitalisé, le 01/01/2021</a:t>
-            </a:r>
-          </a:p>
-          <a:p>
-            <a:pPr marL="617220" lvl="1" indent="-342900">
-              <a:lnSpc>
-                <a:spcPct val="110000"/>
-              </a:lnSpc>
-              <a:buFont typeface="+mj-lt"/>
-              <a:buAutoNum type="arabicPeriod"/>
-            </a:pPr>
-            <a:r>
-              <a:rPr lang="fr-FR"/>
-              <a:t>Evolution hospitalisations</a:t>
-            </a:r>
-          </a:p>
-          <a:p>
-            <a:pPr marL="617220" lvl="1" indent="-342900">
-              <a:lnSpc>
-                <a:spcPct val="110000"/>
-              </a:lnSpc>
-              <a:buFont typeface="+mj-lt"/>
-              <a:buAutoNum type="arabicPeriod"/>
-            </a:pPr>
-            <a:r>
-              <a:rPr lang="fr-FR"/>
-              <a:t>Vaccin commun France-Belgique</a:t>
+              <a:rPr lang="en-US" sz="2000" dirty="0"/>
+              <a:t>Les  </a:t>
+            </a:r>
+            <a:r>
+              <a:rPr lang="en-US" sz="2000" dirty="0" err="1"/>
+              <a:t>contraintes</a:t>
+            </a:r>
+            <a:r>
+              <a:rPr lang="en-US" sz="2000" dirty="0"/>
+              <a:t> </a:t>
+            </a:r>
+            <a:r>
+              <a:rPr lang="en-US" sz="2000" dirty="0" err="1"/>
+              <a:t>d’intégrité</a:t>
+            </a:r>
+            <a:endParaRPr lang="en-US" sz="2000" dirty="0"/>
+          </a:p>
+          <a:p>
+            <a:pPr lvl="1"/>
+            <a:r>
+              <a:rPr lang="en-US" sz="1600" dirty="0" err="1"/>
+              <a:t>Hospitalisations_Stats.icu_patiens</a:t>
+            </a:r>
+            <a:r>
+              <a:rPr lang="en-US" sz="1600" dirty="0"/>
+              <a:t> &lt;= </a:t>
+            </a:r>
+            <a:r>
+              <a:rPr lang="en-US" sz="1600" dirty="0" err="1"/>
+              <a:t>Hospitalisations_Stats.hosp_patiens</a:t>
+            </a:r>
+            <a:endParaRPr lang="en-US" sz="1600" dirty="0"/>
+          </a:p>
+          <a:p>
+            <a:pPr lvl="1"/>
+            <a:r>
+              <a:rPr lang="en-US" sz="1600" dirty="0" err="1"/>
+              <a:t>Utilisateur.pseudo</a:t>
+            </a:r>
+            <a:r>
+              <a:rPr lang="en-US" sz="1600" dirty="0"/>
+              <a:t> </a:t>
+            </a:r>
+            <a:r>
+              <a:rPr lang="en-US" sz="1600" dirty="0" err="1"/>
+              <a:t>est</a:t>
+            </a:r>
+            <a:r>
+              <a:rPr lang="en-US" sz="1600" dirty="0"/>
+              <a:t> unique</a:t>
+            </a:r>
+          </a:p>
+          <a:p>
+            <a:pPr lvl="1"/>
+            <a:r>
+              <a:rPr lang="en-US" sz="1600" dirty="0" err="1"/>
+              <a:t>Utilisateur.uuid</a:t>
+            </a:r>
+            <a:r>
+              <a:rPr lang="en-US" sz="1600" dirty="0"/>
+              <a:t> </a:t>
+            </a:r>
+            <a:r>
+              <a:rPr lang="en-US" sz="1600" dirty="0" err="1"/>
+              <a:t>est</a:t>
+            </a:r>
+            <a:r>
+              <a:rPr lang="en-US" sz="1600" dirty="0"/>
+              <a:t> unique</a:t>
             </a:r>
           </a:p>
         </p:txBody>
       </p:sp>
       <p:pic>
         <p:nvPicPr>
-          <p:cNvPr id="15" name="Picture 4" descr="Plusieurs points d’interrogation sur fond noir">
-            <a:extLst>
-              <a:ext uri="{FF2B5EF4-FFF2-40B4-BE49-F238E27FC236}">
-                <a16:creationId xmlns:a16="http://schemas.microsoft.com/office/drawing/2014/main" id="{55A379AD-9F15-4649-95F4-8CC806153847}"/>
+          <p:cNvPr id="7" name="Image 6">
+            <a:extLst>
+              <a:ext uri="{FF2B5EF4-FFF2-40B4-BE49-F238E27FC236}">
+                <a16:creationId xmlns:a16="http://schemas.microsoft.com/office/drawing/2014/main" id="{65C63861-98B6-DC45-AFEA-516429B96868}"/>
               </a:ext>
             </a:extLst>
           </p:cNvPr>
@@ -4876,15 +7319,46 @@
           </p:cNvPicPr>
           <p:nvPr/>
         </p:nvPicPr>
-        <p:blipFill rotWithShape="1">
-          <a:blip r:embed="rId2"/>
-          <a:srcRect l="42071" r="3" b="2"/>
-          <a:stretch/>
+        <p:blipFill>
+          <a:blip r:embed="rId3"/>
+          <a:stretch>
+            <a:fillRect/>
+          </a:stretch>
         </p:blipFill>
         <p:spPr>
           <a:xfrm>
-            <a:off x="5679452" y="10"/>
-            <a:ext cx="6512547" cy="6857990"/>
+            <a:off x="5763790" y="2230575"/>
+            <a:ext cx="5892105" cy="2150618"/>
+          </a:xfrm>
+          <a:prstGeom prst="rect">
+            <a:avLst/>
+          </a:prstGeom>
+        </p:spPr>
+      </p:pic>
+      <p:pic>
+        <p:nvPicPr>
+          <p:cNvPr id="11" name="Image 10">
+            <a:extLst>
+              <a:ext uri="{FF2B5EF4-FFF2-40B4-BE49-F238E27FC236}">
+                <a16:creationId xmlns:a16="http://schemas.microsoft.com/office/drawing/2014/main" id="{D54B9066-F986-4243-B62E-0B8928A396AE}"/>
+              </a:ext>
+            </a:extLst>
+          </p:cNvPr>
+          <p:cNvPicPr>
+            <a:picLocks noChangeAspect="1"/>
+          </p:cNvPicPr>
+          <p:nvPr/>
+        </p:nvPicPr>
+        <p:blipFill>
+          <a:blip r:embed="rId4"/>
+          <a:stretch>
+            <a:fillRect/>
+          </a:stretch>
+        </p:blipFill>
+        <p:spPr>
+          <a:xfrm>
+            <a:off x="4538710" y="4752105"/>
+            <a:ext cx="7117185" cy="1049784"/>
           </a:xfrm>
           <a:prstGeom prst="rect">
             <a:avLst/>
@@ -4894,143 +7368,13 @@
     </p:spTree>
     <p:extLst>
       <p:ext uri="{BB962C8B-B14F-4D97-AF65-F5344CB8AC3E}">
-        <p14:creationId xmlns:p14="http://schemas.microsoft.com/office/powerpoint/2010/main" val="4053075134"/>
+        <p14:creationId xmlns:p14="http://schemas.microsoft.com/office/powerpoint/2010/main" val="3560232080"/>
       </p:ext>
     </p:extLst>
   </p:cSld>
   <p:clrMapOvr>
-    <a:masterClrMapping/>
+    <a:overrideClrMapping bg1="dk1" tx1="lt1" bg2="dk2" tx2="lt2" accent1="accent1" accent2="accent2" accent3="accent3" accent4="accent4" accent5="accent5" accent6="accent6" hlink="hlink" folHlink="folHlink"/>
   </p:clrMapOvr>
-  <p:timing>
-    <p:tnLst>
-      <p:par>
-        <p:cTn id="1" dur="indefinite" restart="never" nodeType="tmRoot">
-          <p:childTnLst>
-            <p:seq concurrent="1" nextAc="seek">
-              <p:cTn id="2" dur="indefinite" nodeType="mainSeq">
-                <p:childTnLst>
-                  <p:par>
-                    <p:cTn id="3" fill="hold">
-                      <p:stCondLst>
-                        <p:cond delay="indefinite"/>
-                        <p:cond evt="onBegin" delay="0">
-                          <p:tn val="2"/>
-                        </p:cond>
-                      </p:stCondLst>
-                      <p:childTnLst>
-                        <p:par>
-                          <p:cTn id="4" fill="hold">
-                            <p:stCondLst>
-                              <p:cond delay="0"/>
-                            </p:stCondLst>
-                            <p:childTnLst>
-                              <p:par>
-                                <p:cTn id="5" presetID="10" presetClass="entr" presetSubtype="0" fill="hold" nodeType="withEffect">
-                                  <p:stCondLst>
-                                    <p:cond delay="0"/>
-                                  </p:stCondLst>
-                                  <p:iterate>
-                                    <p:tmPct val="10000"/>
-                                  </p:iterate>
-                                  <p:childTnLst>
-                                    <p:set>
-                                      <p:cBhvr>
-                                        <p:cTn id="6" dur="1" fill="hold">
-                                          <p:stCondLst>
-                                            <p:cond delay="0"/>
-                                          </p:stCondLst>
-                                        </p:cTn>
-                                        <p:tgtEl>
-                                          <p:spTgt spid="15"/>
-                                        </p:tgtEl>
-                                        <p:attrNameLst>
-                                          <p:attrName>style.visibility</p:attrName>
-                                        </p:attrNameLst>
-                                      </p:cBhvr>
-                                      <p:to>
-                                        <p:strVal val="visible"/>
-                                      </p:to>
-                                    </p:set>
-                                    <p:animEffect transition="in" filter="fade">
-                                      <p:cBhvr>
-                                        <p:cTn id="7" dur="700"/>
-                                        <p:tgtEl>
-                                          <p:spTgt spid="15"/>
-                                        </p:tgtEl>
-                                      </p:cBhvr>
-                                    </p:animEffect>
-                                  </p:childTnLst>
-                                </p:cTn>
-                              </p:par>
-                              <p:par>
-                                <p:cTn id="8" presetID="10" presetClass="entr" presetSubtype="0" fill="hold" grpId="0" nodeType="withEffect">
-                                  <p:stCondLst>
-                                    <p:cond delay="1000"/>
-                                  </p:stCondLst>
-                                  <p:iterate>
-                                    <p:tmPct val="10000"/>
-                                  </p:iterate>
-                                  <p:childTnLst>
-                                    <p:set>
-                                      <p:cBhvr>
-                                        <p:cTn id="9" dur="1" fill="hold">
-                                          <p:stCondLst>
-                                            <p:cond delay="0"/>
-                                          </p:stCondLst>
-                                        </p:cTn>
-                                        <p:tgtEl>
-                                          <p:spTgt spid="2"/>
-                                        </p:tgtEl>
-                                        <p:attrNameLst>
-                                          <p:attrName>style.visibility</p:attrName>
-                                        </p:attrNameLst>
-                                      </p:cBhvr>
-                                      <p:to>
-                                        <p:strVal val="visible"/>
-                                      </p:to>
-                                    </p:set>
-                                    <p:animEffect transition="in" filter="fade">
-                                      <p:cBhvr>
-                                        <p:cTn id="10" dur="700"/>
-                                        <p:tgtEl>
-                                          <p:spTgt spid="2"/>
-                                        </p:tgtEl>
-                                      </p:cBhvr>
-                                    </p:animEffect>
-                                  </p:childTnLst>
-                                </p:cTn>
-                              </p:par>
-                            </p:childTnLst>
-                          </p:cTn>
-                        </p:par>
-                      </p:childTnLst>
-                    </p:cTn>
-                  </p:par>
-                </p:childTnLst>
-              </p:cTn>
-              <p:prevCondLst>
-                <p:cond evt="onPrev" delay="0">
-                  <p:tgtEl>
-                    <p:sldTgt/>
-                  </p:tgtEl>
-                </p:cond>
-              </p:prevCondLst>
-              <p:nextCondLst>
-                <p:cond evt="onNext" delay="0">
-                  <p:tgtEl>
-                    <p:sldTgt/>
-                  </p:tgtEl>
-                </p:cond>
-              </p:nextCondLst>
-            </p:seq>
-          </p:childTnLst>
-        </p:cTn>
-      </p:par>
-    </p:tnLst>
-    <p:bldLst>
-      <p:bldP spid="2" grpId="0"/>
-    </p:bldLst>
-  </p:timing>
 </p:sld>
 </file>
 
@@ -5061,10 +7405,102 @@
       </p:grpSpPr>
       <p:sp>
         <p:nvSpPr>
+          <p:cNvPr id="28" name="Rectangle 24">
+            <a:extLst>
+              <a:ext uri="{FF2B5EF4-FFF2-40B4-BE49-F238E27FC236}">
+                <a16:creationId xmlns:a16="http://schemas.microsoft.com/office/drawing/2014/main" id="{86295E7F-EA66-480B-B001-C8BE7CD61903}"/>
+              </a:ext>
+              <a:ext uri="{C183D7F6-B498-43B3-948B-1728B52AA6E4}">
+                <adec:decorative xmlns:adec="http://schemas.microsoft.com/office/drawing/2017/decorative" val="1"/>
+              </a:ext>
+            </a:extLst>
+          </p:cNvPr>
+          <p:cNvSpPr>
+            <a:spLocks noGrp="1" noRot="1" noChangeAspect="1" noMove="1" noResize="1" noEditPoints="1" noAdjustHandles="1" noChangeArrowheads="1" noChangeShapeType="1" noTextEdit="1"/>
+          </p:cNvSpPr>
+          <p:nvPr>
+            <p:extLst>
+              <p:ext uri="{386F3935-93C4-4BCD-93E2-E3B085C9AB24}">
+                <p16:designElem xmlns:p16="http://schemas.microsoft.com/office/powerpoint/2015/main" val="1"/>
+              </p:ext>
+            </p:extLst>
+          </p:nvPr>
+        </p:nvSpPr>
+        <p:spPr bwMode="ltGray">
+          <a:xfrm>
+            <a:off x="320040" y="4892040"/>
+            <a:ext cx="11548872" cy="1645920"/>
+          </a:xfrm>
+          <a:prstGeom prst="rect">
+            <a:avLst/>
+          </a:prstGeom>
+          <a:solidFill>
+            <a:srgbClr val="262626"/>
+          </a:solidFill>
+          <a:ln w="127000" cap="sq" cmpd="thinThick">
+            <a:noFill/>
+          </a:ln>
+        </p:spPr>
+        <p:style>
+          <a:lnRef idx="2">
+            <a:schemeClr val="accent1">
+              <a:shade val="50000"/>
+            </a:schemeClr>
+          </a:lnRef>
+          <a:fillRef idx="1">
+            <a:schemeClr val="accent1"/>
+          </a:fillRef>
+          <a:effectRef idx="0">
+            <a:schemeClr val="accent1"/>
+          </a:effectRef>
+          <a:fontRef idx="minor">
+            <a:schemeClr val="lt1"/>
+          </a:fontRef>
+        </p:style>
+        <p:txBody>
+          <a:bodyPr rtlCol="0" anchor="ctr"/>
+          <a:lstStyle/>
+          <a:p>
+            <a:pPr marL="0" marR="0" lvl="0" indent="0" algn="ctr" defTabSz="914400" rtl="0" eaLnBrk="1" fontAlgn="auto" latinLnBrk="0" hangingPunct="1">
+              <a:lnSpc>
+                <a:spcPct val="100000"/>
+              </a:lnSpc>
+              <a:spcBef>
+                <a:spcPts val="0"/>
+              </a:spcBef>
+              <a:spcAft>
+                <a:spcPts val="0"/>
+              </a:spcAft>
+              <a:buClrTx/>
+              <a:buSzTx/>
+              <a:buFontTx/>
+              <a:buNone/>
+              <a:tabLst/>
+              <a:defRPr/>
+            </a:pPr>
+            <a:endParaRPr kumimoji="0" lang="en-US" sz="1800" b="0" i="0" u="none" strike="noStrike" kern="1200" cap="none" spc="0" normalizeH="0" baseline="0" noProof="0">
+              <a:ln>
+                <a:noFill/>
+              </a:ln>
+              <a:solidFill>
+                <a:prstClr val="white"/>
+              </a:solidFill>
+              <a:effectLst/>
+              <a:uLnTx/>
+              <a:uFillTx/>
+              <a:latin typeface="Calibri" panose="020F0502020204030204"/>
+              <a:ea typeface="+mn-ea"/>
+              <a:cs typeface="+mn-cs"/>
+            </a:endParaRPr>
+          </a:p>
+        </p:txBody>
+      </p:sp>
+      <p:sp>
+        <p:nvSpPr>
           <p:cNvPr id="2" name="Titre 1">
             <a:extLst>
               <a:ext uri="{FF2B5EF4-FFF2-40B4-BE49-F238E27FC236}">
-                <a16:creationId xmlns:a16="http://schemas.microsoft.com/office/drawing/2014/main" id="{12CC11B5-C4EA-ED40-AC48-F81663564CEF}"/>
+                <a16:creationId xmlns:a16="http://schemas.microsoft.com/office/drawing/2014/main" id="{7402D897-A4A0-0645-9972-1E9A5E9A3C65}"/>
               </a:ext>
             </a:extLst>
           </p:cNvPr>
@@ -5077,324 +7513,122 @@
         </p:nvSpPr>
         <p:spPr>
           <a:xfrm>
-            <a:off x="914401" y="914400"/>
-            <a:ext cx="4425949" cy="2996649"/>
-          </a:xfrm>
-        </p:spPr>
-        <p:txBody>
-          <a:bodyPr vert="horz" lIns="91440" tIns="45720" rIns="91440" bIns="45720" rtlCol="0" anchor="t">
+            <a:off x="718686" y="5091762"/>
+            <a:ext cx="7484787" cy="1264588"/>
+          </a:xfrm>
+        </p:spPr>
+        <p:txBody>
+          <a:bodyPr vert="horz" lIns="91440" tIns="45720" rIns="91440" bIns="45720" rtlCol="0" anchor="ctr">
             <a:normAutofit/>
           </a:bodyPr>
           <a:lstStyle/>
           <a:p>
-            <a:r>
-              <a:rPr lang="en-US" dirty="0" err="1"/>
-              <a:t>Requête</a:t>
-            </a:r>
-            <a:r>
-              <a:rPr lang="en-US" dirty="0"/>
-              <a:t> 1 </a:t>
-            </a:r>
-          </a:p>
-        </p:txBody>
-      </p:sp>
-      <p:sp>
-        <p:nvSpPr>
-          <p:cNvPr id="15" name="Rectangle : coins arrondis 14">
-            <a:extLst>
-              <a:ext uri="{FF2B5EF4-FFF2-40B4-BE49-F238E27FC236}">
-                <a16:creationId xmlns:a16="http://schemas.microsoft.com/office/drawing/2014/main" id="{E838339E-E41E-4B40-AEE8-0984087B7F5D}"/>
-              </a:ext>
-            </a:extLst>
-          </p:cNvPr>
-          <p:cNvSpPr/>
-          <p:nvPr/>
-        </p:nvSpPr>
-        <p:spPr>
-          <a:xfrm>
-            <a:off x="1456661" y="2445045"/>
-            <a:ext cx="9820938" cy="3637092"/>
-          </a:xfrm>
-          <a:prstGeom prst="roundRect">
-            <a:avLst/>
-          </a:prstGeom>
-        </p:spPr>
-        <p:style>
-          <a:lnRef idx="2">
-            <a:schemeClr val="dk1"/>
-          </a:lnRef>
-          <a:fillRef idx="1">
-            <a:schemeClr val="lt1"/>
-          </a:fillRef>
-          <a:effectRef idx="0">
-            <a:schemeClr val="dk1"/>
-          </a:effectRef>
-          <a:fontRef idx="minor">
-            <a:schemeClr val="dk1"/>
-          </a:fontRef>
-        </p:style>
-        <p:txBody>
-          <a:bodyPr rtlCol="0" anchor="ctr"/>
-          <a:lstStyle/>
-          <a:p>
-            <a:pPr algn="ctr"/>
-            <a:endParaRPr lang="fr-FR" dirty="0"/>
+            <a:pPr algn="r"/>
+            <a:r>
+              <a:rPr lang="en-US" sz="4100">
+                <a:solidFill>
+                  <a:srgbClr val="FFFFFF"/>
+                </a:solidFill>
+              </a:rPr>
+              <a:t>Implémentation des contraintes d’intégrité</a:t>
+            </a:r>
           </a:p>
         </p:txBody>
       </p:sp>
       <p:pic>
         <p:nvPicPr>
-          <p:cNvPr id="5" name="Image 4" descr="Une image contenant texte&#10;&#10;Description générée automatiquement">
-            <a:extLst>
-              <a:ext uri="{FF2B5EF4-FFF2-40B4-BE49-F238E27FC236}">
-                <a16:creationId xmlns:a16="http://schemas.microsoft.com/office/drawing/2014/main" id="{89487E7B-83A6-5A44-8400-0EDF28CF5385}"/>
+          <p:cNvPr id="5" name="Espace réservé du contenu 4" descr="Une image contenant texte&#10;&#10;Description générée automatiquement">
+            <a:extLst>
+              <a:ext uri="{FF2B5EF4-FFF2-40B4-BE49-F238E27FC236}">
+                <a16:creationId xmlns:a16="http://schemas.microsoft.com/office/drawing/2014/main" id="{2ADCE1AE-7D87-8541-841D-828E49C8745B}"/>
               </a:ext>
             </a:extLst>
           </p:cNvPr>
           <p:cNvPicPr>
-            <a:picLocks noChangeAspect="1"/>
+            <a:picLocks noGrp="1" noChangeAspect="1"/>
           </p:cNvPicPr>
-          <p:nvPr/>
+          <p:nvPr>
+            <p:ph idx="1"/>
+          </p:nvPr>
         </p:nvPicPr>
-        <p:blipFill>
+        <p:blipFill rotWithShape="1">
           <a:blip r:embed="rId2"/>
-          <a:stretch>
-            <a:fillRect/>
-          </a:stretch>
+          <a:srcRect r="17827"/>
+          <a:stretch/>
         </p:blipFill>
         <p:spPr>
           <a:xfrm>
-            <a:off x="1759527" y="2545404"/>
-            <a:ext cx="6879551" cy="1186722"/>
+            <a:off x="320040" y="320040"/>
+            <a:ext cx="11548872" cy="4462272"/>
           </a:xfrm>
           <a:prstGeom prst="rect">
             <a:avLst/>
           </a:prstGeom>
         </p:spPr>
       </p:pic>
-      <p:pic>
-        <p:nvPicPr>
-          <p:cNvPr id="9" name="Image 8">
-            <a:extLst>
-              <a:ext uri="{FF2B5EF4-FFF2-40B4-BE49-F238E27FC236}">
-                <a16:creationId xmlns:a16="http://schemas.microsoft.com/office/drawing/2014/main" id="{EBE4C4DD-5E18-3F4C-A56E-23915D452F35}"/>
-              </a:ext>
-            </a:extLst>
-          </p:cNvPr>
-          <p:cNvPicPr>
-            <a:picLocks noChangeAspect="1"/>
-          </p:cNvPicPr>
-          <p:nvPr/>
-        </p:nvPicPr>
-        <p:blipFill>
-          <a:blip r:embed="rId3"/>
-          <a:stretch>
-            <a:fillRect/>
-          </a:stretch>
-        </p:blipFill>
+      <p:cxnSp>
+        <p:nvCxnSpPr>
+          <p:cNvPr id="27" name="Straight Connector 26">
+            <a:extLst>
+              <a:ext uri="{FF2B5EF4-FFF2-40B4-BE49-F238E27FC236}">
+                <a16:creationId xmlns:a16="http://schemas.microsoft.com/office/drawing/2014/main" id="{E126E481-B945-4179-BD79-05E96E9B29E1}"/>
+              </a:ext>
+              <a:ext uri="{C183D7F6-B498-43B3-948B-1728B52AA6E4}">
+                <adec:decorative xmlns:adec="http://schemas.microsoft.com/office/drawing/2017/decorative" val="1"/>
+              </a:ext>
+            </a:extLst>
+          </p:cNvPr>
+          <p:cNvCxnSpPr>
+            <a:cxnSpLocks noGrp="1" noRot="1" noChangeAspect="1" noMove="1" noResize="1" noEditPoints="1" noAdjustHandles="1" noChangeArrowheads="1" noChangeShapeType="1"/>
+          </p:cNvCxnSpPr>
+          <p:nvPr>
+            <p:extLst>
+              <p:ext uri="{386F3935-93C4-4BCD-93E2-E3B085C9AB24}">
+                <p16:designElem xmlns:p16="http://schemas.microsoft.com/office/powerpoint/2015/main" val="1"/>
+              </p:ext>
+            </p:extLst>
+          </p:nvPr>
+        </p:nvCxnSpPr>
         <p:spPr>
-          <a:xfrm>
-            <a:off x="1759527" y="4120934"/>
-            <a:ext cx="6801321" cy="561109"/>
-          </a:xfrm>
-          <a:prstGeom prst="rect">
+          <a:xfrm flipV="1">
+            <a:off x="8386843" y="5264106"/>
+            <a:ext cx="0" cy="914400"/>
+          </a:xfrm>
+          <a:prstGeom prst="line">
             <a:avLst/>
           </a:prstGeom>
-        </p:spPr>
-      </p:pic>
-      <p:pic>
-        <p:nvPicPr>
-          <p:cNvPr id="11" name="Image 10">
-            <a:extLst>
-              <a:ext uri="{FF2B5EF4-FFF2-40B4-BE49-F238E27FC236}">
-                <a16:creationId xmlns:a16="http://schemas.microsoft.com/office/drawing/2014/main" id="{1DC26DA6-969C-EA4F-B3E4-BC076FD73F16}"/>
-              </a:ext>
-            </a:extLst>
-          </p:cNvPr>
-          <p:cNvPicPr>
-            <a:picLocks noChangeAspect="1"/>
-          </p:cNvPicPr>
-          <p:nvPr/>
-        </p:nvPicPr>
-        <p:blipFill>
-          <a:blip r:embed="rId4"/>
-          <a:stretch>
-            <a:fillRect/>
-          </a:stretch>
-        </p:blipFill>
-        <p:spPr>
-          <a:xfrm>
-            <a:off x="1759527" y="5250015"/>
-            <a:ext cx="9361631" cy="660578"/>
-          </a:xfrm>
-          <a:prstGeom prst="rect">
-            <a:avLst/>
-          </a:prstGeom>
-        </p:spPr>
-      </p:pic>
-      <p:sp>
-        <p:nvSpPr>
-          <p:cNvPr id="13" name="ZoneTexte 12">
-            <a:extLst>
-              <a:ext uri="{FF2B5EF4-FFF2-40B4-BE49-F238E27FC236}">
-                <a16:creationId xmlns:a16="http://schemas.microsoft.com/office/drawing/2014/main" id="{824B9698-7D51-6949-9F62-8DCD4990A1C4}"/>
-              </a:ext>
-            </a:extLst>
-          </p:cNvPr>
-          <p:cNvSpPr txBox="1"/>
-          <p:nvPr/>
-        </p:nvSpPr>
-        <p:spPr>
-          <a:xfrm>
-            <a:off x="1081233" y="1654266"/>
-            <a:ext cx="8769926" cy="646331"/>
-          </a:xfrm>
-          <a:prstGeom prst="rect">
-            <a:avLst/>
-          </a:prstGeom>
-          <a:noFill/>
-        </p:spPr>
-        <p:txBody>
-          <a:bodyPr wrap="square" rtlCol="0">
-            <a:spAutoFit/>
-          </a:bodyPr>
-          <a:lstStyle/>
-          <a:p>
-            <a:r>
-              <a:rPr lang="fr-FR" dirty="0"/>
-              <a:t>Sélectionnez les pays qui, au même moment, ont eu au moins 5000 personnes hospitalisées(</a:t>
-            </a:r>
-            <a:r>
-              <a:rPr lang="fr-FR" b="1" dirty="0" err="1"/>
-              <a:t>hosp_patients</a:t>
-            </a:r>
-            <a:r>
-              <a:rPr lang="fr-FR" dirty="0"/>
-              <a:t>).</a:t>
-            </a:r>
-          </a:p>
-        </p:txBody>
-      </p:sp>
-      <p:sp>
-        <p:nvSpPr>
-          <p:cNvPr id="16" name="ZoneTexte 15">
-            <a:extLst>
-              <a:ext uri="{FF2B5EF4-FFF2-40B4-BE49-F238E27FC236}">
-                <a16:creationId xmlns:a16="http://schemas.microsoft.com/office/drawing/2014/main" id="{C2DD1149-7F97-E14C-9780-7FD7AC6EE7E6}"/>
-              </a:ext>
-            </a:extLst>
-          </p:cNvPr>
-          <p:cNvSpPr txBox="1"/>
-          <p:nvPr/>
-        </p:nvSpPr>
-        <p:spPr>
-          <a:xfrm>
-            <a:off x="85060" y="2764484"/>
-            <a:ext cx="1371601" cy="646331"/>
-          </a:xfrm>
-          <a:prstGeom prst="rect">
-            <a:avLst/>
-          </a:prstGeom>
-          <a:noFill/>
-        </p:spPr>
-        <p:txBody>
-          <a:bodyPr wrap="square" rtlCol="0">
-            <a:spAutoFit/>
-          </a:bodyPr>
-          <a:lstStyle/>
-          <a:p>
-            <a:r>
-              <a:rPr lang="fr-FR" dirty="0"/>
-              <a:t>Algèbre relationnel</a:t>
-            </a:r>
-          </a:p>
-        </p:txBody>
-      </p:sp>
-      <p:sp>
-        <p:nvSpPr>
-          <p:cNvPr id="18" name="Rectangle 17">
-            <a:extLst>
-              <a:ext uri="{FF2B5EF4-FFF2-40B4-BE49-F238E27FC236}">
-                <a16:creationId xmlns:a16="http://schemas.microsoft.com/office/drawing/2014/main" id="{59176067-875E-494C-9BAB-F6588984848B}"/>
-              </a:ext>
-            </a:extLst>
-          </p:cNvPr>
-          <p:cNvSpPr/>
-          <p:nvPr/>
-        </p:nvSpPr>
-        <p:spPr>
-          <a:xfrm>
-            <a:off x="127429" y="4202574"/>
-            <a:ext cx="1371601" cy="646331"/>
-          </a:xfrm>
-          <a:prstGeom prst="rect">
-            <a:avLst/>
-          </a:prstGeom>
-        </p:spPr>
-        <p:txBody>
-          <a:bodyPr wrap="square">
-            <a:spAutoFit/>
-          </a:bodyPr>
-          <a:lstStyle/>
-          <a:p>
-            <a:r>
-              <a:rPr lang="fr-FR" dirty="0"/>
-              <a:t>Calcul</a:t>
-            </a:r>
-          </a:p>
-          <a:p>
-            <a:r>
-              <a:rPr lang="fr-FR" dirty="0" err="1"/>
-              <a:t>Tuple</a:t>
-            </a:r>
-            <a:endParaRPr lang="fr-FR" dirty="0"/>
-          </a:p>
-        </p:txBody>
-      </p:sp>
-      <p:sp>
-        <p:nvSpPr>
-          <p:cNvPr id="20" name="ZoneTexte 19">
-            <a:extLst>
-              <a:ext uri="{FF2B5EF4-FFF2-40B4-BE49-F238E27FC236}">
-                <a16:creationId xmlns:a16="http://schemas.microsoft.com/office/drawing/2014/main" id="{791B7A56-30AF-C34B-9A0F-311F5FB3F374}"/>
-              </a:ext>
-            </a:extLst>
-          </p:cNvPr>
-          <p:cNvSpPr txBox="1"/>
-          <p:nvPr/>
-        </p:nvSpPr>
-        <p:spPr>
-          <a:xfrm>
-            <a:off x="130638" y="5395638"/>
-            <a:ext cx="794395" cy="369332"/>
-          </a:xfrm>
-          <a:prstGeom prst="rect">
-            <a:avLst/>
-          </a:prstGeom>
-          <a:noFill/>
-        </p:spPr>
-        <p:txBody>
-          <a:bodyPr wrap="square" rtlCol="0">
-            <a:spAutoFit/>
-          </a:bodyPr>
-          <a:lstStyle/>
-          <a:p>
-            <a:r>
-              <a:rPr lang="fr-FR" dirty="0"/>
-              <a:t>SQL</a:t>
-            </a:r>
-          </a:p>
-        </p:txBody>
-      </p:sp>
+          <a:ln w="19050">
+            <a:solidFill>
+              <a:srgbClr val="FFFFFF">
+                <a:alpha val="80000"/>
+              </a:srgbClr>
+            </a:solidFill>
+          </a:ln>
+        </p:spPr>
+        <p:style>
+          <a:lnRef idx="1">
+            <a:schemeClr val="accent1"/>
+          </a:lnRef>
+          <a:fillRef idx="0">
+            <a:schemeClr val="accent1"/>
+          </a:fillRef>
+          <a:effectRef idx="0">
+            <a:schemeClr val="accent1"/>
+          </a:effectRef>
+          <a:fontRef idx="minor">
+            <a:schemeClr val="tx1"/>
+          </a:fontRef>
+        </p:style>
+      </p:cxnSp>
     </p:spTree>
     <p:extLst>
       <p:ext uri="{BB962C8B-B14F-4D97-AF65-F5344CB8AC3E}">
-        <p14:creationId xmlns:p14="http://schemas.microsoft.com/office/powerpoint/2010/main" val="3304329644"/>
+        <p14:creationId xmlns:p14="http://schemas.microsoft.com/office/powerpoint/2010/main" val="3889878503"/>
       </p:ext>
     </p:extLst>
   </p:cSld>
   <p:clrMapOvr>
-    <a:masterClrMapping/>
+    <a:overrideClrMapping bg1="lt1" tx1="dk1" bg2="lt2" tx2="dk2" accent1="accent1" accent2="accent2" accent3="accent3" accent4="accent4" accent5="accent5" accent6="accent6" hlink="hlink" folHlink="folHlink"/>
   </p:clrMapOvr>
 </p:sld>
 </file>
@@ -5426,93 +7660,491 @@
       </p:grpSpPr>
       <p:sp>
         <p:nvSpPr>
-          <p:cNvPr id="17" name="Rectangle : coins arrondis 16">
-            <a:extLst>
-              <a:ext uri="{FF2B5EF4-FFF2-40B4-BE49-F238E27FC236}">
-                <a16:creationId xmlns:a16="http://schemas.microsoft.com/office/drawing/2014/main" id="{9A336FC6-F7BA-EB49-BC78-156B9C549ECC}"/>
-              </a:ext>
-            </a:extLst>
-          </p:cNvPr>
-          <p:cNvSpPr/>
-          <p:nvPr/>
+          <p:cNvPr id="30" name="Freeform: Shape 29">
+            <a:extLst>
+              <a:ext uri="{FF2B5EF4-FFF2-40B4-BE49-F238E27FC236}">
+                <a16:creationId xmlns:a16="http://schemas.microsoft.com/office/drawing/2014/main" id="{46C2E80F-49A6-4372-B103-219D417A55ED}"/>
+              </a:ext>
+              <a:ext uri="{C183D7F6-B498-43B3-948B-1728B52AA6E4}">
+                <adec:decorative xmlns:adec="http://schemas.microsoft.com/office/drawing/2017/decorative" val="1"/>
+              </a:ext>
+            </a:extLst>
+          </p:cNvPr>
+          <p:cNvSpPr>
+            <a:spLocks noGrp="1" noRot="1" noChangeAspect="1" noMove="1" noResize="1" noEditPoints="1" noAdjustHandles="1" noChangeArrowheads="1" noChangeShapeType="1" noTextEdit="1"/>
+          </p:cNvSpPr>
+          <p:nvPr>
+            <p:extLst>
+              <p:ext uri="{386F3935-93C4-4BCD-93E2-E3B085C9AB24}">
+                <p16:designElem xmlns:p16="http://schemas.microsoft.com/office/powerpoint/2015/main" val="1"/>
+              </p:ext>
+            </p:extLst>
+          </p:nvPr>
         </p:nvSpPr>
         <p:spPr>
           <a:xfrm>
-            <a:off x="2647507" y="2434856"/>
-            <a:ext cx="6741042" cy="3678864"/>
-          </a:xfrm>
-          <a:prstGeom prst="roundRect">
+            <a:off x="484096" y="470925"/>
+            <a:ext cx="4381009" cy="5892104"/>
+          </a:xfrm>
+          <a:custGeom>
             <a:avLst/>
-          </a:prstGeom>
+            <a:gdLst>
+              <a:gd name="connsiteX0" fmla="*/ 0 w 4381009"/>
+              <a:gd name="connsiteY0" fmla="*/ 0 h 5892104"/>
+              <a:gd name="connsiteX1" fmla="*/ 4157628 w 4381009"/>
+              <a:gd name="connsiteY1" fmla="*/ 0 h 5892104"/>
+              <a:gd name="connsiteX2" fmla="*/ 4169302 w 4381009"/>
+              <a:gd name="connsiteY2" fmla="*/ 68659 h 5892104"/>
+              <a:gd name="connsiteX3" fmla="*/ 4191571 w 4381009"/>
+              <a:gd name="connsiteY3" fmla="*/ 205472 h 5892104"/>
+              <a:gd name="connsiteX4" fmla="*/ 4213368 w 4381009"/>
+              <a:gd name="connsiteY4" fmla="*/ 342890 h 5892104"/>
+              <a:gd name="connsiteX5" fmla="*/ 4232030 w 4381009"/>
+              <a:gd name="connsiteY5" fmla="*/ 480913 h 5892104"/>
+              <a:gd name="connsiteX6" fmla="*/ 4250848 w 4381009"/>
+              <a:gd name="connsiteY6" fmla="*/ 618332 h 5892104"/>
+              <a:gd name="connsiteX7" fmla="*/ 4268412 w 4381009"/>
+              <a:gd name="connsiteY7" fmla="*/ 756355 h 5892104"/>
+              <a:gd name="connsiteX8" fmla="*/ 4283467 w 4381009"/>
+              <a:gd name="connsiteY8" fmla="*/ 892563 h 5892104"/>
+              <a:gd name="connsiteX9" fmla="*/ 4297737 w 4381009"/>
+              <a:gd name="connsiteY9" fmla="*/ 1030587 h 5892104"/>
+              <a:gd name="connsiteX10" fmla="*/ 4310754 w 4381009"/>
+              <a:gd name="connsiteY10" fmla="*/ 1168005 h 5892104"/>
+              <a:gd name="connsiteX11" fmla="*/ 4322045 w 4381009"/>
+              <a:gd name="connsiteY11" fmla="*/ 1303002 h 5892104"/>
+              <a:gd name="connsiteX12" fmla="*/ 4333336 w 4381009"/>
+              <a:gd name="connsiteY12" fmla="*/ 1439815 h 5892104"/>
+              <a:gd name="connsiteX13" fmla="*/ 4342745 w 4381009"/>
+              <a:gd name="connsiteY13" fmla="*/ 1574812 h 5892104"/>
+              <a:gd name="connsiteX14" fmla="*/ 4350115 w 4381009"/>
+              <a:gd name="connsiteY14" fmla="*/ 1709808 h 5892104"/>
+              <a:gd name="connsiteX15" fmla="*/ 4357799 w 4381009"/>
+              <a:gd name="connsiteY15" fmla="*/ 1844200 h 5892104"/>
+              <a:gd name="connsiteX16" fmla="*/ 4364229 w 4381009"/>
+              <a:gd name="connsiteY16" fmla="*/ 1977381 h 5892104"/>
+              <a:gd name="connsiteX17" fmla="*/ 4368777 w 4381009"/>
+              <a:gd name="connsiteY17" fmla="*/ 2109351 h 5892104"/>
+              <a:gd name="connsiteX18" fmla="*/ 4372697 w 4381009"/>
+              <a:gd name="connsiteY18" fmla="*/ 2241321 h 5892104"/>
+              <a:gd name="connsiteX19" fmla="*/ 4376461 w 4381009"/>
+              <a:gd name="connsiteY19" fmla="*/ 2372080 h 5892104"/>
+              <a:gd name="connsiteX20" fmla="*/ 4378186 w 4381009"/>
+              <a:gd name="connsiteY20" fmla="*/ 2501023 h 5892104"/>
+              <a:gd name="connsiteX21" fmla="*/ 4380068 w 4381009"/>
+              <a:gd name="connsiteY21" fmla="*/ 2629966 h 5892104"/>
+              <a:gd name="connsiteX22" fmla="*/ 4381009 w 4381009"/>
+              <a:gd name="connsiteY22" fmla="*/ 2757093 h 5892104"/>
+              <a:gd name="connsiteX23" fmla="*/ 4380068 w 4381009"/>
+              <a:gd name="connsiteY23" fmla="*/ 2883010 h 5892104"/>
+              <a:gd name="connsiteX24" fmla="*/ 4380068 w 4381009"/>
+              <a:gd name="connsiteY24" fmla="*/ 3007715 h 5892104"/>
+              <a:gd name="connsiteX25" fmla="*/ 4378186 w 4381009"/>
+              <a:gd name="connsiteY25" fmla="*/ 3131210 h 5892104"/>
+              <a:gd name="connsiteX26" fmla="*/ 4375363 w 4381009"/>
+              <a:gd name="connsiteY26" fmla="*/ 3252283 h 5892104"/>
+              <a:gd name="connsiteX27" fmla="*/ 4372697 w 4381009"/>
+              <a:gd name="connsiteY27" fmla="*/ 3372146 h 5892104"/>
+              <a:gd name="connsiteX28" fmla="*/ 4369718 w 4381009"/>
+              <a:gd name="connsiteY28" fmla="*/ 3489587 h 5892104"/>
+              <a:gd name="connsiteX29" fmla="*/ 4365170 w 4381009"/>
+              <a:gd name="connsiteY29" fmla="*/ 3606423 h 5892104"/>
+              <a:gd name="connsiteX30" fmla="*/ 4360309 w 4381009"/>
+              <a:gd name="connsiteY30" fmla="*/ 3721443 h 5892104"/>
+              <a:gd name="connsiteX31" fmla="*/ 4355918 w 4381009"/>
+              <a:gd name="connsiteY31" fmla="*/ 3834041 h 5892104"/>
+              <a:gd name="connsiteX32" fmla="*/ 4343529 w 4381009"/>
+              <a:gd name="connsiteY32" fmla="*/ 4053789 h 5892104"/>
+              <a:gd name="connsiteX33" fmla="*/ 4330356 w 4381009"/>
+              <a:gd name="connsiteY33" fmla="*/ 4264457 h 5892104"/>
+              <a:gd name="connsiteX34" fmla="*/ 4316556 w 4381009"/>
+              <a:gd name="connsiteY34" fmla="*/ 4466650 h 5892104"/>
+              <a:gd name="connsiteX35" fmla="*/ 4301344 w 4381009"/>
+              <a:gd name="connsiteY35" fmla="*/ 4657946 h 5892104"/>
+              <a:gd name="connsiteX36" fmla="*/ 4285506 w 4381009"/>
+              <a:gd name="connsiteY36" fmla="*/ 4840767 h 5892104"/>
+              <a:gd name="connsiteX37" fmla="*/ 4268412 w 4381009"/>
+              <a:gd name="connsiteY37" fmla="*/ 5010269 h 5892104"/>
+              <a:gd name="connsiteX38" fmla="*/ 4251633 w 4381009"/>
+              <a:gd name="connsiteY38" fmla="*/ 5169481 h 5892104"/>
+              <a:gd name="connsiteX39" fmla="*/ 4234853 w 4381009"/>
+              <a:gd name="connsiteY39" fmla="*/ 5315980 h 5892104"/>
+              <a:gd name="connsiteX40" fmla="*/ 4219014 w 4381009"/>
+              <a:gd name="connsiteY40" fmla="*/ 5450371 h 5892104"/>
+              <a:gd name="connsiteX41" fmla="*/ 4203959 w 4381009"/>
+              <a:gd name="connsiteY41" fmla="*/ 5569628 h 5892104"/>
+              <a:gd name="connsiteX42" fmla="*/ 4189689 w 4381009"/>
+              <a:gd name="connsiteY42" fmla="*/ 5677384 h 5892104"/>
+              <a:gd name="connsiteX43" fmla="*/ 4177770 w 4381009"/>
+              <a:gd name="connsiteY43" fmla="*/ 5768189 h 5892104"/>
+              <a:gd name="connsiteX44" fmla="*/ 4166479 w 4381009"/>
+              <a:gd name="connsiteY44" fmla="*/ 5844465 h 5892104"/>
+              <a:gd name="connsiteX45" fmla="*/ 4159132 w 4381009"/>
+              <a:gd name="connsiteY45" fmla="*/ 5892104 h 5892104"/>
+              <a:gd name="connsiteX46" fmla="*/ 0 w 4381009"/>
+              <a:gd name="connsiteY46" fmla="*/ 5892104 h 5892104"/>
+            </a:gdLst>
+            <a:ahLst/>
+            <a:cxnLst>
+              <a:cxn ang="0">
+                <a:pos x="connsiteX0" y="connsiteY0"/>
+              </a:cxn>
+              <a:cxn ang="0">
+                <a:pos x="connsiteX1" y="connsiteY1"/>
+              </a:cxn>
+              <a:cxn ang="0">
+                <a:pos x="connsiteX2" y="connsiteY2"/>
+              </a:cxn>
+              <a:cxn ang="0">
+                <a:pos x="connsiteX3" y="connsiteY3"/>
+              </a:cxn>
+              <a:cxn ang="0">
+                <a:pos x="connsiteX4" y="connsiteY4"/>
+              </a:cxn>
+              <a:cxn ang="0">
+                <a:pos x="connsiteX5" y="connsiteY5"/>
+              </a:cxn>
+              <a:cxn ang="0">
+                <a:pos x="connsiteX6" y="connsiteY6"/>
+              </a:cxn>
+              <a:cxn ang="0">
+                <a:pos x="connsiteX7" y="connsiteY7"/>
+              </a:cxn>
+              <a:cxn ang="0">
+                <a:pos x="connsiteX8" y="connsiteY8"/>
+              </a:cxn>
+              <a:cxn ang="0">
+                <a:pos x="connsiteX9" y="connsiteY9"/>
+              </a:cxn>
+              <a:cxn ang="0">
+                <a:pos x="connsiteX10" y="connsiteY10"/>
+              </a:cxn>
+              <a:cxn ang="0">
+                <a:pos x="connsiteX11" y="connsiteY11"/>
+              </a:cxn>
+              <a:cxn ang="0">
+                <a:pos x="connsiteX12" y="connsiteY12"/>
+              </a:cxn>
+              <a:cxn ang="0">
+                <a:pos x="connsiteX13" y="connsiteY13"/>
+              </a:cxn>
+              <a:cxn ang="0">
+                <a:pos x="connsiteX14" y="connsiteY14"/>
+              </a:cxn>
+              <a:cxn ang="0">
+                <a:pos x="connsiteX15" y="connsiteY15"/>
+              </a:cxn>
+              <a:cxn ang="0">
+                <a:pos x="connsiteX16" y="connsiteY16"/>
+              </a:cxn>
+              <a:cxn ang="0">
+                <a:pos x="connsiteX17" y="connsiteY17"/>
+              </a:cxn>
+              <a:cxn ang="0">
+                <a:pos x="connsiteX18" y="connsiteY18"/>
+              </a:cxn>
+              <a:cxn ang="0">
+                <a:pos x="connsiteX19" y="connsiteY19"/>
+              </a:cxn>
+              <a:cxn ang="0">
+                <a:pos x="connsiteX20" y="connsiteY20"/>
+              </a:cxn>
+              <a:cxn ang="0">
+                <a:pos x="connsiteX21" y="connsiteY21"/>
+              </a:cxn>
+              <a:cxn ang="0">
+                <a:pos x="connsiteX22" y="connsiteY22"/>
+              </a:cxn>
+              <a:cxn ang="0">
+                <a:pos x="connsiteX23" y="connsiteY23"/>
+              </a:cxn>
+              <a:cxn ang="0">
+                <a:pos x="connsiteX24" y="connsiteY24"/>
+              </a:cxn>
+              <a:cxn ang="0">
+                <a:pos x="connsiteX25" y="connsiteY25"/>
+              </a:cxn>
+              <a:cxn ang="0">
+                <a:pos x="connsiteX26" y="connsiteY26"/>
+              </a:cxn>
+              <a:cxn ang="0">
+                <a:pos x="connsiteX27" y="connsiteY27"/>
+              </a:cxn>
+              <a:cxn ang="0">
+                <a:pos x="connsiteX28" y="connsiteY28"/>
+              </a:cxn>
+              <a:cxn ang="0">
+                <a:pos x="connsiteX29" y="connsiteY29"/>
+              </a:cxn>
+              <a:cxn ang="0">
+                <a:pos x="connsiteX30" y="connsiteY30"/>
+              </a:cxn>
+              <a:cxn ang="0">
+                <a:pos x="connsiteX31" y="connsiteY31"/>
+              </a:cxn>
+              <a:cxn ang="0">
+                <a:pos x="connsiteX32" y="connsiteY32"/>
+              </a:cxn>
+              <a:cxn ang="0">
+                <a:pos x="connsiteX33" y="connsiteY33"/>
+              </a:cxn>
+              <a:cxn ang="0">
+                <a:pos x="connsiteX34" y="connsiteY34"/>
+              </a:cxn>
+              <a:cxn ang="0">
+                <a:pos x="connsiteX35" y="connsiteY35"/>
+              </a:cxn>
+              <a:cxn ang="0">
+                <a:pos x="connsiteX36" y="connsiteY36"/>
+              </a:cxn>
+              <a:cxn ang="0">
+                <a:pos x="connsiteX37" y="connsiteY37"/>
+              </a:cxn>
+              <a:cxn ang="0">
+                <a:pos x="connsiteX38" y="connsiteY38"/>
+              </a:cxn>
+              <a:cxn ang="0">
+                <a:pos x="connsiteX39" y="connsiteY39"/>
+              </a:cxn>
+              <a:cxn ang="0">
+                <a:pos x="connsiteX40" y="connsiteY40"/>
+              </a:cxn>
+              <a:cxn ang="0">
+                <a:pos x="connsiteX41" y="connsiteY41"/>
+              </a:cxn>
+              <a:cxn ang="0">
+                <a:pos x="connsiteX42" y="connsiteY42"/>
+              </a:cxn>
+              <a:cxn ang="0">
+                <a:pos x="connsiteX43" y="connsiteY43"/>
+              </a:cxn>
+              <a:cxn ang="0">
+                <a:pos x="connsiteX44" y="connsiteY44"/>
+              </a:cxn>
+              <a:cxn ang="0">
+                <a:pos x="connsiteX45" y="connsiteY45"/>
+              </a:cxn>
+              <a:cxn ang="0">
+                <a:pos x="connsiteX46" y="connsiteY46"/>
+              </a:cxn>
+            </a:cxnLst>
+            <a:rect l="l" t="t" r="r" b="b"/>
+            <a:pathLst>
+              <a:path w="4381009" h="5892104">
+                <a:moveTo>
+                  <a:pt x="0" y="0"/>
+                </a:moveTo>
+                <a:lnTo>
+                  <a:pt x="4157628" y="0"/>
+                </a:lnTo>
+                <a:lnTo>
+                  <a:pt x="4169302" y="68659"/>
+                </a:lnTo>
+                <a:lnTo>
+                  <a:pt x="4191571" y="205472"/>
+                </a:lnTo>
+                <a:lnTo>
+                  <a:pt x="4213368" y="342890"/>
+                </a:lnTo>
+                <a:lnTo>
+                  <a:pt x="4232030" y="480913"/>
+                </a:lnTo>
+                <a:lnTo>
+                  <a:pt x="4250848" y="618332"/>
+                </a:lnTo>
+                <a:lnTo>
+                  <a:pt x="4268412" y="756355"/>
+                </a:lnTo>
+                <a:lnTo>
+                  <a:pt x="4283467" y="892563"/>
+                </a:lnTo>
+                <a:lnTo>
+                  <a:pt x="4297737" y="1030587"/>
+                </a:lnTo>
+                <a:lnTo>
+                  <a:pt x="4310754" y="1168005"/>
+                </a:lnTo>
+                <a:lnTo>
+                  <a:pt x="4322045" y="1303002"/>
+                </a:lnTo>
+                <a:lnTo>
+                  <a:pt x="4333336" y="1439815"/>
+                </a:lnTo>
+                <a:lnTo>
+                  <a:pt x="4342745" y="1574812"/>
+                </a:lnTo>
+                <a:lnTo>
+                  <a:pt x="4350115" y="1709808"/>
+                </a:lnTo>
+                <a:lnTo>
+                  <a:pt x="4357799" y="1844200"/>
+                </a:lnTo>
+                <a:lnTo>
+                  <a:pt x="4364229" y="1977381"/>
+                </a:lnTo>
+                <a:lnTo>
+                  <a:pt x="4368777" y="2109351"/>
+                </a:lnTo>
+                <a:lnTo>
+                  <a:pt x="4372697" y="2241321"/>
+                </a:lnTo>
+                <a:lnTo>
+                  <a:pt x="4376461" y="2372080"/>
+                </a:lnTo>
+                <a:lnTo>
+                  <a:pt x="4378186" y="2501023"/>
+                </a:lnTo>
+                <a:lnTo>
+                  <a:pt x="4380068" y="2629966"/>
+                </a:lnTo>
+                <a:lnTo>
+                  <a:pt x="4381009" y="2757093"/>
+                </a:lnTo>
+                <a:lnTo>
+                  <a:pt x="4380068" y="2883010"/>
+                </a:lnTo>
+                <a:lnTo>
+                  <a:pt x="4380068" y="3007715"/>
+                </a:lnTo>
+                <a:lnTo>
+                  <a:pt x="4378186" y="3131210"/>
+                </a:lnTo>
+                <a:lnTo>
+                  <a:pt x="4375363" y="3252283"/>
+                </a:lnTo>
+                <a:lnTo>
+                  <a:pt x="4372697" y="3372146"/>
+                </a:lnTo>
+                <a:lnTo>
+                  <a:pt x="4369718" y="3489587"/>
+                </a:lnTo>
+                <a:lnTo>
+                  <a:pt x="4365170" y="3606423"/>
+                </a:lnTo>
+                <a:lnTo>
+                  <a:pt x="4360309" y="3721443"/>
+                </a:lnTo>
+                <a:lnTo>
+                  <a:pt x="4355918" y="3834041"/>
+                </a:lnTo>
+                <a:lnTo>
+                  <a:pt x="4343529" y="4053789"/>
+                </a:lnTo>
+                <a:lnTo>
+                  <a:pt x="4330356" y="4264457"/>
+                </a:lnTo>
+                <a:lnTo>
+                  <a:pt x="4316556" y="4466650"/>
+                </a:lnTo>
+                <a:lnTo>
+                  <a:pt x="4301344" y="4657946"/>
+                </a:lnTo>
+                <a:lnTo>
+                  <a:pt x="4285506" y="4840767"/>
+                </a:lnTo>
+                <a:lnTo>
+                  <a:pt x="4268412" y="5010269"/>
+                </a:lnTo>
+                <a:lnTo>
+                  <a:pt x="4251633" y="5169481"/>
+                </a:lnTo>
+                <a:lnTo>
+                  <a:pt x="4234853" y="5315980"/>
+                </a:lnTo>
+                <a:lnTo>
+                  <a:pt x="4219014" y="5450371"/>
+                </a:lnTo>
+                <a:lnTo>
+                  <a:pt x="4203959" y="5569628"/>
+                </a:lnTo>
+                <a:lnTo>
+                  <a:pt x="4189689" y="5677384"/>
+                </a:lnTo>
+                <a:lnTo>
+                  <a:pt x="4177770" y="5768189"/>
+                </a:lnTo>
+                <a:lnTo>
+                  <a:pt x="4166479" y="5844465"/>
+                </a:lnTo>
+                <a:lnTo>
+                  <a:pt x="4159132" y="5892104"/>
+                </a:lnTo>
+                <a:lnTo>
+                  <a:pt x="0" y="5892104"/>
+                </a:lnTo>
+                <a:close/>
+              </a:path>
+            </a:pathLst>
+          </a:custGeom>
+          <a:solidFill>
+            <a:srgbClr val="404040"/>
+          </a:solidFill>
+          <a:ln>
+            <a:noFill/>
+          </a:ln>
         </p:spPr>
         <p:style>
           <a:lnRef idx="2">
-            <a:schemeClr val="dk1"/>
+            <a:schemeClr val="accent1">
+              <a:shade val="50000"/>
+            </a:schemeClr>
           </a:lnRef>
           <a:fillRef idx="1">
-            <a:schemeClr val="lt1"/>
+            <a:schemeClr val="accent1"/>
           </a:fillRef>
           <a:effectRef idx="0">
-            <a:schemeClr val="dk1"/>
+            <a:schemeClr val="accent1"/>
           </a:effectRef>
           <a:fontRef idx="minor">
-            <a:schemeClr val="dk1"/>
+            <a:schemeClr val="lt1"/>
           </a:fontRef>
         </p:style>
         <p:txBody>
-          <a:bodyPr rtlCol="0" anchor="ctr"/>
-          <a:lstStyle/>
-          <a:p>
-            <a:pPr algn="ctr"/>
-            <a:endParaRPr lang="fr-FR" dirty="0"/>
-          </a:p>
-        </p:txBody>
-      </p:sp>
-      <p:sp>
-        <p:nvSpPr>
-          <p:cNvPr id="2" name="Titre 1">
-            <a:extLst>
-              <a:ext uri="{FF2B5EF4-FFF2-40B4-BE49-F238E27FC236}">
-                <a16:creationId xmlns:a16="http://schemas.microsoft.com/office/drawing/2014/main" id="{12CC11B5-C4EA-ED40-AC48-F81663564CEF}"/>
-              </a:ext>
-            </a:extLst>
-          </p:cNvPr>
-          <p:cNvSpPr>
-            <a:spLocks noGrp="1"/>
-          </p:cNvSpPr>
-          <p:nvPr>
-            <p:ph type="title"/>
-          </p:nvPr>
-        </p:nvSpPr>
-        <p:spPr>
-          <a:xfrm>
-            <a:off x="914401" y="914400"/>
-            <a:ext cx="4035055" cy="2996649"/>
-          </a:xfrm>
-        </p:spPr>
-        <p:txBody>
-          <a:bodyPr vert="horz" lIns="91440" tIns="45720" rIns="91440" bIns="45720" rtlCol="0" anchor="t">
-            <a:normAutofit/>
+          <a:bodyPr wrap="square" rtlCol="0" anchor="ctr">
+            <a:noAutofit/>
           </a:bodyPr>
           <a:lstStyle/>
           <a:p>
-            <a:r>
-              <a:rPr lang="en-US" dirty="0" err="1"/>
-              <a:t>Requête</a:t>
-            </a:r>
-            <a:r>
-              <a:rPr lang="en-US" dirty="0"/>
-              <a:t> 2</a:t>
-            </a:r>
+            <a:pPr marL="0" marR="0" lvl="0" indent="0" algn="ctr" defTabSz="457200" rtl="0" eaLnBrk="1" fontAlgn="auto" latinLnBrk="0" hangingPunct="1">
+              <a:lnSpc>
+                <a:spcPct val="100000"/>
+              </a:lnSpc>
+              <a:spcBef>
+                <a:spcPts val="0"/>
+              </a:spcBef>
+              <a:spcAft>
+                <a:spcPts val="0"/>
+              </a:spcAft>
+              <a:buClrTx/>
+              <a:buSzTx/>
+              <a:buFontTx/>
+              <a:buNone/>
+              <a:tabLst/>
+              <a:defRPr/>
+            </a:pPr>
+            <a:endParaRPr kumimoji="0" lang="en-US" sz="1800" b="0" i="0" u="none" strike="noStrike" kern="1200" cap="none" spc="0" normalizeH="0" baseline="0" noProof="0">
+              <a:ln>
+                <a:noFill/>
+              </a:ln>
+              <a:solidFill>
+                <a:prstClr val="white"/>
+              </a:solidFill>
+              <a:effectLst/>
+              <a:uLnTx/>
+              <a:uFillTx/>
+              <a:latin typeface="Calibri" panose="020F0502020204030204"/>
+              <a:ea typeface="+mn-ea"/>
+              <a:cs typeface="+mn-cs"/>
+            </a:endParaRPr>
           </a:p>
         </p:txBody>
       </p:sp>
       <p:pic>
         <p:nvPicPr>
-          <p:cNvPr id="4" name="Image 3" descr="Une image contenant texte&#10;&#10;Description générée automatiquement">
-            <a:extLst>
-              <a:ext uri="{FF2B5EF4-FFF2-40B4-BE49-F238E27FC236}">
-                <a16:creationId xmlns:a16="http://schemas.microsoft.com/office/drawing/2014/main" id="{B8C12947-99A2-B246-B9C7-341691E8C3F4}"/>
+          <p:cNvPr id="12" name="Image 11">
+            <a:extLst>
+              <a:ext uri="{FF2B5EF4-FFF2-40B4-BE49-F238E27FC236}">
+                <a16:creationId xmlns:a16="http://schemas.microsoft.com/office/drawing/2014/main" id="{74EC2522-10AD-6B42-B1FD-74B3E8D525F5}"/>
               </a:ext>
             </a:extLst>
           </p:cNvPr>
@@ -5521,60 +8153,132 @@
           </p:cNvPicPr>
           <p:nvPr/>
         </p:nvPicPr>
-        <p:blipFill rotWithShape="1">
+        <p:blipFill>
           <a:blip r:embed="rId2"/>
-          <a:srcRect r="34034"/>
-          <a:stretch/>
+          <a:stretch>
+            <a:fillRect/>
+          </a:stretch>
         </p:blipFill>
         <p:spPr>
           <a:xfrm>
-            <a:off x="2931928" y="2765284"/>
-            <a:ext cx="6225926" cy="2996613"/>
+            <a:off x="4279187" y="4249529"/>
+            <a:ext cx="7579397" cy="698769"/>
           </a:xfrm>
           <a:prstGeom prst="rect">
             <a:avLst/>
           </a:prstGeom>
         </p:spPr>
       </p:pic>
-      <p:sp>
-        <p:nvSpPr>
-          <p:cNvPr id="6" name="ZoneTexte 5">
-            <a:extLst>
-              <a:ext uri="{FF2B5EF4-FFF2-40B4-BE49-F238E27FC236}">
-                <a16:creationId xmlns:a16="http://schemas.microsoft.com/office/drawing/2014/main" id="{F95ED1DE-2582-0448-80BF-8B97A34CAF45}"/>
-              </a:ext>
-            </a:extLst>
-          </p:cNvPr>
-          <p:cNvSpPr txBox="1"/>
+      <p:pic>
+        <p:nvPicPr>
+          <p:cNvPr id="11" name="Image 10" descr="Une image contenant texte&#10;&#10;Description générée automatiquement">
+            <a:extLst>
+              <a:ext uri="{FF2B5EF4-FFF2-40B4-BE49-F238E27FC236}">
+                <a16:creationId xmlns:a16="http://schemas.microsoft.com/office/drawing/2014/main" id="{14623F64-9D26-DB48-B157-8A10503D16F2}"/>
+              </a:ext>
+            </a:extLst>
+          </p:cNvPr>
+          <p:cNvPicPr>
+            <a:picLocks noChangeAspect="1"/>
+          </p:cNvPicPr>
           <p:nvPr/>
-        </p:nvSpPr>
+        </p:nvPicPr>
+        <p:blipFill>
+          <a:blip r:embed="rId3"/>
+          <a:stretch>
+            <a:fillRect/>
+          </a:stretch>
+        </p:blipFill>
         <p:spPr>
           <a:xfrm>
-            <a:off x="1222746" y="1713701"/>
-            <a:ext cx="9799734" cy="369332"/>
+            <a:off x="4279187" y="680986"/>
+            <a:ext cx="7579397" cy="2709430"/>
           </a:xfrm>
           <a:prstGeom prst="rect">
             <a:avLst/>
           </a:prstGeom>
-          <a:noFill/>
-        </p:spPr>
-        <p:txBody>
-          <a:bodyPr wrap="none" rtlCol="0">
-            <a:spAutoFit/>
+        </p:spPr>
+      </p:pic>
+      <p:sp>
+        <p:nvSpPr>
+          <p:cNvPr id="2" name="Titre 1">
+            <a:extLst>
+              <a:ext uri="{FF2B5EF4-FFF2-40B4-BE49-F238E27FC236}">
+                <a16:creationId xmlns:a16="http://schemas.microsoft.com/office/drawing/2014/main" id="{7402D897-A4A0-0645-9972-1E9A5E9A3C65}"/>
+              </a:ext>
+            </a:extLst>
+          </p:cNvPr>
+          <p:cNvSpPr>
+            <a:spLocks noGrp="1"/>
+          </p:cNvSpPr>
+          <p:nvPr>
+            <p:ph type="title"/>
+          </p:nvPr>
+        </p:nvSpPr>
+        <p:spPr>
+          <a:xfrm>
+            <a:off x="863029" y="1012004"/>
+            <a:ext cx="3416158" cy="4795408"/>
+          </a:xfrm>
+        </p:spPr>
+        <p:txBody>
+          <a:bodyPr vert="horz" lIns="91440" tIns="45720" rIns="91440" bIns="45720" rtlCol="0">
+            <a:normAutofit/>
           </a:bodyPr>
           <a:lstStyle/>
           <a:p>
             <a:r>
-              <a:rPr lang="fr-FR" dirty="0"/>
-              <a:t>Sélectionnez le pays qui a administré le plus grand nombre total de vaccins (toutes les dates cumulées)</a:t>
-            </a:r>
+              <a:rPr lang="en-US" sz="3700" dirty="0" err="1">
+                <a:solidFill>
+                  <a:srgbClr val="FFFFFF"/>
+                </a:solidFill>
+              </a:rPr>
+              <a:t>Implémentation</a:t>
+            </a:r>
+            <a:r>
+              <a:rPr lang="en-US" sz="3700" dirty="0">
+                <a:solidFill>
+                  <a:srgbClr val="FFFFFF"/>
+                </a:solidFill>
+              </a:rPr>
+              <a:t> des </a:t>
+            </a:r>
+            <a:r>
+              <a:rPr lang="en-US" sz="3700" dirty="0" err="1">
+                <a:solidFill>
+                  <a:srgbClr val="FFFFFF"/>
+                </a:solidFill>
+              </a:rPr>
+              <a:t>contraintes</a:t>
+            </a:r>
+            <a:r>
+              <a:rPr lang="en-US" sz="3700" dirty="0">
+                <a:solidFill>
+                  <a:srgbClr val="FFFFFF"/>
+                </a:solidFill>
+              </a:rPr>
+              <a:t> </a:t>
+            </a:r>
+            <a:r>
+              <a:rPr lang="en-US" sz="3700" dirty="0" err="1">
+                <a:solidFill>
+                  <a:srgbClr val="FFFFFF"/>
+                </a:solidFill>
+              </a:rPr>
+              <a:t>d’intégrité</a:t>
+            </a:r>
+            <a:endParaRPr lang="en-US" sz="3700" dirty="0">
+              <a:solidFill>
+                <a:srgbClr val="FFFFFF"/>
+              </a:solidFill>
+            </a:endParaRPr>
           </a:p>
         </p:txBody>
       </p:sp>
     </p:spTree>
     <p:extLst>
       <p:ext uri="{BB962C8B-B14F-4D97-AF65-F5344CB8AC3E}">
-        <p14:creationId xmlns:p14="http://schemas.microsoft.com/office/powerpoint/2010/main" val="1202713288"/>
+        <p14:creationId xmlns:p14="http://schemas.microsoft.com/office/powerpoint/2010/main" val="3389018496"/>
       </p:ext>
     </p:extLst>
   </p:cSld>
@@ -5611,37 +8315,53 @@
       </p:grpSpPr>
       <p:sp>
         <p:nvSpPr>
-          <p:cNvPr id="14" name="Rectangle : coins arrondis 13">
-            <a:extLst>
-              <a:ext uri="{FF2B5EF4-FFF2-40B4-BE49-F238E27FC236}">
-                <a16:creationId xmlns:a16="http://schemas.microsoft.com/office/drawing/2014/main" id="{F1C3C5AC-0C3B-1B4A-B730-BAB4E91FE8ED}"/>
-              </a:ext>
-            </a:extLst>
-          </p:cNvPr>
-          <p:cNvSpPr/>
-          <p:nvPr/>
+          <p:cNvPr id="14" name="Rectangle 13">
+            <a:extLst>
+              <a:ext uri="{FF2B5EF4-FFF2-40B4-BE49-F238E27FC236}">
+                <a16:creationId xmlns:a16="http://schemas.microsoft.com/office/drawing/2014/main" id="{D4D28E87-62D2-4602-B72F-5F74AA236CC3}"/>
+              </a:ext>
+              <a:ext uri="{C183D7F6-B498-43B3-948B-1728B52AA6E4}">
+                <adec:decorative xmlns:adec="http://schemas.microsoft.com/office/drawing/2017/decorative" val="1"/>
+              </a:ext>
+            </a:extLst>
+          </p:cNvPr>
+          <p:cNvSpPr>
+            <a:spLocks noGrp="1" noRot="1" noChangeAspect="1" noMove="1" noResize="1" noEditPoints="1" noAdjustHandles="1" noChangeArrowheads="1" noChangeShapeType="1" noTextEdit="1"/>
+          </p:cNvSpPr>
+          <p:nvPr>
+            <p:extLst>
+              <p:ext uri="{386F3935-93C4-4BCD-93E2-E3B085C9AB24}">
+                <p16:designElem xmlns:p16="http://schemas.microsoft.com/office/powerpoint/2015/main" val="1"/>
+              </p:ext>
+            </p:extLst>
+          </p:nvPr>
         </p:nvSpPr>
         <p:spPr>
           <a:xfrm>
-            <a:off x="2670885" y="2870791"/>
-            <a:ext cx="6685765" cy="1743739"/>
-          </a:xfrm>
-          <a:prstGeom prst="roundRect">
+            <a:off x="-1" y="0"/>
+            <a:ext cx="12192001" cy="1915064"/>
+          </a:xfrm>
+          <a:prstGeom prst="rect">
             <a:avLst/>
           </a:prstGeom>
+          <a:ln>
+            <a:noFill/>
+          </a:ln>
         </p:spPr>
         <p:style>
           <a:lnRef idx="2">
-            <a:schemeClr val="dk1"/>
+            <a:schemeClr val="accent1">
+              <a:shade val="50000"/>
+            </a:schemeClr>
           </a:lnRef>
           <a:fillRef idx="1">
-            <a:schemeClr val="lt1"/>
+            <a:schemeClr val="accent1"/>
           </a:fillRef>
           <a:effectRef idx="0">
-            <a:schemeClr val="dk1"/>
+            <a:schemeClr val="accent1"/>
           </a:effectRef>
           <a:fontRef idx="minor">
-            <a:schemeClr val="dk1"/>
+            <a:schemeClr val="lt1"/>
           </a:fontRef>
         </p:style>
         <p:txBody>
@@ -5649,7 +8369,7 @@
           <a:lstStyle/>
           <a:p>
             <a:pPr algn="ctr"/>
-            <a:endParaRPr lang="fr-FR" dirty="0"/>
+            <a:endParaRPr lang="en-US" dirty="0"/>
           </a:p>
         </p:txBody>
       </p:sp>
@@ -5658,7 +8378,7 @@
           <p:cNvPr id="2" name="Titre 1">
             <a:extLst>
               <a:ext uri="{FF2B5EF4-FFF2-40B4-BE49-F238E27FC236}">
-                <a16:creationId xmlns:a16="http://schemas.microsoft.com/office/drawing/2014/main" id="{12CC11B5-C4EA-ED40-AC48-F81663564CEF}"/>
+                <a16:creationId xmlns:a16="http://schemas.microsoft.com/office/drawing/2014/main" id="{7402D897-A4A0-0645-9972-1E9A5E9A3C65}"/>
               </a:ext>
             </a:extLst>
           </p:cNvPr>
@@ -5671,33 +8391,89 @@
         </p:nvSpPr>
         <p:spPr>
           <a:xfrm>
-            <a:off x="914401" y="914400"/>
-            <a:ext cx="4035055" cy="2996649"/>
-          </a:xfrm>
-        </p:spPr>
-        <p:txBody>
-          <a:bodyPr vert="horz" lIns="91440" tIns="45720" rIns="91440" bIns="45720" rtlCol="0" anchor="t">
+            <a:off x="838199" y="291090"/>
+            <a:ext cx="10515599" cy="932688"/>
+          </a:xfrm>
+        </p:spPr>
+        <p:txBody>
+          <a:bodyPr vert="horz" lIns="91440" tIns="45720" rIns="91440" bIns="45720" rtlCol="0" anchor="b">
             <a:normAutofit/>
           </a:bodyPr>
           <a:lstStyle/>
           <a:p>
-            <a:r>
-              <a:rPr lang="en-US" dirty="0" err="1"/>
-              <a:t>Requête</a:t>
-            </a:r>
-            <a:r>
-              <a:rPr lang="en-US" dirty="0"/>
-              <a:t> 3</a:t>
-            </a:r>
+            <a:pPr algn="ctr"/>
+            <a:r>
+              <a:rPr lang="en-US" sz="4600" kern="1200" dirty="0" err="1">
+                <a:solidFill>
+                  <a:schemeClr val="bg1"/>
+                </a:solidFill>
+                <a:latin typeface="+mj-lt"/>
+                <a:ea typeface="+mj-ea"/>
+                <a:cs typeface="+mj-cs"/>
+              </a:rPr>
+              <a:t>Implémentation</a:t>
+            </a:r>
+            <a:r>
+              <a:rPr lang="en-US" sz="4600" kern="1200" dirty="0">
+                <a:solidFill>
+                  <a:schemeClr val="bg1"/>
+                </a:solidFill>
+                <a:latin typeface="+mj-lt"/>
+                <a:ea typeface="+mj-ea"/>
+                <a:cs typeface="+mj-cs"/>
+              </a:rPr>
+              <a:t> des </a:t>
+            </a:r>
+            <a:r>
+              <a:rPr lang="en-US" sz="4600" kern="1200" dirty="0" err="1">
+                <a:solidFill>
+                  <a:schemeClr val="bg1"/>
+                </a:solidFill>
+                <a:latin typeface="+mj-lt"/>
+                <a:ea typeface="+mj-ea"/>
+                <a:cs typeface="+mj-cs"/>
+              </a:rPr>
+              <a:t>contraintes</a:t>
+            </a:r>
+            <a:r>
+              <a:rPr lang="en-US" sz="4600" kern="1200" dirty="0">
+                <a:solidFill>
+                  <a:schemeClr val="bg1"/>
+                </a:solidFill>
+                <a:latin typeface="+mj-lt"/>
+                <a:ea typeface="+mj-ea"/>
+                <a:cs typeface="+mj-cs"/>
+              </a:rPr>
+              <a:t> </a:t>
+            </a:r>
+            <a:r>
+              <a:rPr lang="en-US" sz="4600" kern="1200" dirty="0" err="1">
+                <a:solidFill>
+                  <a:schemeClr val="bg1"/>
+                </a:solidFill>
+                <a:latin typeface="+mj-lt"/>
+                <a:ea typeface="+mj-ea"/>
+                <a:cs typeface="+mj-cs"/>
+              </a:rPr>
+              <a:t>d’intégrité</a:t>
+            </a:r>
+            <a:endParaRPr lang="en-US" sz="4600" kern="1200" dirty="0">
+              <a:solidFill>
+                <a:schemeClr val="bg1"/>
+              </a:solidFill>
+              <a:latin typeface="+mj-lt"/>
+              <a:ea typeface="+mj-ea"/>
+              <a:cs typeface="+mj-cs"/>
+            </a:endParaRPr>
           </a:p>
         </p:txBody>
       </p:sp>
       <p:pic>
         <p:nvPicPr>
-          <p:cNvPr id="7" name="Image 6">
-            <a:extLst>
-              <a:ext uri="{FF2B5EF4-FFF2-40B4-BE49-F238E27FC236}">
-                <a16:creationId xmlns:a16="http://schemas.microsoft.com/office/drawing/2014/main" id="{8B806F89-F368-5647-BF8E-D272FFFEA624}"/>
+          <p:cNvPr id="9" name="Image 8" descr="Une image contenant texte&#10;&#10;Description générée automatiquement">
+            <a:extLst>
+              <a:ext uri="{FF2B5EF4-FFF2-40B4-BE49-F238E27FC236}">
+                <a16:creationId xmlns:a16="http://schemas.microsoft.com/office/drawing/2014/main" id="{2BC041DA-656E-E74A-96A8-9562D2723DFB}"/>
               </a:ext>
             </a:extLst>
           </p:cNvPr>
@@ -5706,60 +8482,26 @@
           </p:cNvPicPr>
           <p:nvPr/>
         </p:nvPicPr>
-        <p:blipFill rotWithShape="1">
+        <p:blipFill>
           <a:blip r:embed="rId2"/>
-          <a:srcRect r="33377"/>
-          <a:stretch/>
+          <a:stretch>
+            <a:fillRect/>
+          </a:stretch>
         </p:blipFill>
         <p:spPr>
           <a:xfrm>
-            <a:off x="2969142" y="3154365"/>
-            <a:ext cx="6218959" cy="1117600"/>
+            <a:off x="1801981" y="2139351"/>
+            <a:ext cx="8588036" cy="4165196"/>
           </a:xfrm>
           <a:prstGeom prst="rect">
             <a:avLst/>
           </a:prstGeom>
         </p:spPr>
       </p:pic>
-      <p:sp>
-        <p:nvSpPr>
-          <p:cNvPr id="8" name="ZoneTexte 7">
-            <a:extLst>
-              <a:ext uri="{FF2B5EF4-FFF2-40B4-BE49-F238E27FC236}">
-                <a16:creationId xmlns:a16="http://schemas.microsoft.com/office/drawing/2014/main" id="{8B4C196D-7F98-2D4E-9A26-02F2D6992943}"/>
-              </a:ext>
-            </a:extLst>
-          </p:cNvPr>
-          <p:cNvSpPr txBox="1"/>
-          <p:nvPr/>
-        </p:nvSpPr>
-        <p:spPr>
-          <a:xfrm>
-            <a:off x="1087848" y="1701210"/>
-            <a:ext cx="6154698" cy="369332"/>
-          </a:xfrm>
-          <a:prstGeom prst="rect">
-            <a:avLst/>
-          </a:prstGeom>
-          <a:noFill/>
-        </p:spPr>
-        <p:txBody>
-          <a:bodyPr wrap="none" rtlCol="0">
-            <a:spAutoFit/>
-          </a:bodyPr>
-          <a:lstStyle/>
-          <a:p>
-            <a:r>
-              <a:rPr lang="fr-FR" dirty="0"/>
-              <a:t>Pour chaque vaccin, sélectionnez le nom des pays qui l'utilisent </a:t>
-            </a:r>
-          </a:p>
-        </p:txBody>
-      </p:sp>
     </p:spTree>
     <p:extLst>
       <p:ext uri="{BB962C8B-B14F-4D97-AF65-F5344CB8AC3E}">
-        <p14:creationId xmlns:p14="http://schemas.microsoft.com/office/powerpoint/2010/main" val="904910003"/>
+        <p14:creationId xmlns:p14="http://schemas.microsoft.com/office/powerpoint/2010/main" val="1211021710"/>
       </p:ext>
     </p:extLst>
   </p:cSld>
@@ -5796,54 +8538,45 @@
       </p:grpSpPr>
       <p:sp>
         <p:nvSpPr>
-          <p:cNvPr id="15" name="Rectangle : coins arrondis 14">
-            <a:extLst>
-              <a:ext uri="{FF2B5EF4-FFF2-40B4-BE49-F238E27FC236}">
-                <a16:creationId xmlns:a16="http://schemas.microsoft.com/office/drawing/2014/main" id="{EAF92106-DED9-D34B-AE66-88C6472A8163}"/>
-              </a:ext>
-            </a:extLst>
-          </p:cNvPr>
-          <p:cNvSpPr/>
-          <p:nvPr/>
+          <p:cNvPr id="2" name="Titre 1">
+            <a:extLst>
+              <a:ext uri="{FF2B5EF4-FFF2-40B4-BE49-F238E27FC236}">
+                <a16:creationId xmlns:a16="http://schemas.microsoft.com/office/drawing/2014/main" id="{B2C3CE7B-EC7D-3243-9FA9-C8A3CB3C3CB1}"/>
+              </a:ext>
+            </a:extLst>
+          </p:cNvPr>
+          <p:cNvSpPr>
+            <a:spLocks noGrp="1"/>
+          </p:cNvSpPr>
+          <p:nvPr>
+            <p:ph type="title"/>
+          </p:nvPr>
         </p:nvSpPr>
         <p:spPr>
           <a:xfrm>
-            <a:off x="820820" y="2833259"/>
-            <a:ext cx="10864361" cy="1664309"/>
-          </a:xfrm>
-          <a:prstGeom prst="roundRect">
-            <a:avLst/>
-          </a:prstGeom>
-        </p:spPr>
-        <p:style>
-          <a:lnRef idx="2">
-            <a:schemeClr val="dk1"/>
-          </a:lnRef>
-          <a:fillRef idx="1">
-            <a:schemeClr val="lt1"/>
-          </a:fillRef>
-          <a:effectRef idx="0">
-            <a:schemeClr val="dk1"/>
-          </a:effectRef>
-          <a:fontRef idx="minor">
-            <a:schemeClr val="dk1"/>
-          </a:fontRef>
-        </p:style>
-        <p:txBody>
-          <a:bodyPr rtlCol="0" anchor="ctr"/>
-          <a:lstStyle/>
-          <a:p>
-            <a:pPr algn="ctr"/>
-            <a:endParaRPr lang="fr-FR" dirty="0"/>
-          </a:p>
-        </p:txBody>
-      </p:sp>
-      <p:sp>
-        <p:nvSpPr>
-          <p:cNvPr id="2" name="Titre 1">
-            <a:extLst>
-              <a:ext uri="{FF2B5EF4-FFF2-40B4-BE49-F238E27FC236}">
-                <a16:creationId xmlns:a16="http://schemas.microsoft.com/office/drawing/2014/main" id="{12CC11B5-C4EA-ED40-AC48-F81663564CEF}"/>
+            <a:off x="914401" y="1371600"/>
+            <a:ext cx="3943762" cy="1314443"/>
+          </a:xfrm>
+        </p:spPr>
+        <p:txBody>
+          <a:bodyPr>
+            <a:normAutofit/>
+          </a:bodyPr>
+          <a:lstStyle/>
+          <a:p>
+            <a:r>
+              <a:rPr lang="fr-FR" dirty="0"/>
+              <a:t>Requêtes</a:t>
+            </a:r>
+          </a:p>
+        </p:txBody>
+      </p:sp>
+      <p:sp>
+        <p:nvSpPr>
+          <p:cNvPr id="3" name="Espace réservé du contenu 2">
+            <a:extLst>
+              <a:ext uri="{FF2B5EF4-FFF2-40B4-BE49-F238E27FC236}">
+                <a16:creationId xmlns:a16="http://schemas.microsoft.com/office/drawing/2014/main" id="{A4C07AAA-FD61-AA48-BCBD-F45357F9C7ED}"/>
               </a:ext>
             </a:extLst>
           </p:cNvPr>
@@ -5851,38 +8584,117 @@
             <a:spLocks noGrp="1"/>
           </p:cNvSpPr>
           <p:nvPr>
-            <p:ph type="title"/>
+            <p:ph idx="1"/>
           </p:nvPr>
         </p:nvSpPr>
         <p:spPr>
           <a:xfrm>
-            <a:off x="914401" y="914400"/>
-            <a:ext cx="4035055" cy="2996649"/>
-          </a:xfrm>
-        </p:spPr>
-        <p:txBody>
-          <a:bodyPr vert="horz" lIns="91440" tIns="45720" rIns="91440" bIns="45720" rtlCol="0" anchor="t">
-            <a:normAutofit/>
+            <a:off x="914400" y="2853369"/>
+            <a:ext cx="3943762" cy="3088460"/>
+          </a:xfrm>
+        </p:spPr>
+        <p:txBody>
+          <a:bodyPr>
+            <a:normAutofit fontScale="85000" lnSpcReduction="10000"/>
           </a:bodyPr>
           <a:lstStyle/>
           <a:p>
-            <a:r>
-              <a:rPr lang="en-US" dirty="0" err="1"/>
-              <a:t>Requête</a:t>
-            </a:r>
-            <a:r>
-              <a:rPr lang="en-US" dirty="0"/>
-              <a:t> 4</a:t>
+            <a:pPr>
+              <a:lnSpc>
+                <a:spcPct val="110000"/>
+              </a:lnSpc>
+            </a:pPr>
+            <a:r>
+              <a:rPr lang="fr-FR"/>
+              <a:t>6 Requêtes </a:t>
+            </a:r>
+          </a:p>
+          <a:p>
+            <a:pPr marL="617220" lvl="1" indent="-342900">
+              <a:lnSpc>
+                <a:spcPct val="110000"/>
+              </a:lnSpc>
+              <a:buFont typeface="+mj-lt"/>
+              <a:buAutoNum type="arabicPeriod"/>
+            </a:pPr>
+            <a:r>
+              <a:rPr lang="fr-FR"/>
+              <a:t>Hospitalisations &gt;= 5000</a:t>
+            </a:r>
+          </a:p>
+          <a:p>
+            <a:pPr marL="617220" lvl="1" indent="-342900">
+              <a:lnSpc>
+                <a:spcPct val="110000"/>
+              </a:lnSpc>
+              <a:buFont typeface="+mj-lt"/>
+              <a:buAutoNum type="arabicPeriod"/>
+            </a:pPr>
+            <a:r>
+              <a:rPr lang="fr-FR"/>
+              <a:t>Plus gros vaccinateur</a:t>
+            </a:r>
+          </a:p>
+          <a:p>
+            <a:pPr marL="617220" lvl="1" indent="-342900">
+              <a:lnSpc>
+                <a:spcPct val="110000"/>
+              </a:lnSpc>
+              <a:buFont typeface="+mj-lt"/>
+              <a:buAutoNum type="arabicPeriod"/>
+            </a:pPr>
+            <a:r>
+              <a:rPr lang="fr-FR"/>
+              <a:t>Qui utitilise quel vaccin</a:t>
+            </a:r>
+          </a:p>
+          <a:p>
+            <a:pPr marL="617220" lvl="1" indent="-342900">
+              <a:lnSpc>
+                <a:spcPct val="110000"/>
+              </a:lnSpc>
+              <a:buFont typeface="+mj-lt"/>
+              <a:buAutoNum type="arabicPeriod"/>
+            </a:pPr>
+            <a:r>
+              <a:rPr lang="fr-FR"/>
+              <a:t>% hospitalisé, le 01/01/2021</a:t>
+            </a:r>
+          </a:p>
+          <a:p>
+            <a:pPr marL="617220" lvl="1" indent="-342900">
+              <a:lnSpc>
+                <a:spcPct val="110000"/>
+              </a:lnSpc>
+              <a:buFont typeface="+mj-lt"/>
+              <a:buAutoNum type="arabicPeriod"/>
+            </a:pPr>
+            <a:r>
+              <a:rPr lang="fr-FR"/>
+              <a:t>Evolution hospitalisations</a:t>
+            </a:r>
+          </a:p>
+          <a:p>
+            <a:pPr marL="617220" lvl="1" indent="-342900">
+              <a:lnSpc>
+                <a:spcPct val="110000"/>
+              </a:lnSpc>
+              <a:buFont typeface="+mj-lt"/>
+              <a:buAutoNum type="arabicPeriod"/>
+            </a:pPr>
+            <a:r>
+              <a:rPr lang="fr-FR"/>
+              <a:t>Vaccin commun France-Belgique</a:t>
             </a:r>
           </a:p>
         </p:txBody>
       </p:sp>
       <p:pic>
         <p:nvPicPr>
-          <p:cNvPr id="4" name="Image 3">
-            <a:extLst>
-              <a:ext uri="{FF2B5EF4-FFF2-40B4-BE49-F238E27FC236}">
-                <a16:creationId xmlns:a16="http://schemas.microsoft.com/office/drawing/2014/main" id="{19854CEB-0158-A84F-B428-3D0431F8497B}"/>
+          <p:cNvPr id="15" name="Picture 4" descr="Plusieurs points d’interrogation sur fond noir">
+            <a:extLst>
+              <a:ext uri="{FF2B5EF4-FFF2-40B4-BE49-F238E27FC236}">
+                <a16:creationId xmlns:a16="http://schemas.microsoft.com/office/drawing/2014/main" id="{55A379AD-9F15-4649-95F4-8CC806153847}"/>
               </a:ext>
             </a:extLst>
           </p:cNvPr>
@@ -5891,255 +8703,25 @@
           </p:cNvPicPr>
           <p:nvPr/>
         </p:nvPicPr>
-        <p:blipFill>
+        <p:blipFill rotWithShape="1">
           <a:blip r:embed="rId2"/>
-          <a:stretch>
-            <a:fillRect/>
-          </a:stretch>
+          <a:srcRect l="42071" r="3" b="2"/>
+          <a:stretch/>
         </p:blipFill>
         <p:spPr>
           <a:xfrm>
-            <a:off x="990600" y="3205086"/>
-            <a:ext cx="10575636" cy="1000087"/>
+            <a:off x="5679452" y="10"/>
+            <a:ext cx="6512547" cy="6857990"/>
           </a:xfrm>
           <a:prstGeom prst="rect">
             <a:avLst/>
           </a:prstGeom>
         </p:spPr>
       </p:pic>
-      <p:sp>
-        <p:nvSpPr>
-          <p:cNvPr id="5" name="ZoneTexte 4">
-            <a:extLst>
-              <a:ext uri="{FF2B5EF4-FFF2-40B4-BE49-F238E27FC236}">
-                <a16:creationId xmlns:a16="http://schemas.microsoft.com/office/drawing/2014/main" id="{4B3A1A6C-215D-BF4F-B351-75E63EA446C9}"/>
-              </a:ext>
-            </a:extLst>
-          </p:cNvPr>
-          <p:cNvSpPr txBox="1"/>
-          <p:nvPr/>
-        </p:nvSpPr>
-        <p:spPr>
-          <a:xfrm>
-            <a:off x="1057044" y="1834109"/>
-            <a:ext cx="7784823" cy="369332"/>
-          </a:xfrm>
-          <a:prstGeom prst="rect">
-            <a:avLst/>
-          </a:prstGeom>
-          <a:noFill/>
-        </p:spPr>
-        <p:txBody>
-          <a:bodyPr wrap="none" rtlCol="0">
-            <a:spAutoFit/>
-          </a:bodyPr>
-          <a:lstStyle/>
-          <a:p>
-            <a:r>
-              <a:rPr lang="fr-FR" dirty="0"/>
-              <a:t>La proportion de la population hospitalisée pour chaque pays, le 1er janvier 2021</a:t>
-            </a:r>
-          </a:p>
-        </p:txBody>
-      </p:sp>
     </p:spTree>
     <p:extLst>
       <p:ext uri="{BB962C8B-B14F-4D97-AF65-F5344CB8AC3E}">
-        <p14:creationId xmlns:p14="http://schemas.microsoft.com/office/powerpoint/2010/main" val="2668238740"/>
-      </p:ext>
-    </p:extLst>
-  </p:cSld>
-  <p:clrMapOvr>
-    <a:masterClrMapping/>
-  </p:clrMapOvr>
-</p:sld>
-</file>
-
-<file path=ppt/slides/slide9.xml><?xml version="1.0" encoding="utf-8"?>
-<p:sld xmlns:a="http://schemas.openxmlformats.org/drawingml/2006/main" xmlns:r="http://schemas.openxmlformats.org/officeDocument/2006/relationships" xmlns:p="http://schemas.openxmlformats.org/presentationml/2006/main">
-  <p:cSld>
-    <p:bg>
-      <p:bgPr>
-        <a:solidFill>
-          <a:schemeClr val="bg1"/>
-        </a:solidFill>
-        <a:effectLst/>
-      </p:bgPr>
-    </p:bg>
-    <p:spTree>
-      <p:nvGrpSpPr>
-        <p:cNvPr id="1" name=""/>
-        <p:cNvGrpSpPr/>
-        <p:nvPr/>
-      </p:nvGrpSpPr>
-      <p:grpSpPr>
-        <a:xfrm>
-          <a:off x="0" y="0"/>
-          <a:ext cx="0" cy="0"/>
-          <a:chOff x="0" y="0"/>
-          <a:chExt cx="0" cy="0"/>
-        </a:xfrm>
-      </p:grpSpPr>
-      <p:sp>
-        <p:nvSpPr>
-          <p:cNvPr id="13" name="Rectangle : coins arrondis 12">
-            <a:extLst>
-              <a:ext uri="{FF2B5EF4-FFF2-40B4-BE49-F238E27FC236}">
-                <a16:creationId xmlns:a16="http://schemas.microsoft.com/office/drawing/2014/main" id="{58930596-5410-134D-A2A9-C597310EB175}"/>
-              </a:ext>
-            </a:extLst>
-          </p:cNvPr>
-          <p:cNvSpPr/>
-          <p:nvPr/>
-        </p:nvSpPr>
-        <p:spPr>
-          <a:xfrm>
-            <a:off x="0" y="2711303"/>
-            <a:ext cx="12192000" cy="1456660"/>
-          </a:xfrm>
-          <a:prstGeom prst="roundRect">
-            <a:avLst/>
-          </a:prstGeom>
-        </p:spPr>
-        <p:style>
-          <a:lnRef idx="2">
-            <a:schemeClr val="dk1"/>
-          </a:lnRef>
-          <a:fillRef idx="1">
-            <a:schemeClr val="lt1"/>
-          </a:fillRef>
-          <a:effectRef idx="0">
-            <a:schemeClr val="dk1"/>
-          </a:effectRef>
-          <a:fontRef idx="minor">
-            <a:schemeClr val="dk1"/>
-          </a:fontRef>
-        </p:style>
-        <p:txBody>
-          <a:bodyPr rtlCol="0" anchor="ctr"/>
-          <a:lstStyle/>
-          <a:p>
-            <a:pPr algn="ctr"/>
-            <a:endParaRPr lang="fr-FR" dirty="0"/>
-          </a:p>
-        </p:txBody>
-      </p:sp>
-      <p:sp>
-        <p:nvSpPr>
-          <p:cNvPr id="2" name="Titre 1">
-            <a:extLst>
-              <a:ext uri="{FF2B5EF4-FFF2-40B4-BE49-F238E27FC236}">
-                <a16:creationId xmlns:a16="http://schemas.microsoft.com/office/drawing/2014/main" id="{12CC11B5-C4EA-ED40-AC48-F81663564CEF}"/>
-              </a:ext>
-            </a:extLst>
-          </p:cNvPr>
-          <p:cNvSpPr>
-            <a:spLocks noGrp="1"/>
-          </p:cNvSpPr>
-          <p:nvPr>
-            <p:ph type="title"/>
-          </p:nvPr>
-        </p:nvSpPr>
-        <p:spPr>
-          <a:xfrm>
-            <a:off x="914401" y="914400"/>
-            <a:ext cx="6980274" cy="2996649"/>
-          </a:xfrm>
-        </p:spPr>
-        <p:txBody>
-          <a:bodyPr vert="horz" lIns="91440" tIns="45720" rIns="91440" bIns="45720" rtlCol="0" anchor="t">
-            <a:normAutofit/>
-          </a:bodyPr>
-          <a:lstStyle/>
-          <a:p>
-            <a:r>
-              <a:rPr lang="en-US" dirty="0" err="1"/>
-              <a:t>Requête</a:t>
-            </a:r>
-            <a:r>
-              <a:rPr lang="en-US" dirty="0"/>
-              <a:t> 5</a:t>
-            </a:r>
-          </a:p>
-        </p:txBody>
-      </p:sp>
-      <p:pic>
-        <p:nvPicPr>
-          <p:cNvPr id="5" name="Image 4">
-            <a:extLst>
-              <a:ext uri="{FF2B5EF4-FFF2-40B4-BE49-F238E27FC236}">
-                <a16:creationId xmlns:a16="http://schemas.microsoft.com/office/drawing/2014/main" id="{0FC88044-5207-6F45-ABFA-371C48C70507}"/>
-              </a:ext>
-            </a:extLst>
-          </p:cNvPr>
-          <p:cNvPicPr>
-            <a:picLocks noChangeAspect="1"/>
-          </p:cNvPicPr>
-          <p:nvPr/>
-        </p:nvPicPr>
-        <p:blipFill>
-          <a:blip r:embed="rId2"/>
-          <a:stretch>
-            <a:fillRect/>
-          </a:stretch>
-        </p:blipFill>
-        <p:spPr>
-          <a:xfrm>
-            <a:off x="74428" y="2918658"/>
-            <a:ext cx="11961628" cy="1041949"/>
-          </a:xfrm>
-          <a:prstGeom prst="rect">
-            <a:avLst/>
-          </a:prstGeom>
-        </p:spPr>
-      </p:pic>
-      <p:sp>
-        <p:nvSpPr>
-          <p:cNvPr id="6" name="ZoneTexte 5">
-            <a:extLst>
-              <a:ext uri="{FF2B5EF4-FFF2-40B4-BE49-F238E27FC236}">
-                <a16:creationId xmlns:a16="http://schemas.microsoft.com/office/drawing/2014/main" id="{ABBB3430-F7B2-1844-8D08-43366D7F46F6}"/>
-              </a:ext>
-            </a:extLst>
-          </p:cNvPr>
-          <p:cNvSpPr txBox="1"/>
-          <p:nvPr/>
-        </p:nvSpPr>
-        <p:spPr>
-          <a:xfrm>
-            <a:off x="1212112" y="1637415"/>
-            <a:ext cx="10302948" cy="369332"/>
-          </a:xfrm>
-          <a:prstGeom prst="rect">
-            <a:avLst/>
-          </a:prstGeom>
-          <a:noFill/>
-        </p:spPr>
-        <p:txBody>
-          <a:bodyPr wrap="square" rtlCol="0">
-            <a:spAutoFit/>
-          </a:bodyPr>
-          <a:lstStyle/>
-          <a:p>
-            <a:r>
-              <a:rPr lang="fr-FR" dirty="0"/>
-              <a:t>Calculez l’évolution, pour chaque jour et chaque pays, du nombre de patients hospitalisés (</a:t>
-            </a:r>
-            <a:r>
-              <a:rPr lang="fr-FR" b="1" dirty="0" err="1"/>
-              <a:t>hosp_patients</a:t>
-            </a:r>
-            <a:r>
-              <a:rPr lang="fr-FR" dirty="0"/>
-              <a:t>)</a:t>
-            </a:r>
-          </a:p>
-        </p:txBody>
-      </p:sp>
-    </p:spTree>
-    <p:extLst>
-      <p:ext uri="{BB962C8B-B14F-4D97-AF65-F5344CB8AC3E}">
-        <p14:creationId xmlns:p14="http://schemas.microsoft.com/office/powerpoint/2010/main" val="2931938702"/>
+        <p14:creationId xmlns:p14="http://schemas.microsoft.com/office/powerpoint/2010/main" val="4053075134"/>
       </p:ext>
     </p:extLst>
   </p:cSld>
@@ -6158,9 +8740,6 @@
                     <p:cTn id="3" fill="hold">
                       <p:stCondLst>
                         <p:cond delay="indefinite"/>
-                        <p:cond evt="onBegin" delay="0">
-                          <p:tn val="2"/>
-                        </p:cond>
                       </p:stCondLst>
                       <p:childTnLst>
                         <p:par>
@@ -6170,13 +8749,10 @@
                             </p:stCondLst>
                             <p:childTnLst>
                               <p:par>
-                                <p:cTn id="5" presetID="10" presetClass="entr" presetSubtype="0" fill="hold" grpId="0" nodeType="withEffect">
+                                <p:cTn id="5" presetID="49" presetClass="entr" presetSubtype="0" decel="100000" fill="hold" nodeType="clickEffect">
                                   <p:stCondLst>
-                                    <p:cond delay="500"/>
+                                    <p:cond delay="0"/>
                                   </p:stCondLst>
-                                  <p:iterate type="wd">
-                                    <p:tmPct val="15000"/>
-                                  </p:iterate>
                                   <p:childTnLst>
                                     <p:set>
                                       <p:cBhvr>
@@ -6186,7 +8762,7 @@
                                           </p:stCondLst>
                                         </p:cTn>
                                         <p:tgtEl>
-                                          <p:spTgt spid="2"/>
+                                          <p:spTgt spid="15"/>
                                         </p:tgtEl>
                                         <p:attrNameLst>
                                           <p:attrName>style.visibility</p:attrName>
@@ -6196,11 +8772,80 @@
                                         <p:strVal val="visible"/>
                                       </p:to>
                                     </p:set>
+                                    <p:anim calcmode="lin" valueType="num">
+                                      <p:cBhvr>
+                                        <p:cTn id="7" dur="500" fill="hold"/>
+                                        <p:tgtEl>
+                                          <p:spTgt spid="15"/>
+                                        </p:tgtEl>
+                                        <p:attrNameLst>
+                                          <p:attrName>ppt_w</p:attrName>
+                                        </p:attrNameLst>
+                                      </p:cBhvr>
+                                      <p:tavLst>
+                                        <p:tav tm="0">
+                                          <p:val>
+                                            <p:fltVal val="0"/>
+                                          </p:val>
+                                        </p:tav>
+                                        <p:tav tm="100000">
+                                          <p:val>
+                                            <p:strVal val="#ppt_w"/>
+                                          </p:val>
+                                        </p:tav>
+                                      </p:tavLst>
+                                    </p:anim>
+                                    <p:anim calcmode="lin" valueType="num">
+                                      <p:cBhvr>
+                                        <p:cTn id="8" dur="500" fill="hold"/>
+                                        <p:tgtEl>
+                                          <p:spTgt spid="15"/>
+                                        </p:tgtEl>
+                                        <p:attrNameLst>
+                                          <p:attrName>ppt_h</p:attrName>
+                                        </p:attrNameLst>
+                                      </p:cBhvr>
+                                      <p:tavLst>
+                                        <p:tav tm="0">
+                                          <p:val>
+                                            <p:fltVal val="0"/>
+                                          </p:val>
+                                        </p:tav>
+                                        <p:tav tm="100000">
+                                          <p:val>
+                                            <p:strVal val="#ppt_h"/>
+                                          </p:val>
+                                        </p:tav>
+                                      </p:tavLst>
+                                    </p:anim>
+                                    <p:anim calcmode="lin" valueType="num">
+                                      <p:cBhvr>
+                                        <p:cTn id="9" dur="500" fill="hold"/>
+                                        <p:tgtEl>
+                                          <p:spTgt spid="15"/>
+                                        </p:tgtEl>
+                                        <p:attrNameLst>
+                                          <p:attrName>style.rotation</p:attrName>
+                                        </p:attrNameLst>
+                                      </p:cBhvr>
+                                      <p:tavLst>
+                                        <p:tav tm="0">
+                                          <p:val>
+                                            <p:fltVal val="360"/>
+                                          </p:val>
+                                        </p:tav>
+                                        <p:tav tm="100000">
+                                          <p:val>
+                                            <p:fltVal val="0"/>
+                                          </p:val>
+                                        </p:tav>
+                                      </p:tavLst>
+                                    </p:anim>
                                     <p:animEffect transition="in" filter="fade">
                                       <p:cBhvr>
-                                        <p:cTn id="7" dur="1000"/>
+                                        <p:cTn id="10" dur="500"/>
                                         <p:tgtEl>
-                                          <p:spTgt spid="2"/>
+                                          <p:spTgt spid="15"/>
                                         </p:tgtEl>
                                       </p:cBhvr>
                                     </p:animEffect>
@@ -6234,10 +8879,372 @@
         </p:cTn>
       </p:par>
     </p:tnLst>
-    <p:bldLst>
-      <p:bldP spid="2" grpId="0"/>
-    </p:bldLst>
   </p:timing>
+</p:sld>
+</file>
+
+<file path=ppt/slides/slide9.xml><?xml version="1.0" encoding="utf-8"?>
+<p:sld xmlns:a="http://schemas.openxmlformats.org/drawingml/2006/main" xmlns:r="http://schemas.openxmlformats.org/officeDocument/2006/relationships" xmlns:p="http://schemas.openxmlformats.org/presentationml/2006/main">
+  <p:cSld>
+    <p:bg>
+      <p:bgPr>
+        <a:solidFill>
+          <a:schemeClr val="bg1"/>
+        </a:solidFill>
+        <a:effectLst/>
+      </p:bgPr>
+    </p:bg>
+    <p:spTree>
+      <p:nvGrpSpPr>
+        <p:cNvPr id="1" name=""/>
+        <p:cNvGrpSpPr/>
+        <p:nvPr/>
+      </p:nvGrpSpPr>
+      <p:grpSpPr>
+        <a:xfrm>
+          <a:off x="0" y="0"/>
+          <a:ext cx="0" cy="0"/>
+          <a:chOff x="0" y="0"/>
+          <a:chExt cx="0" cy="0"/>
+        </a:xfrm>
+      </p:grpSpPr>
+      <p:sp>
+        <p:nvSpPr>
+          <p:cNvPr id="2" name="Titre 1">
+            <a:extLst>
+              <a:ext uri="{FF2B5EF4-FFF2-40B4-BE49-F238E27FC236}">
+                <a16:creationId xmlns:a16="http://schemas.microsoft.com/office/drawing/2014/main" id="{12CC11B5-C4EA-ED40-AC48-F81663564CEF}"/>
+              </a:ext>
+            </a:extLst>
+          </p:cNvPr>
+          <p:cNvSpPr>
+            <a:spLocks noGrp="1"/>
+          </p:cNvSpPr>
+          <p:nvPr>
+            <p:ph type="title"/>
+          </p:nvPr>
+        </p:nvSpPr>
+        <p:spPr>
+          <a:xfrm>
+            <a:off x="914401" y="914400"/>
+            <a:ext cx="4425949" cy="2996649"/>
+          </a:xfrm>
+        </p:spPr>
+        <p:txBody>
+          <a:bodyPr vert="horz" lIns="91440" tIns="45720" rIns="91440" bIns="45720" rtlCol="0" anchor="t">
+            <a:normAutofit/>
+          </a:bodyPr>
+          <a:lstStyle/>
+          <a:p>
+            <a:r>
+              <a:rPr lang="en-US" dirty="0" err="1"/>
+              <a:t>Requête</a:t>
+            </a:r>
+            <a:r>
+              <a:rPr lang="en-US" dirty="0"/>
+              <a:t> 1 </a:t>
+            </a:r>
+          </a:p>
+        </p:txBody>
+      </p:sp>
+      <p:sp>
+        <p:nvSpPr>
+          <p:cNvPr id="15" name="Rectangle : coins arrondis 14">
+            <a:extLst>
+              <a:ext uri="{FF2B5EF4-FFF2-40B4-BE49-F238E27FC236}">
+                <a16:creationId xmlns:a16="http://schemas.microsoft.com/office/drawing/2014/main" id="{E838339E-E41E-4B40-AEE8-0984087B7F5D}"/>
+              </a:ext>
+            </a:extLst>
+          </p:cNvPr>
+          <p:cNvSpPr/>
+          <p:nvPr/>
+        </p:nvSpPr>
+        <p:spPr>
+          <a:xfrm>
+            <a:off x="2137146" y="2445045"/>
+            <a:ext cx="9820938" cy="3637092"/>
+          </a:xfrm>
+          <a:prstGeom prst="roundRect">
+            <a:avLst/>
+          </a:prstGeom>
+        </p:spPr>
+        <p:style>
+          <a:lnRef idx="2">
+            <a:schemeClr val="dk1"/>
+          </a:lnRef>
+          <a:fillRef idx="1">
+            <a:schemeClr val="lt1"/>
+          </a:fillRef>
+          <a:effectRef idx="0">
+            <a:schemeClr val="dk1"/>
+          </a:effectRef>
+          <a:fontRef idx="minor">
+            <a:schemeClr val="dk1"/>
+          </a:fontRef>
+        </p:style>
+        <p:txBody>
+          <a:bodyPr rtlCol="0" anchor="ctr"/>
+          <a:lstStyle/>
+          <a:p>
+            <a:pPr algn="ctr"/>
+            <a:endParaRPr lang="fr-FR" dirty="0"/>
+          </a:p>
+        </p:txBody>
+      </p:sp>
+      <p:pic>
+        <p:nvPicPr>
+          <p:cNvPr id="5" name="Image 4" descr="Une image contenant texte&#10;&#10;Description générée automatiquement">
+            <a:extLst>
+              <a:ext uri="{FF2B5EF4-FFF2-40B4-BE49-F238E27FC236}">
+                <a16:creationId xmlns:a16="http://schemas.microsoft.com/office/drawing/2014/main" id="{89487E7B-83A6-5A44-8400-0EDF28CF5385}"/>
+              </a:ext>
+            </a:extLst>
+          </p:cNvPr>
+          <p:cNvPicPr>
+            <a:picLocks noChangeAspect="1"/>
+          </p:cNvPicPr>
+          <p:nvPr/>
+        </p:nvPicPr>
+        <p:blipFill>
+          <a:blip r:embed="rId2"/>
+          <a:stretch>
+            <a:fillRect/>
+          </a:stretch>
+        </p:blipFill>
+        <p:spPr>
+          <a:xfrm>
+            <a:off x="2446028" y="3793134"/>
+            <a:ext cx="6879551" cy="1186722"/>
+          </a:xfrm>
+          <a:prstGeom prst="rect">
+            <a:avLst/>
+          </a:prstGeom>
+        </p:spPr>
+      </p:pic>
+      <p:pic>
+        <p:nvPicPr>
+          <p:cNvPr id="9" name="Image 8">
+            <a:extLst>
+              <a:ext uri="{FF2B5EF4-FFF2-40B4-BE49-F238E27FC236}">
+                <a16:creationId xmlns:a16="http://schemas.microsoft.com/office/drawing/2014/main" id="{EBE4C4DD-5E18-3F4C-A56E-23915D452F35}"/>
+              </a:ext>
+            </a:extLst>
+          </p:cNvPr>
+          <p:cNvPicPr>
+            <a:picLocks noChangeAspect="1"/>
+          </p:cNvPicPr>
+          <p:nvPr/>
+        </p:nvPicPr>
+        <p:blipFill>
+          <a:blip r:embed="rId3"/>
+          <a:stretch>
+            <a:fillRect/>
+          </a:stretch>
+        </p:blipFill>
+        <p:spPr>
+          <a:xfrm>
+            <a:off x="2440012" y="5203734"/>
+            <a:ext cx="6801321" cy="561109"/>
+          </a:xfrm>
+          <a:prstGeom prst="rect">
+            <a:avLst/>
+          </a:prstGeom>
+        </p:spPr>
+      </p:pic>
+      <p:pic>
+        <p:nvPicPr>
+          <p:cNvPr id="11" name="Image 10">
+            <a:extLst>
+              <a:ext uri="{FF2B5EF4-FFF2-40B4-BE49-F238E27FC236}">
+                <a16:creationId xmlns:a16="http://schemas.microsoft.com/office/drawing/2014/main" id="{1DC26DA6-969C-EA4F-B3E4-BC076FD73F16}"/>
+              </a:ext>
+            </a:extLst>
+          </p:cNvPr>
+          <p:cNvPicPr>
+            <a:picLocks noChangeAspect="1"/>
+          </p:cNvPicPr>
+          <p:nvPr/>
+        </p:nvPicPr>
+        <p:blipFill>
+          <a:blip r:embed="rId4"/>
+          <a:stretch>
+            <a:fillRect/>
+          </a:stretch>
+        </p:blipFill>
+        <p:spPr>
+          <a:xfrm>
+            <a:off x="2440012" y="2887702"/>
+            <a:ext cx="9361631" cy="660578"/>
+          </a:xfrm>
+          <a:prstGeom prst="rect">
+            <a:avLst/>
+          </a:prstGeom>
+        </p:spPr>
+      </p:pic>
+      <p:sp>
+        <p:nvSpPr>
+          <p:cNvPr id="13" name="ZoneTexte 12">
+            <a:extLst>
+              <a:ext uri="{FF2B5EF4-FFF2-40B4-BE49-F238E27FC236}">
+                <a16:creationId xmlns:a16="http://schemas.microsoft.com/office/drawing/2014/main" id="{824B9698-7D51-6949-9F62-8DCD4990A1C4}"/>
+              </a:ext>
+            </a:extLst>
+          </p:cNvPr>
+          <p:cNvSpPr txBox="1"/>
+          <p:nvPr/>
+        </p:nvSpPr>
+        <p:spPr>
+          <a:xfrm>
+            <a:off x="1081233" y="1654266"/>
+            <a:ext cx="8769926" cy="646331"/>
+          </a:xfrm>
+          <a:prstGeom prst="rect">
+            <a:avLst/>
+          </a:prstGeom>
+          <a:noFill/>
+        </p:spPr>
+        <p:txBody>
+          <a:bodyPr wrap="square" rtlCol="0">
+            <a:spAutoFit/>
+          </a:bodyPr>
+          <a:lstStyle/>
+          <a:p>
+            <a:r>
+              <a:rPr lang="fr-FR" dirty="0"/>
+              <a:t>Sélectionnez les pays qui, au même moment, ont eu au moins 5000 personnes hospitalisées(</a:t>
+            </a:r>
+            <a:r>
+              <a:rPr lang="fr-FR" b="1" dirty="0" err="1"/>
+              <a:t>hosp_patients</a:t>
+            </a:r>
+            <a:r>
+              <a:rPr lang="fr-FR" dirty="0"/>
+              <a:t>).</a:t>
+            </a:r>
+          </a:p>
+        </p:txBody>
+      </p:sp>
+      <p:sp>
+        <p:nvSpPr>
+          <p:cNvPr id="16" name="ZoneTexte 15">
+            <a:extLst>
+              <a:ext uri="{FF2B5EF4-FFF2-40B4-BE49-F238E27FC236}">
+                <a16:creationId xmlns:a16="http://schemas.microsoft.com/office/drawing/2014/main" id="{C2DD1149-7F97-E14C-9780-7FD7AC6EE7E6}"/>
+              </a:ext>
+            </a:extLst>
+          </p:cNvPr>
+          <p:cNvSpPr txBox="1"/>
+          <p:nvPr/>
+        </p:nvSpPr>
+        <p:spPr>
+          <a:xfrm>
+            <a:off x="807914" y="3903863"/>
+            <a:ext cx="1371601" cy="646331"/>
+          </a:xfrm>
+          <a:prstGeom prst="rect">
+            <a:avLst/>
+          </a:prstGeom>
+          <a:noFill/>
+        </p:spPr>
+        <p:txBody>
+          <a:bodyPr wrap="square" rtlCol="0">
+            <a:spAutoFit/>
+          </a:bodyPr>
+          <a:lstStyle/>
+          <a:p>
+            <a:r>
+              <a:rPr lang="fr-FR" dirty="0"/>
+              <a:t>Algèbre relationnel</a:t>
+            </a:r>
+          </a:p>
+        </p:txBody>
+      </p:sp>
+      <p:sp>
+        <p:nvSpPr>
+          <p:cNvPr id="18" name="Rectangle 17">
+            <a:extLst>
+              <a:ext uri="{FF2B5EF4-FFF2-40B4-BE49-F238E27FC236}">
+                <a16:creationId xmlns:a16="http://schemas.microsoft.com/office/drawing/2014/main" id="{59176067-875E-494C-9BAB-F6588984848B}"/>
+              </a:ext>
+            </a:extLst>
+          </p:cNvPr>
+          <p:cNvSpPr/>
+          <p:nvPr/>
+        </p:nvSpPr>
+        <p:spPr>
+          <a:xfrm>
+            <a:off x="807914" y="5285374"/>
+            <a:ext cx="1371601" cy="646331"/>
+          </a:xfrm>
+          <a:prstGeom prst="rect">
+            <a:avLst/>
+          </a:prstGeom>
+        </p:spPr>
+        <p:txBody>
+          <a:bodyPr wrap="square">
+            <a:spAutoFit/>
+          </a:bodyPr>
+          <a:lstStyle/>
+          <a:p>
+            <a:r>
+              <a:rPr lang="fr-FR" dirty="0"/>
+              <a:t>Calcul</a:t>
+            </a:r>
+          </a:p>
+          <a:p>
+            <a:r>
+              <a:rPr lang="fr-FR" dirty="0" err="1"/>
+              <a:t>Tuple</a:t>
+            </a:r>
+            <a:endParaRPr lang="fr-FR" dirty="0"/>
+          </a:p>
+        </p:txBody>
+      </p:sp>
+      <p:sp>
+        <p:nvSpPr>
+          <p:cNvPr id="20" name="ZoneTexte 19">
+            <a:extLst>
+              <a:ext uri="{FF2B5EF4-FFF2-40B4-BE49-F238E27FC236}">
+                <a16:creationId xmlns:a16="http://schemas.microsoft.com/office/drawing/2014/main" id="{791B7A56-30AF-C34B-9A0F-311F5FB3F374}"/>
+              </a:ext>
+            </a:extLst>
+          </p:cNvPr>
+          <p:cNvSpPr txBox="1"/>
+          <p:nvPr/>
+        </p:nvSpPr>
+        <p:spPr>
+          <a:xfrm>
+            <a:off x="811123" y="3033325"/>
+            <a:ext cx="794395" cy="369332"/>
+          </a:xfrm>
+          <a:prstGeom prst="rect">
+            <a:avLst/>
+          </a:prstGeom>
+          <a:noFill/>
+        </p:spPr>
+        <p:txBody>
+          <a:bodyPr wrap="square" rtlCol="0">
+            <a:spAutoFit/>
+          </a:bodyPr>
+          <a:lstStyle/>
+          <a:p>
+            <a:r>
+              <a:rPr lang="fr-FR" dirty="0"/>
+              <a:t>SQL</a:t>
+            </a:r>
+          </a:p>
+        </p:txBody>
+      </p:sp>
+    </p:spTree>
+    <p:extLst>
+      <p:ext uri="{BB962C8B-B14F-4D97-AF65-F5344CB8AC3E}">
+        <p14:creationId xmlns:p14="http://schemas.microsoft.com/office/powerpoint/2010/main" val="3304329644"/>
+      </p:ext>
+    </p:extLst>
+  </p:cSld>
+  <p:clrMapOvr>
+    <a:masterClrMapping/>
+  </p:clrMapOvr>
 </p:sld>
 </file>
 

--- a/Presentation.pptx
+++ b/Presentation.pptx
@@ -5,25 +5,27 @@
     <p:sldMasterId id="2147483775" r:id="rId1"/>
   </p:sldMasterIdLst>
   <p:notesMasterIdLst>
-    <p:notesMasterId r:id="rId18"/>
+    <p:notesMasterId r:id="rId20"/>
   </p:notesMasterIdLst>
   <p:sldIdLst>
     <p:sldId id="256" r:id="rId2"/>
-    <p:sldId id="257" r:id="rId3"/>
-    <p:sldId id="258" r:id="rId4"/>
-    <p:sldId id="267" r:id="rId5"/>
-    <p:sldId id="269" r:id="rId6"/>
-    <p:sldId id="270" r:id="rId7"/>
-    <p:sldId id="271" r:id="rId8"/>
-    <p:sldId id="259" r:id="rId9"/>
-    <p:sldId id="260" r:id="rId10"/>
-    <p:sldId id="262" r:id="rId11"/>
-    <p:sldId id="263" r:id="rId12"/>
-    <p:sldId id="264" r:id="rId13"/>
-    <p:sldId id="265" r:id="rId14"/>
-    <p:sldId id="266" r:id="rId15"/>
-    <p:sldId id="261" r:id="rId16"/>
-    <p:sldId id="268" r:id="rId17"/>
+    <p:sldId id="272" r:id="rId3"/>
+    <p:sldId id="257" r:id="rId4"/>
+    <p:sldId id="258" r:id="rId5"/>
+    <p:sldId id="267" r:id="rId6"/>
+    <p:sldId id="273" r:id="rId7"/>
+    <p:sldId id="269" r:id="rId8"/>
+    <p:sldId id="270" r:id="rId9"/>
+    <p:sldId id="271" r:id="rId10"/>
+    <p:sldId id="259" r:id="rId11"/>
+    <p:sldId id="260" r:id="rId12"/>
+    <p:sldId id="262" r:id="rId13"/>
+    <p:sldId id="263" r:id="rId14"/>
+    <p:sldId id="264" r:id="rId15"/>
+    <p:sldId id="265" r:id="rId16"/>
+    <p:sldId id="266" r:id="rId17"/>
+    <p:sldId id="261" r:id="rId18"/>
+    <p:sldId id="268" r:id="rId19"/>
   </p:sldIdLst>
   <p:sldSz cx="12192000" cy="6858000"/>
   <p:notesSz cx="6858000" cy="9144000"/>
@@ -156,6 +158,3185 @@
 </p:cmLst>
 </file>
 
+<file path=ppt/diagrams/colors1.xml><?xml version="1.0" encoding="utf-8"?>
+<dgm:colorsDef xmlns:dgm="http://schemas.openxmlformats.org/drawingml/2006/diagram" xmlns:a="http://schemas.openxmlformats.org/drawingml/2006/main" uniqueId="urn:microsoft.com/office/officeart/2005/8/colors/colorful2">
+  <dgm:title val=""/>
+  <dgm:desc val=""/>
+  <dgm:catLst>
+    <dgm:cat type="colorful" pri="10200"/>
+  </dgm:catLst>
+  <dgm:styleLbl name="node0">
+    <dgm:fillClrLst meth="repeat">
+      <a:schemeClr val="accent1"/>
+    </dgm:fillClrLst>
+    <dgm:linClrLst meth="repeat">
+      <a:schemeClr val="lt1"/>
+    </dgm:linClrLst>
+    <dgm:effectClrLst/>
+    <dgm:txLinClrLst/>
+    <dgm:txFillClrLst/>
+    <dgm:txEffectClrLst/>
+  </dgm:styleLbl>
+  <dgm:styleLbl name="node1">
+    <dgm:fillClrLst>
+      <a:schemeClr val="accent2"/>
+      <a:schemeClr val="accent3"/>
+    </dgm:fillClrLst>
+    <dgm:linClrLst meth="repeat">
+      <a:schemeClr val="lt1"/>
+    </dgm:linClrLst>
+    <dgm:effectClrLst/>
+    <dgm:txLinClrLst/>
+    <dgm:txFillClrLst/>
+    <dgm:txEffectClrLst/>
+  </dgm:styleLbl>
+  <dgm:styleLbl name="alignNode1">
+    <dgm:fillClrLst>
+      <a:schemeClr val="accent2"/>
+      <a:schemeClr val="accent3"/>
+    </dgm:fillClrLst>
+    <dgm:linClrLst>
+      <a:schemeClr val="accent2"/>
+      <a:schemeClr val="accent3"/>
+    </dgm:linClrLst>
+    <dgm:effectClrLst/>
+    <dgm:txLinClrLst/>
+    <dgm:txFillClrLst/>
+    <dgm:txEffectClrLst/>
+  </dgm:styleLbl>
+  <dgm:styleLbl name="lnNode1">
+    <dgm:fillClrLst>
+      <a:schemeClr val="accent2"/>
+      <a:schemeClr val="accent3"/>
+    </dgm:fillClrLst>
+    <dgm:linClrLst meth="repeat">
+      <a:schemeClr val="lt1"/>
+    </dgm:linClrLst>
+    <dgm:effectClrLst/>
+    <dgm:txLinClrLst/>
+    <dgm:txFillClrLst/>
+    <dgm:txEffectClrLst/>
+  </dgm:styleLbl>
+  <dgm:styleLbl name="vennNode1">
+    <dgm:fillClrLst>
+      <a:schemeClr val="accent2">
+        <a:alpha val="50000"/>
+      </a:schemeClr>
+      <a:schemeClr val="accent3">
+        <a:alpha val="50000"/>
+      </a:schemeClr>
+    </dgm:fillClrLst>
+    <dgm:linClrLst meth="repeat">
+      <a:schemeClr val="lt1"/>
+    </dgm:linClrLst>
+    <dgm:effectClrLst/>
+    <dgm:txLinClrLst/>
+    <dgm:txFillClrLst/>
+    <dgm:txEffectClrLst/>
+  </dgm:styleLbl>
+  <dgm:styleLbl name="node2">
+    <dgm:fillClrLst>
+      <a:schemeClr val="accent3"/>
+    </dgm:fillClrLst>
+    <dgm:linClrLst meth="repeat">
+      <a:schemeClr val="lt1"/>
+    </dgm:linClrLst>
+    <dgm:effectClrLst/>
+    <dgm:txLinClrLst/>
+    <dgm:txFillClrLst/>
+    <dgm:txEffectClrLst/>
+  </dgm:styleLbl>
+  <dgm:styleLbl name="node3">
+    <dgm:fillClrLst>
+      <a:schemeClr val="accent4"/>
+    </dgm:fillClrLst>
+    <dgm:linClrLst meth="repeat">
+      <a:schemeClr val="lt1"/>
+    </dgm:linClrLst>
+    <dgm:effectClrLst/>
+    <dgm:txLinClrLst/>
+    <dgm:txFillClrLst/>
+    <dgm:txEffectClrLst/>
+  </dgm:styleLbl>
+  <dgm:styleLbl name="node4">
+    <dgm:fillClrLst>
+      <a:schemeClr val="accent5"/>
+    </dgm:fillClrLst>
+    <dgm:linClrLst meth="repeat">
+      <a:schemeClr val="lt1"/>
+    </dgm:linClrLst>
+    <dgm:effectClrLst/>
+    <dgm:txLinClrLst/>
+    <dgm:txFillClrLst/>
+    <dgm:txEffectClrLst/>
+  </dgm:styleLbl>
+  <dgm:styleLbl name="fgImgPlace1">
+    <dgm:fillClrLst>
+      <a:schemeClr val="accent2">
+        <a:tint val="50000"/>
+      </a:schemeClr>
+      <a:schemeClr val="accent3">
+        <a:tint val="50000"/>
+      </a:schemeClr>
+    </dgm:fillClrLst>
+    <dgm:linClrLst meth="repeat">
+      <a:schemeClr val="lt1"/>
+    </dgm:linClrLst>
+    <dgm:effectClrLst/>
+    <dgm:txLinClrLst/>
+    <dgm:txFillClrLst meth="repeat">
+      <a:schemeClr val="lt1"/>
+    </dgm:txFillClrLst>
+    <dgm:txEffectClrLst/>
+  </dgm:styleLbl>
+  <dgm:styleLbl name="alignImgPlace1">
+    <dgm:fillClrLst>
+      <a:schemeClr val="accent2">
+        <a:tint val="50000"/>
+      </a:schemeClr>
+      <a:schemeClr val="accent3">
+        <a:tint val="20000"/>
+      </a:schemeClr>
+    </dgm:fillClrLst>
+    <dgm:linClrLst meth="repeat">
+      <a:schemeClr val="lt1"/>
+    </dgm:linClrLst>
+    <dgm:effectClrLst/>
+    <dgm:txLinClrLst/>
+    <dgm:txFillClrLst meth="repeat">
+      <a:schemeClr val="lt1"/>
+    </dgm:txFillClrLst>
+    <dgm:txEffectClrLst/>
+  </dgm:styleLbl>
+  <dgm:styleLbl name="bgImgPlace1">
+    <dgm:fillClrLst>
+      <a:schemeClr val="accent2">
+        <a:tint val="50000"/>
+      </a:schemeClr>
+      <a:schemeClr val="accent3">
+        <a:tint val="20000"/>
+      </a:schemeClr>
+    </dgm:fillClrLst>
+    <dgm:linClrLst meth="repeat">
+      <a:schemeClr val="lt1"/>
+    </dgm:linClrLst>
+    <dgm:effectClrLst/>
+    <dgm:txLinClrLst/>
+    <dgm:txFillClrLst meth="repeat">
+      <a:schemeClr val="lt1"/>
+    </dgm:txFillClrLst>
+    <dgm:txEffectClrLst/>
+  </dgm:styleLbl>
+  <dgm:styleLbl name="sibTrans2D1">
+    <dgm:fillClrLst>
+      <a:schemeClr val="accent2"/>
+      <a:schemeClr val="accent3"/>
+    </dgm:fillClrLst>
+    <dgm:linClrLst meth="repeat">
+      <a:schemeClr val="lt1"/>
+    </dgm:linClrLst>
+    <dgm:effectClrLst/>
+    <dgm:txLinClrLst/>
+    <dgm:txFillClrLst/>
+    <dgm:txEffectClrLst/>
+  </dgm:styleLbl>
+  <dgm:styleLbl name="fgSibTrans2D1">
+    <dgm:fillClrLst>
+      <a:schemeClr val="accent2"/>
+      <a:schemeClr val="accent3"/>
+    </dgm:fillClrLst>
+    <dgm:linClrLst meth="repeat">
+      <a:schemeClr val="lt1"/>
+    </dgm:linClrLst>
+    <dgm:effectClrLst/>
+    <dgm:txLinClrLst/>
+    <dgm:txFillClrLst meth="repeat">
+      <a:schemeClr val="lt1"/>
+    </dgm:txFillClrLst>
+    <dgm:txEffectClrLst/>
+  </dgm:styleLbl>
+  <dgm:styleLbl name="bgSibTrans2D1">
+    <dgm:fillClrLst>
+      <a:schemeClr val="accent2"/>
+      <a:schemeClr val="accent3"/>
+    </dgm:fillClrLst>
+    <dgm:linClrLst meth="repeat">
+      <a:schemeClr val="lt1"/>
+    </dgm:linClrLst>
+    <dgm:effectClrLst/>
+    <dgm:txLinClrLst/>
+    <dgm:txFillClrLst meth="repeat">
+      <a:schemeClr val="lt1"/>
+    </dgm:txFillClrLst>
+    <dgm:txEffectClrLst/>
+  </dgm:styleLbl>
+  <dgm:styleLbl name="sibTrans1D1">
+    <dgm:fillClrLst/>
+    <dgm:linClrLst>
+      <a:schemeClr val="accent2"/>
+      <a:schemeClr val="accent3"/>
+    </dgm:linClrLst>
+    <dgm:effectClrLst/>
+    <dgm:txLinClrLst/>
+    <dgm:txFillClrLst meth="repeat">
+      <a:schemeClr val="tx1"/>
+    </dgm:txFillClrLst>
+    <dgm:txEffectClrLst/>
+  </dgm:styleLbl>
+  <dgm:styleLbl name="callout">
+    <dgm:fillClrLst meth="repeat">
+      <a:schemeClr val="accent2"/>
+    </dgm:fillClrLst>
+    <dgm:linClrLst meth="repeat">
+      <a:schemeClr val="accent2">
+        <a:tint val="50000"/>
+      </a:schemeClr>
+    </dgm:linClrLst>
+    <dgm:effectClrLst/>
+    <dgm:txLinClrLst/>
+    <dgm:txFillClrLst meth="repeat">
+      <a:schemeClr val="tx1"/>
+    </dgm:txFillClrLst>
+    <dgm:txEffectClrLst/>
+  </dgm:styleLbl>
+  <dgm:styleLbl name="asst0">
+    <dgm:fillClrLst meth="repeat">
+      <a:schemeClr val="accent2"/>
+    </dgm:fillClrLst>
+    <dgm:linClrLst meth="repeat">
+      <a:schemeClr val="lt1">
+        <a:shade val="80000"/>
+      </a:schemeClr>
+    </dgm:linClrLst>
+    <dgm:effectClrLst/>
+    <dgm:txLinClrLst/>
+    <dgm:txFillClrLst/>
+    <dgm:txEffectClrLst/>
+  </dgm:styleLbl>
+  <dgm:styleLbl name="asst1">
+    <dgm:fillClrLst meth="repeat">
+      <a:schemeClr val="accent3"/>
+    </dgm:fillClrLst>
+    <dgm:linClrLst meth="repeat">
+      <a:schemeClr val="lt1">
+        <a:shade val="80000"/>
+      </a:schemeClr>
+    </dgm:linClrLst>
+    <dgm:effectClrLst/>
+    <dgm:txLinClrLst/>
+    <dgm:txFillClrLst/>
+    <dgm:txEffectClrLst/>
+  </dgm:styleLbl>
+  <dgm:styleLbl name="asst2">
+    <dgm:fillClrLst>
+      <a:schemeClr val="accent4"/>
+    </dgm:fillClrLst>
+    <dgm:linClrLst meth="repeat">
+      <a:schemeClr val="lt1"/>
+    </dgm:linClrLst>
+    <dgm:effectClrLst/>
+    <dgm:txLinClrLst/>
+    <dgm:txFillClrLst/>
+    <dgm:txEffectClrLst/>
+  </dgm:styleLbl>
+  <dgm:styleLbl name="asst3">
+    <dgm:fillClrLst>
+      <a:schemeClr val="accent5"/>
+    </dgm:fillClrLst>
+    <dgm:linClrLst meth="repeat">
+      <a:schemeClr val="lt1"/>
+    </dgm:linClrLst>
+    <dgm:effectClrLst/>
+    <dgm:txLinClrLst/>
+    <dgm:txFillClrLst/>
+    <dgm:txEffectClrLst/>
+  </dgm:styleLbl>
+  <dgm:styleLbl name="asst4">
+    <dgm:fillClrLst>
+      <a:schemeClr val="accent6"/>
+    </dgm:fillClrLst>
+    <dgm:linClrLst meth="repeat">
+      <a:schemeClr val="lt1"/>
+    </dgm:linClrLst>
+    <dgm:effectClrLst/>
+    <dgm:txLinClrLst/>
+    <dgm:txFillClrLst/>
+    <dgm:txEffectClrLst/>
+  </dgm:styleLbl>
+  <dgm:styleLbl name="parChTrans2D1">
+    <dgm:fillClrLst meth="repeat">
+      <a:schemeClr val="accent2"/>
+    </dgm:fillClrLst>
+    <dgm:linClrLst meth="repeat">
+      <a:schemeClr val="lt1"/>
+    </dgm:linClrLst>
+    <dgm:effectClrLst/>
+    <dgm:txLinClrLst/>
+    <dgm:txFillClrLst meth="repeat">
+      <a:schemeClr val="lt1"/>
+    </dgm:txFillClrLst>
+    <dgm:txEffectClrLst/>
+  </dgm:styleLbl>
+  <dgm:styleLbl name="parChTrans2D2">
+    <dgm:fillClrLst meth="repeat">
+      <a:schemeClr val="accent3"/>
+    </dgm:fillClrLst>
+    <dgm:linClrLst meth="repeat">
+      <a:schemeClr val="lt1"/>
+    </dgm:linClrLst>
+    <dgm:effectClrLst/>
+    <dgm:txLinClrLst/>
+    <dgm:txFillClrLst/>
+    <dgm:txEffectClrLst/>
+  </dgm:styleLbl>
+  <dgm:styleLbl name="parChTrans2D3">
+    <dgm:fillClrLst meth="repeat">
+      <a:schemeClr val="accent4"/>
+    </dgm:fillClrLst>
+    <dgm:linClrLst meth="repeat">
+      <a:schemeClr val="lt1"/>
+    </dgm:linClrLst>
+    <dgm:effectClrLst/>
+    <dgm:txLinClrLst/>
+    <dgm:txFillClrLst/>
+    <dgm:txEffectClrLst/>
+  </dgm:styleLbl>
+  <dgm:styleLbl name="parChTrans2D4">
+    <dgm:fillClrLst meth="repeat">
+      <a:schemeClr val="accent5"/>
+    </dgm:fillClrLst>
+    <dgm:linClrLst meth="repeat">
+      <a:schemeClr val="lt1"/>
+    </dgm:linClrLst>
+    <dgm:effectClrLst/>
+    <dgm:txLinClrLst/>
+    <dgm:txFillClrLst meth="repeat">
+      <a:schemeClr val="lt1"/>
+    </dgm:txFillClrLst>
+    <dgm:txEffectClrLst/>
+  </dgm:styleLbl>
+  <dgm:styleLbl name="parChTrans1D1">
+    <dgm:fillClrLst meth="repeat">
+      <a:schemeClr val="accent2"/>
+    </dgm:fillClrLst>
+    <dgm:linClrLst meth="repeat">
+      <a:schemeClr val="accent2"/>
+    </dgm:linClrLst>
+    <dgm:effectClrLst/>
+    <dgm:txLinClrLst/>
+    <dgm:txFillClrLst meth="repeat">
+      <a:schemeClr val="tx1"/>
+    </dgm:txFillClrLst>
+    <dgm:txEffectClrLst/>
+  </dgm:styleLbl>
+  <dgm:styleLbl name="parChTrans1D2">
+    <dgm:fillClrLst meth="repeat">
+      <a:schemeClr val="accent2">
+        <a:tint val="90000"/>
+      </a:schemeClr>
+    </dgm:fillClrLst>
+    <dgm:linClrLst meth="repeat">
+      <a:schemeClr val="accent3"/>
+    </dgm:linClrLst>
+    <dgm:effectClrLst/>
+    <dgm:txLinClrLst/>
+    <dgm:txFillClrLst meth="repeat">
+      <a:schemeClr val="tx1"/>
+    </dgm:txFillClrLst>
+    <dgm:txEffectClrLst/>
+  </dgm:styleLbl>
+  <dgm:styleLbl name="parChTrans1D3">
+    <dgm:fillClrLst meth="repeat">
+      <a:schemeClr val="accent2">
+        <a:tint val="70000"/>
+      </a:schemeClr>
+    </dgm:fillClrLst>
+    <dgm:linClrLst meth="repeat">
+      <a:schemeClr val="accent4"/>
+    </dgm:linClrLst>
+    <dgm:effectClrLst/>
+    <dgm:txLinClrLst/>
+    <dgm:txFillClrLst meth="repeat">
+      <a:schemeClr val="tx1"/>
+    </dgm:txFillClrLst>
+    <dgm:txEffectClrLst/>
+  </dgm:styleLbl>
+  <dgm:styleLbl name="parChTrans1D4">
+    <dgm:fillClrLst meth="repeat">
+      <a:schemeClr val="accent2">
+        <a:tint val="50000"/>
+      </a:schemeClr>
+    </dgm:fillClrLst>
+    <dgm:linClrLst meth="repeat">
+      <a:schemeClr val="accent5"/>
+    </dgm:linClrLst>
+    <dgm:effectClrLst/>
+    <dgm:txLinClrLst/>
+    <dgm:txFillClrLst meth="repeat">
+      <a:schemeClr val="tx1"/>
+    </dgm:txFillClrLst>
+    <dgm:txEffectClrLst/>
+  </dgm:styleLbl>
+  <dgm:styleLbl name="fgAcc1">
+    <dgm:fillClrLst meth="repeat">
+      <a:schemeClr val="lt1">
+        <a:alpha val="90000"/>
+      </a:schemeClr>
+    </dgm:fillClrLst>
+    <dgm:linClrLst>
+      <a:schemeClr val="accent2"/>
+      <a:schemeClr val="accent3"/>
+    </dgm:linClrLst>
+    <dgm:effectClrLst/>
+    <dgm:txLinClrLst/>
+    <dgm:txFillClrLst meth="repeat">
+      <a:schemeClr val="dk1"/>
+    </dgm:txFillClrLst>
+    <dgm:txEffectClrLst/>
+  </dgm:styleLbl>
+  <dgm:styleLbl name="conFgAcc1">
+    <dgm:fillClrLst meth="repeat">
+      <a:schemeClr val="lt1">
+        <a:alpha val="90000"/>
+      </a:schemeClr>
+    </dgm:fillClrLst>
+    <dgm:linClrLst>
+      <a:schemeClr val="accent2"/>
+      <a:schemeClr val="accent3"/>
+    </dgm:linClrLst>
+    <dgm:effectClrLst/>
+    <dgm:txLinClrLst/>
+    <dgm:txFillClrLst meth="repeat">
+      <a:schemeClr val="dk1"/>
+    </dgm:txFillClrLst>
+    <dgm:txEffectClrLst/>
+  </dgm:styleLbl>
+  <dgm:styleLbl name="alignAcc1">
+    <dgm:fillClrLst meth="repeat">
+      <a:schemeClr val="lt1">
+        <a:alpha val="90000"/>
+      </a:schemeClr>
+    </dgm:fillClrLst>
+    <dgm:linClrLst>
+      <a:schemeClr val="accent2"/>
+      <a:schemeClr val="accent3"/>
+    </dgm:linClrLst>
+    <dgm:effectClrLst/>
+    <dgm:txLinClrLst/>
+    <dgm:txFillClrLst meth="repeat">
+      <a:schemeClr val="dk1"/>
+    </dgm:txFillClrLst>
+    <dgm:txEffectClrLst/>
+  </dgm:styleLbl>
+  <dgm:styleLbl name="trAlignAcc1">
+    <dgm:fillClrLst meth="repeat">
+      <a:schemeClr val="lt1">
+        <a:alpha val="40000"/>
+      </a:schemeClr>
+    </dgm:fillClrLst>
+    <dgm:linClrLst meth="repeat">
+      <a:schemeClr val="accent2"/>
+    </dgm:linClrLst>
+    <dgm:effectClrLst/>
+    <dgm:txLinClrLst/>
+    <dgm:txFillClrLst meth="repeat">
+      <a:schemeClr val="dk1"/>
+    </dgm:txFillClrLst>
+    <dgm:txEffectClrLst/>
+  </dgm:styleLbl>
+  <dgm:styleLbl name="bgAcc1">
+    <dgm:fillClrLst meth="repeat">
+      <a:schemeClr val="lt1">
+        <a:alpha val="90000"/>
+      </a:schemeClr>
+    </dgm:fillClrLst>
+    <dgm:linClrLst>
+      <a:schemeClr val="accent2"/>
+      <a:schemeClr val="accent3"/>
+    </dgm:linClrLst>
+    <dgm:effectClrLst/>
+    <dgm:txLinClrLst/>
+    <dgm:txFillClrLst meth="repeat">
+      <a:schemeClr val="dk1"/>
+    </dgm:txFillClrLst>
+    <dgm:txEffectClrLst/>
+  </dgm:styleLbl>
+  <dgm:styleLbl name="solidFgAcc1">
+    <dgm:fillClrLst meth="repeat">
+      <a:schemeClr val="lt1"/>
+    </dgm:fillClrLst>
+    <dgm:linClrLst>
+      <a:schemeClr val="accent2"/>
+      <a:schemeClr val="accent3"/>
+    </dgm:linClrLst>
+    <dgm:effectClrLst/>
+    <dgm:txLinClrLst/>
+    <dgm:txFillClrLst meth="repeat">
+      <a:schemeClr val="dk1"/>
+    </dgm:txFillClrLst>
+    <dgm:txEffectClrLst/>
+  </dgm:styleLbl>
+  <dgm:styleLbl name="solidAlignAcc1">
+    <dgm:fillClrLst meth="repeat">
+      <a:schemeClr val="lt1"/>
+    </dgm:fillClrLst>
+    <dgm:linClrLst>
+      <a:schemeClr val="accent2"/>
+      <a:schemeClr val="accent3"/>
+    </dgm:linClrLst>
+    <dgm:effectClrLst/>
+    <dgm:txLinClrLst/>
+    <dgm:txFillClrLst meth="repeat">
+      <a:schemeClr val="dk1"/>
+    </dgm:txFillClrLst>
+    <dgm:txEffectClrLst/>
+  </dgm:styleLbl>
+  <dgm:styleLbl name="solidBgAcc1">
+    <dgm:fillClrLst meth="repeat">
+      <a:schemeClr val="lt1"/>
+    </dgm:fillClrLst>
+    <dgm:linClrLst>
+      <a:schemeClr val="accent2"/>
+      <a:schemeClr val="accent3"/>
+    </dgm:linClrLst>
+    <dgm:effectClrLst/>
+    <dgm:txLinClrLst/>
+    <dgm:txFillClrLst meth="repeat">
+      <a:schemeClr val="dk1"/>
+    </dgm:txFillClrLst>
+    <dgm:txEffectClrLst/>
+  </dgm:styleLbl>
+  <dgm:styleLbl name="fgAccFollowNode1">
+    <dgm:fillClrLst>
+      <a:schemeClr val="accent2">
+        <a:tint val="40000"/>
+        <a:alpha val="90000"/>
+      </a:schemeClr>
+      <a:schemeClr val="accent3">
+        <a:tint val="40000"/>
+        <a:alpha val="90000"/>
+      </a:schemeClr>
+    </dgm:fillClrLst>
+    <dgm:linClrLst>
+      <a:schemeClr val="accent2">
+        <a:tint val="40000"/>
+        <a:alpha val="90000"/>
+      </a:schemeClr>
+      <a:schemeClr val="accent3">
+        <a:tint val="40000"/>
+        <a:alpha val="90000"/>
+      </a:schemeClr>
+    </dgm:linClrLst>
+    <dgm:effectClrLst/>
+    <dgm:txLinClrLst/>
+    <dgm:txFillClrLst meth="repeat">
+      <a:schemeClr val="dk1"/>
+    </dgm:txFillClrLst>
+    <dgm:txEffectClrLst/>
+  </dgm:styleLbl>
+  <dgm:styleLbl name="alignAccFollowNode1">
+    <dgm:fillClrLst>
+      <a:schemeClr val="accent2">
+        <a:tint val="40000"/>
+        <a:alpha val="90000"/>
+      </a:schemeClr>
+      <a:schemeClr val="accent3">
+        <a:tint val="40000"/>
+        <a:alpha val="90000"/>
+      </a:schemeClr>
+    </dgm:fillClrLst>
+    <dgm:linClrLst>
+      <a:schemeClr val="accent2">
+        <a:tint val="40000"/>
+        <a:alpha val="90000"/>
+      </a:schemeClr>
+      <a:schemeClr val="accent3">
+        <a:tint val="40000"/>
+        <a:alpha val="90000"/>
+      </a:schemeClr>
+    </dgm:linClrLst>
+    <dgm:effectClrLst/>
+    <dgm:txLinClrLst/>
+    <dgm:txFillClrLst meth="repeat">
+      <a:schemeClr val="dk1"/>
+    </dgm:txFillClrLst>
+    <dgm:txEffectClrLst/>
+  </dgm:styleLbl>
+  <dgm:styleLbl name="bgAccFollowNode1">
+    <dgm:fillClrLst>
+      <a:schemeClr val="accent2">
+        <a:tint val="40000"/>
+        <a:alpha val="90000"/>
+      </a:schemeClr>
+      <a:schemeClr val="accent3">
+        <a:tint val="40000"/>
+        <a:alpha val="90000"/>
+      </a:schemeClr>
+    </dgm:fillClrLst>
+    <dgm:linClrLst>
+      <a:schemeClr val="accent2">
+        <a:tint val="40000"/>
+        <a:alpha val="90000"/>
+      </a:schemeClr>
+      <a:schemeClr val="accent3">
+        <a:tint val="40000"/>
+        <a:alpha val="90000"/>
+      </a:schemeClr>
+    </dgm:linClrLst>
+    <dgm:effectClrLst/>
+    <dgm:txLinClrLst/>
+    <dgm:txFillClrLst meth="repeat">
+      <a:schemeClr val="dk1"/>
+    </dgm:txFillClrLst>
+    <dgm:txEffectClrLst/>
+  </dgm:styleLbl>
+  <dgm:styleLbl name="fgAcc0">
+    <dgm:fillClrLst meth="repeat">
+      <a:schemeClr val="lt1">
+        <a:alpha val="90000"/>
+      </a:schemeClr>
+    </dgm:fillClrLst>
+    <dgm:linClrLst>
+      <a:schemeClr val="accent1"/>
+    </dgm:linClrLst>
+    <dgm:effectClrLst/>
+    <dgm:txLinClrLst/>
+    <dgm:txFillClrLst meth="repeat">
+      <a:schemeClr val="dk1"/>
+    </dgm:txFillClrLst>
+    <dgm:txEffectClrLst/>
+  </dgm:styleLbl>
+  <dgm:styleLbl name="fgAcc2">
+    <dgm:fillClrLst meth="repeat">
+      <a:schemeClr val="lt1">
+        <a:alpha val="90000"/>
+      </a:schemeClr>
+    </dgm:fillClrLst>
+    <dgm:linClrLst>
+      <a:schemeClr val="accent3"/>
+    </dgm:linClrLst>
+    <dgm:effectClrLst/>
+    <dgm:txLinClrLst/>
+    <dgm:txFillClrLst meth="repeat">
+      <a:schemeClr val="dk1"/>
+    </dgm:txFillClrLst>
+    <dgm:txEffectClrLst/>
+  </dgm:styleLbl>
+  <dgm:styleLbl name="fgAcc3">
+    <dgm:fillClrLst meth="repeat">
+      <a:schemeClr val="lt1">
+        <a:alpha val="90000"/>
+      </a:schemeClr>
+    </dgm:fillClrLst>
+    <dgm:linClrLst>
+      <a:schemeClr val="accent4"/>
+    </dgm:linClrLst>
+    <dgm:effectClrLst/>
+    <dgm:txLinClrLst/>
+    <dgm:txFillClrLst meth="repeat">
+      <a:schemeClr val="dk1"/>
+    </dgm:txFillClrLst>
+    <dgm:txEffectClrLst/>
+  </dgm:styleLbl>
+  <dgm:styleLbl name="fgAcc4">
+    <dgm:fillClrLst meth="repeat">
+      <a:schemeClr val="lt1">
+        <a:alpha val="90000"/>
+      </a:schemeClr>
+    </dgm:fillClrLst>
+    <dgm:linClrLst>
+      <a:schemeClr val="accent5"/>
+    </dgm:linClrLst>
+    <dgm:effectClrLst/>
+    <dgm:txLinClrLst/>
+    <dgm:txFillClrLst meth="repeat">
+      <a:schemeClr val="dk1"/>
+    </dgm:txFillClrLst>
+    <dgm:txEffectClrLst/>
+  </dgm:styleLbl>
+  <dgm:styleLbl name="bgShp">
+    <dgm:fillClrLst meth="repeat">
+      <a:schemeClr val="accent2">
+        <a:tint val="40000"/>
+      </a:schemeClr>
+    </dgm:fillClrLst>
+    <dgm:linClrLst meth="repeat">
+      <a:schemeClr val="dk1"/>
+    </dgm:linClrLst>
+    <dgm:effectClrLst/>
+    <dgm:txLinClrLst/>
+    <dgm:txFillClrLst meth="repeat">
+      <a:schemeClr val="dk1"/>
+    </dgm:txFillClrLst>
+    <dgm:txEffectClrLst/>
+  </dgm:styleLbl>
+  <dgm:styleLbl name="dkBgShp">
+    <dgm:fillClrLst meth="repeat">
+      <a:schemeClr val="accent2">
+        <a:shade val="90000"/>
+      </a:schemeClr>
+    </dgm:fillClrLst>
+    <dgm:linClrLst meth="repeat">
+      <a:schemeClr val="dk1"/>
+    </dgm:linClrLst>
+    <dgm:effectClrLst/>
+    <dgm:txLinClrLst/>
+    <dgm:txFillClrLst meth="repeat">
+      <a:schemeClr val="lt1"/>
+    </dgm:txFillClrLst>
+    <dgm:txEffectClrLst/>
+  </dgm:styleLbl>
+  <dgm:styleLbl name="trBgShp">
+    <dgm:fillClrLst meth="repeat">
+      <a:schemeClr val="accent2">
+        <a:tint val="50000"/>
+        <a:alpha val="40000"/>
+      </a:schemeClr>
+    </dgm:fillClrLst>
+    <dgm:linClrLst meth="repeat">
+      <a:schemeClr val="accent2"/>
+    </dgm:linClrLst>
+    <dgm:effectClrLst/>
+    <dgm:txLinClrLst/>
+    <dgm:txFillClrLst meth="repeat">
+      <a:schemeClr val="lt1"/>
+    </dgm:txFillClrLst>
+    <dgm:txEffectClrLst/>
+  </dgm:styleLbl>
+  <dgm:styleLbl name="fgShp">
+    <dgm:fillClrLst meth="repeat">
+      <a:schemeClr val="accent2">
+        <a:tint val="40000"/>
+      </a:schemeClr>
+    </dgm:fillClrLst>
+    <dgm:linClrLst meth="repeat">
+      <a:schemeClr val="lt1"/>
+    </dgm:linClrLst>
+    <dgm:effectClrLst/>
+    <dgm:txLinClrLst/>
+    <dgm:txFillClrLst meth="repeat">
+      <a:schemeClr val="dk1"/>
+    </dgm:txFillClrLst>
+    <dgm:txEffectClrLst/>
+  </dgm:styleLbl>
+  <dgm:styleLbl name="revTx">
+    <dgm:fillClrLst meth="repeat">
+      <a:schemeClr val="lt1">
+        <a:alpha val="0"/>
+      </a:schemeClr>
+    </dgm:fillClrLst>
+    <dgm:linClrLst meth="repeat">
+      <a:schemeClr val="dk1">
+        <a:alpha val="0"/>
+      </a:schemeClr>
+    </dgm:linClrLst>
+    <dgm:effectClrLst/>
+    <dgm:txLinClrLst/>
+    <dgm:txFillClrLst meth="repeat">
+      <a:schemeClr val="tx1"/>
+    </dgm:txFillClrLst>
+    <dgm:txEffectClrLst/>
+  </dgm:styleLbl>
+</dgm:colorsDef>
+</file>
+
+<file path=ppt/diagrams/data1.xml><?xml version="1.0" encoding="utf-8"?>
+<dgm:dataModel xmlns:dgm="http://schemas.openxmlformats.org/drawingml/2006/diagram" xmlns:a="http://schemas.openxmlformats.org/drawingml/2006/main">
+  <dgm:ptLst>
+    <dgm:pt modelId="{0E513A0C-888D-4530-BD10-4A480B9B7271}" type="doc">
+      <dgm:prSet loTypeId="urn:microsoft.com/office/officeart/2005/8/layout/default" loCatId="list" qsTypeId="urn:microsoft.com/office/officeart/2005/8/quickstyle/simple1" qsCatId="simple" csTypeId="urn:microsoft.com/office/officeart/2005/8/colors/colorful2" csCatId="colorful"/>
+      <dgm:spPr/>
+      <dgm:t>
+        <a:bodyPr/>
+        <a:lstStyle/>
+        <a:p>
+          <a:endParaRPr lang="en-US"/>
+        </a:p>
+      </dgm:t>
+    </dgm:pt>
+    <dgm:pt modelId="{6E407F5E-A2D1-45E4-B2B7-9736ACA5F492}">
+      <dgm:prSet/>
+      <dgm:spPr/>
+      <dgm:t>
+        <a:bodyPr/>
+        <a:lstStyle/>
+        <a:p>
+          <a:r>
+            <a:rPr lang="fr-BE"/>
+            <a:t>L’épidémiologiste peut tout modifier</a:t>
+          </a:r>
+          <a:endParaRPr lang="en-US"/>
+        </a:p>
+      </dgm:t>
+    </dgm:pt>
+    <dgm:pt modelId="{04863968-B09B-46C7-AE6F-BE8F672AAF9E}" type="parTrans" cxnId="{AA969FE4-E6C5-47E0-8B50-F0C2F1C4093F}">
+      <dgm:prSet/>
+      <dgm:spPr/>
+      <dgm:t>
+        <a:bodyPr/>
+        <a:lstStyle/>
+        <a:p>
+          <a:endParaRPr lang="en-US"/>
+        </a:p>
+      </dgm:t>
+    </dgm:pt>
+    <dgm:pt modelId="{893A89E2-4198-4655-AC6E-34BC709C119B}" type="sibTrans" cxnId="{AA969FE4-E6C5-47E0-8B50-F0C2F1C4093F}">
+      <dgm:prSet/>
+      <dgm:spPr/>
+      <dgm:t>
+        <a:bodyPr/>
+        <a:lstStyle/>
+        <a:p>
+          <a:endParaRPr lang="en-US"/>
+        </a:p>
+      </dgm:t>
+    </dgm:pt>
+    <dgm:pt modelId="{B4D87EDE-4725-46B4-8352-1AD626B48305}">
+      <dgm:prSet/>
+      <dgm:spPr/>
+      <dgm:t>
+        <a:bodyPr/>
+        <a:lstStyle/>
+        <a:p>
+          <a:r>
+            <a:rPr lang="fr-BE"/>
+            <a:t>L’utilisateur lambda peut juste voir toutes les données</a:t>
+          </a:r>
+          <a:endParaRPr lang="en-US"/>
+        </a:p>
+      </dgm:t>
+    </dgm:pt>
+    <dgm:pt modelId="{15C285EE-3E76-4849-8795-DEB72042410E}" type="parTrans" cxnId="{C3CE5CA1-029E-4EAA-B0A7-4F180E703339}">
+      <dgm:prSet/>
+      <dgm:spPr/>
+      <dgm:t>
+        <a:bodyPr/>
+        <a:lstStyle/>
+        <a:p>
+          <a:endParaRPr lang="en-US"/>
+        </a:p>
+      </dgm:t>
+    </dgm:pt>
+    <dgm:pt modelId="{EE8799AC-896E-474F-9D96-2BEFD168BE45}" type="sibTrans" cxnId="{C3CE5CA1-029E-4EAA-B0A7-4F180E703339}">
+      <dgm:prSet/>
+      <dgm:spPr/>
+      <dgm:t>
+        <a:bodyPr/>
+        <a:lstStyle/>
+        <a:p>
+          <a:endParaRPr lang="en-US"/>
+        </a:p>
+      </dgm:t>
+    </dgm:pt>
+    <dgm:pt modelId="{11ED1125-67FA-4940-991B-A101E62CE5A1}">
+      <dgm:prSet/>
+      <dgm:spPr/>
+      <dgm:t>
+        <a:bodyPr/>
+        <a:lstStyle/>
+        <a:p>
+          <a:r>
+            <a:rPr lang="fr-BE"/>
+            <a:t>Un seul épidémiologiste encode une statistique journalière (mais adaptation pour l’exercice)</a:t>
+          </a:r>
+          <a:endParaRPr lang="en-US"/>
+        </a:p>
+      </dgm:t>
+    </dgm:pt>
+    <dgm:pt modelId="{1DB1FC8C-C70C-496E-B9EB-FFE8907D0C1E}" type="parTrans" cxnId="{48B1E7CF-8501-4C31-A0C4-EBC3409B9DDE}">
+      <dgm:prSet/>
+      <dgm:spPr/>
+      <dgm:t>
+        <a:bodyPr/>
+        <a:lstStyle/>
+        <a:p>
+          <a:endParaRPr lang="en-US"/>
+        </a:p>
+      </dgm:t>
+    </dgm:pt>
+    <dgm:pt modelId="{0BE08995-D3A0-4410-BD68-08C1140C05F8}" type="sibTrans" cxnId="{48B1E7CF-8501-4C31-A0C4-EBC3409B9DDE}">
+      <dgm:prSet/>
+      <dgm:spPr/>
+      <dgm:t>
+        <a:bodyPr/>
+        <a:lstStyle/>
+        <a:p>
+          <a:endParaRPr lang="en-US"/>
+        </a:p>
+      </dgm:t>
+    </dgm:pt>
+    <dgm:pt modelId="{7F400FD6-590B-4782-9068-0708387EF9C5}">
+      <dgm:prSet/>
+      <dgm:spPr/>
+      <dgm:t>
+        <a:bodyPr/>
+        <a:lstStyle/>
+        <a:p>
+          <a:r>
+            <a:rPr lang="fr-BE"/>
+            <a:t>Pourraient encoder les stats à différents moments</a:t>
+          </a:r>
+          <a:endParaRPr lang="en-US"/>
+        </a:p>
+      </dgm:t>
+    </dgm:pt>
+    <dgm:pt modelId="{73CA717E-C114-4AF7-A251-6375E51B6D41}" type="parTrans" cxnId="{A3CAE6C3-3CB7-49F8-94CE-E4C068267313}">
+      <dgm:prSet/>
+      <dgm:spPr/>
+      <dgm:t>
+        <a:bodyPr/>
+        <a:lstStyle/>
+        <a:p>
+          <a:endParaRPr lang="en-US"/>
+        </a:p>
+      </dgm:t>
+    </dgm:pt>
+    <dgm:pt modelId="{32A52EF0-4688-4B67-8C4B-11BB2A3075B5}" type="sibTrans" cxnId="{A3CAE6C3-3CB7-49F8-94CE-E4C068267313}">
+      <dgm:prSet/>
+      <dgm:spPr/>
+      <dgm:t>
+        <a:bodyPr/>
+        <a:lstStyle/>
+        <a:p>
+          <a:endParaRPr lang="en-US"/>
+        </a:p>
+      </dgm:t>
+    </dgm:pt>
+    <dgm:pt modelId="{AAB61050-88C8-4EA3-8038-EA97030154D2}">
+      <dgm:prSet/>
+      <dgm:spPr/>
+      <dgm:t>
+        <a:bodyPr/>
+        <a:lstStyle/>
+        <a:p>
+          <a:r>
+            <a:rPr lang="fr-BE"/>
+            <a:t>plusieurs tables</a:t>
+          </a:r>
+          <a:endParaRPr lang="en-US"/>
+        </a:p>
+      </dgm:t>
+    </dgm:pt>
+    <dgm:pt modelId="{86900E61-7F26-4DA3-BF9E-A6958B476303}" type="parTrans" cxnId="{7C73EB46-51AD-42E3-A239-4C73DDD65F6C}">
+      <dgm:prSet/>
+      <dgm:spPr/>
+      <dgm:t>
+        <a:bodyPr/>
+        <a:lstStyle/>
+        <a:p>
+          <a:endParaRPr lang="en-US"/>
+        </a:p>
+      </dgm:t>
+    </dgm:pt>
+    <dgm:pt modelId="{6905AEC5-A966-4A64-A33D-90BE7C248A41}" type="sibTrans" cxnId="{7C73EB46-51AD-42E3-A239-4C73DDD65F6C}">
+      <dgm:prSet/>
+      <dgm:spPr/>
+      <dgm:t>
+        <a:bodyPr/>
+        <a:lstStyle/>
+        <a:p>
+          <a:endParaRPr lang="en-US"/>
+        </a:p>
+      </dgm:t>
+    </dgm:pt>
+    <dgm:pt modelId="{38C3E6CF-F073-4A56-B92D-5AB5005C67F7}">
+      <dgm:prSet/>
+      <dgm:spPr/>
+      <dgm:t>
+        <a:bodyPr/>
+        <a:lstStyle/>
+        <a:p>
+          <a:r>
+            <a:rPr lang="fr-BE"/>
+            <a:t>pas forcément NOT NULL</a:t>
+          </a:r>
+          <a:endParaRPr lang="en-US"/>
+        </a:p>
+      </dgm:t>
+    </dgm:pt>
+    <dgm:pt modelId="{E6DE67CE-29A1-4505-BB39-1598480CC92F}" type="parTrans" cxnId="{1FE874DF-C813-419D-BAD5-949F86B8F157}">
+      <dgm:prSet/>
+      <dgm:spPr/>
+      <dgm:t>
+        <a:bodyPr/>
+        <a:lstStyle/>
+        <a:p>
+          <a:endParaRPr lang="en-US"/>
+        </a:p>
+      </dgm:t>
+    </dgm:pt>
+    <dgm:pt modelId="{64C9B0DE-FC17-4F50-8F26-C7872B583A4B}" type="sibTrans" cxnId="{1FE874DF-C813-419D-BAD5-949F86B8F157}">
+      <dgm:prSet/>
+      <dgm:spPr/>
+      <dgm:t>
+        <a:bodyPr/>
+        <a:lstStyle/>
+        <a:p>
+          <a:endParaRPr lang="en-US"/>
+        </a:p>
+      </dgm:t>
+    </dgm:pt>
+    <dgm:pt modelId="{D3E8181C-109F-484A-830C-EF8CC75BBA28}">
+      <dgm:prSet/>
+      <dgm:spPr/>
+      <dgm:t>
+        <a:bodyPr/>
+        <a:lstStyle/>
+        <a:p>
+          <a:r>
+            <a:rPr lang="fr-BE"/>
+            <a:t>Hosp_patients &gt; icu_patients</a:t>
+          </a:r>
+          <a:endParaRPr lang="en-US"/>
+        </a:p>
+      </dgm:t>
+    </dgm:pt>
+    <dgm:pt modelId="{9E11C276-B5F6-4329-B0B9-1F63BF754B9B}" type="parTrans" cxnId="{88B09F0D-6C80-4FE4-853A-E3DC535B998D}">
+      <dgm:prSet/>
+      <dgm:spPr/>
+      <dgm:t>
+        <a:bodyPr/>
+        <a:lstStyle/>
+        <a:p>
+          <a:endParaRPr lang="en-US"/>
+        </a:p>
+      </dgm:t>
+    </dgm:pt>
+    <dgm:pt modelId="{57E6F3C5-561F-4E97-B968-0170F9227544}" type="sibTrans" cxnId="{88B09F0D-6C80-4FE4-853A-E3DC535B998D}">
+      <dgm:prSet/>
+      <dgm:spPr/>
+      <dgm:t>
+        <a:bodyPr/>
+        <a:lstStyle/>
+        <a:p>
+          <a:endParaRPr lang="en-US"/>
+        </a:p>
+      </dgm:t>
+    </dgm:pt>
+    <dgm:pt modelId="{E2646B65-CAB2-4398-A273-1AD530C2EAB9}">
+      <dgm:prSet/>
+      <dgm:spPr/>
+      <dgm:t>
+        <a:bodyPr/>
+        <a:lstStyle/>
+        <a:p>
+          <a:r>
+            <a:rPr lang="fr-BE"/>
+            <a:t>Pseudo unique</a:t>
+          </a:r>
+          <a:endParaRPr lang="en-US"/>
+        </a:p>
+      </dgm:t>
+    </dgm:pt>
+    <dgm:pt modelId="{C11DB2F3-C3D5-4301-B901-422E783ABAE2}" type="parTrans" cxnId="{B4C06756-0817-4058-9E55-B9BA28CFECA1}">
+      <dgm:prSet/>
+      <dgm:spPr/>
+      <dgm:t>
+        <a:bodyPr/>
+        <a:lstStyle/>
+        <a:p>
+          <a:endParaRPr lang="en-US"/>
+        </a:p>
+      </dgm:t>
+    </dgm:pt>
+    <dgm:pt modelId="{E1503F4D-060A-4741-8A07-D1BA93FA7FF7}" type="sibTrans" cxnId="{B4C06756-0817-4058-9E55-B9BA28CFECA1}">
+      <dgm:prSet/>
+      <dgm:spPr/>
+      <dgm:t>
+        <a:bodyPr/>
+        <a:lstStyle/>
+        <a:p>
+          <a:endParaRPr lang="en-US"/>
+        </a:p>
+      </dgm:t>
+    </dgm:pt>
+    <dgm:pt modelId="{255275F4-4B3E-415C-917A-E5B949AB90FB}">
+      <dgm:prSet/>
+      <dgm:spPr/>
+      <dgm:t>
+        <a:bodyPr/>
+        <a:lstStyle/>
+        <a:p>
+          <a:r>
+            <a:rPr lang="fr-BE"/>
+            <a:t>Adresse physique</a:t>
+          </a:r>
+          <a:endParaRPr lang="en-US"/>
+        </a:p>
+      </dgm:t>
+    </dgm:pt>
+    <dgm:pt modelId="{3E990E49-B21A-4F5E-838A-29694D192E0C}" type="parTrans" cxnId="{A7C72965-4385-48CB-ACA6-9FE875A97D9A}">
+      <dgm:prSet/>
+      <dgm:spPr/>
+      <dgm:t>
+        <a:bodyPr/>
+        <a:lstStyle/>
+        <a:p>
+          <a:endParaRPr lang="en-US"/>
+        </a:p>
+      </dgm:t>
+    </dgm:pt>
+    <dgm:pt modelId="{9196FF17-5015-49B4-A4A3-FEC0DECFA28C}" type="sibTrans" cxnId="{A7C72965-4385-48CB-ACA6-9FE875A97D9A}">
+      <dgm:prSet/>
+      <dgm:spPr/>
+      <dgm:t>
+        <a:bodyPr/>
+        <a:lstStyle/>
+        <a:p>
+          <a:endParaRPr lang="en-US"/>
+        </a:p>
+      </dgm:t>
+    </dgm:pt>
+    <dgm:pt modelId="{72CD0B66-0C8B-44D0-9CA3-3D456E6222D4}">
+      <dgm:prSet/>
+      <dgm:spPr/>
+      <dgm:t>
+        <a:bodyPr/>
+        <a:lstStyle/>
+        <a:p>
+          <a:r>
+            <a:rPr lang="fr-BE"/>
+            <a:t>NB_vaccins, tests, hosp, peuvent être &gt; population</a:t>
+          </a:r>
+          <a:endParaRPr lang="en-US"/>
+        </a:p>
+      </dgm:t>
+    </dgm:pt>
+    <dgm:pt modelId="{9561D556-74F6-476F-B1F4-DCF926E11A0B}" type="parTrans" cxnId="{2DBA7C63-6075-49EF-928D-E46AAEB4AFAA}">
+      <dgm:prSet/>
+      <dgm:spPr/>
+      <dgm:t>
+        <a:bodyPr/>
+        <a:lstStyle/>
+        <a:p>
+          <a:endParaRPr lang="en-US"/>
+        </a:p>
+      </dgm:t>
+    </dgm:pt>
+    <dgm:pt modelId="{6FB9D623-FC33-4A59-A1CC-3A1F87FC1800}" type="sibTrans" cxnId="{2DBA7C63-6075-49EF-928D-E46AAEB4AFAA}">
+      <dgm:prSet/>
+      <dgm:spPr/>
+      <dgm:t>
+        <a:bodyPr/>
+        <a:lstStyle/>
+        <a:p>
+          <a:endParaRPr lang="en-US"/>
+        </a:p>
+      </dgm:t>
+    </dgm:pt>
+    <dgm:pt modelId="{AE58D3B5-33EC-4DE4-9D6C-5B054111524D}" type="pres">
+      <dgm:prSet presAssocID="{0E513A0C-888D-4530-BD10-4A480B9B7271}" presName="diagram" presStyleCnt="0">
+        <dgm:presLayoutVars>
+          <dgm:dir/>
+          <dgm:resizeHandles val="exact"/>
+        </dgm:presLayoutVars>
+      </dgm:prSet>
+      <dgm:spPr/>
+    </dgm:pt>
+    <dgm:pt modelId="{63FFC606-858D-4F3D-8804-F1EB56CD760A}" type="pres">
+      <dgm:prSet presAssocID="{6E407F5E-A2D1-45E4-B2B7-9736ACA5F492}" presName="node" presStyleLbl="node1" presStyleIdx="0" presStyleCnt="8">
+        <dgm:presLayoutVars>
+          <dgm:bulletEnabled val="1"/>
+        </dgm:presLayoutVars>
+      </dgm:prSet>
+      <dgm:spPr/>
+    </dgm:pt>
+    <dgm:pt modelId="{065E1BD6-4695-4F1B-96BE-0FEB6A29972D}" type="pres">
+      <dgm:prSet presAssocID="{893A89E2-4198-4655-AC6E-34BC709C119B}" presName="sibTrans" presStyleCnt="0"/>
+      <dgm:spPr/>
+    </dgm:pt>
+    <dgm:pt modelId="{BEF984D6-11FB-400E-9B29-799136C5D358}" type="pres">
+      <dgm:prSet presAssocID="{B4D87EDE-4725-46B4-8352-1AD626B48305}" presName="node" presStyleLbl="node1" presStyleIdx="1" presStyleCnt="8">
+        <dgm:presLayoutVars>
+          <dgm:bulletEnabled val="1"/>
+        </dgm:presLayoutVars>
+      </dgm:prSet>
+      <dgm:spPr/>
+    </dgm:pt>
+    <dgm:pt modelId="{DBFDF135-A7D6-47A1-9F3E-1A4E0E5F51CB}" type="pres">
+      <dgm:prSet presAssocID="{EE8799AC-896E-474F-9D96-2BEFD168BE45}" presName="sibTrans" presStyleCnt="0"/>
+      <dgm:spPr/>
+    </dgm:pt>
+    <dgm:pt modelId="{C504AF0D-8642-4AAC-A271-BECE3B36912D}" type="pres">
+      <dgm:prSet presAssocID="{11ED1125-67FA-4940-991B-A101E62CE5A1}" presName="node" presStyleLbl="node1" presStyleIdx="2" presStyleCnt="8">
+        <dgm:presLayoutVars>
+          <dgm:bulletEnabled val="1"/>
+        </dgm:presLayoutVars>
+      </dgm:prSet>
+      <dgm:spPr/>
+    </dgm:pt>
+    <dgm:pt modelId="{E6888A05-7FEF-4267-BD73-40FFD4FF2050}" type="pres">
+      <dgm:prSet presAssocID="{0BE08995-D3A0-4410-BD68-08C1140C05F8}" presName="sibTrans" presStyleCnt="0"/>
+      <dgm:spPr/>
+    </dgm:pt>
+    <dgm:pt modelId="{44515938-A1F1-40D8-BE51-7F48252B14D0}" type="pres">
+      <dgm:prSet presAssocID="{7F400FD6-590B-4782-9068-0708387EF9C5}" presName="node" presStyleLbl="node1" presStyleIdx="3" presStyleCnt="8">
+        <dgm:presLayoutVars>
+          <dgm:bulletEnabled val="1"/>
+        </dgm:presLayoutVars>
+      </dgm:prSet>
+      <dgm:spPr/>
+    </dgm:pt>
+    <dgm:pt modelId="{DF0827F0-0EF0-4E52-A64C-02FC64484F76}" type="pres">
+      <dgm:prSet presAssocID="{32A52EF0-4688-4B67-8C4B-11BB2A3075B5}" presName="sibTrans" presStyleCnt="0"/>
+      <dgm:spPr/>
+    </dgm:pt>
+    <dgm:pt modelId="{2662F58C-627E-42F9-B860-A4AB2CF9FDC5}" type="pres">
+      <dgm:prSet presAssocID="{D3E8181C-109F-484A-830C-EF8CC75BBA28}" presName="node" presStyleLbl="node1" presStyleIdx="4" presStyleCnt="8">
+        <dgm:presLayoutVars>
+          <dgm:bulletEnabled val="1"/>
+        </dgm:presLayoutVars>
+      </dgm:prSet>
+      <dgm:spPr/>
+    </dgm:pt>
+    <dgm:pt modelId="{92EB891F-DE01-4AE6-AC39-835D752664C3}" type="pres">
+      <dgm:prSet presAssocID="{57E6F3C5-561F-4E97-B968-0170F9227544}" presName="sibTrans" presStyleCnt="0"/>
+      <dgm:spPr/>
+    </dgm:pt>
+    <dgm:pt modelId="{D8CF8820-457D-4A14-A780-4040BD113D83}" type="pres">
+      <dgm:prSet presAssocID="{E2646B65-CAB2-4398-A273-1AD530C2EAB9}" presName="node" presStyleLbl="node1" presStyleIdx="5" presStyleCnt="8">
+        <dgm:presLayoutVars>
+          <dgm:bulletEnabled val="1"/>
+        </dgm:presLayoutVars>
+      </dgm:prSet>
+      <dgm:spPr/>
+    </dgm:pt>
+    <dgm:pt modelId="{A3C8C08A-E52A-4DC1-B661-B17621AB22D7}" type="pres">
+      <dgm:prSet presAssocID="{E1503F4D-060A-4741-8A07-D1BA93FA7FF7}" presName="sibTrans" presStyleCnt="0"/>
+      <dgm:spPr/>
+    </dgm:pt>
+    <dgm:pt modelId="{3B1EB352-1E39-40B9-8E6D-6036B104EA2B}" type="pres">
+      <dgm:prSet presAssocID="{255275F4-4B3E-415C-917A-E5B949AB90FB}" presName="node" presStyleLbl="node1" presStyleIdx="6" presStyleCnt="8">
+        <dgm:presLayoutVars>
+          <dgm:bulletEnabled val="1"/>
+        </dgm:presLayoutVars>
+      </dgm:prSet>
+      <dgm:spPr/>
+    </dgm:pt>
+    <dgm:pt modelId="{8C5E8433-2AF6-404B-ACDE-B24C4315492A}" type="pres">
+      <dgm:prSet presAssocID="{9196FF17-5015-49B4-A4A3-FEC0DECFA28C}" presName="sibTrans" presStyleCnt="0"/>
+      <dgm:spPr/>
+    </dgm:pt>
+    <dgm:pt modelId="{4A3FF34D-53E8-4EDD-92D7-AF2969E67621}" type="pres">
+      <dgm:prSet presAssocID="{72CD0B66-0C8B-44D0-9CA3-3D456E6222D4}" presName="node" presStyleLbl="node1" presStyleIdx="7" presStyleCnt="8">
+        <dgm:presLayoutVars>
+          <dgm:bulletEnabled val="1"/>
+        </dgm:presLayoutVars>
+      </dgm:prSet>
+      <dgm:spPr/>
+    </dgm:pt>
+  </dgm:ptLst>
+  <dgm:cxnLst>
+    <dgm:cxn modelId="{A4F0640D-5CE4-4562-8984-72628A99E2B2}" type="presOf" srcId="{D3E8181C-109F-484A-830C-EF8CC75BBA28}" destId="{2662F58C-627E-42F9-B860-A4AB2CF9FDC5}" srcOrd="0" destOrd="0" presId="urn:microsoft.com/office/officeart/2005/8/layout/default"/>
+    <dgm:cxn modelId="{88B09F0D-6C80-4FE4-853A-E3DC535B998D}" srcId="{0E513A0C-888D-4530-BD10-4A480B9B7271}" destId="{D3E8181C-109F-484A-830C-EF8CC75BBA28}" srcOrd="4" destOrd="0" parTransId="{9E11C276-B5F6-4329-B0B9-1F63BF754B9B}" sibTransId="{57E6F3C5-561F-4E97-B968-0170F9227544}"/>
+    <dgm:cxn modelId="{2DBA7C63-6075-49EF-928D-E46AAEB4AFAA}" srcId="{0E513A0C-888D-4530-BD10-4A480B9B7271}" destId="{72CD0B66-0C8B-44D0-9CA3-3D456E6222D4}" srcOrd="7" destOrd="0" parTransId="{9561D556-74F6-476F-B1F4-DCF926E11A0B}" sibTransId="{6FB9D623-FC33-4A59-A1CC-3A1F87FC1800}"/>
+    <dgm:cxn modelId="{A7C72965-4385-48CB-ACA6-9FE875A97D9A}" srcId="{0E513A0C-888D-4530-BD10-4A480B9B7271}" destId="{255275F4-4B3E-415C-917A-E5B949AB90FB}" srcOrd="6" destOrd="0" parTransId="{3E990E49-B21A-4F5E-838A-29694D192E0C}" sibTransId="{9196FF17-5015-49B4-A4A3-FEC0DECFA28C}"/>
+    <dgm:cxn modelId="{C8CD2446-E915-4E0A-8CE4-D03047C1F86D}" type="presOf" srcId="{E2646B65-CAB2-4398-A273-1AD530C2EAB9}" destId="{D8CF8820-457D-4A14-A780-4040BD113D83}" srcOrd="0" destOrd="0" presId="urn:microsoft.com/office/officeart/2005/8/layout/default"/>
+    <dgm:cxn modelId="{63EFC146-10B4-4EA0-A136-099FADC1C49E}" type="presOf" srcId="{0E513A0C-888D-4530-BD10-4A480B9B7271}" destId="{AE58D3B5-33EC-4DE4-9D6C-5B054111524D}" srcOrd="0" destOrd="0" presId="urn:microsoft.com/office/officeart/2005/8/layout/default"/>
+    <dgm:cxn modelId="{7C73EB46-51AD-42E3-A239-4C73DDD65F6C}" srcId="{7F400FD6-590B-4782-9068-0708387EF9C5}" destId="{AAB61050-88C8-4EA3-8038-EA97030154D2}" srcOrd="0" destOrd="0" parTransId="{86900E61-7F26-4DA3-BF9E-A6958B476303}" sibTransId="{6905AEC5-A966-4A64-A33D-90BE7C248A41}"/>
+    <dgm:cxn modelId="{4DA9A667-B9FF-458F-B06F-BAC9E644D992}" type="presOf" srcId="{B4D87EDE-4725-46B4-8352-1AD626B48305}" destId="{BEF984D6-11FB-400E-9B29-799136C5D358}" srcOrd="0" destOrd="0" presId="urn:microsoft.com/office/officeart/2005/8/layout/default"/>
+    <dgm:cxn modelId="{AAC3EB55-A256-4FD3-A341-E74680A3E8A6}" type="presOf" srcId="{38C3E6CF-F073-4A56-B92D-5AB5005C67F7}" destId="{44515938-A1F1-40D8-BE51-7F48252B14D0}" srcOrd="0" destOrd="2" presId="urn:microsoft.com/office/officeart/2005/8/layout/default"/>
+    <dgm:cxn modelId="{B4C06756-0817-4058-9E55-B9BA28CFECA1}" srcId="{0E513A0C-888D-4530-BD10-4A480B9B7271}" destId="{E2646B65-CAB2-4398-A273-1AD530C2EAB9}" srcOrd="5" destOrd="0" parTransId="{C11DB2F3-C3D5-4301-B901-422E783ABAE2}" sibTransId="{E1503F4D-060A-4741-8A07-D1BA93FA7FF7}"/>
+    <dgm:cxn modelId="{326AE077-2123-435F-9EBE-6DE2B647F135}" type="presOf" srcId="{AAB61050-88C8-4EA3-8038-EA97030154D2}" destId="{44515938-A1F1-40D8-BE51-7F48252B14D0}" srcOrd="0" destOrd="1" presId="urn:microsoft.com/office/officeart/2005/8/layout/default"/>
+    <dgm:cxn modelId="{518E9C84-D70F-42AF-9205-78D44D5F02E5}" type="presOf" srcId="{255275F4-4B3E-415C-917A-E5B949AB90FB}" destId="{3B1EB352-1E39-40B9-8E6D-6036B104EA2B}" srcOrd="0" destOrd="0" presId="urn:microsoft.com/office/officeart/2005/8/layout/default"/>
+    <dgm:cxn modelId="{8E11808C-E670-4D14-8E33-573E674BEB4A}" type="presOf" srcId="{11ED1125-67FA-4940-991B-A101E62CE5A1}" destId="{C504AF0D-8642-4AAC-A271-BECE3B36912D}" srcOrd="0" destOrd="0" presId="urn:microsoft.com/office/officeart/2005/8/layout/default"/>
+    <dgm:cxn modelId="{82399693-B1CD-451A-AE0C-DB93228F0960}" type="presOf" srcId="{6E407F5E-A2D1-45E4-B2B7-9736ACA5F492}" destId="{63FFC606-858D-4F3D-8804-F1EB56CD760A}" srcOrd="0" destOrd="0" presId="urn:microsoft.com/office/officeart/2005/8/layout/default"/>
+    <dgm:cxn modelId="{3937909D-4E65-4F00-8CBA-F85B9EC32F3F}" type="presOf" srcId="{7F400FD6-590B-4782-9068-0708387EF9C5}" destId="{44515938-A1F1-40D8-BE51-7F48252B14D0}" srcOrd="0" destOrd="0" presId="urn:microsoft.com/office/officeart/2005/8/layout/default"/>
+    <dgm:cxn modelId="{C3CE5CA1-029E-4EAA-B0A7-4F180E703339}" srcId="{0E513A0C-888D-4530-BD10-4A480B9B7271}" destId="{B4D87EDE-4725-46B4-8352-1AD626B48305}" srcOrd="1" destOrd="0" parTransId="{15C285EE-3E76-4849-8795-DEB72042410E}" sibTransId="{EE8799AC-896E-474F-9D96-2BEFD168BE45}"/>
+    <dgm:cxn modelId="{A3CAE6C3-3CB7-49F8-94CE-E4C068267313}" srcId="{0E513A0C-888D-4530-BD10-4A480B9B7271}" destId="{7F400FD6-590B-4782-9068-0708387EF9C5}" srcOrd="3" destOrd="0" parTransId="{73CA717E-C114-4AF7-A251-6375E51B6D41}" sibTransId="{32A52EF0-4688-4B67-8C4B-11BB2A3075B5}"/>
+    <dgm:cxn modelId="{48B1E7CF-8501-4C31-A0C4-EBC3409B9DDE}" srcId="{0E513A0C-888D-4530-BD10-4A480B9B7271}" destId="{11ED1125-67FA-4940-991B-A101E62CE5A1}" srcOrd="2" destOrd="0" parTransId="{1DB1FC8C-C70C-496E-B9EB-FFE8907D0C1E}" sibTransId="{0BE08995-D3A0-4410-BD68-08C1140C05F8}"/>
+    <dgm:cxn modelId="{DDA935DF-1CB0-4CC5-9E7E-07FDEFCD7477}" type="presOf" srcId="{72CD0B66-0C8B-44D0-9CA3-3D456E6222D4}" destId="{4A3FF34D-53E8-4EDD-92D7-AF2969E67621}" srcOrd="0" destOrd="0" presId="urn:microsoft.com/office/officeart/2005/8/layout/default"/>
+    <dgm:cxn modelId="{1FE874DF-C813-419D-BAD5-949F86B8F157}" srcId="{7F400FD6-590B-4782-9068-0708387EF9C5}" destId="{38C3E6CF-F073-4A56-B92D-5AB5005C67F7}" srcOrd="1" destOrd="0" parTransId="{E6DE67CE-29A1-4505-BB39-1598480CC92F}" sibTransId="{64C9B0DE-FC17-4F50-8F26-C7872B583A4B}"/>
+    <dgm:cxn modelId="{AA969FE4-E6C5-47E0-8B50-F0C2F1C4093F}" srcId="{0E513A0C-888D-4530-BD10-4A480B9B7271}" destId="{6E407F5E-A2D1-45E4-B2B7-9736ACA5F492}" srcOrd="0" destOrd="0" parTransId="{04863968-B09B-46C7-AE6F-BE8F672AAF9E}" sibTransId="{893A89E2-4198-4655-AC6E-34BC709C119B}"/>
+    <dgm:cxn modelId="{CD994D20-49CB-4286-BD6B-FF1112967AC9}" type="presParOf" srcId="{AE58D3B5-33EC-4DE4-9D6C-5B054111524D}" destId="{63FFC606-858D-4F3D-8804-F1EB56CD760A}" srcOrd="0" destOrd="0" presId="urn:microsoft.com/office/officeart/2005/8/layout/default"/>
+    <dgm:cxn modelId="{77594486-6C49-4F9A-A638-B50299CFAF11}" type="presParOf" srcId="{AE58D3B5-33EC-4DE4-9D6C-5B054111524D}" destId="{065E1BD6-4695-4F1B-96BE-0FEB6A29972D}" srcOrd="1" destOrd="0" presId="urn:microsoft.com/office/officeart/2005/8/layout/default"/>
+    <dgm:cxn modelId="{69250AFC-6826-4E45-B4DE-2883D93A7F1B}" type="presParOf" srcId="{AE58D3B5-33EC-4DE4-9D6C-5B054111524D}" destId="{BEF984D6-11FB-400E-9B29-799136C5D358}" srcOrd="2" destOrd="0" presId="urn:microsoft.com/office/officeart/2005/8/layout/default"/>
+    <dgm:cxn modelId="{78B06A5E-B853-4CB2-8B75-195FE1054521}" type="presParOf" srcId="{AE58D3B5-33EC-4DE4-9D6C-5B054111524D}" destId="{DBFDF135-A7D6-47A1-9F3E-1A4E0E5F51CB}" srcOrd="3" destOrd="0" presId="urn:microsoft.com/office/officeart/2005/8/layout/default"/>
+    <dgm:cxn modelId="{FC1E970B-9DB2-4E38-AA92-4206CAB0C83F}" type="presParOf" srcId="{AE58D3B5-33EC-4DE4-9D6C-5B054111524D}" destId="{C504AF0D-8642-4AAC-A271-BECE3B36912D}" srcOrd="4" destOrd="0" presId="urn:microsoft.com/office/officeart/2005/8/layout/default"/>
+    <dgm:cxn modelId="{4BCEEE91-7111-4EDD-907B-D526610C279E}" type="presParOf" srcId="{AE58D3B5-33EC-4DE4-9D6C-5B054111524D}" destId="{E6888A05-7FEF-4267-BD73-40FFD4FF2050}" srcOrd="5" destOrd="0" presId="urn:microsoft.com/office/officeart/2005/8/layout/default"/>
+    <dgm:cxn modelId="{0DFAD65F-CD1D-400D-9FF5-E580DF916F21}" type="presParOf" srcId="{AE58D3B5-33EC-4DE4-9D6C-5B054111524D}" destId="{44515938-A1F1-40D8-BE51-7F48252B14D0}" srcOrd="6" destOrd="0" presId="urn:microsoft.com/office/officeart/2005/8/layout/default"/>
+    <dgm:cxn modelId="{4B8376AE-DF4E-4639-8208-9AF2939C1837}" type="presParOf" srcId="{AE58D3B5-33EC-4DE4-9D6C-5B054111524D}" destId="{DF0827F0-0EF0-4E52-A64C-02FC64484F76}" srcOrd="7" destOrd="0" presId="urn:microsoft.com/office/officeart/2005/8/layout/default"/>
+    <dgm:cxn modelId="{501248AF-0E59-4E4D-B66D-B534BAB45277}" type="presParOf" srcId="{AE58D3B5-33EC-4DE4-9D6C-5B054111524D}" destId="{2662F58C-627E-42F9-B860-A4AB2CF9FDC5}" srcOrd="8" destOrd="0" presId="urn:microsoft.com/office/officeart/2005/8/layout/default"/>
+    <dgm:cxn modelId="{BA1502F6-6B1D-46C6-8143-EFC5C111B725}" type="presParOf" srcId="{AE58D3B5-33EC-4DE4-9D6C-5B054111524D}" destId="{92EB891F-DE01-4AE6-AC39-835D752664C3}" srcOrd="9" destOrd="0" presId="urn:microsoft.com/office/officeart/2005/8/layout/default"/>
+    <dgm:cxn modelId="{E8E98289-A476-403F-8DF2-8D1328084247}" type="presParOf" srcId="{AE58D3B5-33EC-4DE4-9D6C-5B054111524D}" destId="{D8CF8820-457D-4A14-A780-4040BD113D83}" srcOrd="10" destOrd="0" presId="urn:microsoft.com/office/officeart/2005/8/layout/default"/>
+    <dgm:cxn modelId="{7B03B18D-5EBC-4ED3-88D6-B94B0230CC7A}" type="presParOf" srcId="{AE58D3B5-33EC-4DE4-9D6C-5B054111524D}" destId="{A3C8C08A-E52A-4DC1-B661-B17621AB22D7}" srcOrd="11" destOrd="0" presId="urn:microsoft.com/office/officeart/2005/8/layout/default"/>
+    <dgm:cxn modelId="{0840CB04-7D4E-49E1-8E65-C22D756B4F09}" type="presParOf" srcId="{AE58D3B5-33EC-4DE4-9D6C-5B054111524D}" destId="{3B1EB352-1E39-40B9-8E6D-6036B104EA2B}" srcOrd="12" destOrd="0" presId="urn:microsoft.com/office/officeart/2005/8/layout/default"/>
+    <dgm:cxn modelId="{4B2786FF-36EF-4F9E-B2EC-378F48D3D4C3}" type="presParOf" srcId="{AE58D3B5-33EC-4DE4-9D6C-5B054111524D}" destId="{8C5E8433-2AF6-404B-ACDE-B24C4315492A}" srcOrd="13" destOrd="0" presId="urn:microsoft.com/office/officeart/2005/8/layout/default"/>
+    <dgm:cxn modelId="{651AC764-C3A9-457F-B4AC-AF2AD4465644}" type="presParOf" srcId="{AE58D3B5-33EC-4DE4-9D6C-5B054111524D}" destId="{4A3FF34D-53E8-4EDD-92D7-AF2969E67621}" srcOrd="14" destOrd="0" presId="urn:microsoft.com/office/officeart/2005/8/layout/default"/>
+  </dgm:cxnLst>
+  <dgm:bg/>
+  <dgm:whole/>
+  <dgm:extLst>
+    <a:ext uri="http://schemas.microsoft.com/office/drawing/2008/diagram">
+      <dsp:dataModelExt xmlns:dsp="http://schemas.microsoft.com/office/drawing/2008/diagram" relId="rId7" minVer="http://schemas.openxmlformats.org/drawingml/2006/diagram"/>
+    </a:ext>
+  </dgm:extLst>
+</dgm:dataModel>
+</file>
+
+<file path=ppt/diagrams/drawing1.xml><?xml version="1.0" encoding="utf-8"?>
+<dsp:drawing xmlns:dgm="http://schemas.openxmlformats.org/drawingml/2006/diagram" xmlns:dsp="http://schemas.microsoft.com/office/drawing/2008/diagram" xmlns:a="http://schemas.openxmlformats.org/drawingml/2006/main">
+  <dsp:spTree>
+    <dsp:nvGrpSpPr>
+      <dsp:cNvPr id="0" name=""/>
+      <dsp:cNvGrpSpPr/>
+    </dsp:nvGrpSpPr>
+    <dsp:grpSpPr/>
+    <dsp:sp modelId="{63FFC606-858D-4F3D-8804-F1EB56CD760A}">
+      <dsp:nvSpPr>
+        <dsp:cNvPr id="0" name=""/>
+        <dsp:cNvSpPr/>
+      </dsp:nvSpPr>
+      <dsp:spPr>
+        <a:xfrm>
+          <a:off x="3080" y="587032"/>
+          <a:ext cx="2444055" cy="1466433"/>
+        </a:xfrm>
+        <a:prstGeom prst="rect">
+          <a:avLst/>
+        </a:prstGeom>
+        <a:solidFill>
+          <a:schemeClr val="accent2">
+            <a:hueOff val="0"/>
+            <a:satOff val="0"/>
+            <a:lumOff val="0"/>
+            <a:alphaOff val="0"/>
+          </a:schemeClr>
+        </a:solidFill>
+        <a:ln w="12700" cap="flat" cmpd="sng" algn="ctr">
+          <a:solidFill>
+            <a:schemeClr val="lt1">
+              <a:hueOff val="0"/>
+              <a:satOff val="0"/>
+              <a:lumOff val="0"/>
+              <a:alphaOff val="0"/>
+            </a:schemeClr>
+          </a:solidFill>
+          <a:prstDash val="solid"/>
+          <a:miter lim="800000"/>
+        </a:ln>
+        <a:effectLst/>
+      </dsp:spPr>
+      <dsp:style>
+        <a:lnRef idx="2">
+          <a:scrgbClr r="0" g="0" b="0"/>
+        </a:lnRef>
+        <a:fillRef idx="1">
+          <a:scrgbClr r="0" g="0" b="0"/>
+        </a:fillRef>
+        <a:effectRef idx="0">
+          <a:scrgbClr r="0" g="0" b="0"/>
+        </a:effectRef>
+        <a:fontRef idx="minor">
+          <a:schemeClr val="lt1"/>
+        </a:fontRef>
+      </dsp:style>
+      <dsp:txBody>
+        <a:bodyPr spcFirstLastPara="0" vert="horz" wrap="square" lIns="68580" tIns="68580" rIns="68580" bIns="68580" numCol="1" spcCol="1270" anchor="ctr" anchorCtr="0">
+          <a:noAutofit/>
+        </a:bodyPr>
+        <a:lstStyle/>
+        <a:p>
+          <a:pPr marL="0" lvl="0" indent="0" algn="ctr" defTabSz="800100">
+            <a:lnSpc>
+              <a:spcPct val="90000"/>
+            </a:lnSpc>
+            <a:spcBef>
+              <a:spcPct val="0"/>
+            </a:spcBef>
+            <a:spcAft>
+              <a:spcPct val="35000"/>
+            </a:spcAft>
+            <a:buNone/>
+          </a:pPr>
+          <a:r>
+            <a:rPr lang="fr-BE" sz="1800" kern="1200"/>
+            <a:t>L’épidémiologiste peut tout modifier</a:t>
+          </a:r>
+          <a:endParaRPr lang="en-US" sz="1800" kern="1200"/>
+        </a:p>
+      </dsp:txBody>
+      <dsp:txXfrm>
+        <a:off x="3080" y="587032"/>
+        <a:ext cx="2444055" cy="1466433"/>
+      </dsp:txXfrm>
+    </dsp:sp>
+    <dsp:sp modelId="{BEF984D6-11FB-400E-9B29-799136C5D358}">
+      <dsp:nvSpPr>
+        <dsp:cNvPr id="0" name=""/>
+        <dsp:cNvSpPr/>
+      </dsp:nvSpPr>
+      <dsp:spPr>
+        <a:xfrm>
+          <a:off x="2691541" y="587032"/>
+          <a:ext cx="2444055" cy="1466433"/>
+        </a:xfrm>
+        <a:prstGeom prst="rect">
+          <a:avLst/>
+        </a:prstGeom>
+        <a:solidFill>
+          <a:schemeClr val="accent2">
+            <a:hueOff val="-207909"/>
+            <a:satOff val="-11990"/>
+            <a:lumOff val="1233"/>
+            <a:alphaOff val="0"/>
+          </a:schemeClr>
+        </a:solidFill>
+        <a:ln w="12700" cap="flat" cmpd="sng" algn="ctr">
+          <a:solidFill>
+            <a:schemeClr val="lt1">
+              <a:hueOff val="0"/>
+              <a:satOff val="0"/>
+              <a:lumOff val="0"/>
+              <a:alphaOff val="0"/>
+            </a:schemeClr>
+          </a:solidFill>
+          <a:prstDash val="solid"/>
+          <a:miter lim="800000"/>
+        </a:ln>
+        <a:effectLst/>
+      </dsp:spPr>
+      <dsp:style>
+        <a:lnRef idx="2">
+          <a:scrgbClr r="0" g="0" b="0"/>
+        </a:lnRef>
+        <a:fillRef idx="1">
+          <a:scrgbClr r="0" g="0" b="0"/>
+        </a:fillRef>
+        <a:effectRef idx="0">
+          <a:scrgbClr r="0" g="0" b="0"/>
+        </a:effectRef>
+        <a:fontRef idx="minor">
+          <a:schemeClr val="lt1"/>
+        </a:fontRef>
+      </dsp:style>
+      <dsp:txBody>
+        <a:bodyPr spcFirstLastPara="0" vert="horz" wrap="square" lIns="68580" tIns="68580" rIns="68580" bIns="68580" numCol="1" spcCol="1270" anchor="ctr" anchorCtr="0">
+          <a:noAutofit/>
+        </a:bodyPr>
+        <a:lstStyle/>
+        <a:p>
+          <a:pPr marL="0" lvl="0" indent="0" algn="ctr" defTabSz="800100">
+            <a:lnSpc>
+              <a:spcPct val="90000"/>
+            </a:lnSpc>
+            <a:spcBef>
+              <a:spcPct val="0"/>
+            </a:spcBef>
+            <a:spcAft>
+              <a:spcPct val="35000"/>
+            </a:spcAft>
+            <a:buNone/>
+          </a:pPr>
+          <a:r>
+            <a:rPr lang="fr-BE" sz="1800" kern="1200"/>
+            <a:t>L’utilisateur lambda peut juste voir toutes les données</a:t>
+          </a:r>
+          <a:endParaRPr lang="en-US" sz="1800" kern="1200"/>
+        </a:p>
+      </dsp:txBody>
+      <dsp:txXfrm>
+        <a:off x="2691541" y="587032"/>
+        <a:ext cx="2444055" cy="1466433"/>
+      </dsp:txXfrm>
+    </dsp:sp>
+    <dsp:sp modelId="{C504AF0D-8642-4AAC-A271-BECE3B36912D}">
+      <dsp:nvSpPr>
+        <dsp:cNvPr id="0" name=""/>
+        <dsp:cNvSpPr/>
+      </dsp:nvSpPr>
+      <dsp:spPr>
+        <a:xfrm>
+          <a:off x="5380002" y="587032"/>
+          <a:ext cx="2444055" cy="1466433"/>
+        </a:xfrm>
+        <a:prstGeom prst="rect">
+          <a:avLst/>
+        </a:prstGeom>
+        <a:solidFill>
+          <a:schemeClr val="accent2">
+            <a:hueOff val="-415818"/>
+            <a:satOff val="-23979"/>
+            <a:lumOff val="2465"/>
+            <a:alphaOff val="0"/>
+          </a:schemeClr>
+        </a:solidFill>
+        <a:ln w="12700" cap="flat" cmpd="sng" algn="ctr">
+          <a:solidFill>
+            <a:schemeClr val="lt1">
+              <a:hueOff val="0"/>
+              <a:satOff val="0"/>
+              <a:lumOff val="0"/>
+              <a:alphaOff val="0"/>
+            </a:schemeClr>
+          </a:solidFill>
+          <a:prstDash val="solid"/>
+          <a:miter lim="800000"/>
+        </a:ln>
+        <a:effectLst/>
+      </dsp:spPr>
+      <dsp:style>
+        <a:lnRef idx="2">
+          <a:scrgbClr r="0" g="0" b="0"/>
+        </a:lnRef>
+        <a:fillRef idx="1">
+          <a:scrgbClr r="0" g="0" b="0"/>
+        </a:fillRef>
+        <a:effectRef idx="0">
+          <a:scrgbClr r="0" g="0" b="0"/>
+        </a:effectRef>
+        <a:fontRef idx="minor">
+          <a:schemeClr val="lt1"/>
+        </a:fontRef>
+      </dsp:style>
+      <dsp:txBody>
+        <a:bodyPr spcFirstLastPara="0" vert="horz" wrap="square" lIns="68580" tIns="68580" rIns="68580" bIns="68580" numCol="1" spcCol="1270" anchor="ctr" anchorCtr="0">
+          <a:noAutofit/>
+        </a:bodyPr>
+        <a:lstStyle/>
+        <a:p>
+          <a:pPr marL="0" lvl="0" indent="0" algn="ctr" defTabSz="800100">
+            <a:lnSpc>
+              <a:spcPct val="90000"/>
+            </a:lnSpc>
+            <a:spcBef>
+              <a:spcPct val="0"/>
+            </a:spcBef>
+            <a:spcAft>
+              <a:spcPct val="35000"/>
+            </a:spcAft>
+            <a:buNone/>
+          </a:pPr>
+          <a:r>
+            <a:rPr lang="fr-BE" sz="1800" kern="1200"/>
+            <a:t>Un seul épidémiologiste encode une statistique journalière (mais adaptation pour l’exercice)</a:t>
+          </a:r>
+          <a:endParaRPr lang="en-US" sz="1800" kern="1200"/>
+        </a:p>
+      </dsp:txBody>
+      <dsp:txXfrm>
+        <a:off x="5380002" y="587032"/>
+        <a:ext cx="2444055" cy="1466433"/>
+      </dsp:txXfrm>
+    </dsp:sp>
+    <dsp:sp modelId="{44515938-A1F1-40D8-BE51-7F48252B14D0}">
+      <dsp:nvSpPr>
+        <dsp:cNvPr id="0" name=""/>
+        <dsp:cNvSpPr/>
+      </dsp:nvSpPr>
+      <dsp:spPr>
+        <a:xfrm>
+          <a:off x="8068463" y="587032"/>
+          <a:ext cx="2444055" cy="1466433"/>
+        </a:xfrm>
+        <a:prstGeom prst="rect">
+          <a:avLst/>
+        </a:prstGeom>
+        <a:solidFill>
+          <a:schemeClr val="accent2">
+            <a:hueOff val="-623727"/>
+            <a:satOff val="-35969"/>
+            <a:lumOff val="3698"/>
+            <a:alphaOff val="0"/>
+          </a:schemeClr>
+        </a:solidFill>
+        <a:ln w="12700" cap="flat" cmpd="sng" algn="ctr">
+          <a:solidFill>
+            <a:schemeClr val="lt1">
+              <a:hueOff val="0"/>
+              <a:satOff val="0"/>
+              <a:lumOff val="0"/>
+              <a:alphaOff val="0"/>
+            </a:schemeClr>
+          </a:solidFill>
+          <a:prstDash val="solid"/>
+          <a:miter lim="800000"/>
+        </a:ln>
+        <a:effectLst/>
+      </dsp:spPr>
+      <dsp:style>
+        <a:lnRef idx="2">
+          <a:scrgbClr r="0" g="0" b="0"/>
+        </a:lnRef>
+        <a:fillRef idx="1">
+          <a:scrgbClr r="0" g="0" b="0"/>
+        </a:fillRef>
+        <a:effectRef idx="0">
+          <a:scrgbClr r="0" g="0" b="0"/>
+        </a:effectRef>
+        <a:fontRef idx="minor">
+          <a:schemeClr val="lt1"/>
+        </a:fontRef>
+      </dsp:style>
+      <dsp:txBody>
+        <a:bodyPr spcFirstLastPara="0" vert="horz" wrap="square" lIns="68580" tIns="68580" rIns="68580" bIns="68580" numCol="1" spcCol="1270" anchor="t" anchorCtr="0">
+          <a:noAutofit/>
+        </a:bodyPr>
+        <a:lstStyle/>
+        <a:p>
+          <a:pPr marL="0" lvl="0" indent="0" algn="l" defTabSz="800100">
+            <a:lnSpc>
+              <a:spcPct val="90000"/>
+            </a:lnSpc>
+            <a:spcBef>
+              <a:spcPct val="0"/>
+            </a:spcBef>
+            <a:spcAft>
+              <a:spcPct val="35000"/>
+            </a:spcAft>
+            <a:buNone/>
+          </a:pPr>
+          <a:r>
+            <a:rPr lang="fr-BE" sz="1800" kern="1200"/>
+            <a:t>Pourraient encoder les stats à différents moments</a:t>
+          </a:r>
+          <a:endParaRPr lang="en-US" sz="1800" kern="1200"/>
+        </a:p>
+        <a:p>
+          <a:pPr marL="114300" lvl="1" indent="-114300" algn="l" defTabSz="622300">
+            <a:lnSpc>
+              <a:spcPct val="90000"/>
+            </a:lnSpc>
+            <a:spcBef>
+              <a:spcPct val="0"/>
+            </a:spcBef>
+            <a:spcAft>
+              <a:spcPct val="15000"/>
+            </a:spcAft>
+            <a:buChar char="•"/>
+          </a:pPr>
+          <a:r>
+            <a:rPr lang="fr-BE" sz="1400" kern="1200"/>
+            <a:t>plusieurs tables</a:t>
+          </a:r>
+          <a:endParaRPr lang="en-US" sz="1400" kern="1200"/>
+        </a:p>
+        <a:p>
+          <a:pPr marL="114300" lvl="1" indent="-114300" algn="l" defTabSz="622300">
+            <a:lnSpc>
+              <a:spcPct val="90000"/>
+            </a:lnSpc>
+            <a:spcBef>
+              <a:spcPct val="0"/>
+            </a:spcBef>
+            <a:spcAft>
+              <a:spcPct val="15000"/>
+            </a:spcAft>
+            <a:buChar char="•"/>
+          </a:pPr>
+          <a:r>
+            <a:rPr lang="fr-BE" sz="1400" kern="1200"/>
+            <a:t>pas forcément NOT NULL</a:t>
+          </a:r>
+          <a:endParaRPr lang="en-US" sz="1400" kern="1200"/>
+        </a:p>
+      </dsp:txBody>
+      <dsp:txXfrm>
+        <a:off x="8068463" y="587032"/>
+        <a:ext cx="2444055" cy="1466433"/>
+      </dsp:txXfrm>
+    </dsp:sp>
+    <dsp:sp modelId="{2662F58C-627E-42F9-B860-A4AB2CF9FDC5}">
+      <dsp:nvSpPr>
+        <dsp:cNvPr id="0" name=""/>
+        <dsp:cNvSpPr/>
+      </dsp:nvSpPr>
+      <dsp:spPr>
+        <a:xfrm>
+          <a:off x="3080" y="2297871"/>
+          <a:ext cx="2444055" cy="1466433"/>
+        </a:xfrm>
+        <a:prstGeom prst="rect">
+          <a:avLst/>
+        </a:prstGeom>
+        <a:solidFill>
+          <a:schemeClr val="accent2">
+            <a:hueOff val="-831636"/>
+            <a:satOff val="-47959"/>
+            <a:lumOff val="4930"/>
+            <a:alphaOff val="0"/>
+          </a:schemeClr>
+        </a:solidFill>
+        <a:ln w="12700" cap="flat" cmpd="sng" algn="ctr">
+          <a:solidFill>
+            <a:schemeClr val="lt1">
+              <a:hueOff val="0"/>
+              <a:satOff val="0"/>
+              <a:lumOff val="0"/>
+              <a:alphaOff val="0"/>
+            </a:schemeClr>
+          </a:solidFill>
+          <a:prstDash val="solid"/>
+          <a:miter lim="800000"/>
+        </a:ln>
+        <a:effectLst/>
+      </dsp:spPr>
+      <dsp:style>
+        <a:lnRef idx="2">
+          <a:scrgbClr r="0" g="0" b="0"/>
+        </a:lnRef>
+        <a:fillRef idx="1">
+          <a:scrgbClr r="0" g="0" b="0"/>
+        </a:fillRef>
+        <a:effectRef idx="0">
+          <a:scrgbClr r="0" g="0" b="0"/>
+        </a:effectRef>
+        <a:fontRef idx="minor">
+          <a:schemeClr val="lt1"/>
+        </a:fontRef>
+      </dsp:style>
+      <dsp:txBody>
+        <a:bodyPr spcFirstLastPara="0" vert="horz" wrap="square" lIns="68580" tIns="68580" rIns="68580" bIns="68580" numCol="1" spcCol="1270" anchor="ctr" anchorCtr="0">
+          <a:noAutofit/>
+        </a:bodyPr>
+        <a:lstStyle/>
+        <a:p>
+          <a:pPr marL="0" lvl="0" indent="0" algn="ctr" defTabSz="800100">
+            <a:lnSpc>
+              <a:spcPct val="90000"/>
+            </a:lnSpc>
+            <a:spcBef>
+              <a:spcPct val="0"/>
+            </a:spcBef>
+            <a:spcAft>
+              <a:spcPct val="35000"/>
+            </a:spcAft>
+            <a:buNone/>
+          </a:pPr>
+          <a:r>
+            <a:rPr lang="fr-BE" sz="1800" kern="1200"/>
+            <a:t>Hosp_patients &gt; icu_patients</a:t>
+          </a:r>
+          <a:endParaRPr lang="en-US" sz="1800" kern="1200"/>
+        </a:p>
+      </dsp:txBody>
+      <dsp:txXfrm>
+        <a:off x="3080" y="2297871"/>
+        <a:ext cx="2444055" cy="1466433"/>
+      </dsp:txXfrm>
+    </dsp:sp>
+    <dsp:sp modelId="{D8CF8820-457D-4A14-A780-4040BD113D83}">
+      <dsp:nvSpPr>
+        <dsp:cNvPr id="0" name=""/>
+        <dsp:cNvSpPr/>
+      </dsp:nvSpPr>
+      <dsp:spPr>
+        <a:xfrm>
+          <a:off x="2691541" y="2297871"/>
+          <a:ext cx="2444055" cy="1466433"/>
+        </a:xfrm>
+        <a:prstGeom prst="rect">
+          <a:avLst/>
+        </a:prstGeom>
+        <a:solidFill>
+          <a:schemeClr val="accent2">
+            <a:hueOff val="-1039545"/>
+            <a:satOff val="-59949"/>
+            <a:lumOff val="6163"/>
+            <a:alphaOff val="0"/>
+          </a:schemeClr>
+        </a:solidFill>
+        <a:ln w="12700" cap="flat" cmpd="sng" algn="ctr">
+          <a:solidFill>
+            <a:schemeClr val="lt1">
+              <a:hueOff val="0"/>
+              <a:satOff val="0"/>
+              <a:lumOff val="0"/>
+              <a:alphaOff val="0"/>
+            </a:schemeClr>
+          </a:solidFill>
+          <a:prstDash val="solid"/>
+          <a:miter lim="800000"/>
+        </a:ln>
+        <a:effectLst/>
+      </dsp:spPr>
+      <dsp:style>
+        <a:lnRef idx="2">
+          <a:scrgbClr r="0" g="0" b="0"/>
+        </a:lnRef>
+        <a:fillRef idx="1">
+          <a:scrgbClr r="0" g="0" b="0"/>
+        </a:fillRef>
+        <a:effectRef idx="0">
+          <a:scrgbClr r="0" g="0" b="0"/>
+        </a:effectRef>
+        <a:fontRef idx="minor">
+          <a:schemeClr val="lt1"/>
+        </a:fontRef>
+      </dsp:style>
+      <dsp:txBody>
+        <a:bodyPr spcFirstLastPara="0" vert="horz" wrap="square" lIns="68580" tIns="68580" rIns="68580" bIns="68580" numCol="1" spcCol="1270" anchor="ctr" anchorCtr="0">
+          <a:noAutofit/>
+        </a:bodyPr>
+        <a:lstStyle/>
+        <a:p>
+          <a:pPr marL="0" lvl="0" indent="0" algn="ctr" defTabSz="800100">
+            <a:lnSpc>
+              <a:spcPct val="90000"/>
+            </a:lnSpc>
+            <a:spcBef>
+              <a:spcPct val="0"/>
+            </a:spcBef>
+            <a:spcAft>
+              <a:spcPct val="35000"/>
+            </a:spcAft>
+            <a:buNone/>
+          </a:pPr>
+          <a:r>
+            <a:rPr lang="fr-BE" sz="1800" kern="1200"/>
+            <a:t>Pseudo unique</a:t>
+          </a:r>
+          <a:endParaRPr lang="en-US" sz="1800" kern="1200"/>
+        </a:p>
+      </dsp:txBody>
+      <dsp:txXfrm>
+        <a:off x="2691541" y="2297871"/>
+        <a:ext cx="2444055" cy="1466433"/>
+      </dsp:txXfrm>
+    </dsp:sp>
+    <dsp:sp modelId="{3B1EB352-1E39-40B9-8E6D-6036B104EA2B}">
+      <dsp:nvSpPr>
+        <dsp:cNvPr id="0" name=""/>
+        <dsp:cNvSpPr/>
+      </dsp:nvSpPr>
+      <dsp:spPr>
+        <a:xfrm>
+          <a:off x="5380002" y="2297871"/>
+          <a:ext cx="2444055" cy="1466433"/>
+        </a:xfrm>
+        <a:prstGeom prst="rect">
+          <a:avLst/>
+        </a:prstGeom>
+        <a:solidFill>
+          <a:schemeClr val="accent2">
+            <a:hueOff val="-1247454"/>
+            <a:satOff val="-71938"/>
+            <a:lumOff val="7395"/>
+            <a:alphaOff val="0"/>
+          </a:schemeClr>
+        </a:solidFill>
+        <a:ln w="12700" cap="flat" cmpd="sng" algn="ctr">
+          <a:solidFill>
+            <a:schemeClr val="lt1">
+              <a:hueOff val="0"/>
+              <a:satOff val="0"/>
+              <a:lumOff val="0"/>
+              <a:alphaOff val="0"/>
+            </a:schemeClr>
+          </a:solidFill>
+          <a:prstDash val="solid"/>
+          <a:miter lim="800000"/>
+        </a:ln>
+        <a:effectLst/>
+      </dsp:spPr>
+      <dsp:style>
+        <a:lnRef idx="2">
+          <a:scrgbClr r="0" g="0" b="0"/>
+        </a:lnRef>
+        <a:fillRef idx="1">
+          <a:scrgbClr r="0" g="0" b="0"/>
+        </a:fillRef>
+        <a:effectRef idx="0">
+          <a:scrgbClr r="0" g="0" b="0"/>
+        </a:effectRef>
+        <a:fontRef idx="minor">
+          <a:schemeClr val="lt1"/>
+        </a:fontRef>
+      </dsp:style>
+      <dsp:txBody>
+        <a:bodyPr spcFirstLastPara="0" vert="horz" wrap="square" lIns="68580" tIns="68580" rIns="68580" bIns="68580" numCol="1" spcCol="1270" anchor="ctr" anchorCtr="0">
+          <a:noAutofit/>
+        </a:bodyPr>
+        <a:lstStyle/>
+        <a:p>
+          <a:pPr marL="0" lvl="0" indent="0" algn="ctr" defTabSz="800100">
+            <a:lnSpc>
+              <a:spcPct val="90000"/>
+            </a:lnSpc>
+            <a:spcBef>
+              <a:spcPct val="0"/>
+            </a:spcBef>
+            <a:spcAft>
+              <a:spcPct val="35000"/>
+            </a:spcAft>
+            <a:buNone/>
+          </a:pPr>
+          <a:r>
+            <a:rPr lang="fr-BE" sz="1800" kern="1200"/>
+            <a:t>Adresse physique</a:t>
+          </a:r>
+          <a:endParaRPr lang="en-US" sz="1800" kern="1200"/>
+        </a:p>
+      </dsp:txBody>
+      <dsp:txXfrm>
+        <a:off x="5380002" y="2297871"/>
+        <a:ext cx="2444055" cy="1466433"/>
+      </dsp:txXfrm>
+    </dsp:sp>
+    <dsp:sp modelId="{4A3FF34D-53E8-4EDD-92D7-AF2969E67621}">
+      <dsp:nvSpPr>
+        <dsp:cNvPr id="0" name=""/>
+        <dsp:cNvSpPr/>
+      </dsp:nvSpPr>
+      <dsp:spPr>
+        <a:xfrm>
+          <a:off x="8068463" y="2297871"/>
+          <a:ext cx="2444055" cy="1466433"/>
+        </a:xfrm>
+        <a:prstGeom prst="rect">
+          <a:avLst/>
+        </a:prstGeom>
+        <a:solidFill>
+          <a:schemeClr val="accent2">
+            <a:hueOff val="-1455363"/>
+            <a:satOff val="-83928"/>
+            <a:lumOff val="8628"/>
+            <a:alphaOff val="0"/>
+          </a:schemeClr>
+        </a:solidFill>
+        <a:ln w="12700" cap="flat" cmpd="sng" algn="ctr">
+          <a:solidFill>
+            <a:schemeClr val="lt1">
+              <a:hueOff val="0"/>
+              <a:satOff val="0"/>
+              <a:lumOff val="0"/>
+              <a:alphaOff val="0"/>
+            </a:schemeClr>
+          </a:solidFill>
+          <a:prstDash val="solid"/>
+          <a:miter lim="800000"/>
+        </a:ln>
+        <a:effectLst/>
+      </dsp:spPr>
+      <dsp:style>
+        <a:lnRef idx="2">
+          <a:scrgbClr r="0" g="0" b="0"/>
+        </a:lnRef>
+        <a:fillRef idx="1">
+          <a:scrgbClr r="0" g="0" b="0"/>
+        </a:fillRef>
+        <a:effectRef idx="0">
+          <a:scrgbClr r="0" g="0" b="0"/>
+        </a:effectRef>
+        <a:fontRef idx="minor">
+          <a:schemeClr val="lt1"/>
+        </a:fontRef>
+      </dsp:style>
+      <dsp:txBody>
+        <a:bodyPr spcFirstLastPara="0" vert="horz" wrap="square" lIns="68580" tIns="68580" rIns="68580" bIns="68580" numCol="1" spcCol="1270" anchor="ctr" anchorCtr="0">
+          <a:noAutofit/>
+        </a:bodyPr>
+        <a:lstStyle/>
+        <a:p>
+          <a:pPr marL="0" lvl="0" indent="0" algn="ctr" defTabSz="800100">
+            <a:lnSpc>
+              <a:spcPct val="90000"/>
+            </a:lnSpc>
+            <a:spcBef>
+              <a:spcPct val="0"/>
+            </a:spcBef>
+            <a:spcAft>
+              <a:spcPct val="35000"/>
+            </a:spcAft>
+            <a:buNone/>
+          </a:pPr>
+          <a:r>
+            <a:rPr lang="fr-BE" sz="1800" kern="1200"/>
+            <a:t>NB_vaccins, tests, hosp, peuvent être &gt; population</a:t>
+          </a:r>
+          <a:endParaRPr lang="en-US" sz="1800" kern="1200"/>
+        </a:p>
+      </dsp:txBody>
+      <dsp:txXfrm>
+        <a:off x="8068463" y="2297871"/>
+        <a:ext cx="2444055" cy="1466433"/>
+      </dsp:txXfrm>
+    </dsp:sp>
+  </dsp:spTree>
+</dsp:drawing>
+</file>
+
+<file path=ppt/diagrams/layout1.xml><?xml version="1.0" encoding="utf-8"?>
+<dgm:layoutDef xmlns:dgm="http://schemas.openxmlformats.org/drawingml/2006/diagram" xmlns:a="http://schemas.openxmlformats.org/drawingml/2006/main" uniqueId="urn:microsoft.com/office/officeart/2005/8/layout/default">
+  <dgm:title val=""/>
+  <dgm:desc val=""/>
+  <dgm:catLst>
+    <dgm:cat type="list" pri="400"/>
+  </dgm:catLst>
+  <dgm:sampData>
+    <dgm:dataModel>
+      <dgm:ptLst>
+        <dgm:pt modelId="0" type="doc"/>
+        <dgm:pt modelId="1">
+          <dgm:prSet phldr="1"/>
+        </dgm:pt>
+        <dgm:pt modelId="2">
+          <dgm:prSet phldr="1"/>
+        </dgm:pt>
+        <dgm:pt modelId="3">
+          <dgm:prSet phldr="1"/>
+        </dgm:pt>
+        <dgm:pt modelId="4">
+          <dgm:prSet phldr="1"/>
+        </dgm:pt>
+        <dgm:pt modelId="5">
+          <dgm:prSet phldr="1"/>
+        </dgm:pt>
+      </dgm:ptLst>
+      <dgm:cxnLst>
+        <dgm:cxn modelId="6" srcId="0" destId="1" srcOrd="0" destOrd="0"/>
+        <dgm:cxn modelId="7" srcId="0" destId="2" srcOrd="1" destOrd="0"/>
+        <dgm:cxn modelId="8" srcId="0" destId="3" srcOrd="2" destOrd="0"/>
+        <dgm:cxn modelId="9" srcId="0" destId="4" srcOrd="3" destOrd="0"/>
+        <dgm:cxn modelId="10" srcId="0" destId="5" srcOrd="4" destOrd="0"/>
+      </dgm:cxnLst>
+      <dgm:bg/>
+      <dgm:whole/>
+    </dgm:dataModel>
+  </dgm:sampData>
+  <dgm:styleData>
+    <dgm:dataModel>
+      <dgm:ptLst>
+        <dgm:pt modelId="0" type="doc"/>
+        <dgm:pt modelId="1"/>
+        <dgm:pt modelId="2"/>
+      </dgm:ptLst>
+      <dgm:cxnLst>
+        <dgm:cxn modelId="3" srcId="0" destId="1" srcOrd="0" destOrd="0"/>
+        <dgm:cxn modelId="4" srcId="0" destId="2" srcOrd="1" destOrd="0"/>
+      </dgm:cxnLst>
+      <dgm:bg/>
+      <dgm:whole/>
+    </dgm:dataModel>
+  </dgm:styleData>
+  <dgm:clrData>
+    <dgm:dataModel>
+      <dgm:ptLst>
+        <dgm:pt modelId="0" type="doc"/>
+        <dgm:pt modelId="1"/>
+        <dgm:pt modelId="2"/>
+        <dgm:pt modelId="3"/>
+        <dgm:pt modelId="4"/>
+        <dgm:pt modelId="5"/>
+        <dgm:pt modelId="6"/>
+      </dgm:ptLst>
+      <dgm:cxnLst>
+        <dgm:cxn modelId="7" srcId="0" destId="1" srcOrd="0" destOrd="0"/>
+        <dgm:cxn modelId="8" srcId="0" destId="2" srcOrd="1" destOrd="0"/>
+        <dgm:cxn modelId="9" srcId="0" destId="3" srcOrd="2" destOrd="0"/>
+        <dgm:cxn modelId="10" srcId="0" destId="4" srcOrd="3" destOrd="0"/>
+        <dgm:cxn modelId="11" srcId="0" destId="5" srcOrd="4" destOrd="0"/>
+        <dgm:cxn modelId="12" srcId="0" destId="6" srcOrd="5" destOrd="0"/>
+      </dgm:cxnLst>
+      <dgm:bg/>
+      <dgm:whole/>
+    </dgm:dataModel>
+  </dgm:clrData>
+  <dgm:layoutNode name="diagram">
+    <dgm:varLst>
+      <dgm:dir/>
+      <dgm:resizeHandles val="exact"/>
+    </dgm:varLst>
+    <dgm:choose name="Name0">
+      <dgm:if name="Name1" func="var" arg="dir" op="equ" val="norm">
+        <dgm:alg type="snake">
+          <dgm:param type="grDir" val="tL"/>
+          <dgm:param type="flowDir" val="row"/>
+          <dgm:param type="contDir" val="sameDir"/>
+          <dgm:param type="off" val="ctr"/>
+        </dgm:alg>
+      </dgm:if>
+      <dgm:else name="Name2">
+        <dgm:alg type="snake">
+          <dgm:param type="grDir" val="tR"/>
+          <dgm:param type="flowDir" val="row"/>
+          <dgm:param type="contDir" val="sameDir"/>
+          <dgm:param type="off" val="ctr"/>
+        </dgm:alg>
+      </dgm:else>
+    </dgm:choose>
+    <dgm:shape xmlns:r="http://schemas.openxmlformats.org/officeDocument/2006/relationships" r:blip="">
+      <dgm:adjLst/>
+    </dgm:shape>
+    <dgm:presOf/>
+    <dgm:constrLst>
+      <dgm:constr type="w" for="ch" forName="node" refType="w"/>
+      <dgm:constr type="h" for="ch" forName="node" refType="w" refFor="ch" refForName="node" fact="0.6"/>
+      <dgm:constr type="w" for="ch" forName="sibTrans" refType="w" refFor="ch" refForName="node" fact="0.1"/>
+      <dgm:constr type="sp" refType="w" refFor="ch" refForName="sibTrans"/>
+      <dgm:constr type="primFontSz" for="ch" forName="node" op="equ" val="65"/>
+    </dgm:constrLst>
+    <dgm:ruleLst/>
+    <dgm:forEach name="Name3" axis="ch" ptType="node">
+      <dgm:layoutNode name="node">
+        <dgm:varLst>
+          <dgm:bulletEnabled val="1"/>
+        </dgm:varLst>
+        <dgm:alg type="tx"/>
+        <dgm:shape xmlns:r="http://schemas.openxmlformats.org/officeDocument/2006/relationships" type="rect" r:blip="">
+          <dgm:adjLst/>
+        </dgm:shape>
+        <dgm:presOf axis="desOrSelf" ptType="node"/>
+        <dgm:constrLst>
+          <dgm:constr type="lMarg" refType="primFontSz" fact="0.3"/>
+          <dgm:constr type="rMarg" refType="primFontSz" fact="0.3"/>
+          <dgm:constr type="tMarg" refType="primFontSz" fact="0.3"/>
+          <dgm:constr type="bMarg" refType="primFontSz" fact="0.3"/>
+        </dgm:constrLst>
+        <dgm:ruleLst>
+          <dgm:rule type="primFontSz" val="5" fact="NaN" max="NaN"/>
+        </dgm:ruleLst>
+      </dgm:layoutNode>
+      <dgm:forEach name="Name4" axis="followSib" ptType="sibTrans" cnt="1">
+        <dgm:layoutNode name="sibTrans">
+          <dgm:alg type="sp"/>
+          <dgm:shape xmlns:r="http://schemas.openxmlformats.org/officeDocument/2006/relationships" r:blip="">
+            <dgm:adjLst/>
+          </dgm:shape>
+          <dgm:presOf/>
+          <dgm:constrLst/>
+          <dgm:ruleLst/>
+        </dgm:layoutNode>
+      </dgm:forEach>
+    </dgm:forEach>
+  </dgm:layoutNode>
+</dgm:layoutDef>
+</file>
+
+<file path=ppt/diagrams/quickStyle1.xml><?xml version="1.0" encoding="utf-8"?>
+<dgm:styleDef xmlns:dgm="http://schemas.openxmlformats.org/drawingml/2006/diagram" xmlns:a="http://schemas.openxmlformats.org/drawingml/2006/main" uniqueId="urn:microsoft.com/office/officeart/2005/8/quickstyle/simple1">
+  <dgm:title val=""/>
+  <dgm:desc val=""/>
+  <dgm:catLst>
+    <dgm:cat type="simple" pri="10100"/>
+  </dgm:catLst>
+  <dgm:scene3d>
+    <a:camera prst="orthographicFront"/>
+    <a:lightRig rig="threePt" dir="t"/>
+  </dgm:scene3d>
+  <dgm:styleLbl name="node0">
+    <dgm:scene3d>
+      <a:camera prst="orthographicFront"/>
+      <a:lightRig rig="threePt" dir="t"/>
+    </dgm:scene3d>
+    <dgm:sp3d/>
+    <dgm:txPr/>
+    <dgm:style>
+      <a:lnRef idx="2">
+        <a:scrgbClr r="0" g="0" b="0"/>
+      </a:lnRef>
+      <a:fillRef idx="1">
+        <a:scrgbClr r="0" g="0" b="0"/>
+      </a:fillRef>
+      <a:effectRef idx="0">
+        <a:scrgbClr r="0" g="0" b="0"/>
+      </a:effectRef>
+      <a:fontRef idx="minor">
+        <a:schemeClr val="lt1"/>
+      </a:fontRef>
+    </dgm:style>
+  </dgm:styleLbl>
+  <dgm:styleLbl name="lnNode1">
+    <dgm:scene3d>
+      <a:camera prst="orthographicFront"/>
+      <a:lightRig rig="threePt" dir="t"/>
+    </dgm:scene3d>
+    <dgm:sp3d/>
+    <dgm:txPr/>
+    <dgm:style>
+      <a:lnRef idx="2">
+        <a:scrgbClr r="0" g="0" b="0"/>
+      </a:lnRef>
+      <a:fillRef idx="1">
+        <a:scrgbClr r="0" g="0" b="0"/>
+      </a:fillRef>
+      <a:effectRef idx="0">
+        <a:scrgbClr r="0" g="0" b="0"/>
+      </a:effectRef>
+      <a:fontRef idx="minor">
+        <a:schemeClr val="lt1"/>
+      </a:fontRef>
+    </dgm:style>
+  </dgm:styleLbl>
+  <dgm:styleLbl name="vennNode1">
+    <dgm:scene3d>
+      <a:camera prst="orthographicFront"/>
+      <a:lightRig rig="threePt" dir="t"/>
+    </dgm:scene3d>
+    <dgm:sp3d/>
+    <dgm:txPr/>
+    <dgm:style>
+      <a:lnRef idx="2">
+        <a:scrgbClr r="0" g="0" b="0"/>
+      </a:lnRef>
+      <a:fillRef idx="1">
+        <a:scrgbClr r="0" g="0" b="0"/>
+      </a:fillRef>
+      <a:effectRef idx="0">
+        <a:scrgbClr r="0" g="0" b="0"/>
+      </a:effectRef>
+      <a:fontRef idx="minor">
+        <a:schemeClr val="tx1"/>
+      </a:fontRef>
+    </dgm:style>
+  </dgm:styleLbl>
+  <dgm:styleLbl name="alignNode1">
+    <dgm:scene3d>
+      <a:camera prst="orthographicFront"/>
+      <a:lightRig rig="threePt" dir="t"/>
+    </dgm:scene3d>
+    <dgm:sp3d/>
+    <dgm:txPr/>
+    <dgm:style>
+      <a:lnRef idx="2">
+        <a:scrgbClr r="0" g="0" b="0"/>
+      </a:lnRef>
+      <a:fillRef idx="1">
+        <a:scrgbClr r="0" g="0" b="0"/>
+      </a:fillRef>
+      <a:effectRef idx="0">
+        <a:scrgbClr r="0" g="0" b="0"/>
+      </a:effectRef>
+      <a:fontRef idx="minor">
+        <a:schemeClr val="lt1"/>
+      </a:fontRef>
+    </dgm:style>
+  </dgm:styleLbl>
+  <dgm:styleLbl name="node1">
+    <dgm:scene3d>
+      <a:camera prst="orthographicFront"/>
+      <a:lightRig rig="threePt" dir="t"/>
+    </dgm:scene3d>
+    <dgm:sp3d/>
+    <dgm:txPr/>
+    <dgm:style>
+      <a:lnRef idx="2">
+        <a:scrgbClr r="0" g="0" b="0"/>
+      </a:lnRef>
+      <a:fillRef idx="1">
+        <a:scrgbClr r="0" g="0" b="0"/>
+      </a:fillRef>
+      <a:effectRef idx="0">
+        <a:scrgbClr r="0" g="0" b="0"/>
+      </a:effectRef>
+      <a:fontRef idx="minor">
+        <a:schemeClr val="lt1"/>
+      </a:fontRef>
+    </dgm:style>
+  </dgm:styleLbl>
+  <dgm:styleLbl name="node2">
+    <dgm:scene3d>
+      <a:camera prst="orthographicFront"/>
+      <a:lightRig rig="threePt" dir="t"/>
+    </dgm:scene3d>
+    <dgm:sp3d/>
+    <dgm:txPr/>
+    <dgm:style>
+      <a:lnRef idx="2">
+        <a:scrgbClr r="0" g="0" b="0"/>
+      </a:lnRef>
+      <a:fillRef idx="1">
+        <a:scrgbClr r="0" g="0" b="0"/>
+      </a:fillRef>
+      <a:effectRef idx="0">
+        <a:scrgbClr r="0" g="0" b="0"/>
+      </a:effectRef>
+      <a:fontRef idx="minor">
+        <a:schemeClr val="lt1"/>
+      </a:fontRef>
+    </dgm:style>
+  </dgm:styleLbl>
+  <dgm:styleLbl name="node3">
+    <dgm:scene3d>
+      <a:camera prst="orthographicFront"/>
+      <a:lightRig rig="threePt" dir="t"/>
+    </dgm:scene3d>
+    <dgm:sp3d/>
+    <dgm:txPr/>
+    <dgm:style>
+      <a:lnRef idx="2">
+        <a:scrgbClr r="0" g="0" b="0"/>
+      </a:lnRef>
+      <a:fillRef idx="1">
+        <a:scrgbClr r="0" g="0" b="0"/>
+      </a:fillRef>
+      <a:effectRef idx="0">
+        <a:scrgbClr r="0" g="0" b="0"/>
+      </a:effectRef>
+      <a:fontRef idx="minor">
+        <a:schemeClr val="lt1"/>
+      </a:fontRef>
+    </dgm:style>
+  </dgm:styleLbl>
+  <dgm:styleLbl name="node4">
+    <dgm:scene3d>
+      <a:camera prst="orthographicFront"/>
+      <a:lightRig rig="threePt" dir="t"/>
+    </dgm:scene3d>
+    <dgm:sp3d/>
+    <dgm:txPr/>
+    <dgm:style>
+      <a:lnRef idx="2">
+        <a:scrgbClr r="0" g="0" b="0"/>
+      </a:lnRef>
+      <a:fillRef idx="1">
+        <a:scrgbClr r="0" g="0" b="0"/>
+      </a:fillRef>
+      <a:effectRef idx="0">
+        <a:scrgbClr r="0" g="0" b="0"/>
+      </a:effectRef>
+      <a:fontRef idx="minor">
+        <a:schemeClr val="lt1"/>
+      </a:fontRef>
+    </dgm:style>
+  </dgm:styleLbl>
+  <dgm:styleLbl name="fgImgPlace1">
+    <dgm:scene3d>
+      <a:camera prst="orthographicFront"/>
+      <a:lightRig rig="threePt" dir="t"/>
+    </dgm:scene3d>
+    <dgm:sp3d/>
+    <dgm:txPr/>
+    <dgm:style>
+      <a:lnRef idx="2">
+        <a:scrgbClr r="0" g="0" b="0"/>
+      </a:lnRef>
+      <a:fillRef idx="1">
+        <a:scrgbClr r="0" g="0" b="0"/>
+      </a:fillRef>
+      <a:effectRef idx="0">
+        <a:scrgbClr r="0" g="0" b="0"/>
+      </a:effectRef>
+      <a:fontRef idx="minor"/>
+    </dgm:style>
+  </dgm:styleLbl>
+  <dgm:styleLbl name="alignImgPlace1">
+    <dgm:scene3d>
+      <a:camera prst="orthographicFront"/>
+      <a:lightRig rig="threePt" dir="t"/>
+    </dgm:scene3d>
+    <dgm:sp3d/>
+    <dgm:txPr/>
+    <dgm:style>
+      <a:lnRef idx="2">
+        <a:scrgbClr r="0" g="0" b="0"/>
+      </a:lnRef>
+      <a:fillRef idx="1">
+        <a:scrgbClr r="0" g="0" b="0"/>
+      </a:fillRef>
+      <a:effectRef idx="0">
+        <a:scrgbClr r="0" g="0" b="0"/>
+      </a:effectRef>
+      <a:fontRef idx="minor"/>
+    </dgm:style>
+  </dgm:styleLbl>
+  <dgm:styleLbl name="bgImgPlace1">
+    <dgm:scene3d>
+      <a:camera prst="orthographicFront"/>
+      <a:lightRig rig="threePt" dir="t"/>
+    </dgm:scene3d>
+    <dgm:sp3d/>
+    <dgm:txPr/>
+    <dgm:style>
+      <a:lnRef idx="2">
+        <a:scrgbClr r="0" g="0" b="0"/>
+      </a:lnRef>
+      <a:fillRef idx="1">
+        <a:scrgbClr r="0" g="0" b="0"/>
+      </a:fillRef>
+      <a:effectRef idx="0">
+        <a:scrgbClr r="0" g="0" b="0"/>
+      </a:effectRef>
+      <a:fontRef idx="minor"/>
+    </dgm:style>
+  </dgm:styleLbl>
+  <dgm:styleLbl name="sibTrans2D1">
+    <dgm:scene3d>
+      <a:camera prst="orthographicFront"/>
+      <a:lightRig rig="threePt" dir="t"/>
+    </dgm:scene3d>
+    <dgm:sp3d/>
+    <dgm:txPr/>
+    <dgm:style>
+      <a:lnRef idx="0">
+        <a:scrgbClr r="0" g="0" b="0"/>
+      </a:lnRef>
+      <a:fillRef idx="1">
+        <a:scrgbClr r="0" g="0" b="0"/>
+      </a:fillRef>
+      <a:effectRef idx="0">
+        <a:scrgbClr r="0" g="0" b="0"/>
+      </a:effectRef>
+      <a:fontRef idx="minor">
+        <a:schemeClr val="lt1"/>
+      </a:fontRef>
+    </dgm:style>
+  </dgm:styleLbl>
+  <dgm:styleLbl name="fgSibTrans2D1">
+    <dgm:scene3d>
+      <a:camera prst="orthographicFront"/>
+      <a:lightRig rig="threePt" dir="t"/>
+    </dgm:scene3d>
+    <dgm:sp3d/>
+    <dgm:txPr/>
+    <dgm:style>
+      <a:lnRef idx="0">
+        <a:scrgbClr r="0" g="0" b="0"/>
+      </a:lnRef>
+      <a:fillRef idx="1">
+        <a:scrgbClr r="0" g="0" b="0"/>
+      </a:fillRef>
+      <a:effectRef idx="0">
+        <a:scrgbClr r="0" g="0" b="0"/>
+      </a:effectRef>
+      <a:fontRef idx="minor">
+        <a:schemeClr val="lt1"/>
+      </a:fontRef>
+    </dgm:style>
+  </dgm:styleLbl>
+  <dgm:styleLbl name="bgSibTrans2D1">
+    <dgm:scene3d>
+      <a:camera prst="orthographicFront"/>
+      <a:lightRig rig="threePt" dir="t"/>
+    </dgm:scene3d>
+    <dgm:sp3d/>
+    <dgm:txPr/>
+    <dgm:style>
+      <a:lnRef idx="0">
+        <a:scrgbClr r="0" g="0" b="0"/>
+      </a:lnRef>
+      <a:fillRef idx="1">
+        <a:scrgbClr r="0" g="0" b="0"/>
+      </a:fillRef>
+      <a:effectRef idx="0">
+        <a:scrgbClr r="0" g="0" b="0"/>
+      </a:effectRef>
+      <a:fontRef idx="minor">
+        <a:schemeClr val="lt1"/>
+      </a:fontRef>
+    </dgm:style>
+  </dgm:styleLbl>
+  <dgm:styleLbl name="sibTrans1D1">
+    <dgm:scene3d>
+      <a:camera prst="orthographicFront"/>
+      <a:lightRig rig="threePt" dir="t"/>
+    </dgm:scene3d>
+    <dgm:sp3d/>
+    <dgm:txPr/>
+    <dgm:style>
+      <a:lnRef idx="1">
+        <a:scrgbClr r="0" g="0" b="0"/>
+      </a:lnRef>
+      <a:fillRef idx="0">
+        <a:scrgbClr r="0" g="0" b="0"/>
+      </a:fillRef>
+      <a:effectRef idx="0">
+        <a:scrgbClr r="0" g="0" b="0"/>
+      </a:effectRef>
+      <a:fontRef idx="minor"/>
+    </dgm:style>
+  </dgm:styleLbl>
+  <dgm:styleLbl name="callout">
+    <dgm:scene3d>
+      <a:camera prst="orthographicFront"/>
+      <a:lightRig rig="threePt" dir="t"/>
+    </dgm:scene3d>
+    <dgm:sp3d/>
+    <dgm:txPr/>
+    <dgm:style>
+      <a:lnRef idx="2">
+        <a:scrgbClr r="0" g="0" b="0"/>
+      </a:lnRef>
+      <a:fillRef idx="1">
+        <a:scrgbClr r="0" g="0" b="0"/>
+      </a:fillRef>
+      <a:effectRef idx="0">
+        <a:scrgbClr r="0" g="0" b="0"/>
+      </a:effectRef>
+      <a:fontRef idx="minor"/>
+    </dgm:style>
+  </dgm:styleLbl>
+  <dgm:styleLbl name="asst0">
+    <dgm:scene3d>
+      <a:camera prst="orthographicFront"/>
+      <a:lightRig rig="threePt" dir="t"/>
+    </dgm:scene3d>
+    <dgm:sp3d/>
+    <dgm:txPr/>
+    <dgm:style>
+      <a:lnRef idx="2">
+        <a:scrgbClr r="0" g="0" b="0"/>
+      </a:lnRef>
+      <a:fillRef idx="1">
+        <a:scrgbClr r="0" g="0" b="0"/>
+      </a:fillRef>
+      <a:effectRef idx="0">
+        <a:scrgbClr r="0" g="0" b="0"/>
+      </a:effectRef>
+      <a:fontRef idx="minor">
+        <a:schemeClr val="lt1"/>
+      </a:fontRef>
+    </dgm:style>
+  </dgm:styleLbl>
+  <dgm:styleLbl name="asst1">
+    <dgm:scene3d>
+      <a:camera prst="orthographicFront"/>
+      <a:lightRig rig="threePt" dir="t"/>
+    </dgm:scene3d>
+    <dgm:sp3d/>
+    <dgm:txPr/>
+    <dgm:style>
+      <a:lnRef idx="2">
+        <a:scrgbClr r="0" g="0" b="0"/>
+      </a:lnRef>
+      <a:fillRef idx="1">
+        <a:scrgbClr r="0" g="0" b="0"/>
+      </a:fillRef>
+      <a:effectRef idx="0">
+        <a:scrgbClr r="0" g="0" b="0"/>
+      </a:effectRef>
+      <a:fontRef idx="minor">
+        <a:schemeClr val="lt1"/>
+      </a:fontRef>
+    </dgm:style>
+  </dgm:styleLbl>
+  <dgm:styleLbl name="asst2">
+    <dgm:scene3d>
+      <a:camera prst="orthographicFront"/>
+      <a:lightRig rig="threePt" dir="t"/>
+    </dgm:scene3d>
+    <dgm:sp3d/>
+    <dgm:txPr/>
+    <dgm:style>
+      <a:lnRef idx="2">
+        <a:scrgbClr r="0" g="0" b="0"/>
+      </a:lnRef>
+      <a:fillRef idx="1">
+        <a:scrgbClr r="0" g="0" b="0"/>
+      </a:fillRef>
+      <a:effectRef idx="0">
+        <a:scrgbClr r="0" g="0" b="0"/>
+      </a:effectRef>
+      <a:fontRef idx="minor">
+        <a:schemeClr val="lt1"/>
+      </a:fontRef>
+    </dgm:style>
+  </dgm:styleLbl>
+  <dgm:styleLbl name="asst3">
+    <dgm:scene3d>
+      <a:camera prst="orthographicFront"/>
+      <a:lightRig rig="threePt" dir="t"/>
+    </dgm:scene3d>
+    <dgm:sp3d/>
+    <dgm:txPr/>
+    <dgm:style>
+      <a:lnRef idx="2">
+        <a:scrgbClr r="0" g="0" b="0"/>
+      </a:lnRef>
+      <a:fillRef idx="1">
+        <a:scrgbClr r="0" g="0" b="0"/>
+      </a:fillRef>
+      <a:effectRef idx="0">
+        <a:scrgbClr r="0" g="0" b="0"/>
+      </a:effectRef>
+      <a:fontRef idx="minor">
+        <a:schemeClr val="lt1"/>
+      </a:fontRef>
+    </dgm:style>
+  </dgm:styleLbl>
+  <dgm:styleLbl name="asst4">
+    <dgm:scene3d>
+      <a:camera prst="orthographicFront"/>
+      <a:lightRig rig="threePt" dir="t"/>
+    </dgm:scene3d>
+    <dgm:sp3d/>
+    <dgm:txPr/>
+    <dgm:style>
+      <a:lnRef idx="2">
+        <a:scrgbClr r="0" g="0" b="0"/>
+      </a:lnRef>
+      <a:fillRef idx="1">
+        <a:scrgbClr r="0" g="0" b="0"/>
+      </a:fillRef>
+      <a:effectRef idx="0">
+        <a:scrgbClr r="0" g="0" b="0"/>
+      </a:effectRef>
+      <a:fontRef idx="minor">
+        <a:schemeClr val="lt1"/>
+      </a:fontRef>
+    </dgm:style>
+  </dgm:styleLbl>
+  <dgm:styleLbl name="parChTrans2D1">
+    <dgm:scene3d>
+      <a:camera prst="orthographicFront"/>
+      <a:lightRig rig="threePt" dir="t"/>
+    </dgm:scene3d>
+    <dgm:sp3d/>
+    <dgm:txPr/>
+    <dgm:style>
+      <a:lnRef idx="2">
+        <a:scrgbClr r="0" g="0" b="0"/>
+      </a:lnRef>
+      <a:fillRef idx="1">
+        <a:scrgbClr r="0" g="0" b="0"/>
+      </a:fillRef>
+      <a:effectRef idx="0">
+        <a:scrgbClr r="0" g="0" b="0"/>
+      </a:effectRef>
+      <a:fontRef idx="minor">
+        <a:schemeClr val="lt1"/>
+      </a:fontRef>
+    </dgm:style>
+  </dgm:styleLbl>
+  <dgm:styleLbl name="parChTrans2D2">
+    <dgm:scene3d>
+      <a:camera prst="orthographicFront"/>
+      <a:lightRig rig="threePt" dir="t"/>
+    </dgm:scene3d>
+    <dgm:sp3d/>
+    <dgm:txPr/>
+    <dgm:style>
+      <a:lnRef idx="2">
+        <a:scrgbClr r="0" g="0" b="0"/>
+      </a:lnRef>
+      <a:fillRef idx="1">
+        <a:scrgbClr r="0" g="0" b="0"/>
+      </a:fillRef>
+      <a:effectRef idx="0">
+        <a:scrgbClr r="0" g="0" b="0"/>
+      </a:effectRef>
+      <a:fontRef idx="minor">
+        <a:schemeClr val="lt1"/>
+      </a:fontRef>
+    </dgm:style>
+  </dgm:styleLbl>
+  <dgm:styleLbl name="parChTrans2D3">
+    <dgm:scene3d>
+      <a:camera prst="orthographicFront"/>
+      <a:lightRig rig="threePt" dir="t"/>
+    </dgm:scene3d>
+    <dgm:sp3d/>
+    <dgm:txPr/>
+    <dgm:style>
+      <a:lnRef idx="2">
+        <a:scrgbClr r="0" g="0" b="0"/>
+      </a:lnRef>
+      <a:fillRef idx="1">
+        <a:scrgbClr r="0" g="0" b="0"/>
+      </a:fillRef>
+      <a:effectRef idx="0">
+        <a:scrgbClr r="0" g="0" b="0"/>
+      </a:effectRef>
+      <a:fontRef idx="minor">
+        <a:schemeClr val="lt1"/>
+      </a:fontRef>
+    </dgm:style>
+  </dgm:styleLbl>
+  <dgm:styleLbl name="parChTrans2D4">
+    <dgm:scene3d>
+      <a:camera prst="orthographicFront"/>
+      <a:lightRig rig="threePt" dir="t"/>
+    </dgm:scene3d>
+    <dgm:sp3d/>
+    <dgm:txPr/>
+    <dgm:style>
+      <a:lnRef idx="2">
+        <a:scrgbClr r="0" g="0" b="0"/>
+      </a:lnRef>
+      <a:fillRef idx="1">
+        <a:scrgbClr r="0" g="0" b="0"/>
+      </a:fillRef>
+      <a:effectRef idx="0">
+        <a:scrgbClr r="0" g="0" b="0"/>
+      </a:effectRef>
+      <a:fontRef idx="minor">
+        <a:schemeClr val="lt1"/>
+      </a:fontRef>
+    </dgm:style>
+  </dgm:styleLbl>
+  <dgm:styleLbl name="parChTrans1D1">
+    <dgm:scene3d>
+      <a:camera prst="orthographicFront"/>
+      <a:lightRig rig="threePt" dir="t"/>
+    </dgm:scene3d>
+    <dgm:sp3d/>
+    <dgm:txPr/>
+    <dgm:style>
+      <a:lnRef idx="2">
+        <a:scrgbClr r="0" g="0" b="0"/>
+      </a:lnRef>
+      <a:fillRef idx="0">
+        <a:scrgbClr r="0" g="0" b="0"/>
+      </a:fillRef>
+      <a:effectRef idx="0">
+        <a:scrgbClr r="0" g="0" b="0"/>
+      </a:effectRef>
+      <a:fontRef idx="minor"/>
+    </dgm:style>
+  </dgm:styleLbl>
+  <dgm:styleLbl name="parChTrans1D2">
+    <dgm:scene3d>
+      <a:camera prst="orthographicFront"/>
+      <a:lightRig rig="threePt" dir="t"/>
+    </dgm:scene3d>
+    <dgm:sp3d/>
+    <dgm:txPr/>
+    <dgm:style>
+      <a:lnRef idx="2">
+        <a:scrgbClr r="0" g="0" b="0"/>
+      </a:lnRef>
+      <a:fillRef idx="0">
+        <a:scrgbClr r="0" g="0" b="0"/>
+      </a:fillRef>
+      <a:effectRef idx="0">
+        <a:scrgbClr r="0" g="0" b="0"/>
+      </a:effectRef>
+      <a:fontRef idx="minor"/>
+    </dgm:style>
+  </dgm:styleLbl>
+  <dgm:styleLbl name="parChTrans1D3">
+    <dgm:scene3d>
+      <a:camera prst="orthographicFront"/>
+      <a:lightRig rig="threePt" dir="t"/>
+    </dgm:scene3d>
+    <dgm:sp3d/>
+    <dgm:txPr/>
+    <dgm:style>
+      <a:lnRef idx="2">
+        <a:scrgbClr r="0" g="0" b="0"/>
+      </a:lnRef>
+      <a:fillRef idx="0">
+        <a:scrgbClr r="0" g="0" b="0"/>
+      </a:fillRef>
+      <a:effectRef idx="0">
+        <a:scrgbClr r="0" g="0" b="0"/>
+      </a:effectRef>
+      <a:fontRef idx="minor"/>
+    </dgm:style>
+  </dgm:styleLbl>
+  <dgm:styleLbl name="parChTrans1D4">
+    <dgm:scene3d>
+      <a:camera prst="orthographicFront"/>
+      <a:lightRig rig="threePt" dir="t"/>
+    </dgm:scene3d>
+    <dgm:sp3d/>
+    <dgm:txPr/>
+    <dgm:style>
+      <a:lnRef idx="2">
+        <a:scrgbClr r="0" g="0" b="0"/>
+      </a:lnRef>
+      <a:fillRef idx="0">
+        <a:scrgbClr r="0" g="0" b="0"/>
+      </a:fillRef>
+      <a:effectRef idx="0">
+        <a:scrgbClr r="0" g="0" b="0"/>
+      </a:effectRef>
+      <a:fontRef idx="minor"/>
+    </dgm:style>
+  </dgm:styleLbl>
+  <dgm:styleLbl name="fgAcc1">
+    <dgm:scene3d>
+      <a:camera prst="orthographicFront"/>
+      <a:lightRig rig="threePt" dir="t"/>
+    </dgm:scene3d>
+    <dgm:sp3d/>
+    <dgm:txPr/>
+    <dgm:style>
+      <a:lnRef idx="2">
+        <a:scrgbClr r="0" g="0" b="0"/>
+      </a:lnRef>
+      <a:fillRef idx="1">
+        <a:scrgbClr r="0" g="0" b="0"/>
+      </a:fillRef>
+      <a:effectRef idx="0">
+        <a:scrgbClr r="0" g="0" b="0"/>
+      </a:effectRef>
+      <a:fontRef idx="minor"/>
+    </dgm:style>
+  </dgm:styleLbl>
+  <dgm:styleLbl name="conFgAcc1">
+    <dgm:scene3d>
+      <a:camera prst="orthographicFront"/>
+      <a:lightRig rig="threePt" dir="t"/>
+    </dgm:scene3d>
+    <dgm:sp3d/>
+    <dgm:txPr/>
+    <dgm:style>
+      <a:lnRef idx="2">
+        <a:scrgbClr r="0" g="0" b="0"/>
+      </a:lnRef>
+      <a:fillRef idx="1">
+        <a:scrgbClr r="0" g="0" b="0"/>
+      </a:fillRef>
+      <a:effectRef idx="0">
+        <a:scrgbClr r="0" g="0" b="0"/>
+      </a:effectRef>
+      <a:fontRef idx="minor"/>
+    </dgm:style>
+  </dgm:styleLbl>
+  <dgm:styleLbl name="alignAcc1">
+    <dgm:scene3d>
+      <a:camera prst="orthographicFront"/>
+      <a:lightRig rig="threePt" dir="t"/>
+    </dgm:scene3d>
+    <dgm:sp3d/>
+    <dgm:txPr/>
+    <dgm:style>
+      <a:lnRef idx="2">
+        <a:scrgbClr r="0" g="0" b="0"/>
+      </a:lnRef>
+      <a:fillRef idx="1">
+        <a:scrgbClr r="0" g="0" b="0"/>
+      </a:fillRef>
+      <a:effectRef idx="0">
+        <a:scrgbClr r="0" g="0" b="0"/>
+      </a:effectRef>
+      <a:fontRef idx="minor"/>
+    </dgm:style>
+  </dgm:styleLbl>
+  <dgm:styleLbl name="trAlignAcc1">
+    <dgm:scene3d>
+      <a:camera prst="orthographicFront"/>
+      <a:lightRig rig="threePt" dir="t"/>
+    </dgm:scene3d>
+    <dgm:sp3d/>
+    <dgm:txPr/>
+    <dgm:style>
+      <a:lnRef idx="1">
+        <a:scrgbClr r="0" g="0" b="0"/>
+      </a:lnRef>
+      <a:fillRef idx="1">
+        <a:scrgbClr r="0" g="0" b="0"/>
+      </a:fillRef>
+      <a:effectRef idx="0">
+        <a:scrgbClr r="0" g="0" b="0"/>
+      </a:effectRef>
+      <a:fontRef idx="minor"/>
+    </dgm:style>
+  </dgm:styleLbl>
+  <dgm:styleLbl name="bgAcc1">
+    <dgm:scene3d>
+      <a:camera prst="orthographicFront"/>
+      <a:lightRig rig="threePt" dir="t"/>
+    </dgm:scene3d>
+    <dgm:sp3d/>
+    <dgm:txPr/>
+    <dgm:style>
+      <a:lnRef idx="2">
+        <a:scrgbClr r="0" g="0" b="0"/>
+      </a:lnRef>
+      <a:fillRef idx="1">
+        <a:scrgbClr r="0" g="0" b="0"/>
+      </a:fillRef>
+      <a:effectRef idx="0">
+        <a:scrgbClr r="0" g="0" b="0"/>
+      </a:effectRef>
+      <a:fontRef idx="minor"/>
+    </dgm:style>
+  </dgm:styleLbl>
+  <dgm:styleLbl name="solidFgAcc1">
+    <dgm:scene3d>
+      <a:camera prst="orthographicFront"/>
+      <a:lightRig rig="threePt" dir="t"/>
+    </dgm:scene3d>
+    <dgm:sp3d/>
+    <dgm:txPr/>
+    <dgm:style>
+      <a:lnRef idx="2">
+        <a:scrgbClr r="0" g="0" b="0"/>
+      </a:lnRef>
+      <a:fillRef idx="1">
+        <a:scrgbClr r="0" g="0" b="0"/>
+      </a:fillRef>
+      <a:effectRef idx="0">
+        <a:scrgbClr r="0" g="0" b="0"/>
+      </a:effectRef>
+      <a:fontRef idx="minor"/>
+    </dgm:style>
+  </dgm:styleLbl>
+  <dgm:styleLbl name="solidAlignAcc1">
+    <dgm:scene3d>
+      <a:camera prst="orthographicFront"/>
+      <a:lightRig rig="threePt" dir="t"/>
+    </dgm:scene3d>
+    <dgm:sp3d/>
+    <dgm:txPr/>
+    <dgm:style>
+      <a:lnRef idx="2">
+        <a:scrgbClr r="0" g="0" b="0"/>
+      </a:lnRef>
+      <a:fillRef idx="1">
+        <a:scrgbClr r="0" g="0" b="0"/>
+      </a:fillRef>
+      <a:effectRef idx="0">
+        <a:scrgbClr r="0" g="0" b="0"/>
+      </a:effectRef>
+      <a:fontRef idx="minor"/>
+    </dgm:style>
+  </dgm:styleLbl>
+  <dgm:styleLbl name="solidBgAcc1">
+    <dgm:scene3d>
+      <a:camera prst="orthographicFront"/>
+      <a:lightRig rig="threePt" dir="t"/>
+    </dgm:scene3d>
+    <dgm:sp3d/>
+    <dgm:txPr/>
+    <dgm:style>
+      <a:lnRef idx="2">
+        <a:scrgbClr r="0" g="0" b="0"/>
+      </a:lnRef>
+      <a:fillRef idx="1">
+        <a:scrgbClr r="0" g="0" b="0"/>
+      </a:fillRef>
+      <a:effectRef idx="0">
+        <a:scrgbClr r="0" g="0" b="0"/>
+      </a:effectRef>
+      <a:fontRef idx="minor"/>
+    </dgm:style>
+  </dgm:styleLbl>
+  <dgm:styleLbl name="fgAccFollowNode1">
+    <dgm:scene3d>
+      <a:camera prst="orthographicFront"/>
+      <a:lightRig rig="threePt" dir="t"/>
+    </dgm:scene3d>
+    <dgm:sp3d/>
+    <dgm:txPr/>
+    <dgm:style>
+      <a:lnRef idx="2">
+        <a:scrgbClr r="0" g="0" b="0"/>
+      </a:lnRef>
+      <a:fillRef idx="1">
+        <a:scrgbClr r="0" g="0" b="0"/>
+      </a:fillRef>
+      <a:effectRef idx="0">
+        <a:scrgbClr r="0" g="0" b="0"/>
+      </a:effectRef>
+      <a:fontRef idx="minor"/>
+    </dgm:style>
+  </dgm:styleLbl>
+  <dgm:styleLbl name="alignAccFollowNode1">
+    <dgm:scene3d>
+      <a:camera prst="orthographicFront"/>
+      <a:lightRig rig="threePt" dir="t"/>
+    </dgm:scene3d>
+    <dgm:sp3d/>
+    <dgm:txPr/>
+    <dgm:style>
+      <a:lnRef idx="2">
+        <a:scrgbClr r="0" g="0" b="0"/>
+      </a:lnRef>
+      <a:fillRef idx="1">
+        <a:scrgbClr r="0" g="0" b="0"/>
+      </a:fillRef>
+      <a:effectRef idx="0">
+        <a:scrgbClr r="0" g="0" b="0"/>
+      </a:effectRef>
+      <a:fontRef idx="minor"/>
+    </dgm:style>
+  </dgm:styleLbl>
+  <dgm:styleLbl name="bgAccFollowNode1">
+    <dgm:scene3d>
+      <a:camera prst="orthographicFront"/>
+      <a:lightRig rig="threePt" dir="t"/>
+    </dgm:scene3d>
+    <dgm:sp3d/>
+    <dgm:txPr/>
+    <dgm:style>
+      <a:lnRef idx="2">
+        <a:scrgbClr r="0" g="0" b="0"/>
+      </a:lnRef>
+      <a:fillRef idx="1">
+        <a:scrgbClr r="0" g="0" b="0"/>
+      </a:fillRef>
+      <a:effectRef idx="0">
+        <a:scrgbClr r="0" g="0" b="0"/>
+      </a:effectRef>
+      <a:fontRef idx="minor"/>
+    </dgm:style>
+  </dgm:styleLbl>
+  <dgm:styleLbl name="fgAcc0">
+    <dgm:scene3d>
+      <a:camera prst="orthographicFront"/>
+      <a:lightRig rig="threePt" dir="t"/>
+    </dgm:scene3d>
+    <dgm:sp3d/>
+    <dgm:txPr/>
+    <dgm:style>
+      <a:lnRef idx="2">
+        <a:scrgbClr r="0" g="0" b="0"/>
+      </a:lnRef>
+      <a:fillRef idx="1">
+        <a:scrgbClr r="0" g="0" b="0"/>
+      </a:fillRef>
+      <a:effectRef idx="0">
+        <a:scrgbClr r="0" g="0" b="0"/>
+      </a:effectRef>
+      <a:fontRef idx="minor"/>
+    </dgm:style>
+  </dgm:styleLbl>
+  <dgm:styleLbl name="fgAcc2">
+    <dgm:scene3d>
+      <a:camera prst="orthographicFront"/>
+      <a:lightRig rig="threePt" dir="t"/>
+    </dgm:scene3d>
+    <dgm:sp3d/>
+    <dgm:txPr/>
+    <dgm:style>
+      <a:lnRef idx="2">
+        <a:scrgbClr r="0" g="0" b="0"/>
+      </a:lnRef>
+      <a:fillRef idx="1">
+        <a:scrgbClr r="0" g="0" b="0"/>
+      </a:fillRef>
+      <a:effectRef idx="0">
+        <a:scrgbClr r="0" g="0" b="0"/>
+      </a:effectRef>
+      <a:fontRef idx="minor"/>
+    </dgm:style>
+  </dgm:styleLbl>
+  <dgm:styleLbl name="fgAcc3">
+    <dgm:scene3d>
+      <a:camera prst="orthographicFront"/>
+      <a:lightRig rig="threePt" dir="t"/>
+    </dgm:scene3d>
+    <dgm:sp3d/>
+    <dgm:txPr/>
+    <dgm:style>
+      <a:lnRef idx="2">
+        <a:scrgbClr r="0" g="0" b="0"/>
+      </a:lnRef>
+      <a:fillRef idx="1">
+        <a:scrgbClr r="0" g="0" b="0"/>
+      </a:fillRef>
+      <a:effectRef idx="0">
+        <a:scrgbClr r="0" g="0" b="0"/>
+      </a:effectRef>
+      <a:fontRef idx="minor"/>
+    </dgm:style>
+  </dgm:styleLbl>
+  <dgm:styleLbl name="fgAcc4">
+    <dgm:scene3d>
+      <a:camera prst="orthographicFront"/>
+      <a:lightRig rig="threePt" dir="t"/>
+    </dgm:scene3d>
+    <dgm:sp3d/>
+    <dgm:txPr/>
+    <dgm:style>
+      <a:lnRef idx="2">
+        <a:scrgbClr r="0" g="0" b="0"/>
+      </a:lnRef>
+      <a:fillRef idx="1">
+        <a:scrgbClr r="0" g="0" b="0"/>
+      </a:fillRef>
+      <a:effectRef idx="0">
+        <a:scrgbClr r="0" g="0" b="0"/>
+      </a:effectRef>
+      <a:fontRef idx="minor"/>
+    </dgm:style>
+  </dgm:styleLbl>
+  <dgm:styleLbl name="bgShp">
+    <dgm:scene3d>
+      <a:camera prst="orthographicFront"/>
+      <a:lightRig rig="threePt" dir="t"/>
+    </dgm:scene3d>
+    <dgm:sp3d/>
+    <dgm:txPr/>
+    <dgm:style>
+      <a:lnRef idx="0">
+        <a:scrgbClr r="0" g="0" b="0"/>
+      </a:lnRef>
+      <a:fillRef idx="1">
+        <a:scrgbClr r="0" g="0" b="0"/>
+      </a:fillRef>
+      <a:effectRef idx="0">
+        <a:scrgbClr r="0" g="0" b="0"/>
+      </a:effectRef>
+      <a:fontRef idx="minor"/>
+    </dgm:style>
+  </dgm:styleLbl>
+  <dgm:styleLbl name="dkBgShp">
+    <dgm:scene3d>
+      <a:camera prst="orthographicFront"/>
+      <a:lightRig rig="threePt" dir="t"/>
+    </dgm:scene3d>
+    <dgm:sp3d/>
+    <dgm:txPr/>
+    <dgm:style>
+      <a:lnRef idx="0">
+        <a:scrgbClr r="0" g="0" b="0"/>
+      </a:lnRef>
+      <a:fillRef idx="1">
+        <a:scrgbClr r="0" g="0" b="0"/>
+      </a:fillRef>
+      <a:effectRef idx="0">
+        <a:scrgbClr r="0" g="0" b="0"/>
+      </a:effectRef>
+      <a:fontRef idx="minor"/>
+    </dgm:style>
+  </dgm:styleLbl>
+  <dgm:styleLbl name="trBgShp">
+    <dgm:scene3d>
+      <a:camera prst="orthographicFront"/>
+      <a:lightRig rig="threePt" dir="t"/>
+    </dgm:scene3d>
+    <dgm:sp3d/>
+    <dgm:txPr/>
+    <dgm:style>
+      <a:lnRef idx="0">
+        <a:scrgbClr r="0" g="0" b="0"/>
+      </a:lnRef>
+      <a:fillRef idx="1">
+        <a:scrgbClr r="0" g="0" b="0"/>
+      </a:fillRef>
+      <a:effectRef idx="0">
+        <a:scrgbClr r="0" g="0" b="0"/>
+      </a:effectRef>
+      <a:fontRef idx="minor"/>
+    </dgm:style>
+  </dgm:styleLbl>
+  <dgm:styleLbl name="fgShp">
+    <dgm:scene3d>
+      <a:camera prst="orthographicFront"/>
+      <a:lightRig rig="threePt" dir="t"/>
+    </dgm:scene3d>
+    <dgm:sp3d/>
+    <dgm:txPr/>
+    <dgm:style>
+      <a:lnRef idx="2">
+        <a:scrgbClr r="0" g="0" b="0"/>
+      </a:lnRef>
+      <a:fillRef idx="1">
+        <a:scrgbClr r="0" g="0" b="0"/>
+      </a:fillRef>
+      <a:effectRef idx="0">
+        <a:scrgbClr r="0" g="0" b="0"/>
+      </a:effectRef>
+      <a:fontRef idx="minor"/>
+    </dgm:style>
+  </dgm:styleLbl>
+  <dgm:styleLbl name="revTx">
+    <dgm:scene3d>
+      <a:camera prst="orthographicFront"/>
+      <a:lightRig rig="threePt" dir="t"/>
+    </dgm:scene3d>
+    <dgm:sp3d/>
+    <dgm:txPr/>
+    <dgm:style>
+      <a:lnRef idx="0">
+        <a:scrgbClr r="0" g="0" b="0"/>
+      </a:lnRef>
+      <a:fillRef idx="0">
+        <a:scrgbClr r="0" g="0" b="0"/>
+      </a:fillRef>
+      <a:effectRef idx="0">
+        <a:scrgbClr r="0" g="0" b="0"/>
+      </a:effectRef>
+      <a:fontRef idx="minor"/>
+    </dgm:style>
+  </dgm:styleLbl>
+</dgm:styleDef>
+</file>
+
 <file path=ppt/notesMasters/notesMaster1.xml><?xml version="1.0" encoding="utf-8"?>
 <p:notesMaster xmlns:a="http://schemas.openxmlformats.org/drawingml/2006/main" xmlns:r="http://schemas.openxmlformats.org/officeDocument/2006/relationships" xmlns:p="http://schemas.openxmlformats.org/presentationml/2006/main">
   <p:cSld>
@@ -238,7 +3419,7 @@
           <a:p>
             <a:fld id="{1AC278E3-A8C2-CC4D-BA93-3CDB384DD75E}" type="datetimeFigureOut">
               <a:rPr lang="fr-FR" smtClean="0"/>
-              <a:t>11/05/2021</a:t>
+              <a:t>13/05/2021</a:t>
             </a:fld>
             <a:endParaRPr lang="fr-FR"/>
           </a:p>
@@ -573,7 +3754,7 @@
           <a:p>
             <a:fld id="{39824EDE-B2BE-8844-B4FC-1C780A45674B}" type="slidenum">
               <a:rPr lang="fr-FR" smtClean="0"/>
-              <a:t>3</a:t>
+              <a:t>4</a:t>
             </a:fld>
             <a:endParaRPr lang="fr-FR"/>
           </a:p>
@@ -660,7 +3841,7 @@
           <a:p>
             <a:fld id="{39824EDE-B2BE-8844-B4FC-1C780A45674B}" type="slidenum">
               <a:rPr lang="fr-FR" smtClean="0"/>
-              <a:t>4</a:t>
+              <a:t>5</a:t>
             </a:fld>
             <a:endParaRPr lang="fr-FR"/>
           </a:p>
@@ -827,7 +4008,7 @@
             <a:fld id="{0D4E46AA-1EC0-4433-9956-E798E94A6FB7}" type="datetimeFigureOut">
               <a:rPr lang="en-US" smtClean="0"/>
               <a:pPr/>
-              <a:t>5/11/21</a:t>
+              <a:t>5/13/2021</a:t>
             </a:fld>
             <a:endParaRPr lang="en-US" dirty="0"/>
           </a:p>
@@ -1027,7 +4208,7 @@
             <a:fld id="{0D4E46AA-1EC0-4433-9956-E798E94A6FB7}" type="datetimeFigureOut">
               <a:rPr lang="en-US" smtClean="0"/>
               <a:pPr/>
-              <a:t>5/11/21</a:t>
+              <a:t>5/13/2021</a:t>
             </a:fld>
             <a:endParaRPr lang="en-US" dirty="0"/>
           </a:p>
@@ -1237,7 +4418,7 @@
             <a:fld id="{0D4E46AA-1EC0-4433-9956-E798E94A6FB7}" type="datetimeFigureOut">
               <a:rPr lang="en-US" smtClean="0"/>
               <a:pPr/>
-              <a:t>5/11/21</a:t>
+              <a:t>5/13/2021</a:t>
             </a:fld>
             <a:endParaRPr lang="en-US" dirty="0"/>
           </a:p>
@@ -1437,7 +4618,7 @@
             <a:fld id="{0D4E46AA-1EC0-4433-9956-E798E94A6FB7}" type="datetimeFigureOut">
               <a:rPr lang="en-US" smtClean="0"/>
               <a:pPr/>
-              <a:t>5/11/21</a:t>
+              <a:t>5/13/2021</a:t>
             </a:fld>
             <a:endParaRPr lang="en-US" dirty="0"/>
           </a:p>
@@ -1714,7 +4895,7 @@
             <a:fld id="{0D4E46AA-1EC0-4433-9956-E798E94A6FB7}" type="datetimeFigureOut">
               <a:rPr lang="en-US" smtClean="0"/>
               <a:pPr/>
-              <a:t>5/11/21</a:t>
+              <a:t>5/13/2021</a:t>
             </a:fld>
             <a:endParaRPr lang="en-US" dirty="0"/>
           </a:p>
@@ -1981,7 +5162,7 @@
             <a:fld id="{0D4E46AA-1EC0-4433-9956-E798E94A6FB7}" type="datetimeFigureOut">
               <a:rPr lang="en-US" smtClean="0"/>
               <a:pPr/>
-              <a:t>5/11/21</a:t>
+              <a:t>5/13/2021</a:t>
             </a:fld>
             <a:endParaRPr lang="en-US" dirty="0"/>
           </a:p>
@@ -2395,7 +5576,7 @@
             <a:fld id="{0D4E46AA-1EC0-4433-9956-E798E94A6FB7}" type="datetimeFigureOut">
               <a:rPr lang="en-US" smtClean="0"/>
               <a:pPr/>
-              <a:t>5/11/21</a:t>
+              <a:t>5/13/2021</a:t>
             </a:fld>
             <a:endParaRPr lang="en-US" dirty="0"/>
           </a:p>
@@ -2538,7 +5719,7 @@
             <a:fld id="{0D4E46AA-1EC0-4433-9956-E798E94A6FB7}" type="datetimeFigureOut">
               <a:rPr lang="en-US" smtClean="0"/>
               <a:pPr/>
-              <a:t>5/11/21</a:t>
+              <a:t>5/13/2021</a:t>
             </a:fld>
             <a:endParaRPr lang="en-US" dirty="0"/>
           </a:p>
@@ -2653,7 +5834,7 @@
             <a:fld id="{0D4E46AA-1EC0-4433-9956-E798E94A6FB7}" type="datetimeFigureOut">
               <a:rPr lang="en-US" smtClean="0"/>
               <a:pPr/>
-              <a:t>5/11/21</a:t>
+              <a:t>5/13/2021</a:t>
             </a:fld>
             <a:endParaRPr lang="en-US" dirty="0"/>
           </a:p>
@@ -2966,7 +6147,7 @@
             <a:fld id="{0D4E46AA-1EC0-4433-9956-E798E94A6FB7}" type="datetimeFigureOut">
               <a:rPr lang="en-US" smtClean="0"/>
               <a:pPr/>
-              <a:t>5/11/21</a:t>
+              <a:t>5/13/2021</a:t>
             </a:fld>
             <a:endParaRPr lang="en-US" dirty="0"/>
           </a:p>
@@ -3256,7 +6437,7 @@
             <a:fld id="{0D4E46AA-1EC0-4433-9956-E798E94A6FB7}" type="datetimeFigureOut">
               <a:rPr lang="en-US" smtClean="0"/>
               <a:pPr/>
-              <a:t>5/11/21</a:t>
+              <a:t>5/13/2021</a:t>
             </a:fld>
             <a:endParaRPr lang="en-US" dirty="0"/>
           </a:p>
@@ -3499,7 +6680,7 @@
             <a:fld id="{0D4E46AA-1EC0-4433-9956-E798E94A6FB7}" type="datetimeFigureOut">
               <a:rPr lang="en-US" smtClean="0"/>
               <a:pPr/>
-              <a:t>5/11/21</a:t>
+              <a:t>5/13/2021</a:t>
             </a:fld>
             <a:endParaRPr lang="en-US" dirty="0"/>
           </a:p>
@@ -4039,23 +7220,7 @@
                   <a:srgbClr val="FFFFFF"/>
                 </a:solidFill>
               </a:rPr>
-              <a:t>QUIVRON </a:t>
-            </a:r>
-            <a:r>
-              <a:rPr lang="fr-FR" dirty="0" err="1">
-                <a:solidFill>
-                  <a:srgbClr val="FFFFFF"/>
-                </a:solidFill>
-              </a:rPr>
-              <a:t>Loic</a:t>
-            </a:r>
-            <a:r>
-              <a:rPr lang="fr-FR" dirty="0">
-                <a:solidFill>
-                  <a:srgbClr val="FFFFFF"/>
-                </a:solidFill>
-              </a:rPr>
-              <a:t>, ALONSO ALONSO David, LENG Mathieu</a:t>
+              <a:t>QUIVRON Loïc, ALONSO ALONSO David, LENG Mathieu</a:t>
             </a:r>
           </a:p>
         </p:txBody>
@@ -4129,54 +7294,10 @@
       </p:grpSpPr>
       <p:sp>
         <p:nvSpPr>
-          <p:cNvPr id="17" name="Rectangle : coins arrondis 16">
-            <a:extLst>
-              <a:ext uri="{FF2B5EF4-FFF2-40B4-BE49-F238E27FC236}">
-                <a16:creationId xmlns:a16="http://schemas.microsoft.com/office/drawing/2014/main" id="{9A336FC6-F7BA-EB49-BC78-156B9C549ECC}"/>
-              </a:ext>
-            </a:extLst>
-          </p:cNvPr>
-          <p:cNvSpPr/>
-          <p:nvPr/>
-        </p:nvSpPr>
-        <p:spPr>
-          <a:xfrm>
-            <a:off x="2647507" y="2434856"/>
-            <a:ext cx="6741042" cy="3678864"/>
-          </a:xfrm>
-          <a:prstGeom prst="roundRect">
-            <a:avLst/>
-          </a:prstGeom>
-        </p:spPr>
-        <p:style>
-          <a:lnRef idx="2">
-            <a:schemeClr val="dk1"/>
-          </a:lnRef>
-          <a:fillRef idx="1">
-            <a:schemeClr val="lt1"/>
-          </a:fillRef>
-          <a:effectRef idx="0">
-            <a:schemeClr val="dk1"/>
-          </a:effectRef>
-          <a:fontRef idx="minor">
-            <a:schemeClr val="dk1"/>
-          </a:fontRef>
-        </p:style>
-        <p:txBody>
-          <a:bodyPr rtlCol="0" anchor="ctr"/>
-          <a:lstStyle/>
-          <a:p>
-            <a:pPr algn="ctr"/>
-            <a:endParaRPr lang="fr-FR" dirty="0"/>
-          </a:p>
-        </p:txBody>
-      </p:sp>
-      <p:sp>
-        <p:nvSpPr>
           <p:cNvPr id="2" name="Titre 1">
             <a:extLst>
               <a:ext uri="{FF2B5EF4-FFF2-40B4-BE49-F238E27FC236}">
-                <a16:creationId xmlns:a16="http://schemas.microsoft.com/office/drawing/2014/main" id="{12CC11B5-C4EA-ED40-AC48-F81663564CEF}"/>
+                <a16:creationId xmlns:a16="http://schemas.microsoft.com/office/drawing/2014/main" id="{B2C3CE7B-EC7D-3243-9FA9-C8A3CB3C3CB1}"/>
               </a:ext>
             </a:extLst>
           </p:cNvPr>
@@ -4189,33 +7310,147 @@
         </p:nvSpPr>
         <p:spPr>
           <a:xfrm>
-            <a:off x="914401" y="914400"/>
-            <a:ext cx="4035055" cy="2996649"/>
+            <a:off x="914401" y="1371600"/>
+            <a:ext cx="3943762" cy="1314443"/>
           </a:xfrm>
         </p:spPr>
         <p:txBody>
-          <a:bodyPr vert="horz" lIns="91440" tIns="45720" rIns="91440" bIns="45720" rtlCol="0" anchor="t">
+          <a:bodyPr>
             <a:normAutofit/>
           </a:bodyPr>
           <a:lstStyle/>
           <a:p>
             <a:r>
-              <a:rPr lang="en-US" dirty="0" err="1"/>
-              <a:t>Requête</a:t>
-            </a:r>
-            <a:r>
-              <a:rPr lang="en-US" dirty="0"/>
-              <a:t> 2</a:t>
+              <a:rPr lang="fr-FR" dirty="0"/>
+              <a:t>Requêtes</a:t>
+            </a:r>
+          </a:p>
+        </p:txBody>
+      </p:sp>
+      <p:sp>
+        <p:nvSpPr>
+          <p:cNvPr id="3" name="Espace réservé du contenu 2">
+            <a:extLst>
+              <a:ext uri="{FF2B5EF4-FFF2-40B4-BE49-F238E27FC236}">
+                <a16:creationId xmlns:a16="http://schemas.microsoft.com/office/drawing/2014/main" id="{A4C07AAA-FD61-AA48-BCBD-F45357F9C7ED}"/>
+              </a:ext>
+            </a:extLst>
+          </p:cNvPr>
+          <p:cNvSpPr>
+            <a:spLocks noGrp="1"/>
+          </p:cNvSpPr>
+          <p:nvPr>
+            <p:ph idx="1"/>
+          </p:nvPr>
+        </p:nvSpPr>
+        <p:spPr>
+          <a:xfrm>
+            <a:off x="914400" y="2853369"/>
+            <a:ext cx="3943762" cy="3088460"/>
+          </a:xfrm>
+        </p:spPr>
+        <p:txBody>
+          <a:bodyPr>
+            <a:normAutofit fontScale="85000" lnSpcReduction="10000"/>
+          </a:bodyPr>
+          <a:lstStyle/>
+          <a:p>
+            <a:pPr>
+              <a:lnSpc>
+                <a:spcPct val="110000"/>
+              </a:lnSpc>
+            </a:pPr>
+            <a:r>
+              <a:rPr lang="fr-FR"/>
+              <a:t>6 Requêtes </a:t>
+            </a:r>
+          </a:p>
+          <a:p>
+            <a:pPr marL="617220" lvl="1" indent="-342900">
+              <a:lnSpc>
+                <a:spcPct val="110000"/>
+              </a:lnSpc>
+              <a:buFont typeface="+mj-lt"/>
+              <a:buAutoNum type="arabicPeriod"/>
+            </a:pPr>
+            <a:r>
+              <a:rPr lang="fr-FR"/>
+              <a:t>Hospitalisations &gt;= 5000</a:t>
+            </a:r>
+          </a:p>
+          <a:p>
+            <a:pPr marL="617220" lvl="1" indent="-342900">
+              <a:lnSpc>
+                <a:spcPct val="110000"/>
+              </a:lnSpc>
+              <a:buFont typeface="+mj-lt"/>
+              <a:buAutoNum type="arabicPeriod"/>
+            </a:pPr>
+            <a:r>
+              <a:rPr lang="fr-FR"/>
+              <a:t>Plus gros vaccinateur</a:t>
+            </a:r>
+          </a:p>
+          <a:p>
+            <a:pPr marL="617220" lvl="1" indent="-342900">
+              <a:lnSpc>
+                <a:spcPct val="110000"/>
+              </a:lnSpc>
+              <a:buFont typeface="+mj-lt"/>
+              <a:buAutoNum type="arabicPeriod"/>
+            </a:pPr>
+            <a:r>
+              <a:rPr lang="fr-FR"/>
+              <a:t>Qui utitilise quel vaccin</a:t>
+            </a:r>
+          </a:p>
+          <a:p>
+            <a:pPr marL="617220" lvl="1" indent="-342900">
+              <a:lnSpc>
+                <a:spcPct val="110000"/>
+              </a:lnSpc>
+              <a:buFont typeface="+mj-lt"/>
+              <a:buAutoNum type="arabicPeriod"/>
+            </a:pPr>
+            <a:r>
+              <a:rPr lang="fr-FR"/>
+              <a:t>% hospitalisé, le 01/01/2021</a:t>
+            </a:r>
+          </a:p>
+          <a:p>
+            <a:pPr marL="617220" lvl="1" indent="-342900">
+              <a:lnSpc>
+                <a:spcPct val="110000"/>
+              </a:lnSpc>
+              <a:buFont typeface="+mj-lt"/>
+              <a:buAutoNum type="arabicPeriod"/>
+            </a:pPr>
+            <a:r>
+              <a:rPr lang="fr-FR"/>
+              <a:t>Evolution hospitalisations</a:t>
+            </a:r>
+          </a:p>
+          <a:p>
+            <a:pPr marL="617220" lvl="1" indent="-342900">
+              <a:lnSpc>
+                <a:spcPct val="110000"/>
+              </a:lnSpc>
+              <a:buFont typeface="+mj-lt"/>
+              <a:buAutoNum type="arabicPeriod"/>
+            </a:pPr>
+            <a:r>
+              <a:rPr lang="fr-FR"/>
+              <a:t>Vaccin commun France-Belgique</a:t>
             </a:r>
           </a:p>
         </p:txBody>
       </p:sp>
       <p:pic>
         <p:nvPicPr>
-          <p:cNvPr id="4" name="Image 3" descr="Une image contenant texte&#10;&#10;Description générée automatiquement">
-            <a:extLst>
-              <a:ext uri="{FF2B5EF4-FFF2-40B4-BE49-F238E27FC236}">
-                <a16:creationId xmlns:a16="http://schemas.microsoft.com/office/drawing/2014/main" id="{B8C12947-99A2-B246-B9C7-341691E8C3F4}"/>
+          <p:cNvPr id="15" name="Picture 4" descr="Plusieurs points d’interrogation sur fond noir">
+            <a:extLst>
+              <a:ext uri="{FF2B5EF4-FFF2-40B4-BE49-F238E27FC236}">
+                <a16:creationId xmlns:a16="http://schemas.microsoft.com/office/drawing/2014/main" id="{55A379AD-9F15-4649-95F4-8CC806153847}"/>
               </a:ext>
             </a:extLst>
           </p:cNvPr>
@@ -4226,64 +7461,181 @@
         </p:nvPicPr>
         <p:blipFill rotWithShape="1">
           <a:blip r:embed="rId2"/>
-          <a:srcRect r="34034"/>
+          <a:srcRect l="42071" r="3" b="2"/>
           <a:stretch/>
         </p:blipFill>
         <p:spPr>
           <a:xfrm>
-            <a:off x="2931928" y="2765284"/>
-            <a:ext cx="6225926" cy="2996613"/>
+            <a:off x="5679452" y="10"/>
+            <a:ext cx="6512547" cy="6857990"/>
           </a:xfrm>
           <a:prstGeom prst="rect">
             <a:avLst/>
           </a:prstGeom>
         </p:spPr>
       </p:pic>
-      <p:sp>
-        <p:nvSpPr>
-          <p:cNvPr id="6" name="ZoneTexte 5">
-            <a:extLst>
-              <a:ext uri="{FF2B5EF4-FFF2-40B4-BE49-F238E27FC236}">
-                <a16:creationId xmlns:a16="http://schemas.microsoft.com/office/drawing/2014/main" id="{F95ED1DE-2582-0448-80BF-8B97A34CAF45}"/>
-              </a:ext>
-            </a:extLst>
-          </p:cNvPr>
-          <p:cNvSpPr txBox="1"/>
-          <p:nvPr/>
-        </p:nvSpPr>
-        <p:spPr>
-          <a:xfrm>
-            <a:off x="1222746" y="1713701"/>
-            <a:ext cx="9799734" cy="369332"/>
-          </a:xfrm>
-          <a:prstGeom prst="rect">
-            <a:avLst/>
-          </a:prstGeom>
-          <a:noFill/>
-        </p:spPr>
-        <p:txBody>
-          <a:bodyPr wrap="none" rtlCol="0">
-            <a:spAutoFit/>
-          </a:bodyPr>
-          <a:lstStyle/>
-          <a:p>
-            <a:r>
-              <a:rPr lang="fr-FR" dirty="0"/>
-              <a:t>Sélectionnez le pays qui a administré le plus grand nombre total de vaccins (toutes les dates cumulées)</a:t>
-            </a:r>
-          </a:p>
-        </p:txBody>
-      </p:sp>
     </p:spTree>
     <p:extLst>
       <p:ext uri="{BB962C8B-B14F-4D97-AF65-F5344CB8AC3E}">
-        <p14:creationId xmlns:p14="http://schemas.microsoft.com/office/powerpoint/2010/main" val="1202713288"/>
+        <p14:creationId xmlns:p14="http://schemas.microsoft.com/office/powerpoint/2010/main" val="4053075134"/>
       </p:ext>
     </p:extLst>
   </p:cSld>
   <p:clrMapOvr>
     <a:masterClrMapping/>
   </p:clrMapOvr>
+  <p:timing>
+    <p:tnLst>
+      <p:par>
+        <p:cTn id="1" dur="indefinite" restart="never" nodeType="tmRoot">
+          <p:childTnLst>
+            <p:seq concurrent="1" nextAc="seek">
+              <p:cTn id="2" dur="indefinite" nodeType="mainSeq">
+                <p:childTnLst>
+                  <p:par>
+                    <p:cTn id="3" fill="hold">
+                      <p:stCondLst>
+                        <p:cond delay="indefinite"/>
+                      </p:stCondLst>
+                      <p:childTnLst>
+                        <p:par>
+                          <p:cTn id="4" fill="hold">
+                            <p:stCondLst>
+                              <p:cond delay="0"/>
+                            </p:stCondLst>
+                            <p:childTnLst>
+                              <p:par>
+                                <p:cTn id="5" presetID="49" presetClass="entr" presetSubtype="0" decel="100000" fill="hold" nodeType="clickEffect">
+                                  <p:stCondLst>
+                                    <p:cond delay="0"/>
+                                  </p:stCondLst>
+                                  <p:childTnLst>
+                                    <p:set>
+                                      <p:cBhvr>
+                                        <p:cTn id="6" dur="1" fill="hold">
+                                          <p:stCondLst>
+                                            <p:cond delay="0"/>
+                                          </p:stCondLst>
+                                        </p:cTn>
+                                        <p:tgtEl>
+                                          <p:spTgt spid="15"/>
+                                        </p:tgtEl>
+                                        <p:attrNameLst>
+                                          <p:attrName>style.visibility</p:attrName>
+                                        </p:attrNameLst>
+                                      </p:cBhvr>
+                                      <p:to>
+                                        <p:strVal val="visible"/>
+                                      </p:to>
+                                    </p:set>
+                                    <p:anim calcmode="lin" valueType="num">
+                                      <p:cBhvr>
+                                        <p:cTn id="7" dur="500" fill="hold"/>
+                                        <p:tgtEl>
+                                          <p:spTgt spid="15"/>
+                                        </p:tgtEl>
+                                        <p:attrNameLst>
+                                          <p:attrName>ppt_w</p:attrName>
+                                        </p:attrNameLst>
+                                      </p:cBhvr>
+                                      <p:tavLst>
+                                        <p:tav tm="0">
+                                          <p:val>
+                                            <p:fltVal val="0"/>
+                                          </p:val>
+                                        </p:tav>
+                                        <p:tav tm="100000">
+                                          <p:val>
+                                            <p:strVal val="#ppt_w"/>
+                                          </p:val>
+                                        </p:tav>
+                                      </p:tavLst>
+                                    </p:anim>
+                                    <p:anim calcmode="lin" valueType="num">
+                                      <p:cBhvr>
+                                        <p:cTn id="8" dur="500" fill="hold"/>
+                                        <p:tgtEl>
+                                          <p:spTgt spid="15"/>
+                                        </p:tgtEl>
+                                        <p:attrNameLst>
+                                          <p:attrName>ppt_h</p:attrName>
+                                        </p:attrNameLst>
+                                      </p:cBhvr>
+                                      <p:tavLst>
+                                        <p:tav tm="0">
+                                          <p:val>
+                                            <p:fltVal val="0"/>
+                                          </p:val>
+                                        </p:tav>
+                                        <p:tav tm="100000">
+                                          <p:val>
+                                            <p:strVal val="#ppt_h"/>
+                                          </p:val>
+                                        </p:tav>
+                                      </p:tavLst>
+                                    </p:anim>
+                                    <p:anim calcmode="lin" valueType="num">
+                                      <p:cBhvr>
+                                        <p:cTn id="9" dur="500" fill="hold"/>
+                                        <p:tgtEl>
+                                          <p:spTgt spid="15"/>
+                                        </p:tgtEl>
+                                        <p:attrNameLst>
+                                          <p:attrName>style.rotation</p:attrName>
+                                        </p:attrNameLst>
+                                      </p:cBhvr>
+                                      <p:tavLst>
+                                        <p:tav tm="0">
+                                          <p:val>
+                                            <p:fltVal val="360"/>
+                                          </p:val>
+                                        </p:tav>
+                                        <p:tav tm="100000">
+                                          <p:val>
+                                            <p:fltVal val="0"/>
+                                          </p:val>
+                                        </p:tav>
+                                      </p:tavLst>
+                                    </p:anim>
+                                    <p:animEffect transition="in" filter="fade">
+                                      <p:cBhvr>
+                                        <p:cTn id="10" dur="500"/>
+                                        <p:tgtEl>
+                                          <p:spTgt spid="15"/>
+                                        </p:tgtEl>
+                                      </p:cBhvr>
+                                    </p:animEffect>
+                                  </p:childTnLst>
+                                </p:cTn>
+                              </p:par>
+                            </p:childTnLst>
+                          </p:cTn>
+                        </p:par>
+                      </p:childTnLst>
+                    </p:cTn>
+                  </p:par>
+                </p:childTnLst>
+              </p:cTn>
+              <p:prevCondLst>
+                <p:cond evt="onPrev" delay="0">
+                  <p:tgtEl>
+                    <p:sldTgt/>
+                  </p:tgtEl>
+                </p:cond>
+              </p:prevCondLst>
+              <p:nextCondLst>
+                <p:cond evt="onNext" delay="0">
+                  <p:tgtEl>
+                    <p:sldTgt/>
+                  </p:tgtEl>
+                </p:cond>
+              </p:nextCondLst>
+            </p:seq>
+          </p:childTnLst>
+        </p:cTn>
+      </p:par>
+    </p:tnLst>
+  </p:timing>
 </p:sld>
 </file>
 
@@ -4314,10 +7666,49 @@
       </p:grpSpPr>
       <p:sp>
         <p:nvSpPr>
-          <p:cNvPr id="14" name="Rectangle : coins arrondis 13">
-            <a:extLst>
-              <a:ext uri="{FF2B5EF4-FFF2-40B4-BE49-F238E27FC236}">
-                <a16:creationId xmlns:a16="http://schemas.microsoft.com/office/drawing/2014/main" id="{F1C3C5AC-0C3B-1B4A-B730-BAB4E91FE8ED}"/>
+          <p:cNvPr id="2" name="Titre 1">
+            <a:extLst>
+              <a:ext uri="{FF2B5EF4-FFF2-40B4-BE49-F238E27FC236}">
+                <a16:creationId xmlns:a16="http://schemas.microsoft.com/office/drawing/2014/main" id="{12CC11B5-C4EA-ED40-AC48-F81663564CEF}"/>
+              </a:ext>
+            </a:extLst>
+          </p:cNvPr>
+          <p:cNvSpPr>
+            <a:spLocks noGrp="1"/>
+          </p:cNvSpPr>
+          <p:nvPr>
+            <p:ph type="title"/>
+          </p:nvPr>
+        </p:nvSpPr>
+        <p:spPr>
+          <a:xfrm>
+            <a:off x="914401" y="914400"/>
+            <a:ext cx="4425949" cy="2996649"/>
+          </a:xfrm>
+        </p:spPr>
+        <p:txBody>
+          <a:bodyPr vert="horz" lIns="91440" tIns="45720" rIns="91440" bIns="45720" rtlCol="0" anchor="t">
+            <a:normAutofit/>
+          </a:bodyPr>
+          <a:lstStyle/>
+          <a:p>
+            <a:r>
+              <a:rPr lang="en-US" dirty="0" err="1"/>
+              <a:t>Requête</a:t>
+            </a:r>
+            <a:r>
+              <a:rPr lang="en-US" dirty="0"/>
+              <a:t> 1 </a:t>
+            </a:r>
+          </a:p>
+        </p:txBody>
+      </p:sp>
+      <p:sp>
+        <p:nvSpPr>
+          <p:cNvPr id="15" name="Rectangle : coins arrondis 14">
+            <a:extLst>
+              <a:ext uri="{FF2B5EF4-FFF2-40B4-BE49-F238E27FC236}">
+                <a16:creationId xmlns:a16="http://schemas.microsoft.com/office/drawing/2014/main" id="{E838339E-E41E-4B40-AEE8-0984087B7F5D}"/>
               </a:ext>
             </a:extLst>
           </p:cNvPr>
@@ -4326,8 +7717,8 @@
         </p:nvSpPr>
         <p:spPr>
           <a:xfrm>
-            <a:off x="2670885" y="2870791"/>
-            <a:ext cx="6685765" cy="1743739"/>
+            <a:off x="2137146" y="2445045"/>
+            <a:ext cx="9820938" cy="3637092"/>
           </a:xfrm>
           <a:prstGeom prst="roundRect">
             <a:avLst/>
@@ -4356,51 +7747,12 @@
           </a:p>
         </p:txBody>
       </p:sp>
-      <p:sp>
-        <p:nvSpPr>
-          <p:cNvPr id="2" name="Titre 1">
-            <a:extLst>
-              <a:ext uri="{FF2B5EF4-FFF2-40B4-BE49-F238E27FC236}">
-                <a16:creationId xmlns:a16="http://schemas.microsoft.com/office/drawing/2014/main" id="{12CC11B5-C4EA-ED40-AC48-F81663564CEF}"/>
-              </a:ext>
-            </a:extLst>
-          </p:cNvPr>
-          <p:cNvSpPr>
-            <a:spLocks noGrp="1"/>
-          </p:cNvSpPr>
-          <p:nvPr>
-            <p:ph type="title"/>
-          </p:nvPr>
-        </p:nvSpPr>
-        <p:spPr>
-          <a:xfrm>
-            <a:off x="914401" y="914400"/>
-            <a:ext cx="4035055" cy="2996649"/>
-          </a:xfrm>
-        </p:spPr>
-        <p:txBody>
-          <a:bodyPr vert="horz" lIns="91440" tIns="45720" rIns="91440" bIns="45720" rtlCol="0" anchor="t">
-            <a:normAutofit/>
-          </a:bodyPr>
-          <a:lstStyle/>
-          <a:p>
-            <a:r>
-              <a:rPr lang="en-US" dirty="0" err="1"/>
-              <a:t>Requête</a:t>
-            </a:r>
-            <a:r>
-              <a:rPr lang="en-US" dirty="0"/>
-              <a:t> 3</a:t>
-            </a:r>
-          </a:p>
-        </p:txBody>
-      </p:sp>
       <p:pic>
         <p:nvPicPr>
-          <p:cNvPr id="7" name="Image 6">
-            <a:extLst>
-              <a:ext uri="{FF2B5EF4-FFF2-40B4-BE49-F238E27FC236}">
-                <a16:creationId xmlns:a16="http://schemas.microsoft.com/office/drawing/2014/main" id="{8B806F89-F368-5647-BF8E-D272FFFEA624}"/>
+          <p:cNvPr id="11" name="Image 10">
+            <a:extLst>
+              <a:ext uri="{FF2B5EF4-FFF2-40B4-BE49-F238E27FC236}">
+                <a16:creationId xmlns:a16="http://schemas.microsoft.com/office/drawing/2014/main" id="{1DC26DA6-969C-EA4F-B3E4-BC076FD73F16}"/>
               </a:ext>
             </a:extLst>
           </p:cNvPr>
@@ -4409,15 +7761,16 @@
           </p:cNvPicPr>
           <p:nvPr/>
         </p:nvPicPr>
-        <p:blipFill rotWithShape="1">
+        <p:blipFill>
           <a:blip r:embed="rId2"/>
-          <a:srcRect r="33377"/>
-          <a:stretch/>
+          <a:stretch>
+            <a:fillRect/>
+          </a:stretch>
         </p:blipFill>
         <p:spPr>
           <a:xfrm>
-            <a:off x="2969142" y="3154365"/>
-            <a:ext cx="6218959" cy="1117600"/>
+            <a:off x="2440012" y="2887702"/>
+            <a:ext cx="9361631" cy="660578"/>
           </a:xfrm>
           <a:prstGeom prst="rect">
             <a:avLst/>
@@ -4426,10 +7779,10 @@
       </p:pic>
       <p:sp>
         <p:nvSpPr>
-          <p:cNvPr id="8" name="ZoneTexte 7">
-            <a:extLst>
-              <a:ext uri="{FF2B5EF4-FFF2-40B4-BE49-F238E27FC236}">
-                <a16:creationId xmlns:a16="http://schemas.microsoft.com/office/drawing/2014/main" id="{8B4C196D-7F98-2D4E-9A26-02F2D6992943}"/>
+          <p:cNvPr id="13" name="ZoneTexte 12">
+            <a:extLst>
+              <a:ext uri="{FF2B5EF4-FFF2-40B4-BE49-F238E27FC236}">
+                <a16:creationId xmlns:a16="http://schemas.microsoft.com/office/drawing/2014/main" id="{824B9698-7D51-6949-9F62-8DCD4990A1C4}"/>
               </a:ext>
             </a:extLst>
           </p:cNvPr>
@@ -4438,8 +7791,8 @@
         </p:nvSpPr>
         <p:spPr>
           <a:xfrm>
-            <a:off x="1087848" y="1701210"/>
-            <a:ext cx="6154698" cy="369332"/>
+            <a:off x="1081233" y="1654266"/>
+            <a:ext cx="8769926" cy="646331"/>
           </a:xfrm>
           <a:prstGeom prst="rect">
             <a:avLst/>
@@ -4447,22 +7800,201 @@
           <a:noFill/>
         </p:spPr>
         <p:txBody>
-          <a:bodyPr wrap="none" rtlCol="0">
+          <a:bodyPr wrap="square" rtlCol="0">
             <a:spAutoFit/>
           </a:bodyPr>
           <a:lstStyle/>
           <a:p>
             <a:r>
               <a:rPr lang="fr-FR" dirty="0"/>
-              <a:t>Pour chaque vaccin, sélectionnez le nom des pays qui l'utilisent </a:t>
+              <a:t>Sélectionnez les pays qui, au même moment, ont eu au moins 5000 personnes hospitalisées(</a:t>
+            </a:r>
+            <a:r>
+              <a:rPr lang="fr-FR" b="1" dirty="0" err="1"/>
+              <a:t>hosp_patients</a:t>
+            </a:r>
+            <a:r>
+              <a:rPr lang="fr-FR" dirty="0"/>
+              <a:t>).</a:t>
             </a:r>
           </a:p>
         </p:txBody>
       </p:sp>
+      <p:sp>
+        <p:nvSpPr>
+          <p:cNvPr id="16" name="ZoneTexte 15">
+            <a:extLst>
+              <a:ext uri="{FF2B5EF4-FFF2-40B4-BE49-F238E27FC236}">
+                <a16:creationId xmlns:a16="http://schemas.microsoft.com/office/drawing/2014/main" id="{C2DD1149-7F97-E14C-9780-7FD7AC6EE7E6}"/>
+              </a:ext>
+            </a:extLst>
+          </p:cNvPr>
+          <p:cNvSpPr txBox="1"/>
+          <p:nvPr/>
+        </p:nvSpPr>
+        <p:spPr>
+          <a:xfrm>
+            <a:off x="807914" y="3903863"/>
+            <a:ext cx="1371601" cy="646331"/>
+          </a:xfrm>
+          <a:prstGeom prst="rect">
+            <a:avLst/>
+          </a:prstGeom>
+          <a:noFill/>
+        </p:spPr>
+        <p:txBody>
+          <a:bodyPr wrap="square" rtlCol="0">
+            <a:spAutoFit/>
+          </a:bodyPr>
+          <a:lstStyle/>
+          <a:p>
+            <a:r>
+              <a:rPr lang="fr-FR" dirty="0"/>
+              <a:t>Algèbre relationnel</a:t>
+            </a:r>
+          </a:p>
+        </p:txBody>
+      </p:sp>
+      <p:sp>
+        <p:nvSpPr>
+          <p:cNvPr id="18" name="Rectangle 17">
+            <a:extLst>
+              <a:ext uri="{FF2B5EF4-FFF2-40B4-BE49-F238E27FC236}">
+                <a16:creationId xmlns:a16="http://schemas.microsoft.com/office/drawing/2014/main" id="{59176067-875E-494C-9BAB-F6588984848B}"/>
+              </a:ext>
+            </a:extLst>
+          </p:cNvPr>
+          <p:cNvSpPr/>
+          <p:nvPr/>
+        </p:nvSpPr>
+        <p:spPr>
+          <a:xfrm>
+            <a:off x="807914" y="5285374"/>
+            <a:ext cx="1371601" cy="646331"/>
+          </a:xfrm>
+          <a:prstGeom prst="rect">
+            <a:avLst/>
+          </a:prstGeom>
+        </p:spPr>
+        <p:txBody>
+          <a:bodyPr wrap="square">
+            <a:spAutoFit/>
+          </a:bodyPr>
+          <a:lstStyle/>
+          <a:p>
+            <a:r>
+              <a:rPr lang="fr-FR" dirty="0"/>
+              <a:t>Calcul</a:t>
+            </a:r>
+          </a:p>
+          <a:p>
+            <a:r>
+              <a:rPr lang="fr-FR" dirty="0" err="1"/>
+              <a:t>Tuple</a:t>
+            </a:r>
+            <a:endParaRPr lang="fr-FR" dirty="0"/>
+          </a:p>
+        </p:txBody>
+      </p:sp>
+      <p:sp>
+        <p:nvSpPr>
+          <p:cNvPr id="20" name="ZoneTexte 19">
+            <a:extLst>
+              <a:ext uri="{FF2B5EF4-FFF2-40B4-BE49-F238E27FC236}">
+                <a16:creationId xmlns:a16="http://schemas.microsoft.com/office/drawing/2014/main" id="{791B7A56-30AF-C34B-9A0F-311F5FB3F374}"/>
+              </a:ext>
+            </a:extLst>
+          </p:cNvPr>
+          <p:cNvSpPr txBox="1"/>
+          <p:nvPr/>
+        </p:nvSpPr>
+        <p:spPr>
+          <a:xfrm>
+            <a:off x="811123" y="3033325"/>
+            <a:ext cx="794395" cy="369332"/>
+          </a:xfrm>
+          <a:prstGeom prst="rect">
+            <a:avLst/>
+          </a:prstGeom>
+          <a:noFill/>
+        </p:spPr>
+        <p:txBody>
+          <a:bodyPr wrap="square" rtlCol="0">
+            <a:spAutoFit/>
+          </a:bodyPr>
+          <a:lstStyle/>
+          <a:p>
+            <a:r>
+              <a:rPr lang="fr-FR" dirty="0"/>
+              <a:t>SQL</a:t>
+            </a:r>
+          </a:p>
+        </p:txBody>
+      </p:sp>
+      <p:pic>
+        <p:nvPicPr>
+          <p:cNvPr id="7" name="Image 6">
+            <a:extLst>
+              <a:ext uri="{FF2B5EF4-FFF2-40B4-BE49-F238E27FC236}">
+                <a16:creationId xmlns:a16="http://schemas.microsoft.com/office/drawing/2014/main" id="{55AEFDB7-9194-49C6-BDB6-D74DAAE2EE58}"/>
+              </a:ext>
+            </a:extLst>
+          </p:cNvPr>
+          <p:cNvPicPr>
+            <a:picLocks noChangeAspect="1"/>
+          </p:cNvPicPr>
+          <p:nvPr/>
+        </p:nvPicPr>
+        <p:blipFill>
+          <a:blip r:embed="rId3"/>
+          <a:stretch>
+            <a:fillRect/>
+          </a:stretch>
+        </p:blipFill>
+        <p:spPr>
+          <a:xfrm>
+            <a:off x="2376487" y="3761973"/>
+            <a:ext cx="7439025" cy="1276350"/>
+          </a:xfrm>
+          <a:prstGeom prst="rect">
+            <a:avLst/>
+          </a:prstGeom>
+        </p:spPr>
+      </p:pic>
+      <p:pic>
+        <p:nvPicPr>
+          <p:cNvPr id="10" name="Image 9">
+            <a:extLst>
+              <a:ext uri="{FF2B5EF4-FFF2-40B4-BE49-F238E27FC236}">
+                <a16:creationId xmlns:a16="http://schemas.microsoft.com/office/drawing/2014/main" id="{4103F511-4E5A-4F4D-86B6-123839D0CB35}"/>
+              </a:ext>
+            </a:extLst>
+          </p:cNvPr>
+          <p:cNvPicPr>
+            <a:picLocks noChangeAspect="1"/>
+          </p:cNvPicPr>
+          <p:nvPr/>
+        </p:nvPicPr>
+        <p:blipFill>
+          <a:blip r:embed="rId4"/>
+          <a:stretch>
+            <a:fillRect/>
+          </a:stretch>
+        </p:blipFill>
+        <p:spPr>
+          <a:xfrm>
+            <a:off x="2429043" y="5038323"/>
+            <a:ext cx="9372600" cy="819150"/>
+          </a:xfrm>
+          <a:prstGeom prst="rect">
+            <a:avLst/>
+          </a:prstGeom>
+        </p:spPr>
+      </p:pic>
     </p:spTree>
     <p:extLst>
       <p:ext uri="{BB962C8B-B14F-4D97-AF65-F5344CB8AC3E}">
-        <p14:creationId xmlns:p14="http://schemas.microsoft.com/office/powerpoint/2010/main" val="904910003"/>
+        <p14:creationId xmlns:p14="http://schemas.microsoft.com/office/powerpoint/2010/main" val="3304329644"/>
       </p:ext>
     </p:extLst>
   </p:cSld>
@@ -4499,10 +8031,10 @@
       </p:grpSpPr>
       <p:sp>
         <p:nvSpPr>
-          <p:cNvPr id="15" name="Rectangle : coins arrondis 14">
-            <a:extLst>
-              <a:ext uri="{FF2B5EF4-FFF2-40B4-BE49-F238E27FC236}">
-                <a16:creationId xmlns:a16="http://schemas.microsoft.com/office/drawing/2014/main" id="{EAF92106-DED9-D34B-AE66-88C6472A8163}"/>
+          <p:cNvPr id="17" name="Rectangle : coins arrondis 16">
+            <a:extLst>
+              <a:ext uri="{FF2B5EF4-FFF2-40B4-BE49-F238E27FC236}">
+                <a16:creationId xmlns:a16="http://schemas.microsoft.com/office/drawing/2014/main" id="{9A336FC6-F7BA-EB49-BC78-156B9C549ECC}"/>
               </a:ext>
             </a:extLst>
           </p:cNvPr>
@@ -4511,8 +8043,8 @@
         </p:nvSpPr>
         <p:spPr>
           <a:xfrm>
-            <a:off x="820820" y="2833259"/>
-            <a:ext cx="10864361" cy="1664309"/>
+            <a:off x="2647507" y="2434856"/>
+            <a:ext cx="6741042" cy="3678864"/>
           </a:xfrm>
           <a:prstGeom prst="roundRect">
             <a:avLst/>
@@ -4575,17 +8107,17 @@
             </a:r>
             <a:r>
               <a:rPr lang="en-US" dirty="0"/>
-              <a:t> 4</a:t>
+              <a:t> 2</a:t>
             </a:r>
           </a:p>
         </p:txBody>
       </p:sp>
       <p:pic>
         <p:nvPicPr>
-          <p:cNvPr id="4" name="Image 3">
-            <a:extLst>
-              <a:ext uri="{FF2B5EF4-FFF2-40B4-BE49-F238E27FC236}">
-                <a16:creationId xmlns:a16="http://schemas.microsoft.com/office/drawing/2014/main" id="{19854CEB-0158-A84F-B428-3D0431F8497B}"/>
+          <p:cNvPr id="4" name="Image 3" descr="Une image contenant texte&#10;&#10;Description générée automatiquement">
+            <a:extLst>
+              <a:ext uri="{FF2B5EF4-FFF2-40B4-BE49-F238E27FC236}">
+                <a16:creationId xmlns:a16="http://schemas.microsoft.com/office/drawing/2014/main" id="{B8C12947-99A2-B246-B9C7-341691E8C3F4}"/>
               </a:ext>
             </a:extLst>
           </p:cNvPr>
@@ -4594,16 +8126,15 @@
           </p:cNvPicPr>
           <p:nvPr/>
         </p:nvPicPr>
-        <p:blipFill>
+        <p:blipFill rotWithShape="1">
           <a:blip r:embed="rId2"/>
-          <a:stretch>
-            <a:fillRect/>
-          </a:stretch>
+          <a:srcRect r="34034"/>
+          <a:stretch/>
         </p:blipFill>
         <p:spPr>
           <a:xfrm>
-            <a:off x="990600" y="3205086"/>
-            <a:ext cx="10575636" cy="1000087"/>
+            <a:off x="2931928" y="2765284"/>
+            <a:ext cx="6225926" cy="2996613"/>
           </a:xfrm>
           <a:prstGeom prst="rect">
             <a:avLst/>
@@ -4612,10 +8143,10 @@
       </p:pic>
       <p:sp>
         <p:nvSpPr>
-          <p:cNvPr id="5" name="ZoneTexte 4">
-            <a:extLst>
-              <a:ext uri="{FF2B5EF4-FFF2-40B4-BE49-F238E27FC236}">
-                <a16:creationId xmlns:a16="http://schemas.microsoft.com/office/drawing/2014/main" id="{4B3A1A6C-215D-BF4F-B351-75E63EA446C9}"/>
+          <p:cNvPr id="6" name="ZoneTexte 5">
+            <a:extLst>
+              <a:ext uri="{FF2B5EF4-FFF2-40B4-BE49-F238E27FC236}">
+                <a16:creationId xmlns:a16="http://schemas.microsoft.com/office/drawing/2014/main" id="{F95ED1DE-2582-0448-80BF-8B97A34CAF45}"/>
               </a:ext>
             </a:extLst>
           </p:cNvPr>
@@ -4624,8 +8155,8 @@
         </p:nvSpPr>
         <p:spPr>
           <a:xfrm>
-            <a:off x="1057044" y="1834109"/>
-            <a:ext cx="7784823" cy="369332"/>
+            <a:off x="1222746" y="1713701"/>
+            <a:ext cx="9799734" cy="369332"/>
           </a:xfrm>
           <a:prstGeom prst="rect">
             <a:avLst/>
@@ -4640,7 +8171,7 @@
           <a:p>
             <a:r>
               <a:rPr lang="fr-FR" dirty="0"/>
-              <a:t>La proportion de la population hospitalisée pour chaque pays, le 1er janvier 2021</a:t>
+              <a:t>Sélectionnez le pays qui a administré le plus grand nombre total de vaccins (toutes les dates cumulées)</a:t>
             </a:r>
           </a:p>
         </p:txBody>
@@ -4648,7 +8179,7 @@
     </p:spTree>
     <p:extLst>
       <p:ext uri="{BB962C8B-B14F-4D97-AF65-F5344CB8AC3E}">
-        <p14:creationId xmlns:p14="http://schemas.microsoft.com/office/powerpoint/2010/main" val="2668238740"/>
+        <p14:creationId xmlns:p14="http://schemas.microsoft.com/office/powerpoint/2010/main" val="1202713288"/>
       </p:ext>
     </p:extLst>
   </p:cSld>
@@ -4685,10 +8216,10 @@
       </p:grpSpPr>
       <p:sp>
         <p:nvSpPr>
-          <p:cNvPr id="13" name="Rectangle : coins arrondis 12">
-            <a:extLst>
-              <a:ext uri="{FF2B5EF4-FFF2-40B4-BE49-F238E27FC236}">
-                <a16:creationId xmlns:a16="http://schemas.microsoft.com/office/drawing/2014/main" id="{58930596-5410-134D-A2A9-C597310EB175}"/>
+          <p:cNvPr id="14" name="Rectangle : coins arrondis 13">
+            <a:extLst>
+              <a:ext uri="{FF2B5EF4-FFF2-40B4-BE49-F238E27FC236}">
+                <a16:creationId xmlns:a16="http://schemas.microsoft.com/office/drawing/2014/main" id="{F1C3C5AC-0C3B-1B4A-B730-BAB4E91FE8ED}"/>
               </a:ext>
             </a:extLst>
           </p:cNvPr>
@@ -4697,8 +8228,8 @@
         </p:nvSpPr>
         <p:spPr>
           <a:xfrm>
-            <a:off x="817418" y="2891412"/>
-            <a:ext cx="10697642" cy="1456660"/>
+            <a:off x="2670885" y="2870791"/>
+            <a:ext cx="6685765" cy="1743739"/>
           </a:xfrm>
           <a:prstGeom prst="roundRect">
             <a:avLst/>
@@ -4746,7 +8277,7 @@
         <p:spPr>
           <a:xfrm>
             <a:off x="914401" y="914400"/>
-            <a:ext cx="6980274" cy="2996649"/>
+            <a:ext cx="4035055" cy="2996649"/>
           </a:xfrm>
         </p:spPr>
         <p:txBody>
@@ -4761,17 +8292,17 @@
             </a:r>
             <a:r>
               <a:rPr lang="en-US" dirty="0"/>
-              <a:t> 5</a:t>
+              <a:t> 3</a:t>
             </a:r>
           </a:p>
         </p:txBody>
       </p:sp>
       <p:pic>
         <p:nvPicPr>
-          <p:cNvPr id="5" name="Image 4">
-            <a:extLst>
-              <a:ext uri="{FF2B5EF4-FFF2-40B4-BE49-F238E27FC236}">
-                <a16:creationId xmlns:a16="http://schemas.microsoft.com/office/drawing/2014/main" id="{0FC88044-5207-6F45-ABFA-371C48C70507}"/>
+          <p:cNvPr id="7" name="Image 6">
+            <a:extLst>
+              <a:ext uri="{FF2B5EF4-FFF2-40B4-BE49-F238E27FC236}">
+                <a16:creationId xmlns:a16="http://schemas.microsoft.com/office/drawing/2014/main" id="{8B806F89-F368-5647-BF8E-D272FFFEA624}"/>
               </a:ext>
             </a:extLst>
           </p:cNvPr>
@@ -4780,16 +8311,15 @@
           </p:cNvPicPr>
           <p:nvPr/>
         </p:nvPicPr>
-        <p:blipFill>
+        <p:blipFill rotWithShape="1">
           <a:blip r:embed="rId2"/>
-          <a:stretch>
-            <a:fillRect/>
-          </a:stretch>
+          <a:srcRect r="33377"/>
+          <a:stretch/>
         </p:blipFill>
         <p:spPr>
           <a:xfrm>
-            <a:off x="876401" y="3098767"/>
-            <a:ext cx="10495506" cy="1041949"/>
+            <a:off x="2969142" y="3154365"/>
+            <a:ext cx="6218959" cy="1117600"/>
           </a:xfrm>
           <a:prstGeom prst="rect">
             <a:avLst/>
@@ -4798,10 +8328,10 @@
       </p:pic>
       <p:sp>
         <p:nvSpPr>
-          <p:cNvPr id="6" name="ZoneTexte 5">
-            <a:extLst>
-              <a:ext uri="{FF2B5EF4-FFF2-40B4-BE49-F238E27FC236}">
-                <a16:creationId xmlns:a16="http://schemas.microsoft.com/office/drawing/2014/main" id="{ABBB3430-F7B2-1844-8D08-43366D7F46F6}"/>
+          <p:cNvPr id="8" name="ZoneTexte 7">
+            <a:extLst>
+              <a:ext uri="{FF2B5EF4-FFF2-40B4-BE49-F238E27FC236}">
+                <a16:creationId xmlns:a16="http://schemas.microsoft.com/office/drawing/2014/main" id="{8B4C196D-7F98-2D4E-9A26-02F2D6992943}"/>
               </a:ext>
             </a:extLst>
           </p:cNvPr>
@@ -4810,8 +8340,8 @@
         </p:nvSpPr>
         <p:spPr>
           <a:xfrm>
-            <a:off x="1212112" y="1637415"/>
-            <a:ext cx="10302948" cy="369332"/>
+            <a:off x="1087848" y="1701210"/>
+            <a:ext cx="6154698" cy="369332"/>
           </a:xfrm>
           <a:prstGeom prst="rect">
             <a:avLst/>
@@ -4819,22 +8349,14 @@
           <a:noFill/>
         </p:spPr>
         <p:txBody>
-          <a:bodyPr wrap="square" rtlCol="0">
+          <a:bodyPr wrap="none" rtlCol="0">
             <a:spAutoFit/>
           </a:bodyPr>
           <a:lstStyle/>
           <a:p>
             <a:r>
               <a:rPr lang="fr-FR" dirty="0"/>
-              <a:t>Calculez l’évolution, pour chaque jour et chaque pays, du nombre de patients hospitalisés (</a:t>
-            </a:r>
-            <a:r>
-              <a:rPr lang="fr-FR" b="1" dirty="0" err="1"/>
-              <a:t>hosp_patients</a:t>
-            </a:r>
-            <a:r>
-              <a:rPr lang="fr-FR" dirty="0"/>
-              <a:t>)</a:t>
+              <a:t>Pour chaque vaccin, sélectionnez le nom des pays qui l'utilisent </a:t>
             </a:r>
           </a:p>
         </p:txBody>
@@ -4842,7 +8364,7 @@
     </p:spTree>
     <p:extLst>
       <p:ext uri="{BB962C8B-B14F-4D97-AF65-F5344CB8AC3E}">
-        <p14:creationId xmlns:p14="http://schemas.microsoft.com/office/powerpoint/2010/main" val="2931938702"/>
+        <p14:creationId xmlns:p14="http://schemas.microsoft.com/office/powerpoint/2010/main" val="904910003"/>
       </p:ext>
     </p:extLst>
   </p:cSld>
@@ -4879,6 +8401,386 @@
       </p:grpSpPr>
       <p:sp>
         <p:nvSpPr>
+          <p:cNvPr id="15" name="Rectangle : coins arrondis 14">
+            <a:extLst>
+              <a:ext uri="{FF2B5EF4-FFF2-40B4-BE49-F238E27FC236}">
+                <a16:creationId xmlns:a16="http://schemas.microsoft.com/office/drawing/2014/main" id="{EAF92106-DED9-D34B-AE66-88C6472A8163}"/>
+              </a:ext>
+            </a:extLst>
+          </p:cNvPr>
+          <p:cNvSpPr/>
+          <p:nvPr/>
+        </p:nvSpPr>
+        <p:spPr>
+          <a:xfrm>
+            <a:off x="820820" y="2833259"/>
+            <a:ext cx="10864361" cy="1664309"/>
+          </a:xfrm>
+          <a:prstGeom prst="roundRect">
+            <a:avLst/>
+          </a:prstGeom>
+        </p:spPr>
+        <p:style>
+          <a:lnRef idx="2">
+            <a:schemeClr val="dk1"/>
+          </a:lnRef>
+          <a:fillRef idx="1">
+            <a:schemeClr val="lt1"/>
+          </a:fillRef>
+          <a:effectRef idx="0">
+            <a:schemeClr val="dk1"/>
+          </a:effectRef>
+          <a:fontRef idx="minor">
+            <a:schemeClr val="dk1"/>
+          </a:fontRef>
+        </p:style>
+        <p:txBody>
+          <a:bodyPr rtlCol="0" anchor="ctr"/>
+          <a:lstStyle/>
+          <a:p>
+            <a:pPr algn="ctr"/>
+            <a:endParaRPr lang="fr-FR" dirty="0"/>
+          </a:p>
+        </p:txBody>
+      </p:sp>
+      <p:sp>
+        <p:nvSpPr>
+          <p:cNvPr id="2" name="Titre 1">
+            <a:extLst>
+              <a:ext uri="{FF2B5EF4-FFF2-40B4-BE49-F238E27FC236}">
+                <a16:creationId xmlns:a16="http://schemas.microsoft.com/office/drawing/2014/main" id="{12CC11B5-C4EA-ED40-AC48-F81663564CEF}"/>
+              </a:ext>
+            </a:extLst>
+          </p:cNvPr>
+          <p:cNvSpPr>
+            <a:spLocks noGrp="1"/>
+          </p:cNvSpPr>
+          <p:nvPr>
+            <p:ph type="title"/>
+          </p:nvPr>
+        </p:nvSpPr>
+        <p:spPr>
+          <a:xfrm>
+            <a:off x="914401" y="914400"/>
+            <a:ext cx="4035055" cy="2996649"/>
+          </a:xfrm>
+        </p:spPr>
+        <p:txBody>
+          <a:bodyPr vert="horz" lIns="91440" tIns="45720" rIns="91440" bIns="45720" rtlCol="0" anchor="t">
+            <a:normAutofit/>
+          </a:bodyPr>
+          <a:lstStyle/>
+          <a:p>
+            <a:r>
+              <a:rPr lang="en-US" dirty="0" err="1"/>
+              <a:t>Requête</a:t>
+            </a:r>
+            <a:r>
+              <a:rPr lang="en-US" dirty="0"/>
+              <a:t> 4</a:t>
+            </a:r>
+          </a:p>
+        </p:txBody>
+      </p:sp>
+      <p:pic>
+        <p:nvPicPr>
+          <p:cNvPr id="4" name="Image 3">
+            <a:extLst>
+              <a:ext uri="{FF2B5EF4-FFF2-40B4-BE49-F238E27FC236}">
+                <a16:creationId xmlns:a16="http://schemas.microsoft.com/office/drawing/2014/main" id="{19854CEB-0158-A84F-B428-3D0431F8497B}"/>
+              </a:ext>
+            </a:extLst>
+          </p:cNvPr>
+          <p:cNvPicPr>
+            <a:picLocks noChangeAspect="1"/>
+          </p:cNvPicPr>
+          <p:nvPr/>
+        </p:nvPicPr>
+        <p:blipFill>
+          <a:blip r:embed="rId2"/>
+          <a:stretch>
+            <a:fillRect/>
+          </a:stretch>
+        </p:blipFill>
+        <p:spPr>
+          <a:xfrm>
+            <a:off x="990600" y="3205086"/>
+            <a:ext cx="10575636" cy="1000087"/>
+          </a:xfrm>
+          <a:prstGeom prst="rect">
+            <a:avLst/>
+          </a:prstGeom>
+        </p:spPr>
+      </p:pic>
+      <p:sp>
+        <p:nvSpPr>
+          <p:cNvPr id="5" name="ZoneTexte 4">
+            <a:extLst>
+              <a:ext uri="{FF2B5EF4-FFF2-40B4-BE49-F238E27FC236}">
+                <a16:creationId xmlns:a16="http://schemas.microsoft.com/office/drawing/2014/main" id="{4B3A1A6C-215D-BF4F-B351-75E63EA446C9}"/>
+              </a:ext>
+            </a:extLst>
+          </p:cNvPr>
+          <p:cNvSpPr txBox="1"/>
+          <p:nvPr/>
+        </p:nvSpPr>
+        <p:spPr>
+          <a:xfrm>
+            <a:off x="1057044" y="1834109"/>
+            <a:ext cx="7784823" cy="369332"/>
+          </a:xfrm>
+          <a:prstGeom prst="rect">
+            <a:avLst/>
+          </a:prstGeom>
+          <a:noFill/>
+        </p:spPr>
+        <p:txBody>
+          <a:bodyPr wrap="none" rtlCol="0">
+            <a:spAutoFit/>
+          </a:bodyPr>
+          <a:lstStyle/>
+          <a:p>
+            <a:r>
+              <a:rPr lang="fr-FR" dirty="0"/>
+              <a:t>La proportion de la population hospitalisée pour chaque pays, le 1er janvier 2021</a:t>
+            </a:r>
+          </a:p>
+        </p:txBody>
+      </p:sp>
+    </p:spTree>
+    <p:extLst>
+      <p:ext uri="{BB962C8B-B14F-4D97-AF65-F5344CB8AC3E}">
+        <p14:creationId xmlns:p14="http://schemas.microsoft.com/office/powerpoint/2010/main" val="2668238740"/>
+      </p:ext>
+    </p:extLst>
+  </p:cSld>
+  <p:clrMapOvr>
+    <a:masterClrMapping/>
+  </p:clrMapOvr>
+</p:sld>
+</file>
+
+<file path=ppt/slides/slide15.xml><?xml version="1.0" encoding="utf-8"?>
+<p:sld xmlns:a="http://schemas.openxmlformats.org/drawingml/2006/main" xmlns:r="http://schemas.openxmlformats.org/officeDocument/2006/relationships" xmlns:p="http://schemas.openxmlformats.org/presentationml/2006/main">
+  <p:cSld>
+    <p:bg>
+      <p:bgPr>
+        <a:solidFill>
+          <a:schemeClr val="bg1"/>
+        </a:solidFill>
+        <a:effectLst/>
+      </p:bgPr>
+    </p:bg>
+    <p:spTree>
+      <p:nvGrpSpPr>
+        <p:cNvPr id="1" name=""/>
+        <p:cNvGrpSpPr/>
+        <p:nvPr/>
+      </p:nvGrpSpPr>
+      <p:grpSpPr>
+        <a:xfrm>
+          <a:off x="0" y="0"/>
+          <a:ext cx="0" cy="0"/>
+          <a:chOff x="0" y="0"/>
+          <a:chExt cx="0" cy="0"/>
+        </a:xfrm>
+      </p:grpSpPr>
+      <p:sp>
+        <p:nvSpPr>
+          <p:cNvPr id="13" name="Rectangle : coins arrondis 12">
+            <a:extLst>
+              <a:ext uri="{FF2B5EF4-FFF2-40B4-BE49-F238E27FC236}">
+                <a16:creationId xmlns:a16="http://schemas.microsoft.com/office/drawing/2014/main" id="{58930596-5410-134D-A2A9-C597310EB175}"/>
+              </a:ext>
+            </a:extLst>
+          </p:cNvPr>
+          <p:cNvSpPr/>
+          <p:nvPr/>
+        </p:nvSpPr>
+        <p:spPr>
+          <a:xfrm>
+            <a:off x="817418" y="2891412"/>
+            <a:ext cx="10697642" cy="1456660"/>
+          </a:xfrm>
+          <a:prstGeom prst="roundRect">
+            <a:avLst/>
+          </a:prstGeom>
+        </p:spPr>
+        <p:style>
+          <a:lnRef idx="2">
+            <a:schemeClr val="dk1"/>
+          </a:lnRef>
+          <a:fillRef idx="1">
+            <a:schemeClr val="lt1"/>
+          </a:fillRef>
+          <a:effectRef idx="0">
+            <a:schemeClr val="dk1"/>
+          </a:effectRef>
+          <a:fontRef idx="minor">
+            <a:schemeClr val="dk1"/>
+          </a:fontRef>
+        </p:style>
+        <p:txBody>
+          <a:bodyPr rtlCol="0" anchor="ctr"/>
+          <a:lstStyle/>
+          <a:p>
+            <a:pPr algn="ctr"/>
+            <a:endParaRPr lang="fr-FR" dirty="0"/>
+          </a:p>
+        </p:txBody>
+      </p:sp>
+      <p:sp>
+        <p:nvSpPr>
+          <p:cNvPr id="2" name="Titre 1">
+            <a:extLst>
+              <a:ext uri="{FF2B5EF4-FFF2-40B4-BE49-F238E27FC236}">
+                <a16:creationId xmlns:a16="http://schemas.microsoft.com/office/drawing/2014/main" id="{12CC11B5-C4EA-ED40-AC48-F81663564CEF}"/>
+              </a:ext>
+            </a:extLst>
+          </p:cNvPr>
+          <p:cNvSpPr>
+            <a:spLocks noGrp="1"/>
+          </p:cNvSpPr>
+          <p:nvPr>
+            <p:ph type="title"/>
+          </p:nvPr>
+        </p:nvSpPr>
+        <p:spPr>
+          <a:xfrm>
+            <a:off x="914401" y="914400"/>
+            <a:ext cx="6980274" cy="2996649"/>
+          </a:xfrm>
+        </p:spPr>
+        <p:txBody>
+          <a:bodyPr vert="horz" lIns="91440" tIns="45720" rIns="91440" bIns="45720" rtlCol="0" anchor="t">
+            <a:normAutofit/>
+          </a:bodyPr>
+          <a:lstStyle/>
+          <a:p>
+            <a:r>
+              <a:rPr lang="en-US" dirty="0" err="1"/>
+              <a:t>Requête</a:t>
+            </a:r>
+            <a:r>
+              <a:rPr lang="en-US" dirty="0"/>
+              <a:t> 5</a:t>
+            </a:r>
+          </a:p>
+        </p:txBody>
+      </p:sp>
+      <p:pic>
+        <p:nvPicPr>
+          <p:cNvPr id="5" name="Image 4">
+            <a:extLst>
+              <a:ext uri="{FF2B5EF4-FFF2-40B4-BE49-F238E27FC236}">
+                <a16:creationId xmlns:a16="http://schemas.microsoft.com/office/drawing/2014/main" id="{0FC88044-5207-6F45-ABFA-371C48C70507}"/>
+              </a:ext>
+            </a:extLst>
+          </p:cNvPr>
+          <p:cNvPicPr>
+            <a:picLocks noChangeAspect="1"/>
+          </p:cNvPicPr>
+          <p:nvPr/>
+        </p:nvPicPr>
+        <p:blipFill>
+          <a:blip r:embed="rId2"/>
+          <a:stretch>
+            <a:fillRect/>
+          </a:stretch>
+        </p:blipFill>
+        <p:spPr>
+          <a:xfrm>
+            <a:off x="876401" y="3098767"/>
+            <a:ext cx="10495506" cy="1041949"/>
+          </a:xfrm>
+          <a:prstGeom prst="rect">
+            <a:avLst/>
+          </a:prstGeom>
+        </p:spPr>
+      </p:pic>
+      <p:sp>
+        <p:nvSpPr>
+          <p:cNvPr id="6" name="ZoneTexte 5">
+            <a:extLst>
+              <a:ext uri="{FF2B5EF4-FFF2-40B4-BE49-F238E27FC236}">
+                <a16:creationId xmlns:a16="http://schemas.microsoft.com/office/drawing/2014/main" id="{ABBB3430-F7B2-1844-8D08-43366D7F46F6}"/>
+              </a:ext>
+            </a:extLst>
+          </p:cNvPr>
+          <p:cNvSpPr txBox="1"/>
+          <p:nvPr/>
+        </p:nvSpPr>
+        <p:spPr>
+          <a:xfrm>
+            <a:off x="1212112" y="1637415"/>
+            <a:ext cx="10302948" cy="369332"/>
+          </a:xfrm>
+          <a:prstGeom prst="rect">
+            <a:avLst/>
+          </a:prstGeom>
+          <a:noFill/>
+        </p:spPr>
+        <p:txBody>
+          <a:bodyPr wrap="square" rtlCol="0">
+            <a:spAutoFit/>
+          </a:bodyPr>
+          <a:lstStyle/>
+          <a:p>
+            <a:r>
+              <a:rPr lang="fr-FR" dirty="0"/>
+              <a:t>Calculez l’évolution, pour chaque jour et chaque pays, du nombre de patients hospitalisés (</a:t>
+            </a:r>
+            <a:r>
+              <a:rPr lang="fr-FR" b="1" dirty="0" err="1"/>
+              <a:t>hosp_patients</a:t>
+            </a:r>
+            <a:r>
+              <a:rPr lang="fr-FR" dirty="0"/>
+              <a:t>)</a:t>
+            </a:r>
+          </a:p>
+        </p:txBody>
+      </p:sp>
+    </p:spTree>
+    <p:extLst>
+      <p:ext uri="{BB962C8B-B14F-4D97-AF65-F5344CB8AC3E}">
+        <p14:creationId xmlns:p14="http://schemas.microsoft.com/office/powerpoint/2010/main" val="2931938702"/>
+      </p:ext>
+    </p:extLst>
+  </p:cSld>
+  <p:clrMapOvr>
+    <a:masterClrMapping/>
+  </p:clrMapOvr>
+</p:sld>
+</file>
+
+<file path=ppt/slides/slide16.xml><?xml version="1.0" encoding="utf-8"?>
+<p:sld xmlns:a="http://schemas.openxmlformats.org/drawingml/2006/main" xmlns:r="http://schemas.openxmlformats.org/officeDocument/2006/relationships" xmlns:p="http://schemas.openxmlformats.org/presentationml/2006/main">
+  <p:cSld>
+    <p:bg>
+      <p:bgPr>
+        <a:solidFill>
+          <a:schemeClr val="bg1"/>
+        </a:solidFill>
+        <a:effectLst/>
+      </p:bgPr>
+    </p:bg>
+    <p:spTree>
+      <p:nvGrpSpPr>
+        <p:cNvPr id="1" name=""/>
+        <p:cNvGrpSpPr/>
+        <p:nvPr/>
+      </p:nvGrpSpPr>
+      <p:grpSpPr>
+        <a:xfrm>
+          <a:off x="0" y="0"/>
+          <a:ext cx="0" cy="0"/>
+          <a:chOff x="0" y="0"/>
+          <a:chExt cx="0" cy="0"/>
+        </a:xfrm>
+      </p:grpSpPr>
+      <p:sp>
+        <p:nvSpPr>
           <p:cNvPr id="19" name="Rectangle : coins arrondis 18">
             <a:extLst>
               <a:ext uri="{FF2B5EF4-FFF2-40B4-BE49-F238E27FC236}">
@@ -4962,10 +8864,10 @@
       </p:sp>
       <p:pic>
         <p:nvPicPr>
-          <p:cNvPr id="4" name="Image 3" descr="Une image contenant texte&#10;&#10;Description générée automatiquement">
-            <a:extLst>
-              <a:ext uri="{FF2B5EF4-FFF2-40B4-BE49-F238E27FC236}">
-                <a16:creationId xmlns:a16="http://schemas.microsoft.com/office/drawing/2014/main" id="{311545CE-7869-BA4F-845F-386309B603B4}"/>
+          <p:cNvPr id="10" name="Image 9" descr="Une image contenant texte&#10;&#10;Description générée automatiquement">
+            <a:extLst>
+              <a:ext uri="{FF2B5EF4-FFF2-40B4-BE49-F238E27FC236}">
+                <a16:creationId xmlns:a16="http://schemas.microsoft.com/office/drawing/2014/main" id="{B5469F50-5CAF-2847-991E-08538742E6FE}"/>
               </a:ext>
             </a:extLst>
           </p:cNvPr>
@@ -4976,66 +8878,6 @@
         </p:nvPicPr>
         <p:blipFill>
           <a:blip r:embed="rId2"/>
-          <a:stretch>
-            <a:fillRect/>
-          </a:stretch>
-        </p:blipFill>
-        <p:spPr>
-          <a:xfrm>
-            <a:off x="2199345" y="4486556"/>
-            <a:ext cx="4546600" cy="927100"/>
-          </a:xfrm>
-          <a:prstGeom prst="rect">
-            <a:avLst/>
-          </a:prstGeom>
-        </p:spPr>
-      </p:pic>
-      <p:pic>
-        <p:nvPicPr>
-          <p:cNvPr id="7" name="Image 6">
-            <a:extLst>
-              <a:ext uri="{FF2B5EF4-FFF2-40B4-BE49-F238E27FC236}">
-                <a16:creationId xmlns:a16="http://schemas.microsoft.com/office/drawing/2014/main" id="{374B7423-CBCD-E843-BB74-5E74AC5205F0}"/>
-              </a:ext>
-            </a:extLst>
-          </p:cNvPr>
-          <p:cNvPicPr>
-            <a:picLocks noChangeAspect="1"/>
-          </p:cNvPicPr>
-          <p:nvPr/>
-        </p:nvPicPr>
-        <p:blipFill>
-          <a:blip r:embed="rId3"/>
-          <a:stretch>
-            <a:fillRect/>
-          </a:stretch>
-        </p:blipFill>
-        <p:spPr>
-          <a:xfrm>
-            <a:off x="2156976" y="5689659"/>
-            <a:ext cx="8915400" cy="850900"/>
-          </a:xfrm>
-          <a:prstGeom prst="rect">
-            <a:avLst/>
-          </a:prstGeom>
-        </p:spPr>
-      </p:pic>
-      <p:pic>
-        <p:nvPicPr>
-          <p:cNvPr id="10" name="Image 9" descr="Une image contenant texte&#10;&#10;Description générée automatiquement">
-            <a:extLst>
-              <a:ext uri="{FF2B5EF4-FFF2-40B4-BE49-F238E27FC236}">
-                <a16:creationId xmlns:a16="http://schemas.microsoft.com/office/drawing/2014/main" id="{B5469F50-5CAF-2847-991E-08538742E6FE}"/>
-              </a:ext>
-            </a:extLst>
-          </p:cNvPr>
-          <p:cNvPicPr>
-            <a:picLocks noChangeAspect="1"/>
-          </p:cNvPicPr>
-          <p:nvPr/>
-        </p:nvPicPr>
-        <p:blipFill>
-          <a:blip r:embed="rId4"/>
           <a:stretch>
             <a:fillRect/>
           </a:stretch>
@@ -5196,6 +9038,66 @@
           </a:p>
         </p:txBody>
       </p:sp>
+      <p:pic>
+        <p:nvPicPr>
+          <p:cNvPr id="5" name="Image 4">
+            <a:extLst>
+              <a:ext uri="{FF2B5EF4-FFF2-40B4-BE49-F238E27FC236}">
+                <a16:creationId xmlns:a16="http://schemas.microsoft.com/office/drawing/2014/main" id="{25C1625E-C345-49DF-8D72-474CE7EC1928}"/>
+              </a:ext>
+            </a:extLst>
+          </p:cNvPr>
+          <p:cNvPicPr>
+            <a:picLocks noChangeAspect="1"/>
+          </p:cNvPicPr>
+          <p:nvPr/>
+        </p:nvPicPr>
+        <p:blipFill>
+          <a:blip r:embed="rId3"/>
+          <a:stretch>
+            <a:fillRect/>
+          </a:stretch>
+        </p:blipFill>
+        <p:spPr>
+          <a:xfrm>
+            <a:off x="2199345" y="5558308"/>
+            <a:ext cx="8196468" cy="741170"/>
+          </a:xfrm>
+          <a:prstGeom prst="rect">
+            <a:avLst/>
+          </a:prstGeom>
+        </p:spPr>
+      </p:pic>
+      <p:pic>
+        <p:nvPicPr>
+          <p:cNvPr id="8" name="Image 7">
+            <a:extLst>
+              <a:ext uri="{FF2B5EF4-FFF2-40B4-BE49-F238E27FC236}">
+                <a16:creationId xmlns:a16="http://schemas.microsoft.com/office/drawing/2014/main" id="{08721165-20E9-418A-AA58-30AD11D16DB8}"/>
+              </a:ext>
+            </a:extLst>
+          </p:cNvPr>
+          <p:cNvPicPr>
+            <a:picLocks noChangeAspect="1"/>
+          </p:cNvPicPr>
+          <p:nvPr/>
+        </p:nvPicPr>
+        <p:blipFill>
+          <a:blip r:embed="rId4"/>
+          <a:stretch>
+            <a:fillRect/>
+          </a:stretch>
+        </p:blipFill>
+        <p:spPr>
+          <a:xfrm>
+            <a:off x="2296636" y="4551782"/>
+            <a:ext cx="3581400" cy="828675"/>
+          </a:xfrm>
+          <a:prstGeom prst="rect">
+            <a:avLst/>
+          </a:prstGeom>
+        </p:spPr>
+      </p:pic>
     </p:spTree>
     <p:extLst>
       <p:ext uri="{BB962C8B-B14F-4D97-AF65-F5344CB8AC3E}">
@@ -5209,7 +9111,7 @@
 </p:sld>
 </file>
 
-<file path=ppt/slides/slide15.xml><?xml version="1.0" encoding="utf-8"?>
+<file path=ppt/slides/slide17.xml><?xml version="1.0" encoding="utf-8"?>
 <p:sld xmlns:a="http://schemas.openxmlformats.org/drawingml/2006/main" xmlns:r="http://schemas.openxmlformats.org/officeDocument/2006/relationships" xmlns:p="http://schemas.openxmlformats.org/presentationml/2006/main">
   <p:cSld>
     <p:spTree>
@@ -5275,7 +9177,32 @@
           <a:bodyPr/>
           <a:lstStyle/>
           <a:p>
-            <a:endParaRPr lang="fr-FR"/>
+            <a:r>
+              <a:rPr lang="fr-FR" dirty="0"/>
+              <a:t>Certaines données censées être non nulles</a:t>
+            </a:r>
+          </a:p>
+          <a:p>
+            <a:pPr lvl="1"/>
+            <a:r>
+              <a:rPr lang="fr-FR" dirty="0"/>
+              <a:t>Ex nom des pays</a:t>
+            </a:r>
+          </a:p>
+          <a:p>
+            <a:r>
+              <a:rPr lang="fr-FR" dirty="0"/>
+              <a:t>OWID_WRL représente le monde entier, donc il fausse le calcul</a:t>
+            </a:r>
+          </a:p>
+          <a:p>
+            <a:r>
+              <a:rPr lang="fr-FR" dirty="0"/>
+              <a:t>Utilisation d’un id numérique pour l’utilisateur afin de gérer la connexion avec Django</a:t>
+            </a:r>
+          </a:p>
+          <a:p>
+            <a:endParaRPr lang="fr-FR" dirty="0"/>
           </a:p>
         </p:txBody>
       </p:sp>
@@ -5292,7 +9219,7 @@
 </p:sld>
 </file>
 
-<file path=ppt/slides/slide16.xml><?xml version="1.0" encoding="utf-8"?>
+<file path=ppt/slides/slide18.xml><?xml version="1.0" encoding="utf-8"?>
 <p:sld xmlns:a="http://schemas.openxmlformats.org/drawingml/2006/main" xmlns:r="http://schemas.openxmlformats.org/officeDocument/2006/relationships" xmlns:p="http://schemas.openxmlformats.org/presentationml/2006/main">
   <p:cSld>
     <p:spTree>
@@ -5424,6 +9351,208 @@
 </file>
 
 <file path=ppt/slides/slide2.xml><?xml version="1.0" encoding="utf-8"?>
+<p:sld xmlns:a="http://schemas.openxmlformats.org/drawingml/2006/main" xmlns:r="http://schemas.openxmlformats.org/officeDocument/2006/relationships" xmlns:p="http://schemas.openxmlformats.org/presentationml/2006/main">
+  <p:cSld>
+    <p:bg>
+      <p:bgPr>
+        <a:solidFill>
+          <a:schemeClr val="bg1"/>
+        </a:solidFill>
+        <a:effectLst/>
+      </p:bgPr>
+    </p:bg>
+    <p:spTree>
+      <p:nvGrpSpPr>
+        <p:cNvPr id="1" name=""/>
+        <p:cNvGrpSpPr/>
+        <p:nvPr/>
+      </p:nvGrpSpPr>
+      <p:grpSpPr>
+        <a:xfrm>
+          <a:off x="0" y="0"/>
+          <a:ext cx="0" cy="0"/>
+          <a:chOff x="0" y="0"/>
+          <a:chExt cx="0" cy="0"/>
+        </a:xfrm>
+      </p:grpSpPr>
+      <p:sp>
+        <p:nvSpPr>
+          <p:cNvPr id="10" name="Rectangle 9">
+            <a:extLst>
+              <a:ext uri="{FF2B5EF4-FFF2-40B4-BE49-F238E27FC236}">
+                <a16:creationId xmlns:a16="http://schemas.microsoft.com/office/drawing/2014/main" id="{9228552E-C8B1-4A80-8448-0787CE0FC704}"/>
+              </a:ext>
+              <a:ext uri="{C183D7F6-B498-43B3-948B-1728B52AA6E4}">
+                <adec:decorative xmlns:adec="http://schemas.microsoft.com/office/drawing/2017/decorative" val="1"/>
+              </a:ext>
+            </a:extLst>
+          </p:cNvPr>
+          <p:cNvSpPr>
+            <a:spLocks noGrp="1" noRot="1" noChangeAspect="1" noMove="1" noResize="1" noEditPoints="1" noAdjustHandles="1" noChangeArrowheads="1" noChangeShapeType="1" noTextEdit="1"/>
+          </p:cNvSpPr>
+          <p:nvPr>
+            <p:extLst>
+              <p:ext uri="{386F3935-93C4-4BCD-93E2-E3B085C9AB24}">
+                <p16:designElem xmlns:p16="http://schemas.microsoft.com/office/powerpoint/2015/main" val="1"/>
+              </p:ext>
+            </p:extLst>
+          </p:nvPr>
+        </p:nvSpPr>
+        <p:spPr>
+          <a:xfrm>
+            <a:off x="0" y="0"/>
+            <a:ext cx="12192000" cy="6858000"/>
+          </a:xfrm>
+          <a:prstGeom prst="rect">
+            <a:avLst/>
+          </a:prstGeom>
+          <a:solidFill>
+            <a:srgbClr val="000000"/>
+          </a:solidFill>
+          <a:ln>
+            <a:noFill/>
+          </a:ln>
+        </p:spPr>
+        <p:style>
+          <a:lnRef idx="2">
+            <a:schemeClr val="accent1">
+              <a:shade val="50000"/>
+            </a:schemeClr>
+          </a:lnRef>
+          <a:fillRef idx="1">
+            <a:schemeClr val="accent1"/>
+          </a:fillRef>
+          <a:effectRef idx="0">
+            <a:schemeClr val="accent1"/>
+          </a:effectRef>
+          <a:fontRef idx="minor">
+            <a:schemeClr val="lt1"/>
+          </a:fontRef>
+        </p:style>
+        <p:txBody>
+          <a:bodyPr rtlCol="0" anchor="ctr"/>
+          <a:lstStyle/>
+          <a:p>
+            <a:pPr algn="ctr"/>
+            <a:endParaRPr lang="en-US"/>
+          </a:p>
+        </p:txBody>
+      </p:sp>
+      <p:pic>
+        <p:nvPicPr>
+          <p:cNvPr id="6" name="Picture 5">
+            <a:extLst>
+              <a:ext uri="{FF2B5EF4-FFF2-40B4-BE49-F238E27FC236}">
+                <a16:creationId xmlns:a16="http://schemas.microsoft.com/office/drawing/2014/main" id="{83EBE5E5-3672-4C5C-A7A3-C69E821E6B37}"/>
+              </a:ext>
+            </a:extLst>
+          </p:cNvPr>
+          <p:cNvPicPr>
+            <a:picLocks noChangeAspect="1"/>
+          </p:cNvPicPr>
+          <p:nvPr/>
+        </p:nvPicPr>
+        <p:blipFill rotWithShape="1">
+          <a:blip r:embed="rId2">
+            <a:alphaModFix amt="35000"/>
+          </a:blip>
+          <a:srcRect t="11232" b="6351"/>
+          <a:stretch/>
+        </p:blipFill>
+        <p:spPr>
+          <a:xfrm>
+            <a:off x="20" y="10"/>
+            <a:ext cx="12191980" cy="6857990"/>
+          </a:xfrm>
+          <a:prstGeom prst="rect">
+            <a:avLst/>
+          </a:prstGeom>
+        </p:spPr>
+      </p:pic>
+      <p:sp>
+        <p:nvSpPr>
+          <p:cNvPr id="2" name="Titre 1">
+            <a:extLst>
+              <a:ext uri="{FF2B5EF4-FFF2-40B4-BE49-F238E27FC236}">
+                <a16:creationId xmlns:a16="http://schemas.microsoft.com/office/drawing/2014/main" id="{408605CE-D583-4859-9137-290C94838634}"/>
+              </a:ext>
+            </a:extLst>
+          </p:cNvPr>
+          <p:cNvSpPr>
+            <a:spLocks noGrp="1"/>
+          </p:cNvSpPr>
+          <p:nvPr>
+            <p:ph type="title"/>
+          </p:nvPr>
+        </p:nvSpPr>
+        <p:spPr>
+          <a:xfrm>
+            <a:off x="838200" y="365125"/>
+            <a:ext cx="10515600" cy="1325563"/>
+          </a:xfrm>
+        </p:spPr>
+        <p:txBody>
+          <a:bodyPr>
+            <a:normAutofit/>
+          </a:bodyPr>
+          <a:lstStyle/>
+          <a:p>
+            <a:r>
+              <a:rPr lang="fr-BE">
+                <a:solidFill>
+                  <a:srgbClr val="FFFFFF"/>
+                </a:solidFill>
+              </a:rPr>
+              <a:t>Hypothèses de la DB</a:t>
+            </a:r>
+          </a:p>
+        </p:txBody>
+      </p:sp>
+      <p:graphicFrame>
+        <p:nvGraphicFramePr>
+          <p:cNvPr id="5" name="Espace réservé du contenu 2">
+            <a:extLst>
+              <a:ext uri="{FF2B5EF4-FFF2-40B4-BE49-F238E27FC236}">
+                <a16:creationId xmlns:a16="http://schemas.microsoft.com/office/drawing/2014/main" id="{8397A524-0AAB-490B-B8FA-D3D99964CEDF}"/>
+              </a:ext>
+            </a:extLst>
+          </p:cNvPr>
+          <p:cNvGraphicFramePr>
+            <a:graphicFrameLocks noGrp="1"/>
+          </p:cNvGraphicFramePr>
+          <p:nvPr>
+            <p:ph idx="1"/>
+            <p:extLst>
+              <p:ext uri="{D42A27DB-BD31-4B8C-83A1-F6EECF244321}">
+                <p14:modId xmlns:p14="http://schemas.microsoft.com/office/powerpoint/2010/main" val="1911152873"/>
+              </p:ext>
+            </p:extLst>
+          </p:nvPr>
+        </p:nvGraphicFramePr>
+        <p:xfrm>
+          <a:off x="838200" y="1825625"/>
+          <a:ext cx="10515600" cy="4351338"/>
+        </p:xfrm>
+        <a:graphic>
+          <a:graphicData uri="http://schemas.openxmlformats.org/drawingml/2006/diagram">
+            <dgm:relIds xmlns:dgm="http://schemas.openxmlformats.org/drawingml/2006/diagram" xmlns:r="http://schemas.openxmlformats.org/officeDocument/2006/relationships" r:dm="rId3" r:lo="rId4" r:qs="rId5" r:cs="rId6"/>
+          </a:graphicData>
+        </a:graphic>
+      </p:graphicFrame>
+    </p:spTree>
+    <p:extLst>
+      <p:ext uri="{BB962C8B-B14F-4D97-AF65-F5344CB8AC3E}">
+        <p14:creationId xmlns:p14="http://schemas.microsoft.com/office/powerpoint/2010/main" val="2278742215"/>
+      </p:ext>
+    </p:extLst>
+  </p:cSld>
+  <p:clrMapOvr>
+    <a:overrideClrMapping bg1="dk1" tx1="lt1" bg2="dk2" tx2="lt2" accent1="accent1" accent2="accent2" accent3="accent3" accent4="accent4" accent5="accent5" accent6="accent6" hlink="hlink" folHlink="folHlink"/>
+  </p:clrMapOvr>
+</p:sld>
+</file>
+
+<file path=ppt/slides/slide3.xml><?xml version="1.0" encoding="utf-8"?>
 <p:sld xmlns:a="http://schemas.openxmlformats.org/drawingml/2006/main" xmlns:r="http://schemas.openxmlformats.org/officeDocument/2006/relationships" xmlns:p="http://schemas.openxmlformats.org/presentationml/2006/main">
   <p:cSld>
     <p:bg>
@@ -6162,7 +10291,7 @@
 </p:sld>
 </file>
 
-<file path=ppt/slides/slide3.xml><?xml version="1.0" encoding="utf-8"?>
+<file path=ppt/slides/slide4.xml><?xml version="1.0" encoding="utf-8"?>
 <p:sld xmlns:a="http://schemas.openxmlformats.org/drawingml/2006/main" xmlns:r="http://schemas.openxmlformats.org/officeDocument/2006/relationships" xmlns:p="http://schemas.openxmlformats.org/presentationml/2006/main">
   <p:cSld>
     <p:bg>
@@ -6764,7 +10893,7 @@
 </p:sld>
 </file>
 
-<file path=ppt/slides/slide4.xml><?xml version="1.0" encoding="utf-8"?>
+<file path=ppt/slides/slide5.xml><?xml version="1.0" encoding="utf-8"?>
 <p:sld xmlns:a="http://schemas.openxmlformats.org/drawingml/2006/main" xmlns:r="http://schemas.openxmlformats.org/officeDocument/2006/relationships" xmlns:p="http://schemas.openxmlformats.org/presentationml/2006/main">
   <p:cSld>
     <p:bg>
@@ -7378,7 +11507,225 @@
 </p:sld>
 </file>
 
-<file path=ppt/slides/slide5.xml><?xml version="1.0" encoding="utf-8"?>
+<file path=ppt/slides/slide6.xml><?xml version="1.0" encoding="utf-8"?>
+<p:sld xmlns:a="http://schemas.openxmlformats.org/drawingml/2006/main" xmlns:r="http://schemas.openxmlformats.org/officeDocument/2006/relationships" xmlns:p="http://schemas.openxmlformats.org/presentationml/2006/main">
+  <p:cSld>
+    <p:spTree>
+      <p:nvGrpSpPr>
+        <p:cNvPr id="1" name=""/>
+        <p:cNvGrpSpPr/>
+        <p:nvPr/>
+      </p:nvGrpSpPr>
+      <p:grpSpPr>
+        <a:xfrm>
+          <a:off x="0" y="0"/>
+          <a:ext cx="0" cy="0"/>
+          <a:chOff x="0" y="0"/>
+          <a:chExt cx="0" cy="0"/>
+        </a:xfrm>
+      </p:grpSpPr>
+      <p:sp>
+        <p:nvSpPr>
+          <p:cNvPr id="2" name="Titre 1">
+            <a:extLst>
+              <a:ext uri="{FF2B5EF4-FFF2-40B4-BE49-F238E27FC236}">
+                <a16:creationId xmlns:a16="http://schemas.microsoft.com/office/drawing/2014/main" id="{46B6A5B6-FAE6-4442-BB0E-D453DD4A4841}"/>
+              </a:ext>
+            </a:extLst>
+          </p:cNvPr>
+          <p:cNvSpPr>
+            <a:spLocks noGrp="1"/>
+          </p:cNvSpPr>
+          <p:nvPr>
+            <p:ph type="title"/>
+          </p:nvPr>
+        </p:nvSpPr>
+        <p:spPr/>
+        <p:txBody>
+          <a:bodyPr/>
+          <a:lstStyle/>
+          <a:p>
+            <a:r>
+              <a:rPr lang="fr-BE" dirty="0"/>
+              <a:t>Nettoyage des données</a:t>
+            </a:r>
+          </a:p>
+        </p:txBody>
+      </p:sp>
+      <p:sp>
+        <p:nvSpPr>
+          <p:cNvPr id="3" name="Espace réservé du contenu 2">
+            <a:extLst>
+              <a:ext uri="{FF2B5EF4-FFF2-40B4-BE49-F238E27FC236}">
+                <a16:creationId xmlns:a16="http://schemas.microsoft.com/office/drawing/2014/main" id="{3D5ADB01-C5AF-4717-B780-02F1C06C53B1}"/>
+              </a:ext>
+            </a:extLst>
+          </p:cNvPr>
+          <p:cNvSpPr>
+            <a:spLocks noGrp="1"/>
+          </p:cNvSpPr>
+          <p:nvPr>
+            <p:ph idx="1"/>
+          </p:nvPr>
+        </p:nvSpPr>
+        <p:spPr/>
+        <p:txBody>
+          <a:bodyPr/>
+          <a:lstStyle/>
+          <a:p>
+            <a:r>
+              <a:rPr lang="fr-BE" dirty="0"/>
+              <a:t>CSV_to_Table.py</a:t>
+            </a:r>
+          </a:p>
+          <a:p>
+            <a:pPr lvl="1"/>
+            <a:r>
+              <a:rPr lang="fr-BE" dirty="0"/>
+              <a:t>Script python</a:t>
+            </a:r>
+          </a:p>
+          <a:p>
+            <a:pPr lvl="1"/>
+            <a:r>
+              <a:rPr lang="fr-BE" dirty="0"/>
+              <a:t>Plus lent que SQL</a:t>
+            </a:r>
+          </a:p>
+          <a:p>
+            <a:pPr lvl="1"/>
+            <a:r>
+              <a:rPr lang="fr-BE" dirty="0"/>
+              <a:t>Mais fonctionne pour tous SGBD</a:t>
+            </a:r>
+          </a:p>
+          <a:p>
+            <a:r>
+              <a:rPr lang="fr-BE" dirty="0" err="1"/>
+              <a:t>Convert</a:t>
+            </a:r>
+            <a:r>
+              <a:rPr lang="fr-BE" dirty="0"/>
+              <a:t> </a:t>
+            </a:r>
+            <a:r>
+              <a:rPr lang="fr-BE" dirty="0" err="1"/>
+              <a:t>ugly</a:t>
+            </a:r>
+            <a:r>
+              <a:rPr lang="fr-BE" dirty="0"/>
+              <a:t> date to </a:t>
+            </a:r>
+            <a:r>
+              <a:rPr lang="fr-BE" dirty="0" err="1"/>
+              <a:t>pretty</a:t>
+            </a:r>
+            <a:r>
+              <a:rPr lang="fr-BE" dirty="0"/>
+              <a:t> date</a:t>
+            </a:r>
+          </a:p>
+          <a:p>
+            <a:r>
+              <a:rPr lang="fr-BE" dirty="0"/>
+              <a:t>Récupérer la date de début </a:t>
+            </a:r>
+            <a:r>
+              <a:rPr lang="fr-BE" dirty="0" err="1"/>
+              <a:t>vacc</a:t>
+            </a:r>
+            <a:r>
+              <a:rPr lang="fr-BE" dirty="0"/>
+              <a:t> dans </a:t>
+            </a:r>
+            <a:r>
+              <a:rPr lang="fr-BE" dirty="0" err="1"/>
+              <a:t>producers</a:t>
+            </a:r>
+            <a:r>
+              <a:rPr lang="fr-BE" dirty="0"/>
+              <a:t> et l’ajouter dans pays</a:t>
+            </a:r>
+          </a:p>
+          <a:p>
+            <a:r>
+              <a:rPr lang="fr-BE" dirty="0"/>
+              <a:t>Générer des id pour les stats journalières</a:t>
+            </a:r>
+          </a:p>
+          <a:p>
+            <a:r>
+              <a:rPr lang="fr-BE" dirty="0"/>
+              <a:t>Séparer les </a:t>
+            </a:r>
+            <a:r>
+              <a:rPr lang="fr-BE" dirty="0" err="1"/>
+              <a:t>regions</a:t>
+            </a:r>
+            <a:r>
+              <a:rPr lang="fr-BE" dirty="0"/>
+              <a:t> des continents,</a:t>
+            </a:r>
+          </a:p>
+          <a:p>
+            <a:r>
+              <a:rPr lang="fr-BE" dirty="0"/>
+              <a:t>Etc…</a:t>
+            </a:r>
+          </a:p>
+          <a:p>
+            <a:endParaRPr lang="fr-BE" dirty="0"/>
+          </a:p>
+          <a:p>
+            <a:pPr lvl="1"/>
+            <a:endParaRPr lang="fr-BE" dirty="0"/>
+          </a:p>
+        </p:txBody>
+      </p:sp>
+      <p:pic>
+        <p:nvPicPr>
+          <p:cNvPr id="5" name="Image 4">
+            <a:extLst>
+              <a:ext uri="{FF2B5EF4-FFF2-40B4-BE49-F238E27FC236}">
+                <a16:creationId xmlns:a16="http://schemas.microsoft.com/office/drawing/2014/main" id="{B70575F3-7483-455D-92DA-FC2A6030F495}"/>
+              </a:ext>
+            </a:extLst>
+          </p:cNvPr>
+          <p:cNvPicPr>
+            <a:picLocks noChangeAspect="1"/>
+          </p:cNvPicPr>
+          <p:nvPr/>
+        </p:nvPicPr>
+        <p:blipFill>
+          <a:blip r:embed="rId2"/>
+          <a:stretch>
+            <a:fillRect/>
+          </a:stretch>
+        </p:blipFill>
+        <p:spPr>
+          <a:xfrm>
+            <a:off x="6405691" y="2242998"/>
+            <a:ext cx="5229225" cy="952500"/>
+          </a:xfrm>
+          <a:prstGeom prst="rect">
+            <a:avLst/>
+          </a:prstGeom>
+        </p:spPr>
+      </p:pic>
+    </p:spTree>
+    <p:extLst>
+      <p:ext uri="{BB962C8B-B14F-4D97-AF65-F5344CB8AC3E}">
+        <p14:creationId xmlns:p14="http://schemas.microsoft.com/office/powerpoint/2010/main" val="3753997016"/>
+      </p:ext>
+    </p:extLst>
+  </p:cSld>
+  <p:clrMapOvr>
+    <a:masterClrMapping/>
+  </p:clrMapOvr>
+</p:sld>
+</file>
+
+<file path=ppt/slides/slide7.xml><?xml version="1.0" encoding="utf-8"?>
 <p:sld xmlns:a="http://schemas.openxmlformats.org/drawingml/2006/main" xmlns:r="http://schemas.openxmlformats.org/officeDocument/2006/relationships" xmlns:p="http://schemas.openxmlformats.org/presentationml/2006/main">
   <p:cSld>
     <p:bg>
@@ -7633,7 +11980,7 @@
 </p:sld>
 </file>
 
-<file path=ppt/slides/slide6.xml><?xml version="1.0" encoding="utf-8"?>
+<file path=ppt/slides/slide8.xml><?xml version="1.0" encoding="utf-8"?>
 <p:sld xmlns:a="http://schemas.openxmlformats.org/drawingml/2006/main" xmlns:r="http://schemas.openxmlformats.org/officeDocument/2006/relationships" xmlns:p="http://schemas.openxmlformats.org/presentationml/2006/main">
   <p:cSld>
     <p:bg>
@@ -8288,7 +12635,7 @@
 </p:sld>
 </file>
 
-<file path=ppt/slides/slide7.xml><?xml version="1.0" encoding="utf-8"?>
+<file path=ppt/slides/slide9.xml><?xml version="1.0" encoding="utf-8"?>
 <p:sld xmlns:a="http://schemas.openxmlformats.org/drawingml/2006/main" xmlns:r="http://schemas.openxmlformats.org/officeDocument/2006/relationships" xmlns:p="http://schemas.openxmlformats.org/presentationml/2006/main">
   <p:cSld>
     <p:bg>
@@ -8502,743 +12849,6 @@
     <p:extLst>
       <p:ext uri="{BB962C8B-B14F-4D97-AF65-F5344CB8AC3E}">
         <p14:creationId xmlns:p14="http://schemas.microsoft.com/office/powerpoint/2010/main" val="1211021710"/>
-      </p:ext>
-    </p:extLst>
-  </p:cSld>
-  <p:clrMapOvr>
-    <a:masterClrMapping/>
-  </p:clrMapOvr>
-</p:sld>
-</file>
-
-<file path=ppt/slides/slide8.xml><?xml version="1.0" encoding="utf-8"?>
-<p:sld xmlns:a="http://schemas.openxmlformats.org/drawingml/2006/main" xmlns:r="http://schemas.openxmlformats.org/officeDocument/2006/relationships" xmlns:p="http://schemas.openxmlformats.org/presentationml/2006/main">
-  <p:cSld>
-    <p:bg>
-      <p:bgPr>
-        <a:solidFill>
-          <a:schemeClr val="bg1"/>
-        </a:solidFill>
-        <a:effectLst/>
-      </p:bgPr>
-    </p:bg>
-    <p:spTree>
-      <p:nvGrpSpPr>
-        <p:cNvPr id="1" name=""/>
-        <p:cNvGrpSpPr/>
-        <p:nvPr/>
-      </p:nvGrpSpPr>
-      <p:grpSpPr>
-        <a:xfrm>
-          <a:off x="0" y="0"/>
-          <a:ext cx="0" cy="0"/>
-          <a:chOff x="0" y="0"/>
-          <a:chExt cx="0" cy="0"/>
-        </a:xfrm>
-      </p:grpSpPr>
-      <p:sp>
-        <p:nvSpPr>
-          <p:cNvPr id="2" name="Titre 1">
-            <a:extLst>
-              <a:ext uri="{FF2B5EF4-FFF2-40B4-BE49-F238E27FC236}">
-                <a16:creationId xmlns:a16="http://schemas.microsoft.com/office/drawing/2014/main" id="{B2C3CE7B-EC7D-3243-9FA9-C8A3CB3C3CB1}"/>
-              </a:ext>
-            </a:extLst>
-          </p:cNvPr>
-          <p:cNvSpPr>
-            <a:spLocks noGrp="1"/>
-          </p:cNvSpPr>
-          <p:nvPr>
-            <p:ph type="title"/>
-          </p:nvPr>
-        </p:nvSpPr>
-        <p:spPr>
-          <a:xfrm>
-            <a:off x="914401" y="1371600"/>
-            <a:ext cx="3943762" cy="1314443"/>
-          </a:xfrm>
-        </p:spPr>
-        <p:txBody>
-          <a:bodyPr>
-            <a:normAutofit/>
-          </a:bodyPr>
-          <a:lstStyle/>
-          <a:p>
-            <a:r>
-              <a:rPr lang="fr-FR" dirty="0"/>
-              <a:t>Requêtes</a:t>
-            </a:r>
-          </a:p>
-        </p:txBody>
-      </p:sp>
-      <p:sp>
-        <p:nvSpPr>
-          <p:cNvPr id="3" name="Espace réservé du contenu 2">
-            <a:extLst>
-              <a:ext uri="{FF2B5EF4-FFF2-40B4-BE49-F238E27FC236}">
-                <a16:creationId xmlns:a16="http://schemas.microsoft.com/office/drawing/2014/main" id="{A4C07AAA-FD61-AA48-BCBD-F45357F9C7ED}"/>
-              </a:ext>
-            </a:extLst>
-          </p:cNvPr>
-          <p:cNvSpPr>
-            <a:spLocks noGrp="1"/>
-          </p:cNvSpPr>
-          <p:nvPr>
-            <p:ph idx="1"/>
-          </p:nvPr>
-        </p:nvSpPr>
-        <p:spPr>
-          <a:xfrm>
-            <a:off x="914400" y="2853369"/>
-            <a:ext cx="3943762" cy="3088460"/>
-          </a:xfrm>
-        </p:spPr>
-        <p:txBody>
-          <a:bodyPr>
-            <a:normAutofit fontScale="85000" lnSpcReduction="10000"/>
-          </a:bodyPr>
-          <a:lstStyle/>
-          <a:p>
-            <a:pPr>
-              <a:lnSpc>
-                <a:spcPct val="110000"/>
-              </a:lnSpc>
-            </a:pPr>
-            <a:r>
-              <a:rPr lang="fr-FR"/>
-              <a:t>6 Requêtes </a:t>
-            </a:r>
-          </a:p>
-          <a:p>
-            <a:pPr marL="617220" lvl="1" indent="-342900">
-              <a:lnSpc>
-                <a:spcPct val="110000"/>
-              </a:lnSpc>
-              <a:buFont typeface="+mj-lt"/>
-              <a:buAutoNum type="arabicPeriod"/>
-            </a:pPr>
-            <a:r>
-              <a:rPr lang="fr-FR"/>
-              <a:t>Hospitalisations &gt;= 5000</a:t>
-            </a:r>
-          </a:p>
-          <a:p>
-            <a:pPr marL="617220" lvl="1" indent="-342900">
-              <a:lnSpc>
-                <a:spcPct val="110000"/>
-              </a:lnSpc>
-              <a:buFont typeface="+mj-lt"/>
-              <a:buAutoNum type="arabicPeriod"/>
-            </a:pPr>
-            <a:r>
-              <a:rPr lang="fr-FR"/>
-              <a:t>Plus gros vaccinateur</a:t>
-            </a:r>
-          </a:p>
-          <a:p>
-            <a:pPr marL="617220" lvl="1" indent="-342900">
-              <a:lnSpc>
-                <a:spcPct val="110000"/>
-              </a:lnSpc>
-              <a:buFont typeface="+mj-lt"/>
-              <a:buAutoNum type="arabicPeriod"/>
-            </a:pPr>
-            <a:r>
-              <a:rPr lang="fr-FR"/>
-              <a:t>Qui utitilise quel vaccin</a:t>
-            </a:r>
-          </a:p>
-          <a:p>
-            <a:pPr marL="617220" lvl="1" indent="-342900">
-              <a:lnSpc>
-                <a:spcPct val="110000"/>
-              </a:lnSpc>
-              <a:buFont typeface="+mj-lt"/>
-              <a:buAutoNum type="arabicPeriod"/>
-            </a:pPr>
-            <a:r>
-              <a:rPr lang="fr-FR"/>
-              <a:t>% hospitalisé, le 01/01/2021</a:t>
-            </a:r>
-          </a:p>
-          <a:p>
-            <a:pPr marL="617220" lvl="1" indent="-342900">
-              <a:lnSpc>
-                <a:spcPct val="110000"/>
-              </a:lnSpc>
-              <a:buFont typeface="+mj-lt"/>
-              <a:buAutoNum type="arabicPeriod"/>
-            </a:pPr>
-            <a:r>
-              <a:rPr lang="fr-FR"/>
-              <a:t>Evolution hospitalisations</a:t>
-            </a:r>
-          </a:p>
-          <a:p>
-            <a:pPr marL="617220" lvl="1" indent="-342900">
-              <a:lnSpc>
-                <a:spcPct val="110000"/>
-              </a:lnSpc>
-              <a:buFont typeface="+mj-lt"/>
-              <a:buAutoNum type="arabicPeriod"/>
-            </a:pPr>
-            <a:r>
-              <a:rPr lang="fr-FR"/>
-              <a:t>Vaccin commun France-Belgique</a:t>
-            </a:r>
-          </a:p>
-        </p:txBody>
-      </p:sp>
-      <p:pic>
-        <p:nvPicPr>
-          <p:cNvPr id="15" name="Picture 4" descr="Plusieurs points d’interrogation sur fond noir">
-            <a:extLst>
-              <a:ext uri="{FF2B5EF4-FFF2-40B4-BE49-F238E27FC236}">
-                <a16:creationId xmlns:a16="http://schemas.microsoft.com/office/drawing/2014/main" id="{55A379AD-9F15-4649-95F4-8CC806153847}"/>
-              </a:ext>
-            </a:extLst>
-          </p:cNvPr>
-          <p:cNvPicPr>
-            <a:picLocks noChangeAspect="1"/>
-          </p:cNvPicPr>
-          <p:nvPr/>
-        </p:nvPicPr>
-        <p:blipFill rotWithShape="1">
-          <a:blip r:embed="rId2"/>
-          <a:srcRect l="42071" r="3" b="2"/>
-          <a:stretch/>
-        </p:blipFill>
-        <p:spPr>
-          <a:xfrm>
-            <a:off x="5679452" y="10"/>
-            <a:ext cx="6512547" cy="6857990"/>
-          </a:xfrm>
-          <a:prstGeom prst="rect">
-            <a:avLst/>
-          </a:prstGeom>
-        </p:spPr>
-      </p:pic>
-    </p:spTree>
-    <p:extLst>
-      <p:ext uri="{BB962C8B-B14F-4D97-AF65-F5344CB8AC3E}">
-        <p14:creationId xmlns:p14="http://schemas.microsoft.com/office/powerpoint/2010/main" val="4053075134"/>
-      </p:ext>
-    </p:extLst>
-  </p:cSld>
-  <p:clrMapOvr>
-    <a:masterClrMapping/>
-  </p:clrMapOvr>
-  <p:timing>
-    <p:tnLst>
-      <p:par>
-        <p:cTn id="1" dur="indefinite" restart="never" nodeType="tmRoot">
-          <p:childTnLst>
-            <p:seq concurrent="1" nextAc="seek">
-              <p:cTn id="2" dur="indefinite" nodeType="mainSeq">
-                <p:childTnLst>
-                  <p:par>
-                    <p:cTn id="3" fill="hold">
-                      <p:stCondLst>
-                        <p:cond delay="indefinite"/>
-                      </p:stCondLst>
-                      <p:childTnLst>
-                        <p:par>
-                          <p:cTn id="4" fill="hold">
-                            <p:stCondLst>
-                              <p:cond delay="0"/>
-                            </p:stCondLst>
-                            <p:childTnLst>
-                              <p:par>
-                                <p:cTn id="5" presetID="49" presetClass="entr" presetSubtype="0" decel="100000" fill="hold" nodeType="clickEffect">
-                                  <p:stCondLst>
-                                    <p:cond delay="0"/>
-                                  </p:stCondLst>
-                                  <p:childTnLst>
-                                    <p:set>
-                                      <p:cBhvr>
-                                        <p:cTn id="6" dur="1" fill="hold">
-                                          <p:stCondLst>
-                                            <p:cond delay="0"/>
-                                          </p:stCondLst>
-                                        </p:cTn>
-                                        <p:tgtEl>
-                                          <p:spTgt spid="15"/>
-                                        </p:tgtEl>
-                                        <p:attrNameLst>
-                                          <p:attrName>style.visibility</p:attrName>
-                                        </p:attrNameLst>
-                                      </p:cBhvr>
-                                      <p:to>
-                                        <p:strVal val="visible"/>
-                                      </p:to>
-                                    </p:set>
-                                    <p:anim calcmode="lin" valueType="num">
-                                      <p:cBhvr>
-                                        <p:cTn id="7" dur="500" fill="hold"/>
-                                        <p:tgtEl>
-                                          <p:spTgt spid="15"/>
-                                        </p:tgtEl>
-                                        <p:attrNameLst>
-                                          <p:attrName>ppt_w</p:attrName>
-                                        </p:attrNameLst>
-                                      </p:cBhvr>
-                                      <p:tavLst>
-                                        <p:tav tm="0">
-                                          <p:val>
-                                            <p:fltVal val="0"/>
-                                          </p:val>
-                                        </p:tav>
-                                        <p:tav tm="100000">
-                                          <p:val>
-                                            <p:strVal val="#ppt_w"/>
-                                          </p:val>
-                                        </p:tav>
-                                      </p:tavLst>
-                                    </p:anim>
-                                    <p:anim calcmode="lin" valueType="num">
-                                      <p:cBhvr>
-                                        <p:cTn id="8" dur="500" fill="hold"/>
-                                        <p:tgtEl>
-                                          <p:spTgt spid="15"/>
-                                        </p:tgtEl>
-                                        <p:attrNameLst>
-                                          <p:attrName>ppt_h</p:attrName>
-                                        </p:attrNameLst>
-                                      </p:cBhvr>
-                                      <p:tavLst>
-                                        <p:tav tm="0">
-                                          <p:val>
-                                            <p:fltVal val="0"/>
-                                          </p:val>
-                                        </p:tav>
-                                        <p:tav tm="100000">
-                                          <p:val>
-                                            <p:strVal val="#ppt_h"/>
-                                          </p:val>
-                                        </p:tav>
-                                      </p:tavLst>
-                                    </p:anim>
-                                    <p:anim calcmode="lin" valueType="num">
-                                      <p:cBhvr>
-                                        <p:cTn id="9" dur="500" fill="hold"/>
-                                        <p:tgtEl>
-                                          <p:spTgt spid="15"/>
-                                        </p:tgtEl>
-                                        <p:attrNameLst>
-                                          <p:attrName>style.rotation</p:attrName>
-                                        </p:attrNameLst>
-                                      </p:cBhvr>
-                                      <p:tavLst>
-                                        <p:tav tm="0">
-                                          <p:val>
-                                            <p:fltVal val="360"/>
-                                          </p:val>
-                                        </p:tav>
-                                        <p:tav tm="100000">
-                                          <p:val>
-                                            <p:fltVal val="0"/>
-                                          </p:val>
-                                        </p:tav>
-                                      </p:tavLst>
-                                    </p:anim>
-                                    <p:animEffect transition="in" filter="fade">
-                                      <p:cBhvr>
-                                        <p:cTn id="10" dur="500"/>
-                                        <p:tgtEl>
-                                          <p:spTgt spid="15"/>
-                                        </p:tgtEl>
-                                      </p:cBhvr>
-                                    </p:animEffect>
-                                  </p:childTnLst>
-                                </p:cTn>
-                              </p:par>
-                            </p:childTnLst>
-                          </p:cTn>
-                        </p:par>
-                      </p:childTnLst>
-                    </p:cTn>
-                  </p:par>
-                </p:childTnLst>
-              </p:cTn>
-              <p:prevCondLst>
-                <p:cond evt="onPrev" delay="0">
-                  <p:tgtEl>
-                    <p:sldTgt/>
-                  </p:tgtEl>
-                </p:cond>
-              </p:prevCondLst>
-              <p:nextCondLst>
-                <p:cond evt="onNext" delay="0">
-                  <p:tgtEl>
-                    <p:sldTgt/>
-                  </p:tgtEl>
-                </p:cond>
-              </p:nextCondLst>
-            </p:seq>
-          </p:childTnLst>
-        </p:cTn>
-      </p:par>
-    </p:tnLst>
-  </p:timing>
-</p:sld>
-</file>
-
-<file path=ppt/slides/slide9.xml><?xml version="1.0" encoding="utf-8"?>
-<p:sld xmlns:a="http://schemas.openxmlformats.org/drawingml/2006/main" xmlns:r="http://schemas.openxmlformats.org/officeDocument/2006/relationships" xmlns:p="http://schemas.openxmlformats.org/presentationml/2006/main">
-  <p:cSld>
-    <p:bg>
-      <p:bgPr>
-        <a:solidFill>
-          <a:schemeClr val="bg1"/>
-        </a:solidFill>
-        <a:effectLst/>
-      </p:bgPr>
-    </p:bg>
-    <p:spTree>
-      <p:nvGrpSpPr>
-        <p:cNvPr id="1" name=""/>
-        <p:cNvGrpSpPr/>
-        <p:nvPr/>
-      </p:nvGrpSpPr>
-      <p:grpSpPr>
-        <a:xfrm>
-          <a:off x="0" y="0"/>
-          <a:ext cx="0" cy="0"/>
-          <a:chOff x="0" y="0"/>
-          <a:chExt cx="0" cy="0"/>
-        </a:xfrm>
-      </p:grpSpPr>
-      <p:sp>
-        <p:nvSpPr>
-          <p:cNvPr id="2" name="Titre 1">
-            <a:extLst>
-              <a:ext uri="{FF2B5EF4-FFF2-40B4-BE49-F238E27FC236}">
-                <a16:creationId xmlns:a16="http://schemas.microsoft.com/office/drawing/2014/main" id="{12CC11B5-C4EA-ED40-AC48-F81663564CEF}"/>
-              </a:ext>
-            </a:extLst>
-          </p:cNvPr>
-          <p:cNvSpPr>
-            <a:spLocks noGrp="1"/>
-          </p:cNvSpPr>
-          <p:nvPr>
-            <p:ph type="title"/>
-          </p:nvPr>
-        </p:nvSpPr>
-        <p:spPr>
-          <a:xfrm>
-            <a:off x="914401" y="914400"/>
-            <a:ext cx="4425949" cy="2996649"/>
-          </a:xfrm>
-        </p:spPr>
-        <p:txBody>
-          <a:bodyPr vert="horz" lIns="91440" tIns="45720" rIns="91440" bIns="45720" rtlCol="0" anchor="t">
-            <a:normAutofit/>
-          </a:bodyPr>
-          <a:lstStyle/>
-          <a:p>
-            <a:r>
-              <a:rPr lang="en-US" dirty="0" err="1"/>
-              <a:t>Requête</a:t>
-            </a:r>
-            <a:r>
-              <a:rPr lang="en-US" dirty="0"/>
-              <a:t> 1 </a:t>
-            </a:r>
-          </a:p>
-        </p:txBody>
-      </p:sp>
-      <p:sp>
-        <p:nvSpPr>
-          <p:cNvPr id="15" name="Rectangle : coins arrondis 14">
-            <a:extLst>
-              <a:ext uri="{FF2B5EF4-FFF2-40B4-BE49-F238E27FC236}">
-                <a16:creationId xmlns:a16="http://schemas.microsoft.com/office/drawing/2014/main" id="{E838339E-E41E-4B40-AEE8-0984087B7F5D}"/>
-              </a:ext>
-            </a:extLst>
-          </p:cNvPr>
-          <p:cNvSpPr/>
-          <p:nvPr/>
-        </p:nvSpPr>
-        <p:spPr>
-          <a:xfrm>
-            <a:off x="2137146" y="2445045"/>
-            <a:ext cx="9820938" cy="3637092"/>
-          </a:xfrm>
-          <a:prstGeom prst="roundRect">
-            <a:avLst/>
-          </a:prstGeom>
-        </p:spPr>
-        <p:style>
-          <a:lnRef idx="2">
-            <a:schemeClr val="dk1"/>
-          </a:lnRef>
-          <a:fillRef idx="1">
-            <a:schemeClr val="lt1"/>
-          </a:fillRef>
-          <a:effectRef idx="0">
-            <a:schemeClr val="dk1"/>
-          </a:effectRef>
-          <a:fontRef idx="minor">
-            <a:schemeClr val="dk1"/>
-          </a:fontRef>
-        </p:style>
-        <p:txBody>
-          <a:bodyPr rtlCol="0" anchor="ctr"/>
-          <a:lstStyle/>
-          <a:p>
-            <a:pPr algn="ctr"/>
-            <a:endParaRPr lang="fr-FR" dirty="0"/>
-          </a:p>
-        </p:txBody>
-      </p:sp>
-      <p:pic>
-        <p:nvPicPr>
-          <p:cNvPr id="5" name="Image 4" descr="Une image contenant texte&#10;&#10;Description générée automatiquement">
-            <a:extLst>
-              <a:ext uri="{FF2B5EF4-FFF2-40B4-BE49-F238E27FC236}">
-                <a16:creationId xmlns:a16="http://schemas.microsoft.com/office/drawing/2014/main" id="{89487E7B-83A6-5A44-8400-0EDF28CF5385}"/>
-              </a:ext>
-            </a:extLst>
-          </p:cNvPr>
-          <p:cNvPicPr>
-            <a:picLocks noChangeAspect="1"/>
-          </p:cNvPicPr>
-          <p:nvPr/>
-        </p:nvPicPr>
-        <p:blipFill>
-          <a:blip r:embed="rId2"/>
-          <a:stretch>
-            <a:fillRect/>
-          </a:stretch>
-        </p:blipFill>
-        <p:spPr>
-          <a:xfrm>
-            <a:off x="2446028" y="3793134"/>
-            <a:ext cx="6879551" cy="1186722"/>
-          </a:xfrm>
-          <a:prstGeom prst="rect">
-            <a:avLst/>
-          </a:prstGeom>
-        </p:spPr>
-      </p:pic>
-      <p:pic>
-        <p:nvPicPr>
-          <p:cNvPr id="9" name="Image 8">
-            <a:extLst>
-              <a:ext uri="{FF2B5EF4-FFF2-40B4-BE49-F238E27FC236}">
-                <a16:creationId xmlns:a16="http://schemas.microsoft.com/office/drawing/2014/main" id="{EBE4C4DD-5E18-3F4C-A56E-23915D452F35}"/>
-              </a:ext>
-            </a:extLst>
-          </p:cNvPr>
-          <p:cNvPicPr>
-            <a:picLocks noChangeAspect="1"/>
-          </p:cNvPicPr>
-          <p:nvPr/>
-        </p:nvPicPr>
-        <p:blipFill>
-          <a:blip r:embed="rId3"/>
-          <a:stretch>
-            <a:fillRect/>
-          </a:stretch>
-        </p:blipFill>
-        <p:spPr>
-          <a:xfrm>
-            <a:off x="2440012" y="5203734"/>
-            <a:ext cx="6801321" cy="561109"/>
-          </a:xfrm>
-          <a:prstGeom prst="rect">
-            <a:avLst/>
-          </a:prstGeom>
-        </p:spPr>
-      </p:pic>
-      <p:pic>
-        <p:nvPicPr>
-          <p:cNvPr id="11" name="Image 10">
-            <a:extLst>
-              <a:ext uri="{FF2B5EF4-FFF2-40B4-BE49-F238E27FC236}">
-                <a16:creationId xmlns:a16="http://schemas.microsoft.com/office/drawing/2014/main" id="{1DC26DA6-969C-EA4F-B3E4-BC076FD73F16}"/>
-              </a:ext>
-            </a:extLst>
-          </p:cNvPr>
-          <p:cNvPicPr>
-            <a:picLocks noChangeAspect="1"/>
-          </p:cNvPicPr>
-          <p:nvPr/>
-        </p:nvPicPr>
-        <p:blipFill>
-          <a:blip r:embed="rId4"/>
-          <a:stretch>
-            <a:fillRect/>
-          </a:stretch>
-        </p:blipFill>
-        <p:spPr>
-          <a:xfrm>
-            <a:off x="2440012" y="2887702"/>
-            <a:ext cx="9361631" cy="660578"/>
-          </a:xfrm>
-          <a:prstGeom prst="rect">
-            <a:avLst/>
-          </a:prstGeom>
-        </p:spPr>
-      </p:pic>
-      <p:sp>
-        <p:nvSpPr>
-          <p:cNvPr id="13" name="ZoneTexte 12">
-            <a:extLst>
-              <a:ext uri="{FF2B5EF4-FFF2-40B4-BE49-F238E27FC236}">
-                <a16:creationId xmlns:a16="http://schemas.microsoft.com/office/drawing/2014/main" id="{824B9698-7D51-6949-9F62-8DCD4990A1C4}"/>
-              </a:ext>
-            </a:extLst>
-          </p:cNvPr>
-          <p:cNvSpPr txBox="1"/>
-          <p:nvPr/>
-        </p:nvSpPr>
-        <p:spPr>
-          <a:xfrm>
-            <a:off x="1081233" y="1654266"/>
-            <a:ext cx="8769926" cy="646331"/>
-          </a:xfrm>
-          <a:prstGeom prst="rect">
-            <a:avLst/>
-          </a:prstGeom>
-          <a:noFill/>
-        </p:spPr>
-        <p:txBody>
-          <a:bodyPr wrap="square" rtlCol="0">
-            <a:spAutoFit/>
-          </a:bodyPr>
-          <a:lstStyle/>
-          <a:p>
-            <a:r>
-              <a:rPr lang="fr-FR" dirty="0"/>
-              <a:t>Sélectionnez les pays qui, au même moment, ont eu au moins 5000 personnes hospitalisées(</a:t>
-            </a:r>
-            <a:r>
-              <a:rPr lang="fr-FR" b="1" dirty="0" err="1"/>
-              <a:t>hosp_patients</a:t>
-            </a:r>
-            <a:r>
-              <a:rPr lang="fr-FR" dirty="0"/>
-              <a:t>).</a:t>
-            </a:r>
-          </a:p>
-        </p:txBody>
-      </p:sp>
-      <p:sp>
-        <p:nvSpPr>
-          <p:cNvPr id="16" name="ZoneTexte 15">
-            <a:extLst>
-              <a:ext uri="{FF2B5EF4-FFF2-40B4-BE49-F238E27FC236}">
-                <a16:creationId xmlns:a16="http://schemas.microsoft.com/office/drawing/2014/main" id="{C2DD1149-7F97-E14C-9780-7FD7AC6EE7E6}"/>
-              </a:ext>
-            </a:extLst>
-          </p:cNvPr>
-          <p:cNvSpPr txBox="1"/>
-          <p:nvPr/>
-        </p:nvSpPr>
-        <p:spPr>
-          <a:xfrm>
-            <a:off x="807914" y="3903863"/>
-            <a:ext cx="1371601" cy="646331"/>
-          </a:xfrm>
-          <a:prstGeom prst="rect">
-            <a:avLst/>
-          </a:prstGeom>
-          <a:noFill/>
-        </p:spPr>
-        <p:txBody>
-          <a:bodyPr wrap="square" rtlCol="0">
-            <a:spAutoFit/>
-          </a:bodyPr>
-          <a:lstStyle/>
-          <a:p>
-            <a:r>
-              <a:rPr lang="fr-FR" dirty="0"/>
-              <a:t>Algèbre relationnel</a:t>
-            </a:r>
-          </a:p>
-        </p:txBody>
-      </p:sp>
-      <p:sp>
-        <p:nvSpPr>
-          <p:cNvPr id="18" name="Rectangle 17">
-            <a:extLst>
-              <a:ext uri="{FF2B5EF4-FFF2-40B4-BE49-F238E27FC236}">
-                <a16:creationId xmlns:a16="http://schemas.microsoft.com/office/drawing/2014/main" id="{59176067-875E-494C-9BAB-F6588984848B}"/>
-              </a:ext>
-            </a:extLst>
-          </p:cNvPr>
-          <p:cNvSpPr/>
-          <p:nvPr/>
-        </p:nvSpPr>
-        <p:spPr>
-          <a:xfrm>
-            <a:off x="807914" y="5285374"/>
-            <a:ext cx="1371601" cy="646331"/>
-          </a:xfrm>
-          <a:prstGeom prst="rect">
-            <a:avLst/>
-          </a:prstGeom>
-        </p:spPr>
-        <p:txBody>
-          <a:bodyPr wrap="square">
-            <a:spAutoFit/>
-          </a:bodyPr>
-          <a:lstStyle/>
-          <a:p>
-            <a:r>
-              <a:rPr lang="fr-FR" dirty="0"/>
-              <a:t>Calcul</a:t>
-            </a:r>
-          </a:p>
-          <a:p>
-            <a:r>
-              <a:rPr lang="fr-FR" dirty="0" err="1"/>
-              <a:t>Tuple</a:t>
-            </a:r>
-            <a:endParaRPr lang="fr-FR" dirty="0"/>
-          </a:p>
-        </p:txBody>
-      </p:sp>
-      <p:sp>
-        <p:nvSpPr>
-          <p:cNvPr id="20" name="ZoneTexte 19">
-            <a:extLst>
-              <a:ext uri="{FF2B5EF4-FFF2-40B4-BE49-F238E27FC236}">
-                <a16:creationId xmlns:a16="http://schemas.microsoft.com/office/drawing/2014/main" id="{791B7A56-30AF-C34B-9A0F-311F5FB3F374}"/>
-              </a:ext>
-            </a:extLst>
-          </p:cNvPr>
-          <p:cNvSpPr txBox="1"/>
-          <p:nvPr/>
-        </p:nvSpPr>
-        <p:spPr>
-          <a:xfrm>
-            <a:off x="811123" y="3033325"/>
-            <a:ext cx="794395" cy="369332"/>
-          </a:xfrm>
-          <a:prstGeom prst="rect">
-            <a:avLst/>
-          </a:prstGeom>
-          <a:noFill/>
-        </p:spPr>
-        <p:txBody>
-          <a:bodyPr wrap="square" rtlCol="0">
-            <a:spAutoFit/>
-          </a:bodyPr>
-          <a:lstStyle/>
-          <a:p>
-            <a:r>
-              <a:rPr lang="fr-FR" dirty="0"/>
-              <a:t>SQL</a:t>
-            </a:r>
-          </a:p>
-        </p:txBody>
-      </p:sp>
-    </p:spTree>
-    <p:extLst>
-      <p:ext uri="{BB962C8B-B14F-4D97-AF65-F5344CB8AC3E}">
-        <p14:creationId xmlns:p14="http://schemas.microsoft.com/office/powerpoint/2010/main" val="3304329644"/>
       </p:ext>
     </p:extLst>
   </p:cSld>

--- a/Presentation.pptx
+++ b/Presentation.pptx
@@ -5,7 +5,7 @@
     <p:sldMasterId id="2147483775" r:id="rId1"/>
   </p:sldMasterIdLst>
   <p:notesMasterIdLst>
-    <p:notesMasterId r:id="rId20"/>
+    <p:notesMasterId r:id="rId21"/>
   </p:notesMasterIdLst>
   <p:sldIdLst>
     <p:sldId id="256" r:id="rId2"/>
@@ -26,6 +26,7 @@
     <p:sldId id="266" r:id="rId17"/>
     <p:sldId id="261" r:id="rId18"/>
     <p:sldId id="268" r:id="rId19"/>
+    <p:sldId id="274" r:id="rId20"/>
   </p:sldIdLst>
   <p:sldSz cx="12192000" cy="6858000"/>
   <p:notesSz cx="6858000" cy="9144000"/>
@@ -962,10 +963,10 @@
         <a:lstStyle/>
         <a:p>
           <a:r>
-            <a:rPr lang="fr-BE"/>
+            <a:rPr lang="fr-BE" dirty="0"/>
             <a:t>L’épidémiologiste peut tout modifier</a:t>
           </a:r>
-          <a:endParaRPr lang="en-US"/>
+          <a:endParaRPr lang="en-US" dirty="0"/>
         </a:p>
       </dgm:t>
     </dgm:pt>
@@ -999,10 +1000,10 @@
         <a:lstStyle/>
         <a:p>
           <a:r>
-            <a:rPr lang="fr-BE"/>
+            <a:rPr lang="fr-BE" dirty="0"/>
             <a:t>L’utilisateur lambda peut juste voir toutes les données</a:t>
           </a:r>
-          <a:endParaRPr lang="en-US"/>
+          <a:endParaRPr lang="en-US" dirty="0"/>
         </a:p>
       </dgm:t>
     </dgm:pt>
@@ -1036,10 +1037,10 @@
         <a:lstStyle/>
         <a:p>
           <a:r>
-            <a:rPr lang="fr-BE"/>
+            <a:rPr lang="fr-BE" dirty="0"/>
             <a:t>Un seul épidémiologiste encode une statistique journalière (mais adaptation pour l’exercice)</a:t>
           </a:r>
-          <a:endParaRPr lang="en-US"/>
+          <a:endParaRPr lang="en-US" dirty="0"/>
         </a:p>
       </dgm:t>
     </dgm:pt>
@@ -1073,10 +1074,10 @@
         <a:lstStyle/>
         <a:p>
           <a:r>
-            <a:rPr lang="fr-BE"/>
+            <a:rPr lang="fr-BE" dirty="0"/>
             <a:t>Pourraient encoder les stats à différents moments</a:t>
           </a:r>
-          <a:endParaRPr lang="en-US"/>
+          <a:endParaRPr lang="en-US" dirty="0"/>
         </a:p>
       </dgm:t>
     </dgm:pt>
@@ -1110,10 +1111,10 @@
         <a:lstStyle/>
         <a:p>
           <a:r>
-            <a:rPr lang="fr-BE"/>
+            <a:rPr lang="fr-BE" dirty="0"/>
             <a:t>plusieurs tables</a:t>
           </a:r>
-          <a:endParaRPr lang="en-US"/>
+          <a:endParaRPr lang="en-US" dirty="0"/>
         </a:p>
       </dgm:t>
     </dgm:pt>
@@ -1147,10 +1148,10 @@
         <a:lstStyle/>
         <a:p>
           <a:r>
-            <a:rPr lang="fr-BE"/>
+            <a:rPr lang="fr-BE" dirty="0"/>
             <a:t>pas forcément NOT NULL</a:t>
           </a:r>
-          <a:endParaRPr lang="en-US"/>
+          <a:endParaRPr lang="en-US" dirty="0"/>
         </a:p>
       </dgm:t>
     </dgm:pt>
@@ -1184,10 +1185,18 @@
         <a:lstStyle/>
         <a:p>
           <a:r>
-            <a:rPr lang="fr-BE"/>
-            <a:t>Hosp_patients &gt; icu_patients</a:t>
+            <a:rPr lang="fr-BE" dirty="0" err="1"/>
+            <a:t>Hosp_patients</a:t>
           </a:r>
-          <a:endParaRPr lang="en-US"/>
+          <a:r>
+            <a:rPr lang="fr-BE" dirty="0"/>
+            <a:t> &gt; </a:t>
+          </a:r>
+          <a:r>
+            <a:rPr lang="fr-BE" dirty="0" err="1"/>
+            <a:t>icu_patients</a:t>
+          </a:r>
+          <a:endParaRPr lang="en-US" dirty="0"/>
         </a:p>
       </dgm:t>
     </dgm:pt>
@@ -1550,10 +1559,10 @@
             <a:buNone/>
           </a:pPr>
           <a:r>
-            <a:rPr lang="fr-BE" sz="1800" kern="1200"/>
+            <a:rPr lang="fr-BE" sz="1800" kern="1200" dirty="0"/>
             <a:t>L’épidémiologiste peut tout modifier</a:t>
           </a:r>
-          <a:endParaRPr lang="en-US" sz="1800" kern="1200"/>
+          <a:endParaRPr lang="en-US" sz="1800" kern="1200" dirty="0"/>
         </a:p>
       </dsp:txBody>
       <dsp:txXfrm>
@@ -1629,10 +1638,10 @@
             <a:buNone/>
           </a:pPr>
           <a:r>
-            <a:rPr lang="fr-BE" sz="1800" kern="1200"/>
+            <a:rPr lang="fr-BE" sz="1800" kern="1200" dirty="0"/>
             <a:t>L’utilisateur lambda peut juste voir toutes les données</a:t>
           </a:r>
-          <a:endParaRPr lang="en-US" sz="1800" kern="1200"/>
+          <a:endParaRPr lang="en-US" sz="1800" kern="1200" dirty="0"/>
         </a:p>
       </dsp:txBody>
       <dsp:txXfrm>
@@ -1708,10 +1717,10 @@
             <a:buNone/>
           </a:pPr>
           <a:r>
-            <a:rPr lang="fr-BE" sz="1800" kern="1200"/>
+            <a:rPr lang="fr-BE" sz="1800" kern="1200" dirty="0"/>
             <a:t>Un seul épidémiologiste encode une statistique journalière (mais adaptation pour l’exercice)</a:t>
           </a:r>
-          <a:endParaRPr lang="en-US" sz="1800" kern="1200"/>
+          <a:endParaRPr lang="en-US" sz="1800" kern="1200" dirty="0"/>
         </a:p>
       </dsp:txBody>
       <dsp:txXfrm>
@@ -1787,10 +1796,10 @@
             <a:buNone/>
           </a:pPr>
           <a:r>
-            <a:rPr lang="fr-BE" sz="1800" kern="1200"/>
+            <a:rPr lang="fr-BE" sz="1800" kern="1200" dirty="0"/>
             <a:t>Pourraient encoder les stats à différents moments</a:t>
           </a:r>
-          <a:endParaRPr lang="en-US" sz="1800" kern="1200"/>
+          <a:endParaRPr lang="en-US" sz="1800" kern="1200" dirty="0"/>
         </a:p>
         <a:p>
           <a:pPr marL="114300" lvl="1" indent="-114300" algn="l" defTabSz="622300">
@@ -1806,10 +1815,10 @@
             <a:buChar char="•"/>
           </a:pPr>
           <a:r>
-            <a:rPr lang="fr-BE" sz="1400" kern="1200"/>
+            <a:rPr lang="fr-BE" sz="1400" kern="1200" dirty="0"/>
             <a:t>plusieurs tables</a:t>
           </a:r>
-          <a:endParaRPr lang="en-US" sz="1400" kern="1200"/>
+          <a:endParaRPr lang="en-US" sz="1400" kern="1200" dirty="0"/>
         </a:p>
         <a:p>
           <a:pPr marL="114300" lvl="1" indent="-114300" algn="l" defTabSz="622300">
@@ -1825,10 +1834,10 @@
             <a:buChar char="•"/>
           </a:pPr>
           <a:r>
-            <a:rPr lang="fr-BE" sz="1400" kern="1200"/>
+            <a:rPr lang="fr-BE" sz="1400" kern="1200" dirty="0"/>
             <a:t>pas forcément NOT NULL</a:t>
           </a:r>
-          <a:endParaRPr lang="en-US" sz="1400" kern="1200"/>
+          <a:endParaRPr lang="en-US" sz="1400" kern="1200" dirty="0"/>
         </a:p>
       </dsp:txBody>
       <dsp:txXfrm>
@@ -1904,10 +1913,18 @@
             <a:buNone/>
           </a:pPr>
           <a:r>
-            <a:rPr lang="fr-BE" sz="1800" kern="1200"/>
-            <a:t>Hosp_patients &gt; icu_patients</a:t>
+            <a:rPr lang="fr-BE" sz="1800" kern="1200" dirty="0" err="1"/>
+            <a:t>Hosp_patients</a:t>
           </a:r>
-          <a:endParaRPr lang="en-US" sz="1800" kern="1200"/>
+          <a:r>
+            <a:rPr lang="fr-BE" sz="1800" kern="1200" dirty="0"/>
+            <a:t> &gt; </a:t>
+          </a:r>
+          <a:r>
+            <a:rPr lang="fr-BE" sz="1800" kern="1200" dirty="0" err="1"/>
+            <a:t>icu_patients</a:t>
+          </a:r>
+          <a:endParaRPr lang="en-US" sz="1800" kern="1200" dirty="0"/>
         </a:p>
       </dsp:txBody>
       <dsp:txXfrm>
@@ -7361,7 +7378,7 @@
               </a:lnSpc>
             </a:pPr>
             <a:r>
-              <a:rPr lang="fr-FR"/>
+              <a:rPr lang="fr-FR" dirty="0"/>
               <a:t>6 Requêtes </a:t>
             </a:r>
           </a:p>
@@ -7374,7 +7391,7 @@
               <a:buAutoNum type="arabicPeriod"/>
             </a:pPr>
             <a:r>
-              <a:rPr lang="fr-FR"/>
+              <a:rPr lang="fr-FR" dirty="0"/>
               <a:t>Hospitalisations &gt;= 5000</a:t>
             </a:r>
           </a:p>
@@ -7387,7 +7404,7 @@
               <a:buAutoNum type="arabicPeriod"/>
             </a:pPr>
             <a:r>
-              <a:rPr lang="fr-FR"/>
+              <a:rPr lang="fr-FR" dirty="0"/>
               <a:t>Plus gros vaccinateur</a:t>
             </a:r>
           </a:p>
@@ -7400,8 +7417,16 @@
               <a:buAutoNum type="arabicPeriod"/>
             </a:pPr>
             <a:r>
-              <a:rPr lang="fr-FR"/>
-              <a:t>Qui utitilise quel vaccin</a:t>
+              <a:rPr lang="fr-FR" dirty="0"/>
+              <a:t>Qui </a:t>
+            </a:r>
+            <a:r>
+              <a:rPr lang="fr-FR" dirty="0" err="1"/>
+              <a:t>utitilise</a:t>
+            </a:r>
+            <a:r>
+              <a:rPr lang="fr-FR" dirty="0"/>
+              <a:t> quel vaccin</a:t>
             </a:r>
           </a:p>
           <a:p>
@@ -7413,7 +7438,7 @@
               <a:buAutoNum type="arabicPeriod"/>
             </a:pPr>
             <a:r>
-              <a:rPr lang="fr-FR"/>
+              <a:rPr lang="fr-FR" dirty="0"/>
               <a:t>% hospitalisé, le 01/01/2021</a:t>
             </a:r>
           </a:p>
@@ -7426,7 +7451,7 @@
               <a:buAutoNum type="arabicPeriod"/>
             </a:pPr>
             <a:r>
-              <a:rPr lang="fr-FR"/>
+              <a:rPr lang="fr-FR" dirty="0"/>
               <a:t>Evolution hospitalisations</a:t>
             </a:r>
           </a:p>
@@ -7439,7 +7464,7 @@
               <a:buAutoNum type="arabicPeriod"/>
             </a:pPr>
             <a:r>
-              <a:rPr lang="fr-FR"/>
+              <a:rPr lang="fr-FR" dirty="0"/>
               <a:t>Vaccin commun France-Belgique</a:t>
             </a:r>
           </a:p>
@@ -7614,6 +7639,349 @@
                       </p:childTnLst>
                     </p:cTn>
                   </p:par>
+                  <p:par>
+                    <p:cTn id="11" fill="hold">
+                      <p:stCondLst>
+                        <p:cond delay="indefinite"/>
+                      </p:stCondLst>
+                      <p:childTnLst>
+                        <p:par>
+                          <p:cTn id="12" fill="hold">
+                            <p:stCondLst>
+                              <p:cond delay="0"/>
+                            </p:stCondLst>
+                            <p:childTnLst>
+                              <p:par>
+                                <p:cTn id="13" presetID="1" presetClass="entr" presetSubtype="0" fill="hold" grpId="0" nodeType="clickEffect">
+                                  <p:stCondLst>
+                                    <p:cond delay="0"/>
+                                  </p:stCondLst>
+                                  <p:childTnLst>
+                                    <p:set>
+                                      <p:cBhvr>
+                                        <p:cTn id="14" dur="1" fill="hold">
+                                          <p:stCondLst>
+                                            <p:cond delay="0"/>
+                                          </p:stCondLst>
+                                        </p:cTn>
+                                        <p:tgtEl>
+                                          <p:spTgt spid="3">
+                                            <p:txEl>
+                                              <p:pRg st="0" end="0"/>
+                                            </p:txEl>
+                                          </p:spTgt>
+                                        </p:tgtEl>
+                                        <p:attrNameLst>
+                                          <p:attrName>style.visibility</p:attrName>
+                                        </p:attrNameLst>
+                                      </p:cBhvr>
+                                      <p:to>
+                                        <p:strVal val="visible"/>
+                                      </p:to>
+                                    </p:set>
+                                  </p:childTnLst>
+                                </p:cTn>
+                              </p:par>
+                            </p:childTnLst>
+                          </p:cTn>
+                        </p:par>
+                      </p:childTnLst>
+                    </p:cTn>
+                  </p:par>
+                  <p:par>
+                    <p:cTn id="15" fill="hold">
+                      <p:stCondLst>
+                        <p:cond delay="indefinite"/>
+                      </p:stCondLst>
+                      <p:childTnLst>
+                        <p:par>
+                          <p:cTn id="16" fill="hold">
+                            <p:stCondLst>
+                              <p:cond delay="0"/>
+                            </p:stCondLst>
+                            <p:childTnLst>
+                              <p:par>
+                                <p:cTn id="17" presetID="1" presetClass="entr" presetSubtype="0" fill="hold" grpId="0" nodeType="clickEffect">
+                                  <p:stCondLst>
+                                    <p:cond delay="0"/>
+                                  </p:stCondLst>
+                                  <p:childTnLst>
+                                    <p:set>
+                                      <p:cBhvr>
+                                        <p:cTn id="18" dur="1" fill="hold">
+                                          <p:stCondLst>
+                                            <p:cond delay="0"/>
+                                          </p:stCondLst>
+                                        </p:cTn>
+                                        <p:tgtEl>
+                                          <p:spTgt spid="3">
+                                            <p:txEl>
+                                              <p:pRg st="1" end="1"/>
+                                            </p:txEl>
+                                          </p:spTgt>
+                                        </p:tgtEl>
+                                        <p:attrNameLst>
+                                          <p:attrName>style.visibility</p:attrName>
+                                        </p:attrNameLst>
+                                      </p:cBhvr>
+                                      <p:to>
+                                        <p:strVal val="visible"/>
+                                      </p:to>
+                                    </p:set>
+                                  </p:childTnLst>
+                                </p:cTn>
+                              </p:par>
+                            </p:childTnLst>
+                          </p:cTn>
+                        </p:par>
+                      </p:childTnLst>
+                    </p:cTn>
+                  </p:par>
+                  <p:par>
+                    <p:cTn id="19" fill="hold">
+                      <p:stCondLst>
+                        <p:cond delay="indefinite"/>
+                      </p:stCondLst>
+                      <p:childTnLst>
+                        <p:par>
+                          <p:cTn id="20" fill="hold">
+                            <p:stCondLst>
+                              <p:cond delay="0"/>
+                            </p:stCondLst>
+                            <p:childTnLst>
+                              <p:par>
+                                <p:cTn id="21" presetID="1" presetClass="entr" presetSubtype="0" fill="hold" grpId="0" nodeType="clickEffect">
+                                  <p:stCondLst>
+                                    <p:cond delay="0"/>
+                                  </p:stCondLst>
+                                  <p:childTnLst>
+                                    <p:set>
+                                      <p:cBhvr>
+                                        <p:cTn id="22" dur="1" fill="hold">
+                                          <p:stCondLst>
+                                            <p:cond delay="0"/>
+                                          </p:stCondLst>
+                                        </p:cTn>
+                                        <p:tgtEl>
+                                          <p:spTgt spid="3">
+                                            <p:txEl>
+                                              <p:pRg st="2" end="2"/>
+                                            </p:txEl>
+                                          </p:spTgt>
+                                        </p:tgtEl>
+                                        <p:attrNameLst>
+                                          <p:attrName>style.visibility</p:attrName>
+                                        </p:attrNameLst>
+                                      </p:cBhvr>
+                                      <p:to>
+                                        <p:strVal val="visible"/>
+                                      </p:to>
+                                    </p:set>
+                                  </p:childTnLst>
+                                </p:cTn>
+                              </p:par>
+                            </p:childTnLst>
+                          </p:cTn>
+                        </p:par>
+                      </p:childTnLst>
+                    </p:cTn>
+                  </p:par>
+                  <p:par>
+                    <p:cTn id="23" fill="hold">
+                      <p:stCondLst>
+                        <p:cond delay="indefinite"/>
+                      </p:stCondLst>
+                      <p:childTnLst>
+                        <p:par>
+                          <p:cTn id="24" fill="hold">
+                            <p:stCondLst>
+                              <p:cond delay="0"/>
+                            </p:stCondLst>
+                            <p:childTnLst>
+                              <p:par>
+                                <p:cTn id="25" presetID="1" presetClass="entr" presetSubtype="0" fill="hold" grpId="0" nodeType="clickEffect">
+                                  <p:stCondLst>
+                                    <p:cond delay="0"/>
+                                  </p:stCondLst>
+                                  <p:childTnLst>
+                                    <p:set>
+                                      <p:cBhvr>
+                                        <p:cTn id="26" dur="1" fill="hold">
+                                          <p:stCondLst>
+                                            <p:cond delay="0"/>
+                                          </p:stCondLst>
+                                        </p:cTn>
+                                        <p:tgtEl>
+                                          <p:spTgt spid="3">
+                                            <p:txEl>
+                                              <p:pRg st="3" end="3"/>
+                                            </p:txEl>
+                                          </p:spTgt>
+                                        </p:tgtEl>
+                                        <p:attrNameLst>
+                                          <p:attrName>style.visibility</p:attrName>
+                                        </p:attrNameLst>
+                                      </p:cBhvr>
+                                      <p:to>
+                                        <p:strVal val="visible"/>
+                                      </p:to>
+                                    </p:set>
+                                  </p:childTnLst>
+                                </p:cTn>
+                              </p:par>
+                            </p:childTnLst>
+                          </p:cTn>
+                        </p:par>
+                      </p:childTnLst>
+                    </p:cTn>
+                  </p:par>
+                  <p:par>
+                    <p:cTn id="27" fill="hold">
+                      <p:stCondLst>
+                        <p:cond delay="indefinite"/>
+                      </p:stCondLst>
+                      <p:childTnLst>
+                        <p:par>
+                          <p:cTn id="28" fill="hold">
+                            <p:stCondLst>
+                              <p:cond delay="0"/>
+                            </p:stCondLst>
+                            <p:childTnLst>
+                              <p:par>
+                                <p:cTn id="29" presetID="1" presetClass="entr" presetSubtype="0" fill="hold" grpId="0" nodeType="clickEffect">
+                                  <p:stCondLst>
+                                    <p:cond delay="0"/>
+                                  </p:stCondLst>
+                                  <p:childTnLst>
+                                    <p:set>
+                                      <p:cBhvr>
+                                        <p:cTn id="30" dur="1" fill="hold">
+                                          <p:stCondLst>
+                                            <p:cond delay="0"/>
+                                          </p:stCondLst>
+                                        </p:cTn>
+                                        <p:tgtEl>
+                                          <p:spTgt spid="3">
+                                            <p:txEl>
+                                              <p:pRg st="4" end="4"/>
+                                            </p:txEl>
+                                          </p:spTgt>
+                                        </p:tgtEl>
+                                        <p:attrNameLst>
+                                          <p:attrName>style.visibility</p:attrName>
+                                        </p:attrNameLst>
+                                      </p:cBhvr>
+                                      <p:to>
+                                        <p:strVal val="visible"/>
+                                      </p:to>
+                                    </p:set>
+                                  </p:childTnLst>
+                                </p:cTn>
+                              </p:par>
+                            </p:childTnLst>
+                          </p:cTn>
+                        </p:par>
+                      </p:childTnLst>
+                    </p:cTn>
+                  </p:par>
+                  <p:par>
+                    <p:cTn id="31" fill="hold">
+                      <p:stCondLst>
+                        <p:cond delay="indefinite"/>
+                      </p:stCondLst>
+                      <p:childTnLst>
+                        <p:par>
+                          <p:cTn id="32" fill="hold">
+                            <p:stCondLst>
+                              <p:cond delay="0"/>
+                            </p:stCondLst>
+                            <p:childTnLst>
+                              <p:par>
+                                <p:cTn id="33" presetID="1" presetClass="entr" presetSubtype="0" fill="hold" grpId="0" nodeType="clickEffect">
+                                  <p:stCondLst>
+                                    <p:cond delay="0"/>
+                                  </p:stCondLst>
+                                  <p:childTnLst>
+                                    <p:set>
+                                      <p:cBhvr>
+                                        <p:cTn id="34" dur="1" fill="hold">
+                                          <p:stCondLst>
+                                            <p:cond delay="0"/>
+                                          </p:stCondLst>
+                                        </p:cTn>
+                                        <p:tgtEl>
+                                          <p:spTgt spid="3">
+                                            <p:txEl>
+                                              <p:pRg st="5" end="5"/>
+                                            </p:txEl>
+                                          </p:spTgt>
+                                        </p:tgtEl>
+                                        <p:attrNameLst>
+                                          <p:attrName>style.visibility</p:attrName>
+                                        </p:attrNameLst>
+                                      </p:cBhvr>
+                                      <p:to>
+                                        <p:strVal val="visible"/>
+                                      </p:to>
+                                    </p:set>
+                                  </p:childTnLst>
+                                </p:cTn>
+                              </p:par>
+                            </p:childTnLst>
+                          </p:cTn>
+                        </p:par>
+                      </p:childTnLst>
+                    </p:cTn>
+                  </p:par>
+                  <p:par>
+                    <p:cTn id="35" fill="hold">
+                      <p:stCondLst>
+                        <p:cond delay="indefinite"/>
+                      </p:stCondLst>
+                      <p:childTnLst>
+                        <p:par>
+                          <p:cTn id="36" fill="hold">
+                            <p:stCondLst>
+                              <p:cond delay="0"/>
+                            </p:stCondLst>
+                            <p:childTnLst>
+                              <p:par>
+                                <p:cTn id="37" presetID="1" presetClass="entr" presetSubtype="0" fill="hold" grpId="0" nodeType="clickEffect">
+                                  <p:stCondLst>
+                                    <p:cond delay="0"/>
+                                  </p:stCondLst>
+                                  <p:childTnLst>
+                                    <p:set>
+                                      <p:cBhvr>
+                                        <p:cTn id="38" dur="1" fill="hold">
+                                          <p:stCondLst>
+                                            <p:cond delay="0"/>
+                                          </p:stCondLst>
+                                        </p:cTn>
+                                        <p:tgtEl>
+                                          <p:spTgt spid="3">
+                                            <p:txEl>
+                                              <p:pRg st="6" end="6"/>
+                                            </p:txEl>
+                                          </p:spTgt>
+                                        </p:tgtEl>
+                                        <p:attrNameLst>
+                                          <p:attrName>style.visibility</p:attrName>
+                                        </p:attrNameLst>
+                                      </p:cBhvr>
+                                      <p:to>
+                                        <p:strVal val="visible"/>
+                                      </p:to>
+                                    </p:set>
+                                  </p:childTnLst>
+                                </p:cTn>
+                              </p:par>
+                            </p:childTnLst>
+                          </p:cTn>
+                        </p:par>
+                      </p:childTnLst>
+                    </p:cTn>
+                  </p:par>
                 </p:childTnLst>
               </p:cTn>
               <p:prevCondLst>
@@ -7635,6 +8003,9 @@
         </p:cTn>
       </p:par>
     </p:tnLst>
+    <p:bldLst>
+      <p:bldP spid="3" grpId="0" uiExpand="1" build="p"/>
+    </p:bldLst>
   </p:timing>
 </p:sld>
 </file>
@@ -8001,6 +8372,303 @@
   <p:clrMapOvr>
     <a:masterClrMapping/>
   </p:clrMapOvr>
+  <p:timing>
+    <p:tnLst>
+      <p:par>
+        <p:cTn id="1" dur="indefinite" restart="never" nodeType="tmRoot">
+          <p:childTnLst>
+            <p:seq concurrent="1" nextAc="seek">
+              <p:cTn id="2" dur="indefinite" nodeType="mainSeq">
+                <p:childTnLst>
+                  <p:par>
+                    <p:cTn id="3" fill="hold">
+                      <p:stCondLst>
+                        <p:cond delay="indefinite"/>
+                      </p:stCondLst>
+                      <p:childTnLst>
+                        <p:par>
+                          <p:cTn id="4" fill="hold">
+                            <p:stCondLst>
+                              <p:cond delay="0"/>
+                            </p:stCondLst>
+                            <p:childTnLst>
+                              <p:par>
+                                <p:cTn id="5" presetID="1" presetClass="entr" presetSubtype="0" fill="hold" grpId="0" nodeType="clickEffect">
+                                  <p:stCondLst>
+                                    <p:cond delay="0"/>
+                                  </p:stCondLst>
+                                  <p:childTnLst>
+                                    <p:set>
+                                      <p:cBhvr>
+                                        <p:cTn id="6" dur="1" fill="hold">
+                                          <p:stCondLst>
+                                            <p:cond delay="0"/>
+                                          </p:stCondLst>
+                                        </p:cTn>
+                                        <p:tgtEl>
+                                          <p:spTgt spid="13"/>
+                                        </p:tgtEl>
+                                        <p:attrNameLst>
+                                          <p:attrName>style.visibility</p:attrName>
+                                        </p:attrNameLst>
+                                      </p:cBhvr>
+                                      <p:to>
+                                        <p:strVal val="visible"/>
+                                      </p:to>
+                                    </p:set>
+                                  </p:childTnLst>
+                                </p:cTn>
+                              </p:par>
+                            </p:childTnLst>
+                          </p:cTn>
+                        </p:par>
+                      </p:childTnLst>
+                    </p:cTn>
+                  </p:par>
+                  <p:par>
+                    <p:cTn id="7" fill="hold">
+                      <p:stCondLst>
+                        <p:cond delay="indefinite"/>
+                      </p:stCondLst>
+                      <p:childTnLst>
+                        <p:par>
+                          <p:cTn id="8" fill="hold">
+                            <p:stCondLst>
+                              <p:cond delay="0"/>
+                            </p:stCondLst>
+                            <p:childTnLst>
+                              <p:par>
+                                <p:cTn id="9" presetID="1" presetClass="entr" presetSubtype="0" fill="hold" grpId="0" nodeType="clickEffect">
+                                  <p:stCondLst>
+                                    <p:cond delay="0"/>
+                                  </p:stCondLst>
+                                  <p:childTnLst>
+                                    <p:set>
+                                      <p:cBhvr>
+                                        <p:cTn id="10" dur="1" fill="hold">
+                                          <p:stCondLst>
+                                            <p:cond delay="0"/>
+                                          </p:stCondLst>
+                                        </p:cTn>
+                                        <p:tgtEl>
+                                          <p:spTgt spid="20"/>
+                                        </p:tgtEl>
+                                        <p:attrNameLst>
+                                          <p:attrName>style.visibility</p:attrName>
+                                        </p:attrNameLst>
+                                      </p:cBhvr>
+                                      <p:to>
+                                        <p:strVal val="visible"/>
+                                      </p:to>
+                                    </p:set>
+                                  </p:childTnLst>
+                                </p:cTn>
+                              </p:par>
+                              <p:par>
+                                <p:cTn id="11" presetID="1" presetClass="entr" presetSubtype="0" fill="hold" nodeType="withEffect">
+                                  <p:stCondLst>
+                                    <p:cond delay="0"/>
+                                  </p:stCondLst>
+                                  <p:childTnLst>
+                                    <p:set>
+                                      <p:cBhvr>
+                                        <p:cTn id="12" dur="1" fill="hold">
+                                          <p:stCondLst>
+                                            <p:cond delay="0"/>
+                                          </p:stCondLst>
+                                        </p:cTn>
+                                        <p:tgtEl>
+                                          <p:spTgt spid="11"/>
+                                        </p:tgtEl>
+                                        <p:attrNameLst>
+                                          <p:attrName>style.visibility</p:attrName>
+                                        </p:attrNameLst>
+                                      </p:cBhvr>
+                                      <p:to>
+                                        <p:strVal val="visible"/>
+                                      </p:to>
+                                    </p:set>
+                                  </p:childTnLst>
+                                </p:cTn>
+                              </p:par>
+                            </p:childTnLst>
+                          </p:cTn>
+                        </p:par>
+                      </p:childTnLst>
+                    </p:cTn>
+                  </p:par>
+                  <p:par>
+                    <p:cTn id="13" fill="hold">
+                      <p:stCondLst>
+                        <p:cond delay="indefinite"/>
+                      </p:stCondLst>
+                      <p:childTnLst>
+                        <p:par>
+                          <p:cTn id="14" fill="hold">
+                            <p:stCondLst>
+                              <p:cond delay="0"/>
+                            </p:stCondLst>
+                            <p:childTnLst>
+                              <p:par>
+                                <p:cTn id="15" presetID="1" presetClass="entr" presetSubtype="0" fill="hold" grpId="0" nodeType="clickEffect">
+                                  <p:stCondLst>
+                                    <p:cond delay="0"/>
+                                  </p:stCondLst>
+                                  <p:childTnLst>
+                                    <p:set>
+                                      <p:cBhvr>
+                                        <p:cTn id="16" dur="1" fill="hold">
+                                          <p:stCondLst>
+                                            <p:cond delay="0"/>
+                                          </p:stCondLst>
+                                        </p:cTn>
+                                        <p:tgtEl>
+                                          <p:spTgt spid="16"/>
+                                        </p:tgtEl>
+                                        <p:attrNameLst>
+                                          <p:attrName>style.visibility</p:attrName>
+                                        </p:attrNameLst>
+                                      </p:cBhvr>
+                                      <p:to>
+                                        <p:strVal val="visible"/>
+                                      </p:to>
+                                    </p:set>
+                                  </p:childTnLst>
+                                </p:cTn>
+                              </p:par>
+                              <p:par>
+                                <p:cTn id="17" presetID="1" presetClass="entr" presetSubtype="0" fill="hold" nodeType="withEffect">
+                                  <p:stCondLst>
+                                    <p:cond delay="0"/>
+                                  </p:stCondLst>
+                                  <p:childTnLst>
+                                    <p:set>
+                                      <p:cBhvr>
+                                        <p:cTn id="18" dur="1" fill="hold">
+                                          <p:stCondLst>
+                                            <p:cond delay="0"/>
+                                          </p:stCondLst>
+                                        </p:cTn>
+                                        <p:tgtEl>
+                                          <p:spTgt spid="7"/>
+                                        </p:tgtEl>
+                                        <p:attrNameLst>
+                                          <p:attrName>style.visibility</p:attrName>
+                                        </p:attrNameLst>
+                                      </p:cBhvr>
+                                      <p:to>
+                                        <p:strVal val="visible"/>
+                                      </p:to>
+                                    </p:set>
+                                  </p:childTnLst>
+                                </p:cTn>
+                              </p:par>
+                            </p:childTnLst>
+                          </p:cTn>
+                        </p:par>
+                      </p:childTnLst>
+                    </p:cTn>
+                  </p:par>
+                  <p:par>
+                    <p:cTn id="19" fill="hold">
+                      <p:stCondLst>
+                        <p:cond delay="indefinite"/>
+                      </p:stCondLst>
+                      <p:childTnLst>
+                        <p:par>
+                          <p:cTn id="20" fill="hold">
+                            <p:stCondLst>
+                              <p:cond delay="0"/>
+                            </p:stCondLst>
+                            <p:childTnLst>
+                              <p:par>
+                                <p:cTn id="21" presetID="1" presetClass="entr" presetSubtype="0" fill="hold" grpId="0" nodeType="clickEffect">
+                                  <p:stCondLst>
+                                    <p:cond delay="0"/>
+                                  </p:stCondLst>
+                                  <p:childTnLst>
+                                    <p:set>
+                                      <p:cBhvr>
+                                        <p:cTn id="22" dur="1" fill="hold">
+                                          <p:stCondLst>
+                                            <p:cond delay="0"/>
+                                          </p:stCondLst>
+                                        </p:cTn>
+                                        <p:tgtEl>
+                                          <p:spTgt spid="18"/>
+                                        </p:tgtEl>
+                                        <p:attrNameLst>
+                                          <p:attrName>style.visibility</p:attrName>
+                                        </p:attrNameLst>
+                                      </p:cBhvr>
+                                      <p:to>
+                                        <p:strVal val="visible"/>
+                                      </p:to>
+                                    </p:set>
+                                  </p:childTnLst>
+                                </p:cTn>
+                              </p:par>
+                              <p:par>
+                                <p:cTn id="23" presetID="1" presetClass="entr" presetSubtype="0" fill="hold" nodeType="withEffect">
+                                  <p:stCondLst>
+                                    <p:cond delay="0"/>
+                                  </p:stCondLst>
+                                  <p:childTnLst>
+                                    <p:set>
+                                      <p:cBhvr>
+                                        <p:cTn id="24" dur="1" fill="hold">
+                                          <p:stCondLst>
+                                            <p:cond delay="0"/>
+                                          </p:stCondLst>
+                                        </p:cTn>
+                                        <p:tgtEl>
+                                          <p:spTgt spid="10"/>
+                                        </p:tgtEl>
+                                        <p:attrNameLst>
+                                          <p:attrName>style.visibility</p:attrName>
+                                        </p:attrNameLst>
+                                      </p:cBhvr>
+                                      <p:to>
+                                        <p:strVal val="visible"/>
+                                      </p:to>
+                                    </p:set>
+                                  </p:childTnLst>
+                                </p:cTn>
+                              </p:par>
+                            </p:childTnLst>
+                          </p:cTn>
+                        </p:par>
+                      </p:childTnLst>
+                    </p:cTn>
+                  </p:par>
+                </p:childTnLst>
+              </p:cTn>
+              <p:prevCondLst>
+                <p:cond evt="onPrev" delay="0">
+                  <p:tgtEl>
+                    <p:sldTgt/>
+                  </p:tgtEl>
+                </p:cond>
+              </p:prevCondLst>
+              <p:nextCondLst>
+                <p:cond evt="onNext" delay="0">
+                  <p:tgtEl>
+                    <p:sldTgt/>
+                  </p:tgtEl>
+                </p:cond>
+              </p:nextCondLst>
+            </p:seq>
+          </p:childTnLst>
+        </p:cTn>
+      </p:par>
+    </p:tnLst>
+    <p:bldLst>
+      <p:bldP spid="13" grpId="0"/>
+      <p:bldP spid="16" grpId="0"/>
+      <p:bldP spid="18" grpId="0"/>
+      <p:bldP spid="20" grpId="0"/>
+    </p:bldLst>
+  </p:timing>
 </p:sld>
 </file>
 
@@ -8186,6 +8854,129 @@
   <p:clrMapOvr>
     <a:masterClrMapping/>
   </p:clrMapOvr>
+  <p:timing>
+    <p:tnLst>
+      <p:par>
+        <p:cTn id="1" dur="indefinite" restart="never" nodeType="tmRoot">
+          <p:childTnLst>
+            <p:seq concurrent="1" nextAc="seek">
+              <p:cTn id="2" dur="indefinite" nodeType="mainSeq">
+                <p:childTnLst>
+                  <p:par>
+                    <p:cTn id="3" fill="hold">
+                      <p:stCondLst>
+                        <p:cond delay="indefinite"/>
+                      </p:stCondLst>
+                      <p:childTnLst>
+                        <p:par>
+                          <p:cTn id="4" fill="hold">
+                            <p:stCondLst>
+                              <p:cond delay="0"/>
+                            </p:stCondLst>
+                            <p:childTnLst>
+                              <p:par>
+                                <p:cTn id="5" presetID="1" presetClass="entr" presetSubtype="0" fill="hold" grpId="0" nodeType="clickEffect">
+                                  <p:stCondLst>
+                                    <p:cond delay="0"/>
+                                  </p:stCondLst>
+                                  <p:childTnLst>
+                                    <p:set>
+                                      <p:cBhvr>
+                                        <p:cTn id="6" dur="1" fill="hold">
+                                          <p:stCondLst>
+                                            <p:cond delay="0"/>
+                                          </p:stCondLst>
+                                        </p:cTn>
+                                        <p:tgtEl>
+                                          <p:spTgt spid="6"/>
+                                        </p:tgtEl>
+                                        <p:attrNameLst>
+                                          <p:attrName>style.visibility</p:attrName>
+                                        </p:attrNameLst>
+                                      </p:cBhvr>
+                                      <p:to>
+                                        <p:strVal val="visible"/>
+                                      </p:to>
+                                    </p:set>
+                                  </p:childTnLst>
+                                </p:cTn>
+                              </p:par>
+                            </p:childTnLst>
+                          </p:cTn>
+                        </p:par>
+                      </p:childTnLst>
+                    </p:cTn>
+                  </p:par>
+                  <p:par>
+                    <p:cTn id="7" fill="hold">
+                      <p:stCondLst>
+                        <p:cond delay="indefinite"/>
+                      </p:stCondLst>
+                      <p:childTnLst>
+                        <p:par>
+                          <p:cTn id="8" fill="hold">
+                            <p:stCondLst>
+                              <p:cond delay="0"/>
+                            </p:stCondLst>
+                            <p:childTnLst>
+                              <p:par>
+                                <p:cTn id="9" presetID="1" presetClass="entr" presetSubtype="0" fill="hold" nodeType="clickEffect">
+                                  <p:stCondLst>
+                                    <p:cond delay="0"/>
+                                  </p:stCondLst>
+                                  <p:childTnLst>
+                                    <p:set>
+                                      <p:cBhvr>
+                                        <p:cTn id="10" dur="1" fill="hold">
+                                          <p:stCondLst>
+                                            <p:cond delay="0"/>
+                                          </p:stCondLst>
+                                        </p:cTn>
+                                        <p:tgtEl>
+                                          <p:spTgt spid="4"/>
+                                        </p:tgtEl>
+                                        <p:attrNameLst>
+                                          <p:attrName>style.visibility</p:attrName>
+                                        </p:attrNameLst>
+                                      </p:cBhvr>
+                                      <p:to>
+                                        <p:strVal val="visible"/>
+                                      </p:to>
+                                    </p:set>
+                                  </p:childTnLst>
+                                </p:cTn>
+                              </p:par>
+                            </p:childTnLst>
+                          </p:cTn>
+                        </p:par>
+                      </p:childTnLst>
+                    </p:cTn>
+                  </p:par>
+                </p:childTnLst>
+              </p:cTn>
+              <p:prevCondLst>
+                <p:cond evt="onPrev" delay="0">
+                  <p:tgtEl>
+                    <p:sldTgt/>
+                  </p:tgtEl>
+                </p:cond>
+              </p:prevCondLst>
+              <p:nextCondLst>
+                <p:cond evt="onNext" delay="0">
+                  <p:tgtEl>
+                    <p:sldTgt/>
+                  </p:tgtEl>
+                </p:cond>
+              </p:nextCondLst>
+            </p:seq>
+          </p:childTnLst>
+        </p:cTn>
+      </p:par>
+    </p:tnLst>
+    <p:bldLst>
+      <p:bldP spid="6" grpId="0"/>
+    </p:bldLst>
+  </p:timing>
 </p:sld>
 </file>
 
@@ -8371,6 +9162,129 @@
   <p:clrMapOvr>
     <a:masterClrMapping/>
   </p:clrMapOvr>
+  <p:timing>
+    <p:tnLst>
+      <p:par>
+        <p:cTn id="1" dur="indefinite" restart="never" nodeType="tmRoot">
+          <p:childTnLst>
+            <p:seq concurrent="1" nextAc="seek">
+              <p:cTn id="2" dur="indefinite" nodeType="mainSeq">
+                <p:childTnLst>
+                  <p:par>
+                    <p:cTn id="3" fill="hold">
+                      <p:stCondLst>
+                        <p:cond delay="indefinite"/>
+                      </p:stCondLst>
+                      <p:childTnLst>
+                        <p:par>
+                          <p:cTn id="4" fill="hold">
+                            <p:stCondLst>
+                              <p:cond delay="0"/>
+                            </p:stCondLst>
+                            <p:childTnLst>
+                              <p:par>
+                                <p:cTn id="5" presetID="1" presetClass="entr" presetSubtype="0" fill="hold" grpId="0" nodeType="clickEffect">
+                                  <p:stCondLst>
+                                    <p:cond delay="0"/>
+                                  </p:stCondLst>
+                                  <p:childTnLst>
+                                    <p:set>
+                                      <p:cBhvr>
+                                        <p:cTn id="6" dur="1" fill="hold">
+                                          <p:stCondLst>
+                                            <p:cond delay="0"/>
+                                          </p:stCondLst>
+                                        </p:cTn>
+                                        <p:tgtEl>
+                                          <p:spTgt spid="8"/>
+                                        </p:tgtEl>
+                                        <p:attrNameLst>
+                                          <p:attrName>style.visibility</p:attrName>
+                                        </p:attrNameLst>
+                                      </p:cBhvr>
+                                      <p:to>
+                                        <p:strVal val="visible"/>
+                                      </p:to>
+                                    </p:set>
+                                  </p:childTnLst>
+                                </p:cTn>
+                              </p:par>
+                            </p:childTnLst>
+                          </p:cTn>
+                        </p:par>
+                      </p:childTnLst>
+                    </p:cTn>
+                  </p:par>
+                  <p:par>
+                    <p:cTn id="7" fill="hold">
+                      <p:stCondLst>
+                        <p:cond delay="indefinite"/>
+                      </p:stCondLst>
+                      <p:childTnLst>
+                        <p:par>
+                          <p:cTn id="8" fill="hold">
+                            <p:stCondLst>
+                              <p:cond delay="0"/>
+                            </p:stCondLst>
+                            <p:childTnLst>
+                              <p:par>
+                                <p:cTn id="9" presetID="1" presetClass="entr" presetSubtype="0" fill="hold" nodeType="clickEffect">
+                                  <p:stCondLst>
+                                    <p:cond delay="0"/>
+                                  </p:stCondLst>
+                                  <p:childTnLst>
+                                    <p:set>
+                                      <p:cBhvr>
+                                        <p:cTn id="10" dur="1" fill="hold">
+                                          <p:stCondLst>
+                                            <p:cond delay="0"/>
+                                          </p:stCondLst>
+                                        </p:cTn>
+                                        <p:tgtEl>
+                                          <p:spTgt spid="7"/>
+                                        </p:tgtEl>
+                                        <p:attrNameLst>
+                                          <p:attrName>style.visibility</p:attrName>
+                                        </p:attrNameLst>
+                                      </p:cBhvr>
+                                      <p:to>
+                                        <p:strVal val="visible"/>
+                                      </p:to>
+                                    </p:set>
+                                  </p:childTnLst>
+                                </p:cTn>
+                              </p:par>
+                            </p:childTnLst>
+                          </p:cTn>
+                        </p:par>
+                      </p:childTnLst>
+                    </p:cTn>
+                  </p:par>
+                </p:childTnLst>
+              </p:cTn>
+              <p:prevCondLst>
+                <p:cond evt="onPrev" delay="0">
+                  <p:tgtEl>
+                    <p:sldTgt/>
+                  </p:tgtEl>
+                </p:cond>
+              </p:prevCondLst>
+              <p:nextCondLst>
+                <p:cond evt="onNext" delay="0">
+                  <p:tgtEl>
+                    <p:sldTgt/>
+                  </p:tgtEl>
+                </p:cond>
+              </p:nextCondLst>
+            </p:seq>
+          </p:childTnLst>
+        </p:cTn>
+      </p:par>
+    </p:tnLst>
+    <p:bldLst>
+      <p:bldP spid="8" grpId="0"/>
+    </p:bldLst>
+  </p:timing>
 </p:sld>
 </file>
 
@@ -8557,6 +9471,129 @@
   <p:clrMapOvr>
     <a:masterClrMapping/>
   </p:clrMapOvr>
+  <p:timing>
+    <p:tnLst>
+      <p:par>
+        <p:cTn id="1" dur="indefinite" restart="never" nodeType="tmRoot">
+          <p:childTnLst>
+            <p:seq concurrent="1" nextAc="seek">
+              <p:cTn id="2" dur="indefinite" nodeType="mainSeq">
+                <p:childTnLst>
+                  <p:par>
+                    <p:cTn id="3" fill="hold">
+                      <p:stCondLst>
+                        <p:cond delay="indefinite"/>
+                      </p:stCondLst>
+                      <p:childTnLst>
+                        <p:par>
+                          <p:cTn id="4" fill="hold">
+                            <p:stCondLst>
+                              <p:cond delay="0"/>
+                            </p:stCondLst>
+                            <p:childTnLst>
+                              <p:par>
+                                <p:cTn id="5" presetID="1" presetClass="entr" presetSubtype="0" fill="hold" grpId="0" nodeType="clickEffect">
+                                  <p:stCondLst>
+                                    <p:cond delay="0"/>
+                                  </p:stCondLst>
+                                  <p:childTnLst>
+                                    <p:set>
+                                      <p:cBhvr>
+                                        <p:cTn id="6" dur="1" fill="hold">
+                                          <p:stCondLst>
+                                            <p:cond delay="0"/>
+                                          </p:stCondLst>
+                                        </p:cTn>
+                                        <p:tgtEl>
+                                          <p:spTgt spid="5"/>
+                                        </p:tgtEl>
+                                        <p:attrNameLst>
+                                          <p:attrName>style.visibility</p:attrName>
+                                        </p:attrNameLst>
+                                      </p:cBhvr>
+                                      <p:to>
+                                        <p:strVal val="visible"/>
+                                      </p:to>
+                                    </p:set>
+                                  </p:childTnLst>
+                                </p:cTn>
+                              </p:par>
+                            </p:childTnLst>
+                          </p:cTn>
+                        </p:par>
+                      </p:childTnLst>
+                    </p:cTn>
+                  </p:par>
+                  <p:par>
+                    <p:cTn id="7" fill="hold">
+                      <p:stCondLst>
+                        <p:cond delay="indefinite"/>
+                      </p:stCondLst>
+                      <p:childTnLst>
+                        <p:par>
+                          <p:cTn id="8" fill="hold">
+                            <p:stCondLst>
+                              <p:cond delay="0"/>
+                            </p:stCondLst>
+                            <p:childTnLst>
+                              <p:par>
+                                <p:cTn id="9" presetID="1" presetClass="entr" presetSubtype="0" fill="hold" nodeType="clickEffect">
+                                  <p:stCondLst>
+                                    <p:cond delay="0"/>
+                                  </p:stCondLst>
+                                  <p:childTnLst>
+                                    <p:set>
+                                      <p:cBhvr>
+                                        <p:cTn id="10" dur="1" fill="hold">
+                                          <p:stCondLst>
+                                            <p:cond delay="0"/>
+                                          </p:stCondLst>
+                                        </p:cTn>
+                                        <p:tgtEl>
+                                          <p:spTgt spid="4"/>
+                                        </p:tgtEl>
+                                        <p:attrNameLst>
+                                          <p:attrName>style.visibility</p:attrName>
+                                        </p:attrNameLst>
+                                      </p:cBhvr>
+                                      <p:to>
+                                        <p:strVal val="visible"/>
+                                      </p:to>
+                                    </p:set>
+                                  </p:childTnLst>
+                                </p:cTn>
+                              </p:par>
+                            </p:childTnLst>
+                          </p:cTn>
+                        </p:par>
+                      </p:childTnLst>
+                    </p:cTn>
+                  </p:par>
+                </p:childTnLst>
+              </p:cTn>
+              <p:prevCondLst>
+                <p:cond evt="onPrev" delay="0">
+                  <p:tgtEl>
+                    <p:sldTgt/>
+                  </p:tgtEl>
+                </p:cond>
+              </p:prevCondLst>
+              <p:nextCondLst>
+                <p:cond evt="onNext" delay="0">
+                  <p:tgtEl>
+                    <p:sldTgt/>
+                  </p:tgtEl>
+                </p:cond>
+              </p:nextCondLst>
+            </p:seq>
+          </p:childTnLst>
+        </p:cTn>
+      </p:par>
+    </p:tnLst>
+    <p:bldLst>
+      <p:bldP spid="5" grpId="0"/>
+    </p:bldLst>
+  </p:timing>
 </p:sld>
 </file>
 
@@ -8751,6 +9788,129 @@
   <p:clrMapOvr>
     <a:masterClrMapping/>
   </p:clrMapOvr>
+  <p:timing>
+    <p:tnLst>
+      <p:par>
+        <p:cTn id="1" dur="indefinite" restart="never" nodeType="tmRoot">
+          <p:childTnLst>
+            <p:seq concurrent="1" nextAc="seek">
+              <p:cTn id="2" dur="indefinite" nodeType="mainSeq">
+                <p:childTnLst>
+                  <p:par>
+                    <p:cTn id="3" fill="hold">
+                      <p:stCondLst>
+                        <p:cond delay="indefinite"/>
+                      </p:stCondLst>
+                      <p:childTnLst>
+                        <p:par>
+                          <p:cTn id="4" fill="hold">
+                            <p:stCondLst>
+                              <p:cond delay="0"/>
+                            </p:stCondLst>
+                            <p:childTnLst>
+                              <p:par>
+                                <p:cTn id="5" presetID="1" presetClass="entr" presetSubtype="0" fill="hold" grpId="0" nodeType="clickEffect">
+                                  <p:stCondLst>
+                                    <p:cond delay="0"/>
+                                  </p:stCondLst>
+                                  <p:childTnLst>
+                                    <p:set>
+                                      <p:cBhvr>
+                                        <p:cTn id="6" dur="1" fill="hold">
+                                          <p:stCondLst>
+                                            <p:cond delay="0"/>
+                                          </p:stCondLst>
+                                        </p:cTn>
+                                        <p:tgtEl>
+                                          <p:spTgt spid="6"/>
+                                        </p:tgtEl>
+                                        <p:attrNameLst>
+                                          <p:attrName>style.visibility</p:attrName>
+                                        </p:attrNameLst>
+                                      </p:cBhvr>
+                                      <p:to>
+                                        <p:strVal val="visible"/>
+                                      </p:to>
+                                    </p:set>
+                                  </p:childTnLst>
+                                </p:cTn>
+                              </p:par>
+                            </p:childTnLst>
+                          </p:cTn>
+                        </p:par>
+                      </p:childTnLst>
+                    </p:cTn>
+                  </p:par>
+                  <p:par>
+                    <p:cTn id="7" fill="hold">
+                      <p:stCondLst>
+                        <p:cond delay="indefinite"/>
+                      </p:stCondLst>
+                      <p:childTnLst>
+                        <p:par>
+                          <p:cTn id="8" fill="hold">
+                            <p:stCondLst>
+                              <p:cond delay="0"/>
+                            </p:stCondLst>
+                            <p:childTnLst>
+                              <p:par>
+                                <p:cTn id="9" presetID="1" presetClass="entr" presetSubtype="0" fill="hold" nodeType="clickEffect">
+                                  <p:stCondLst>
+                                    <p:cond delay="0"/>
+                                  </p:stCondLst>
+                                  <p:childTnLst>
+                                    <p:set>
+                                      <p:cBhvr>
+                                        <p:cTn id="10" dur="1" fill="hold">
+                                          <p:stCondLst>
+                                            <p:cond delay="0"/>
+                                          </p:stCondLst>
+                                        </p:cTn>
+                                        <p:tgtEl>
+                                          <p:spTgt spid="5"/>
+                                        </p:tgtEl>
+                                        <p:attrNameLst>
+                                          <p:attrName>style.visibility</p:attrName>
+                                        </p:attrNameLst>
+                                      </p:cBhvr>
+                                      <p:to>
+                                        <p:strVal val="visible"/>
+                                      </p:to>
+                                    </p:set>
+                                  </p:childTnLst>
+                                </p:cTn>
+                              </p:par>
+                            </p:childTnLst>
+                          </p:cTn>
+                        </p:par>
+                      </p:childTnLst>
+                    </p:cTn>
+                  </p:par>
+                </p:childTnLst>
+              </p:cTn>
+              <p:prevCondLst>
+                <p:cond evt="onPrev" delay="0">
+                  <p:tgtEl>
+                    <p:sldTgt/>
+                  </p:tgtEl>
+                </p:cond>
+              </p:prevCondLst>
+              <p:nextCondLst>
+                <p:cond evt="onNext" delay="0">
+                  <p:tgtEl>
+                    <p:sldTgt/>
+                  </p:tgtEl>
+                </p:cond>
+              </p:nextCondLst>
+            </p:seq>
+          </p:childTnLst>
+        </p:cTn>
+      </p:par>
+    </p:tnLst>
+    <p:bldLst>
+      <p:bldP spid="6" grpId="0"/>
+    </p:bldLst>
+  </p:timing>
 </p:sld>
 </file>
 
@@ -9108,6 +10268,303 @@
   <p:clrMapOvr>
     <a:masterClrMapping/>
   </p:clrMapOvr>
+  <p:timing>
+    <p:tnLst>
+      <p:par>
+        <p:cTn id="1" dur="indefinite" restart="never" nodeType="tmRoot">
+          <p:childTnLst>
+            <p:seq concurrent="1" nextAc="seek">
+              <p:cTn id="2" dur="indefinite" nodeType="mainSeq">
+                <p:childTnLst>
+                  <p:par>
+                    <p:cTn id="3" fill="hold">
+                      <p:stCondLst>
+                        <p:cond delay="indefinite"/>
+                      </p:stCondLst>
+                      <p:childTnLst>
+                        <p:par>
+                          <p:cTn id="4" fill="hold">
+                            <p:stCondLst>
+                              <p:cond delay="0"/>
+                            </p:stCondLst>
+                            <p:childTnLst>
+                              <p:par>
+                                <p:cTn id="5" presetID="1" presetClass="entr" presetSubtype="0" fill="hold" grpId="0" nodeType="clickEffect">
+                                  <p:stCondLst>
+                                    <p:cond delay="0"/>
+                                  </p:stCondLst>
+                                  <p:childTnLst>
+                                    <p:set>
+                                      <p:cBhvr>
+                                        <p:cTn id="6" dur="1" fill="hold">
+                                          <p:stCondLst>
+                                            <p:cond delay="0"/>
+                                          </p:stCondLst>
+                                        </p:cTn>
+                                        <p:tgtEl>
+                                          <p:spTgt spid="12"/>
+                                        </p:tgtEl>
+                                        <p:attrNameLst>
+                                          <p:attrName>style.visibility</p:attrName>
+                                        </p:attrNameLst>
+                                      </p:cBhvr>
+                                      <p:to>
+                                        <p:strVal val="visible"/>
+                                      </p:to>
+                                    </p:set>
+                                  </p:childTnLst>
+                                </p:cTn>
+                              </p:par>
+                            </p:childTnLst>
+                          </p:cTn>
+                        </p:par>
+                      </p:childTnLst>
+                    </p:cTn>
+                  </p:par>
+                  <p:par>
+                    <p:cTn id="7" fill="hold">
+                      <p:stCondLst>
+                        <p:cond delay="indefinite"/>
+                      </p:stCondLst>
+                      <p:childTnLst>
+                        <p:par>
+                          <p:cTn id="8" fill="hold">
+                            <p:stCondLst>
+                              <p:cond delay="0"/>
+                            </p:stCondLst>
+                            <p:childTnLst>
+                              <p:par>
+                                <p:cTn id="9" presetID="1" presetClass="entr" presetSubtype="0" fill="hold" grpId="0" nodeType="clickEffect">
+                                  <p:stCondLst>
+                                    <p:cond delay="0"/>
+                                  </p:stCondLst>
+                                  <p:childTnLst>
+                                    <p:set>
+                                      <p:cBhvr>
+                                        <p:cTn id="10" dur="1" fill="hold">
+                                          <p:stCondLst>
+                                            <p:cond delay="0"/>
+                                          </p:stCondLst>
+                                        </p:cTn>
+                                        <p:tgtEl>
+                                          <p:spTgt spid="23"/>
+                                        </p:tgtEl>
+                                        <p:attrNameLst>
+                                          <p:attrName>style.visibility</p:attrName>
+                                        </p:attrNameLst>
+                                      </p:cBhvr>
+                                      <p:to>
+                                        <p:strVal val="visible"/>
+                                      </p:to>
+                                    </p:set>
+                                  </p:childTnLst>
+                                </p:cTn>
+                              </p:par>
+                              <p:par>
+                                <p:cTn id="11" presetID="1" presetClass="entr" presetSubtype="0" fill="hold" nodeType="withEffect">
+                                  <p:stCondLst>
+                                    <p:cond delay="0"/>
+                                  </p:stCondLst>
+                                  <p:childTnLst>
+                                    <p:set>
+                                      <p:cBhvr>
+                                        <p:cTn id="12" dur="1" fill="hold">
+                                          <p:stCondLst>
+                                            <p:cond delay="0"/>
+                                          </p:stCondLst>
+                                        </p:cTn>
+                                        <p:tgtEl>
+                                          <p:spTgt spid="10"/>
+                                        </p:tgtEl>
+                                        <p:attrNameLst>
+                                          <p:attrName>style.visibility</p:attrName>
+                                        </p:attrNameLst>
+                                      </p:cBhvr>
+                                      <p:to>
+                                        <p:strVal val="visible"/>
+                                      </p:to>
+                                    </p:set>
+                                  </p:childTnLst>
+                                </p:cTn>
+                              </p:par>
+                            </p:childTnLst>
+                          </p:cTn>
+                        </p:par>
+                      </p:childTnLst>
+                    </p:cTn>
+                  </p:par>
+                  <p:par>
+                    <p:cTn id="13" fill="hold">
+                      <p:stCondLst>
+                        <p:cond delay="indefinite"/>
+                      </p:stCondLst>
+                      <p:childTnLst>
+                        <p:par>
+                          <p:cTn id="14" fill="hold">
+                            <p:stCondLst>
+                              <p:cond delay="0"/>
+                            </p:stCondLst>
+                            <p:childTnLst>
+                              <p:par>
+                                <p:cTn id="15" presetID="1" presetClass="entr" presetSubtype="0" fill="hold" nodeType="clickEffect">
+                                  <p:stCondLst>
+                                    <p:cond delay="0"/>
+                                  </p:stCondLst>
+                                  <p:childTnLst>
+                                    <p:set>
+                                      <p:cBhvr>
+                                        <p:cTn id="16" dur="1" fill="hold">
+                                          <p:stCondLst>
+                                            <p:cond delay="0"/>
+                                          </p:stCondLst>
+                                        </p:cTn>
+                                        <p:tgtEl>
+                                          <p:spTgt spid="8"/>
+                                        </p:tgtEl>
+                                        <p:attrNameLst>
+                                          <p:attrName>style.visibility</p:attrName>
+                                        </p:attrNameLst>
+                                      </p:cBhvr>
+                                      <p:to>
+                                        <p:strVal val="visible"/>
+                                      </p:to>
+                                    </p:set>
+                                  </p:childTnLst>
+                                </p:cTn>
+                              </p:par>
+                              <p:par>
+                                <p:cTn id="17" presetID="1" presetClass="entr" presetSubtype="0" fill="hold" grpId="0" nodeType="withEffect">
+                                  <p:stCondLst>
+                                    <p:cond delay="0"/>
+                                  </p:stCondLst>
+                                  <p:childTnLst>
+                                    <p:set>
+                                      <p:cBhvr>
+                                        <p:cTn id="18" dur="1" fill="hold">
+                                          <p:stCondLst>
+                                            <p:cond delay="0"/>
+                                          </p:stCondLst>
+                                        </p:cTn>
+                                        <p:tgtEl>
+                                          <p:spTgt spid="21"/>
+                                        </p:tgtEl>
+                                        <p:attrNameLst>
+                                          <p:attrName>style.visibility</p:attrName>
+                                        </p:attrNameLst>
+                                      </p:cBhvr>
+                                      <p:to>
+                                        <p:strVal val="visible"/>
+                                      </p:to>
+                                    </p:set>
+                                  </p:childTnLst>
+                                </p:cTn>
+                              </p:par>
+                            </p:childTnLst>
+                          </p:cTn>
+                        </p:par>
+                      </p:childTnLst>
+                    </p:cTn>
+                  </p:par>
+                  <p:par>
+                    <p:cTn id="19" fill="hold">
+                      <p:stCondLst>
+                        <p:cond delay="indefinite"/>
+                      </p:stCondLst>
+                      <p:childTnLst>
+                        <p:par>
+                          <p:cTn id="20" fill="hold">
+                            <p:stCondLst>
+                              <p:cond delay="0"/>
+                            </p:stCondLst>
+                            <p:childTnLst>
+                              <p:par>
+                                <p:cTn id="21" presetID="1" presetClass="entr" presetSubtype="0" fill="hold" grpId="0" nodeType="clickEffect">
+                                  <p:stCondLst>
+                                    <p:cond delay="0"/>
+                                  </p:stCondLst>
+                                  <p:childTnLst>
+                                    <p:set>
+                                      <p:cBhvr>
+                                        <p:cTn id="22" dur="1" fill="hold">
+                                          <p:stCondLst>
+                                            <p:cond delay="0"/>
+                                          </p:stCondLst>
+                                        </p:cTn>
+                                        <p:tgtEl>
+                                          <p:spTgt spid="22"/>
+                                        </p:tgtEl>
+                                        <p:attrNameLst>
+                                          <p:attrName>style.visibility</p:attrName>
+                                        </p:attrNameLst>
+                                      </p:cBhvr>
+                                      <p:to>
+                                        <p:strVal val="visible"/>
+                                      </p:to>
+                                    </p:set>
+                                  </p:childTnLst>
+                                </p:cTn>
+                              </p:par>
+                              <p:par>
+                                <p:cTn id="23" presetID="1" presetClass="entr" presetSubtype="0" fill="hold" nodeType="withEffect">
+                                  <p:stCondLst>
+                                    <p:cond delay="0"/>
+                                  </p:stCondLst>
+                                  <p:childTnLst>
+                                    <p:set>
+                                      <p:cBhvr>
+                                        <p:cTn id="24" dur="1" fill="hold">
+                                          <p:stCondLst>
+                                            <p:cond delay="0"/>
+                                          </p:stCondLst>
+                                        </p:cTn>
+                                        <p:tgtEl>
+                                          <p:spTgt spid="5"/>
+                                        </p:tgtEl>
+                                        <p:attrNameLst>
+                                          <p:attrName>style.visibility</p:attrName>
+                                        </p:attrNameLst>
+                                      </p:cBhvr>
+                                      <p:to>
+                                        <p:strVal val="visible"/>
+                                      </p:to>
+                                    </p:set>
+                                  </p:childTnLst>
+                                </p:cTn>
+                              </p:par>
+                            </p:childTnLst>
+                          </p:cTn>
+                        </p:par>
+                      </p:childTnLst>
+                    </p:cTn>
+                  </p:par>
+                </p:childTnLst>
+              </p:cTn>
+              <p:prevCondLst>
+                <p:cond evt="onPrev" delay="0">
+                  <p:tgtEl>
+                    <p:sldTgt/>
+                  </p:tgtEl>
+                </p:cond>
+              </p:prevCondLst>
+              <p:nextCondLst>
+                <p:cond evt="onNext" delay="0">
+                  <p:tgtEl>
+                    <p:sldTgt/>
+                  </p:tgtEl>
+                </p:cond>
+              </p:nextCondLst>
+            </p:seq>
+          </p:childTnLst>
+        </p:cTn>
+      </p:par>
+    </p:tnLst>
+    <p:bldLst>
+      <p:bldP spid="12" grpId="0"/>
+      <p:bldP spid="21" grpId="0"/>
+      <p:bldP spid="22" grpId="0"/>
+      <p:bldP spid="23" grpId="0"/>
+    </p:bldLst>
+  </p:timing>
 </p:sld>
 </file>
 
@@ -9216,6 +10673,214 @@
   <p:clrMapOvr>
     <a:masterClrMapping/>
   </p:clrMapOvr>
+  <p:timing>
+    <p:tnLst>
+      <p:par>
+        <p:cTn id="1" dur="indefinite" restart="never" nodeType="tmRoot">
+          <p:childTnLst>
+            <p:seq concurrent="1" nextAc="seek">
+              <p:cTn id="2" dur="indefinite" nodeType="mainSeq">
+                <p:childTnLst>
+                  <p:par>
+                    <p:cTn id="3" fill="hold">
+                      <p:stCondLst>
+                        <p:cond delay="indefinite"/>
+                      </p:stCondLst>
+                      <p:childTnLst>
+                        <p:par>
+                          <p:cTn id="4" fill="hold">
+                            <p:stCondLst>
+                              <p:cond delay="0"/>
+                            </p:stCondLst>
+                            <p:childTnLst>
+                              <p:par>
+                                <p:cTn id="5" presetID="1" presetClass="entr" presetSubtype="0" fill="hold" nodeType="clickEffect">
+                                  <p:stCondLst>
+                                    <p:cond delay="0"/>
+                                  </p:stCondLst>
+                                  <p:childTnLst>
+                                    <p:set>
+                                      <p:cBhvr>
+                                        <p:cTn id="6" dur="1" fill="hold">
+                                          <p:stCondLst>
+                                            <p:cond delay="0"/>
+                                          </p:stCondLst>
+                                        </p:cTn>
+                                        <p:tgtEl>
+                                          <p:spTgt spid="3">
+                                            <p:txEl>
+                                              <p:pRg st="0" end="0"/>
+                                            </p:txEl>
+                                          </p:spTgt>
+                                        </p:tgtEl>
+                                        <p:attrNameLst>
+                                          <p:attrName>style.visibility</p:attrName>
+                                        </p:attrNameLst>
+                                      </p:cBhvr>
+                                      <p:to>
+                                        <p:strVal val="visible"/>
+                                      </p:to>
+                                    </p:set>
+                                  </p:childTnLst>
+                                </p:cTn>
+                              </p:par>
+                              <p:par>
+                                <p:cTn id="7" presetID="1" presetClass="entr" presetSubtype="0" fill="hold" nodeType="withEffect">
+                                  <p:stCondLst>
+                                    <p:cond delay="0"/>
+                                  </p:stCondLst>
+                                  <p:childTnLst>
+                                    <p:set>
+                                      <p:cBhvr>
+                                        <p:cTn id="8" dur="1" fill="hold">
+                                          <p:stCondLst>
+                                            <p:cond delay="0"/>
+                                          </p:stCondLst>
+                                        </p:cTn>
+                                        <p:tgtEl>
+                                          <p:spTgt spid="3">
+                                            <p:txEl>
+                                              <p:pRg st="1" end="1"/>
+                                            </p:txEl>
+                                          </p:spTgt>
+                                        </p:tgtEl>
+                                        <p:attrNameLst>
+                                          <p:attrName>style.visibility</p:attrName>
+                                        </p:attrNameLst>
+                                      </p:cBhvr>
+                                      <p:to>
+                                        <p:strVal val="visible"/>
+                                      </p:to>
+                                    </p:set>
+                                  </p:childTnLst>
+                                </p:cTn>
+                              </p:par>
+                            </p:childTnLst>
+                          </p:cTn>
+                        </p:par>
+                      </p:childTnLst>
+                    </p:cTn>
+                  </p:par>
+                  <p:par>
+                    <p:cTn id="9" fill="hold">
+                      <p:stCondLst>
+                        <p:cond delay="indefinite"/>
+                      </p:stCondLst>
+                      <p:childTnLst>
+                        <p:par>
+                          <p:cTn id="10" fill="hold">
+                            <p:stCondLst>
+                              <p:cond delay="0"/>
+                            </p:stCondLst>
+                            <p:childTnLst>
+                              <p:par>
+                                <p:cTn id="11" presetID="1" presetClass="entr" presetSubtype="0" fill="hold" nodeType="clickEffect">
+                                  <p:stCondLst>
+                                    <p:cond delay="0"/>
+                                  </p:stCondLst>
+                                  <p:childTnLst>
+                                    <p:set>
+                                      <p:cBhvr>
+                                        <p:cTn id="12" dur="1" fill="hold">
+                                          <p:stCondLst>
+                                            <p:cond delay="0"/>
+                                          </p:stCondLst>
+                                        </p:cTn>
+                                        <p:tgtEl>
+                                          <p:spTgt spid="3">
+                                            <p:txEl>
+                                              <p:pRg st="2" end="2"/>
+                                            </p:txEl>
+                                          </p:spTgt>
+                                        </p:tgtEl>
+                                        <p:attrNameLst>
+                                          <p:attrName>style.visibility</p:attrName>
+                                        </p:attrNameLst>
+                                      </p:cBhvr>
+                                      <p:to>
+                                        <p:strVal val="visible"/>
+                                      </p:to>
+                                    </p:set>
+                                  </p:childTnLst>
+                                </p:cTn>
+                              </p:par>
+                            </p:childTnLst>
+                          </p:cTn>
+                        </p:par>
+                      </p:childTnLst>
+                    </p:cTn>
+                  </p:par>
+                  <p:par>
+                    <p:cTn id="13" fill="hold">
+                      <p:stCondLst>
+                        <p:cond delay="indefinite"/>
+                      </p:stCondLst>
+                      <p:childTnLst>
+                        <p:par>
+                          <p:cTn id="14" fill="hold">
+                            <p:stCondLst>
+                              <p:cond delay="0"/>
+                            </p:stCondLst>
+                            <p:childTnLst>
+                              <p:par>
+                                <p:cTn id="15" presetID="1" presetClass="entr" presetSubtype="0" fill="hold" nodeType="clickEffect">
+                                  <p:stCondLst>
+                                    <p:cond delay="0"/>
+                                  </p:stCondLst>
+                                  <p:childTnLst>
+                                    <p:set>
+                                      <p:cBhvr>
+                                        <p:cTn id="16" dur="1" fill="hold">
+                                          <p:stCondLst>
+                                            <p:cond delay="0"/>
+                                          </p:stCondLst>
+                                        </p:cTn>
+                                        <p:tgtEl>
+                                          <p:spTgt spid="3">
+                                            <p:txEl>
+                                              <p:pRg st="3" end="3"/>
+                                            </p:txEl>
+                                          </p:spTgt>
+                                        </p:tgtEl>
+                                        <p:attrNameLst>
+                                          <p:attrName>style.visibility</p:attrName>
+                                        </p:attrNameLst>
+                                      </p:cBhvr>
+                                      <p:to>
+                                        <p:strVal val="visible"/>
+                                      </p:to>
+                                    </p:set>
+                                  </p:childTnLst>
+                                </p:cTn>
+                              </p:par>
+                            </p:childTnLst>
+                          </p:cTn>
+                        </p:par>
+                      </p:childTnLst>
+                    </p:cTn>
+                  </p:par>
+                </p:childTnLst>
+              </p:cTn>
+              <p:prevCondLst>
+                <p:cond evt="onPrev" delay="0">
+                  <p:tgtEl>
+                    <p:sldTgt/>
+                  </p:tgtEl>
+                </p:cond>
+              </p:prevCondLst>
+              <p:nextCondLst>
+                <p:cond evt="onNext" delay="0">
+                  <p:tgtEl>
+                    <p:sldTgt/>
+                  </p:tgtEl>
+                </p:cond>
+              </p:nextCondLst>
+            </p:seq>
+          </p:childTnLst>
+        </p:cTn>
+      </p:par>
+    </p:tnLst>
+  </p:timing>
 </p:sld>
 </file>
 
@@ -9287,7 +10952,7 @@
           <a:p>
             <a:r>
               <a:rPr lang="fr-FR" dirty="0"/>
-              <a:t>Implémentation de ‘trigger’</a:t>
+              <a:t>Implémentation de trigger</a:t>
             </a:r>
           </a:p>
           <a:p>
@@ -9329,7 +10994,10 @@
             </a:r>
           </a:p>
           <a:p>
-            <a:endParaRPr lang="fr-FR" dirty="0"/>
+            <a:r>
+              <a:rPr lang="fr-FR" dirty="0"/>
+              <a:t>Migrations et reverse migrations</a:t>
+            </a:r>
           </a:p>
           <a:p>
             <a:pPr lvl="1"/>
@@ -9347,6 +11015,829 @@
   <p:clrMapOvr>
     <a:masterClrMapping/>
   </p:clrMapOvr>
+  <p:timing>
+    <p:tnLst>
+      <p:par>
+        <p:cTn id="1" dur="indefinite" restart="never" nodeType="tmRoot">
+          <p:childTnLst>
+            <p:seq concurrent="1" nextAc="seek">
+              <p:cTn id="2" dur="indefinite" nodeType="mainSeq">
+                <p:childTnLst>
+                  <p:par>
+                    <p:cTn id="3" fill="hold">
+                      <p:stCondLst>
+                        <p:cond delay="indefinite"/>
+                      </p:stCondLst>
+                      <p:childTnLst>
+                        <p:par>
+                          <p:cTn id="4" fill="hold">
+                            <p:stCondLst>
+                              <p:cond delay="0"/>
+                            </p:stCondLst>
+                            <p:childTnLst>
+                              <p:par>
+                                <p:cTn id="5" presetID="1" presetClass="entr" presetSubtype="0" fill="hold" grpId="0" nodeType="clickEffect">
+                                  <p:stCondLst>
+                                    <p:cond delay="0"/>
+                                  </p:stCondLst>
+                                  <p:childTnLst>
+                                    <p:set>
+                                      <p:cBhvr>
+                                        <p:cTn id="6" dur="1" fill="hold">
+                                          <p:stCondLst>
+                                            <p:cond delay="0"/>
+                                          </p:stCondLst>
+                                        </p:cTn>
+                                        <p:tgtEl>
+                                          <p:spTgt spid="3">
+                                            <p:txEl>
+                                              <p:pRg st="0" end="0"/>
+                                            </p:txEl>
+                                          </p:spTgt>
+                                        </p:tgtEl>
+                                        <p:attrNameLst>
+                                          <p:attrName>style.visibility</p:attrName>
+                                        </p:attrNameLst>
+                                      </p:cBhvr>
+                                      <p:to>
+                                        <p:strVal val="visible"/>
+                                      </p:to>
+                                    </p:set>
+                                  </p:childTnLst>
+                                </p:cTn>
+                              </p:par>
+                            </p:childTnLst>
+                          </p:cTn>
+                        </p:par>
+                      </p:childTnLst>
+                    </p:cTn>
+                  </p:par>
+                  <p:par>
+                    <p:cTn id="7" fill="hold">
+                      <p:stCondLst>
+                        <p:cond delay="indefinite"/>
+                      </p:stCondLst>
+                      <p:childTnLst>
+                        <p:par>
+                          <p:cTn id="8" fill="hold">
+                            <p:stCondLst>
+                              <p:cond delay="0"/>
+                            </p:stCondLst>
+                            <p:childTnLst>
+                              <p:par>
+                                <p:cTn id="9" presetID="1" presetClass="entr" presetSubtype="0" fill="hold" grpId="0" nodeType="clickEffect">
+                                  <p:stCondLst>
+                                    <p:cond delay="0"/>
+                                  </p:stCondLst>
+                                  <p:childTnLst>
+                                    <p:set>
+                                      <p:cBhvr>
+                                        <p:cTn id="10" dur="1" fill="hold">
+                                          <p:stCondLst>
+                                            <p:cond delay="0"/>
+                                          </p:stCondLst>
+                                        </p:cTn>
+                                        <p:tgtEl>
+                                          <p:spTgt spid="3">
+                                            <p:txEl>
+                                              <p:pRg st="1" end="1"/>
+                                            </p:txEl>
+                                          </p:spTgt>
+                                        </p:tgtEl>
+                                        <p:attrNameLst>
+                                          <p:attrName>style.visibility</p:attrName>
+                                        </p:attrNameLst>
+                                      </p:cBhvr>
+                                      <p:to>
+                                        <p:strVal val="visible"/>
+                                      </p:to>
+                                    </p:set>
+                                  </p:childTnLst>
+                                </p:cTn>
+                              </p:par>
+                            </p:childTnLst>
+                          </p:cTn>
+                        </p:par>
+                      </p:childTnLst>
+                    </p:cTn>
+                  </p:par>
+                  <p:par>
+                    <p:cTn id="11" fill="hold">
+                      <p:stCondLst>
+                        <p:cond delay="indefinite"/>
+                      </p:stCondLst>
+                      <p:childTnLst>
+                        <p:par>
+                          <p:cTn id="12" fill="hold">
+                            <p:stCondLst>
+                              <p:cond delay="0"/>
+                            </p:stCondLst>
+                            <p:childTnLst>
+                              <p:par>
+                                <p:cTn id="13" presetID="1" presetClass="entr" presetSubtype="0" fill="hold" grpId="0" nodeType="clickEffect">
+                                  <p:stCondLst>
+                                    <p:cond delay="0"/>
+                                  </p:stCondLst>
+                                  <p:childTnLst>
+                                    <p:set>
+                                      <p:cBhvr>
+                                        <p:cTn id="14" dur="1" fill="hold">
+                                          <p:stCondLst>
+                                            <p:cond delay="0"/>
+                                          </p:stCondLst>
+                                        </p:cTn>
+                                        <p:tgtEl>
+                                          <p:spTgt spid="3">
+                                            <p:txEl>
+                                              <p:pRg st="2" end="2"/>
+                                            </p:txEl>
+                                          </p:spTgt>
+                                        </p:tgtEl>
+                                        <p:attrNameLst>
+                                          <p:attrName>style.visibility</p:attrName>
+                                        </p:attrNameLst>
+                                      </p:cBhvr>
+                                      <p:to>
+                                        <p:strVal val="visible"/>
+                                      </p:to>
+                                    </p:set>
+                                  </p:childTnLst>
+                                </p:cTn>
+                              </p:par>
+                            </p:childTnLst>
+                          </p:cTn>
+                        </p:par>
+                      </p:childTnLst>
+                    </p:cTn>
+                  </p:par>
+                  <p:par>
+                    <p:cTn id="15" fill="hold">
+                      <p:stCondLst>
+                        <p:cond delay="indefinite"/>
+                      </p:stCondLst>
+                      <p:childTnLst>
+                        <p:par>
+                          <p:cTn id="16" fill="hold">
+                            <p:stCondLst>
+                              <p:cond delay="0"/>
+                            </p:stCondLst>
+                            <p:childTnLst>
+                              <p:par>
+                                <p:cTn id="17" presetID="1" presetClass="entr" presetSubtype="0" fill="hold" grpId="0" nodeType="clickEffect">
+                                  <p:stCondLst>
+                                    <p:cond delay="0"/>
+                                  </p:stCondLst>
+                                  <p:childTnLst>
+                                    <p:set>
+                                      <p:cBhvr>
+                                        <p:cTn id="18" dur="1" fill="hold">
+                                          <p:stCondLst>
+                                            <p:cond delay="0"/>
+                                          </p:stCondLst>
+                                        </p:cTn>
+                                        <p:tgtEl>
+                                          <p:spTgt spid="3">
+                                            <p:txEl>
+                                              <p:pRg st="3" end="3"/>
+                                            </p:txEl>
+                                          </p:spTgt>
+                                        </p:tgtEl>
+                                        <p:attrNameLst>
+                                          <p:attrName>style.visibility</p:attrName>
+                                        </p:attrNameLst>
+                                      </p:cBhvr>
+                                      <p:to>
+                                        <p:strVal val="visible"/>
+                                      </p:to>
+                                    </p:set>
+                                  </p:childTnLst>
+                                </p:cTn>
+                              </p:par>
+                              <p:par>
+                                <p:cTn id="19" presetID="1" presetClass="entr" presetSubtype="0" fill="hold" grpId="0" nodeType="withEffect">
+                                  <p:stCondLst>
+                                    <p:cond delay="0"/>
+                                  </p:stCondLst>
+                                  <p:childTnLst>
+                                    <p:set>
+                                      <p:cBhvr>
+                                        <p:cTn id="20" dur="1" fill="hold">
+                                          <p:stCondLst>
+                                            <p:cond delay="0"/>
+                                          </p:stCondLst>
+                                        </p:cTn>
+                                        <p:tgtEl>
+                                          <p:spTgt spid="3">
+                                            <p:txEl>
+                                              <p:pRg st="4" end="4"/>
+                                            </p:txEl>
+                                          </p:spTgt>
+                                        </p:tgtEl>
+                                        <p:attrNameLst>
+                                          <p:attrName>style.visibility</p:attrName>
+                                        </p:attrNameLst>
+                                      </p:cBhvr>
+                                      <p:to>
+                                        <p:strVal val="visible"/>
+                                      </p:to>
+                                    </p:set>
+                                  </p:childTnLst>
+                                </p:cTn>
+                              </p:par>
+                              <p:par>
+                                <p:cTn id="21" presetID="1" presetClass="entr" presetSubtype="0" fill="hold" grpId="0" nodeType="withEffect">
+                                  <p:stCondLst>
+                                    <p:cond delay="0"/>
+                                  </p:stCondLst>
+                                  <p:childTnLst>
+                                    <p:set>
+                                      <p:cBhvr>
+                                        <p:cTn id="22" dur="1" fill="hold">
+                                          <p:stCondLst>
+                                            <p:cond delay="0"/>
+                                          </p:stCondLst>
+                                        </p:cTn>
+                                        <p:tgtEl>
+                                          <p:spTgt spid="3">
+                                            <p:txEl>
+                                              <p:pRg st="5" end="5"/>
+                                            </p:txEl>
+                                          </p:spTgt>
+                                        </p:tgtEl>
+                                        <p:attrNameLst>
+                                          <p:attrName>style.visibility</p:attrName>
+                                        </p:attrNameLst>
+                                      </p:cBhvr>
+                                      <p:to>
+                                        <p:strVal val="visible"/>
+                                      </p:to>
+                                    </p:set>
+                                  </p:childTnLst>
+                                </p:cTn>
+                              </p:par>
+                            </p:childTnLst>
+                          </p:cTn>
+                        </p:par>
+                      </p:childTnLst>
+                    </p:cTn>
+                  </p:par>
+                  <p:par>
+                    <p:cTn id="23" fill="hold">
+                      <p:stCondLst>
+                        <p:cond delay="indefinite"/>
+                      </p:stCondLst>
+                      <p:childTnLst>
+                        <p:par>
+                          <p:cTn id="24" fill="hold">
+                            <p:stCondLst>
+                              <p:cond delay="0"/>
+                            </p:stCondLst>
+                            <p:childTnLst>
+                              <p:par>
+                                <p:cTn id="25" presetID="1" presetClass="entr" presetSubtype="0" fill="hold" grpId="0" nodeType="clickEffect">
+                                  <p:stCondLst>
+                                    <p:cond delay="0"/>
+                                  </p:stCondLst>
+                                  <p:childTnLst>
+                                    <p:set>
+                                      <p:cBhvr>
+                                        <p:cTn id="26" dur="1" fill="hold">
+                                          <p:stCondLst>
+                                            <p:cond delay="0"/>
+                                          </p:stCondLst>
+                                        </p:cTn>
+                                        <p:tgtEl>
+                                          <p:spTgt spid="3">
+                                            <p:txEl>
+                                              <p:pRg st="6" end="6"/>
+                                            </p:txEl>
+                                          </p:spTgt>
+                                        </p:tgtEl>
+                                        <p:attrNameLst>
+                                          <p:attrName>style.visibility</p:attrName>
+                                        </p:attrNameLst>
+                                      </p:cBhvr>
+                                      <p:to>
+                                        <p:strVal val="visible"/>
+                                      </p:to>
+                                    </p:set>
+                                  </p:childTnLst>
+                                </p:cTn>
+                              </p:par>
+                            </p:childTnLst>
+                          </p:cTn>
+                        </p:par>
+                      </p:childTnLst>
+                    </p:cTn>
+                  </p:par>
+                  <p:par>
+                    <p:cTn id="27" fill="hold">
+                      <p:stCondLst>
+                        <p:cond delay="indefinite"/>
+                      </p:stCondLst>
+                      <p:childTnLst>
+                        <p:par>
+                          <p:cTn id="28" fill="hold">
+                            <p:stCondLst>
+                              <p:cond delay="0"/>
+                            </p:stCondLst>
+                            <p:childTnLst>
+                              <p:par>
+                                <p:cTn id="29" presetID="1" presetClass="entr" presetSubtype="0" fill="hold" grpId="0" nodeType="clickEffect">
+                                  <p:stCondLst>
+                                    <p:cond delay="0"/>
+                                  </p:stCondLst>
+                                  <p:childTnLst>
+                                    <p:set>
+                                      <p:cBhvr>
+                                        <p:cTn id="30" dur="1" fill="hold">
+                                          <p:stCondLst>
+                                            <p:cond delay="0"/>
+                                          </p:stCondLst>
+                                        </p:cTn>
+                                        <p:tgtEl>
+                                          <p:spTgt spid="3">
+                                            <p:txEl>
+                                              <p:pRg st="7" end="7"/>
+                                            </p:txEl>
+                                          </p:spTgt>
+                                        </p:tgtEl>
+                                        <p:attrNameLst>
+                                          <p:attrName>style.visibility</p:attrName>
+                                        </p:attrNameLst>
+                                      </p:cBhvr>
+                                      <p:to>
+                                        <p:strVal val="visible"/>
+                                      </p:to>
+                                    </p:set>
+                                  </p:childTnLst>
+                                </p:cTn>
+                              </p:par>
+                            </p:childTnLst>
+                          </p:cTn>
+                        </p:par>
+                      </p:childTnLst>
+                    </p:cTn>
+                  </p:par>
+                </p:childTnLst>
+              </p:cTn>
+              <p:prevCondLst>
+                <p:cond evt="onPrev" delay="0">
+                  <p:tgtEl>
+                    <p:sldTgt/>
+                  </p:tgtEl>
+                </p:cond>
+              </p:prevCondLst>
+              <p:nextCondLst>
+                <p:cond evt="onNext" delay="0">
+                  <p:tgtEl>
+                    <p:sldTgt/>
+                  </p:tgtEl>
+                </p:cond>
+              </p:nextCondLst>
+            </p:seq>
+          </p:childTnLst>
+        </p:cTn>
+      </p:par>
+    </p:tnLst>
+    <p:bldLst>
+      <p:bldP spid="3" grpId="0" build="p"/>
+    </p:bldLst>
+  </p:timing>
+</p:sld>
+</file>
+
+<file path=ppt/slides/slide19.xml><?xml version="1.0" encoding="utf-8"?>
+<p:sld xmlns:a="http://schemas.openxmlformats.org/drawingml/2006/main" xmlns:r="http://schemas.openxmlformats.org/officeDocument/2006/relationships" xmlns:p="http://schemas.openxmlformats.org/presentationml/2006/main">
+  <p:cSld>
+    <p:spTree>
+      <p:nvGrpSpPr>
+        <p:cNvPr id="1" name=""/>
+        <p:cNvGrpSpPr/>
+        <p:nvPr/>
+      </p:nvGrpSpPr>
+      <p:grpSpPr>
+        <a:xfrm>
+          <a:off x="0" y="0"/>
+          <a:ext cx="0" cy="0"/>
+          <a:chOff x="0" y="0"/>
+          <a:chExt cx="0" cy="0"/>
+        </a:xfrm>
+      </p:grpSpPr>
+      <p:sp>
+        <p:nvSpPr>
+          <p:cNvPr id="2" name="Titre 1">
+            <a:extLst>
+              <a:ext uri="{FF2B5EF4-FFF2-40B4-BE49-F238E27FC236}">
+                <a16:creationId xmlns:a16="http://schemas.microsoft.com/office/drawing/2014/main" id="{9600EC74-35D7-433A-8FDD-F5032805218B}"/>
+              </a:ext>
+            </a:extLst>
+          </p:cNvPr>
+          <p:cNvSpPr>
+            <a:spLocks noGrp="1"/>
+          </p:cNvSpPr>
+          <p:nvPr>
+            <p:ph type="title"/>
+          </p:nvPr>
+        </p:nvSpPr>
+        <p:spPr/>
+        <p:txBody>
+          <a:bodyPr/>
+          <a:lstStyle/>
+          <a:p>
+            <a:r>
+              <a:rPr lang="fr-BE" dirty="0"/>
+              <a:t>Failles/A améliorer</a:t>
+            </a:r>
+          </a:p>
+        </p:txBody>
+      </p:sp>
+      <p:sp>
+        <p:nvSpPr>
+          <p:cNvPr id="3" name="Espace réservé du contenu 2">
+            <a:extLst>
+              <a:ext uri="{FF2B5EF4-FFF2-40B4-BE49-F238E27FC236}">
+                <a16:creationId xmlns:a16="http://schemas.microsoft.com/office/drawing/2014/main" id="{C70015AF-ED00-4E24-86A4-D5D64E854159}"/>
+              </a:ext>
+            </a:extLst>
+          </p:cNvPr>
+          <p:cNvSpPr>
+            <a:spLocks noGrp="1"/>
+          </p:cNvSpPr>
+          <p:nvPr>
+            <p:ph idx="1"/>
+          </p:nvPr>
+        </p:nvSpPr>
+        <p:spPr/>
+        <p:txBody>
+          <a:bodyPr/>
+          <a:lstStyle/>
+          <a:p>
+            <a:r>
+              <a:rPr lang="fr-BE" dirty="0"/>
+              <a:t>Vérification du type d’instruction</a:t>
+            </a:r>
+          </a:p>
+          <a:p>
+            <a:r>
+              <a:rPr lang="fr-BE" dirty="0"/>
+              <a:t>Utilisation du DCL pour gérer les accès </a:t>
+            </a:r>
+          </a:p>
+          <a:p>
+            <a:pPr lvl="1"/>
+            <a:r>
+              <a:rPr lang="fr-BE" dirty="0"/>
+              <a:t>2 connexions</a:t>
+            </a:r>
+          </a:p>
+          <a:p>
+            <a:r>
+              <a:rPr lang="fr-BE" dirty="0"/>
+              <a:t>Trigger modification de date</a:t>
+            </a:r>
+          </a:p>
+          <a:p>
+            <a:r>
+              <a:rPr lang="fr-BE" dirty="0"/>
+              <a:t>403 </a:t>
+            </a:r>
+            <a:r>
+              <a:rPr lang="fr-BE" dirty="0" err="1"/>
+              <a:t>Forbidden</a:t>
+            </a:r>
+            <a:r>
+              <a:rPr lang="fr-BE" dirty="0"/>
+              <a:t> Access</a:t>
+            </a:r>
+          </a:p>
+          <a:p>
+            <a:r>
+              <a:rPr lang="fr-BE" dirty="0"/>
+              <a:t>Réponse requêtes en AJAX</a:t>
+            </a:r>
+          </a:p>
+        </p:txBody>
+      </p:sp>
+    </p:spTree>
+    <p:extLst>
+      <p:ext uri="{BB962C8B-B14F-4D97-AF65-F5344CB8AC3E}">
+        <p14:creationId xmlns:p14="http://schemas.microsoft.com/office/powerpoint/2010/main" val="2086648625"/>
+      </p:ext>
+    </p:extLst>
+  </p:cSld>
+  <p:clrMapOvr>
+    <a:masterClrMapping/>
+  </p:clrMapOvr>
+  <p:timing>
+    <p:tnLst>
+      <p:par>
+        <p:cTn id="1" dur="indefinite" restart="never" nodeType="tmRoot">
+          <p:childTnLst>
+            <p:seq concurrent="1" nextAc="seek">
+              <p:cTn id="2" dur="indefinite" nodeType="mainSeq">
+                <p:childTnLst>
+                  <p:par>
+                    <p:cTn id="3" fill="hold">
+                      <p:stCondLst>
+                        <p:cond delay="indefinite"/>
+                      </p:stCondLst>
+                      <p:childTnLst>
+                        <p:par>
+                          <p:cTn id="4" fill="hold">
+                            <p:stCondLst>
+                              <p:cond delay="0"/>
+                            </p:stCondLst>
+                            <p:childTnLst>
+                              <p:par>
+                                <p:cTn id="5" presetID="1" presetClass="entr" presetSubtype="0" fill="hold" grpId="0" nodeType="clickEffect">
+                                  <p:stCondLst>
+                                    <p:cond delay="0"/>
+                                  </p:stCondLst>
+                                  <p:childTnLst>
+                                    <p:set>
+                                      <p:cBhvr>
+                                        <p:cTn id="6" dur="1" fill="hold">
+                                          <p:stCondLst>
+                                            <p:cond delay="0"/>
+                                          </p:stCondLst>
+                                        </p:cTn>
+                                        <p:tgtEl>
+                                          <p:spTgt spid="3">
+                                            <p:txEl>
+                                              <p:pRg st="0" end="0"/>
+                                            </p:txEl>
+                                          </p:spTgt>
+                                        </p:tgtEl>
+                                        <p:attrNameLst>
+                                          <p:attrName>style.visibility</p:attrName>
+                                        </p:attrNameLst>
+                                      </p:cBhvr>
+                                      <p:to>
+                                        <p:strVal val="visible"/>
+                                      </p:to>
+                                    </p:set>
+                                  </p:childTnLst>
+                                </p:cTn>
+                              </p:par>
+                            </p:childTnLst>
+                          </p:cTn>
+                        </p:par>
+                      </p:childTnLst>
+                    </p:cTn>
+                  </p:par>
+                  <p:par>
+                    <p:cTn id="7" fill="hold">
+                      <p:stCondLst>
+                        <p:cond delay="indefinite"/>
+                      </p:stCondLst>
+                      <p:childTnLst>
+                        <p:par>
+                          <p:cTn id="8" fill="hold">
+                            <p:stCondLst>
+                              <p:cond delay="0"/>
+                            </p:stCondLst>
+                            <p:childTnLst>
+                              <p:par>
+                                <p:cTn id="9" presetID="1" presetClass="entr" presetSubtype="0" fill="hold" grpId="0" nodeType="clickEffect">
+                                  <p:stCondLst>
+                                    <p:cond delay="0"/>
+                                  </p:stCondLst>
+                                  <p:childTnLst>
+                                    <p:set>
+                                      <p:cBhvr>
+                                        <p:cTn id="10" dur="1" fill="hold">
+                                          <p:stCondLst>
+                                            <p:cond delay="0"/>
+                                          </p:stCondLst>
+                                        </p:cTn>
+                                        <p:tgtEl>
+                                          <p:spTgt spid="3">
+                                            <p:txEl>
+                                              <p:pRg st="1" end="1"/>
+                                            </p:txEl>
+                                          </p:spTgt>
+                                        </p:tgtEl>
+                                        <p:attrNameLst>
+                                          <p:attrName>style.visibility</p:attrName>
+                                        </p:attrNameLst>
+                                      </p:cBhvr>
+                                      <p:to>
+                                        <p:strVal val="visible"/>
+                                      </p:to>
+                                    </p:set>
+                                  </p:childTnLst>
+                                </p:cTn>
+                              </p:par>
+                              <p:par>
+                                <p:cTn id="11" presetID="1" presetClass="entr" presetSubtype="0" fill="hold" grpId="0" nodeType="withEffect">
+                                  <p:stCondLst>
+                                    <p:cond delay="0"/>
+                                  </p:stCondLst>
+                                  <p:childTnLst>
+                                    <p:set>
+                                      <p:cBhvr>
+                                        <p:cTn id="12" dur="1" fill="hold">
+                                          <p:stCondLst>
+                                            <p:cond delay="0"/>
+                                          </p:stCondLst>
+                                        </p:cTn>
+                                        <p:tgtEl>
+                                          <p:spTgt spid="3">
+                                            <p:txEl>
+                                              <p:pRg st="2" end="2"/>
+                                            </p:txEl>
+                                          </p:spTgt>
+                                        </p:tgtEl>
+                                        <p:attrNameLst>
+                                          <p:attrName>style.visibility</p:attrName>
+                                        </p:attrNameLst>
+                                      </p:cBhvr>
+                                      <p:to>
+                                        <p:strVal val="visible"/>
+                                      </p:to>
+                                    </p:set>
+                                  </p:childTnLst>
+                                </p:cTn>
+                              </p:par>
+                            </p:childTnLst>
+                          </p:cTn>
+                        </p:par>
+                      </p:childTnLst>
+                    </p:cTn>
+                  </p:par>
+                  <p:par>
+                    <p:cTn id="13" fill="hold">
+                      <p:stCondLst>
+                        <p:cond delay="indefinite"/>
+                      </p:stCondLst>
+                      <p:childTnLst>
+                        <p:par>
+                          <p:cTn id="14" fill="hold">
+                            <p:stCondLst>
+                              <p:cond delay="0"/>
+                            </p:stCondLst>
+                            <p:childTnLst>
+                              <p:par>
+                                <p:cTn id="15" presetID="1" presetClass="entr" presetSubtype="0" fill="hold" grpId="0" nodeType="clickEffect">
+                                  <p:stCondLst>
+                                    <p:cond delay="0"/>
+                                  </p:stCondLst>
+                                  <p:childTnLst>
+                                    <p:set>
+                                      <p:cBhvr>
+                                        <p:cTn id="16" dur="1" fill="hold">
+                                          <p:stCondLst>
+                                            <p:cond delay="0"/>
+                                          </p:stCondLst>
+                                        </p:cTn>
+                                        <p:tgtEl>
+                                          <p:spTgt spid="3">
+                                            <p:txEl>
+                                              <p:pRg st="3" end="3"/>
+                                            </p:txEl>
+                                          </p:spTgt>
+                                        </p:tgtEl>
+                                        <p:attrNameLst>
+                                          <p:attrName>style.visibility</p:attrName>
+                                        </p:attrNameLst>
+                                      </p:cBhvr>
+                                      <p:to>
+                                        <p:strVal val="visible"/>
+                                      </p:to>
+                                    </p:set>
+                                  </p:childTnLst>
+                                </p:cTn>
+                              </p:par>
+                            </p:childTnLst>
+                          </p:cTn>
+                        </p:par>
+                      </p:childTnLst>
+                    </p:cTn>
+                  </p:par>
+                  <p:par>
+                    <p:cTn id="17" fill="hold">
+                      <p:stCondLst>
+                        <p:cond delay="indefinite"/>
+                      </p:stCondLst>
+                      <p:childTnLst>
+                        <p:par>
+                          <p:cTn id="18" fill="hold">
+                            <p:stCondLst>
+                              <p:cond delay="0"/>
+                            </p:stCondLst>
+                            <p:childTnLst>
+                              <p:par>
+                                <p:cTn id="19" presetID="1" presetClass="entr" presetSubtype="0" fill="hold" grpId="0" nodeType="clickEffect">
+                                  <p:stCondLst>
+                                    <p:cond delay="0"/>
+                                  </p:stCondLst>
+                                  <p:childTnLst>
+                                    <p:set>
+                                      <p:cBhvr>
+                                        <p:cTn id="20" dur="1" fill="hold">
+                                          <p:stCondLst>
+                                            <p:cond delay="0"/>
+                                          </p:stCondLst>
+                                        </p:cTn>
+                                        <p:tgtEl>
+                                          <p:spTgt spid="3">
+                                            <p:txEl>
+                                              <p:pRg st="4" end="4"/>
+                                            </p:txEl>
+                                          </p:spTgt>
+                                        </p:tgtEl>
+                                        <p:attrNameLst>
+                                          <p:attrName>style.visibility</p:attrName>
+                                        </p:attrNameLst>
+                                      </p:cBhvr>
+                                      <p:to>
+                                        <p:strVal val="visible"/>
+                                      </p:to>
+                                    </p:set>
+                                  </p:childTnLst>
+                                </p:cTn>
+                              </p:par>
+                            </p:childTnLst>
+                          </p:cTn>
+                        </p:par>
+                      </p:childTnLst>
+                    </p:cTn>
+                  </p:par>
+                  <p:par>
+                    <p:cTn id="21" fill="hold">
+                      <p:stCondLst>
+                        <p:cond delay="indefinite"/>
+                      </p:stCondLst>
+                      <p:childTnLst>
+                        <p:par>
+                          <p:cTn id="22" fill="hold">
+                            <p:stCondLst>
+                              <p:cond delay="0"/>
+                            </p:stCondLst>
+                            <p:childTnLst>
+                              <p:par>
+                                <p:cTn id="23" presetID="1" presetClass="entr" presetSubtype="0" fill="hold" grpId="0" nodeType="clickEffect">
+                                  <p:stCondLst>
+                                    <p:cond delay="0"/>
+                                  </p:stCondLst>
+                                  <p:childTnLst>
+                                    <p:set>
+                                      <p:cBhvr>
+                                        <p:cTn id="24" dur="1" fill="hold">
+                                          <p:stCondLst>
+                                            <p:cond delay="0"/>
+                                          </p:stCondLst>
+                                        </p:cTn>
+                                        <p:tgtEl>
+                                          <p:spTgt spid="3">
+                                            <p:txEl>
+                                              <p:pRg st="5" end="5"/>
+                                            </p:txEl>
+                                          </p:spTgt>
+                                        </p:tgtEl>
+                                        <p:attrNameLst>
+                                          <p:attrName>style.visibility</p:attrName>
+                                        </p:attrNameLst>
+                                      </p:cBhvr>
+                                      <p:to>
+                                        <p:strVal val="visible"/>
+                                      </p:to>
+                                    </p:set>
+                                  </p:childTnLst>
+                                </p:cTn>
+                              </p:par>
+                            </p:childTnLst>
+                          </p:cTn>
+                        </p:par>
+                      </p:childTnLst>
+                    </p:cTn>
+                  </p:par>
+                </p:childTnLst>
+              </p:cTn>
+              <p:prevCondLst>
+                <p:cond evt="onPrev" delay="0">
+                  <p:tgtEl>
+                    <p:sldTgt/>
+                  </p:tgtEl>
+                </p:cond>
+              </p:prevCondLst>
+              <p:nextCondLst>
+                <p:cond evt="onNext" delay="0">
+                  <p:tgtEl>
+                    <p:sldTgt/>
+                  </p:tgtEl>
+                </p:cond>
+              </p:nextCondLst>
+            </p:seq>
+          </p:childTnLst>
+        </p:cTn>
+      </p:par>
+    </p:tnLst>
+    <p:bldLst>
+      <p:bldP spid="3" grpId="0" build="p"/>
+    </p:bldLst>
+  </p:timing>
 </p:sld>
 </file>
 
@@ -9549,6 +12040,435 @@
   <p:clrMapOvr>
     <a:overrideClrMapping bg1="dk1" tx1="lt1" bg2="dk2" tx2="lt2" accent1="accent1" accent2="accent2" accent3="accent3" accent4="accent4" accent5="accent5" accent6="accent6" hlink="hlink" folHlink="folHlink"/>
   </p:clrMapOvr>
+  <p:timing>
+    <p:tnLst>
+      <p:par>
+        <p:cTn id="1" dur="indefinite" restart="never" nodeType="tmRoot">
+          <p:childTnLst>
+            <p:seq concurrent="1" nextAc="seek">
+              <p:cTn id="2" dur="indefinite" nodeType="mainSeq">
+                <p:childTnLst>
+                  <p:par>
+                    <p:cTn id="3" fill="hold">
+                      <p:stCondLst>
+                        <p:cond delay="indefinite"/>
+                      </p:stCondLst>
+                      <p:childTnLst>
+                        <p:par>
+                          <p:cTn id="4" fill="hold">
+                            <p:stCondLst>
+                              <p:cond delay="0"/>
+                            </p:stCondLst>
+                            <p:childTnLst>
+                              <p:par>
+                                <p:cTn id="5" presetID="1" presetClass="entr" presetSubtype="0" fill="hold" grpId="0" nodeType="clickEffect">
+                                  <p:stCondLst>
+                                    <p:cond delay="0"/>
+                                  </p:stCondLst>
+                                  <p:childTnLst>
+                                    <p:set>
+                                      <p:cBhvr>
+                                        <p:cTn id="6" dur="1" fill="hold">
+                                          <p:stCondLst>
+                                            <p:cond delay="0"/>
+                                          </p:stCondLst>
+                                        </p:cTn>
+                                        <p:tgtEl>
+                                          <p:spTgt spid="5">
+                                            <p:graphicEl>
+                                              <a:dgm id="{63FFC606-858D-4F3D-8804-F1EB56CD760A}"/>
+                                            </p:graphicEl>
+                                          </p:spTgt>
+                                        </p:tgtEl>
+                                        <p:attrNameLst>
+                                          <p:attrName>style.visibility</p:attrName>
+                                        </p:attrNameLst>
+                                      </p:cBhvr>
+                                      <p:to>
+                                        <p:strVal val="visible"/>
+                                      </p:to>
+                                    </p:set>
+                                  </p:childTnLst>
+                                </p:cTn>
+                              </p:par>
+                            </p:childTnLst>
+                          </p:cTn>
+                        </p:par>
+                      </p:childTnLst>
+                    </p:cTn>
+                  </p:par>
+                  <p:par>
+                    <p:cTn id="7" fill="hold">
+                      <p:stCondLst>
+                        <p:cond delay="indefinite"/>
+                      </p:stCondLst>
+                      <p:childTnLst>
+                        <p:par>
+                          <p:cTn id="8" fill="hold">
+                            <p:stCondLst>
+                              <p:cond delay="0"/>
+                            </p:stCondLst>
+                            <p:childTnLst>
+                              <p:par>
+                                <p:cTn id="9" presetID="1" presetClass="entr" presetSubtype="0" fill="hold" grpId="0" nodeType="clickEffect">
+                                  <p:stCondLst>
+                                    <p:cond delay="0"/>
+                                  </p:stCondLst>
+                                  <p:childTnLst>
+                                    <p:set>
+                                      <p:cBhvr>
+                                        <p:cTn id="10" dur="1" fill="hold">
+                                          <p:stCondLst>
+                                            <p:cond delay="0"/>
+                                          </p:stCondLst>
+                                        </p:cTn>
+                                        <p:tgtEl>
+                                          <p:spTgt spid="5">
+                                            <p:graphicEl>
+                                              <a:dgm id="{BEF984D6-11FB-400E-9B29-799136C5D358}"/>
+                                            </p:graphicEl>
+                                          </p:spTgt>
+                                        </p:tgtEl>
+                                        <p:attrNameLst>
+                                          <p:attrName>style.visibility</p:attrName>
+                                        </p:attrNameLst>
+                                      </p:cBhvr>
+                                      <p:to>
+                                        <p:strVal val="visible"/>
+                                      </p:to>
+                                    </p:set>
+                                  </p:childTnLst>
+                                </p:cTn>
+                              </p:par>
+                            </p:childTnLst>
+                          </p:cTn>
+                        </p:par>
+                      </p:childTnLst>
+                    </p:cTn>
+                  </p:par>
+                  <p:par>
+                    <p:cTn id="11" fill="hold">
+                      <p:stCondLst>
+                        <p:cond delay="indefinite"/>
+                      </p:stCondLst>
+                      <p:childTnLst>
+                        <p:par>
+                          <p:cTn id="12" fill="hold">
+                            <p:stCondLst>
+                              <p:cond delay="0"/>
+                            </p:stCondLst>
+                            <p:childTnLst>
+                              <p:par>
+                                <p:cTn id="13" presetID="1" presetClass="entr" presetSubtype="0" fill="hold" grpId="0" nodeType="clickEffect">
+                                  <p:stCondLst>
+                                    <p:cond delay="0"/>
+                                  </p:stCondLst>
+                                  <p:childTnLst>
+                                    <p:set>
+                                      <p:cBhvr>
+                                        <p:cTn id="14" dur="1" fill="hold">
+                                          <p:stCondLst>
+                                            <p:cond delay="0"/>
+                                          </p:stCondLst>
+                                        </p:cTn>
+                                        <p:tgtEl>
+                                          <p:spTgt spid="5">
+                                            <p:graphicEl>
+                                              <a:dgm id="{C504AF0D-8642-4AAC-A271-BECE3B36912D}"/>
+                                            </p:graphicEl>
+                                          </p:spTgt>
+                                        </p:tgtEl>
+                                        <p:attrNameLst>
+                                          <p:attrName>style.visibility</p:attrName>
+                                        </p:attrNameLst>
+                                      </p:cBhvr>
+                                      <p:to>
+                                        <p:strVal val="visible"/>
+                                      </p:to>
+                                    </p:set>
+                                  </p:childTnLst>
+                                </p:cTn>
+                              </p:par>
+                            </p:childTnLst>
+                          </p:cTn>
+                        </p:par>
+                      </p:childTnLst>
+                    </p:cTn>
+                  </p:par>
+                  <p:par>
+                    <p:cTn id="15" fill="hold">
+                      <p:stCondLst>
+                        <p:cond delay="indefinite"/>
+                      </p:stCondLst>
+                      <p:childTnLst>
+                        <p:par>
+                          <p:cTn id="16" fill="hold">
+                            <p:stCondLst>
+                              <p:cond delay="0"/>
+                            </p:stCondLst>
+                            <p:childTnLst>
+                              <p:par>
+                                <p:cTn id="17" presetID="1" presetClass="entr" presetSubtype="0" fill="hold" grpId="0" nodeType="clickEffect">
+                                  <p:stCondLst>
+                                    <p:cond delay="0"/>
+                                  </p:stCondLst>
+                                  <p:childTnLst>
+                                    <p:set>
+                                      <p:cBhvr>
+                                        <p:cTn id="18" dur="1" fill="hold">
+                                          <p:stCondLst>
+                                            <p:cond delay="0"/>
+                                          </p:stCondLst>
+                                        </p:cTn>
+                                        <p:tgtEl>
+                                          <p:spTgt spid="5">
+                                            <p:graphicEl>
+                                              <a:dgm id="{44515938-A1F1-40D8-BE51-7F48252B14D0}"/>
+                                            </p:graphicEl>
+                                          </p:spTgt>
+                                        </p:tgtEl>
+                                        <p:attrNameLst>
+                                          <p:attrName>style.visibility</p:attrName>
+                                        </p:attrNameLst>
+                                      </p:cBhvr>
+                                      <p:to>
+                                        <p:strVal val="visible"/>
+                                      </p:to>
+                                    </p:set>
+                                  </p:childTnLst>
+                                </p:cTn>
+                              </p:par>
+                            </p:childTnLst>
+                          </p:cTn>
+                        </p:par>
+                      </p:childTnLst>
+                    </p:cTn>
+                  </p:par>
+                  <p:par>
+                    <p:cTn id="19" fill="hold">
+                      <p:stCondLst>
+                        <p:cond delay="indefinite"/>
+                      </p:stCondLst>
+                      <p:childTnLst>
+                        <p:par>
+                          <p:cTn id="20" fill="hold">
+                            <p:stCondLst>
+                              <p:cond delay="0"/>
+                            </p:stCondLst>
+                            <p:childTnLst>
+                              <p:par>
+                                <p:cTn id="21" presetID="1" presetClass="entr" presetSubtype="0" fill="hold" grpId="0" nodeType="clickEffect">
+                                  <p:stCondLst>
+                                    <p:cond delay="0"/>
+                                  </p:stCondLst>
+                                  <p:childTnLst>
+                                    <p:set>
+                                      <p:cBhvr>
+                                        <p:cTn id="22" dur="1" fill="hold">
+                                          <p:stCondLst>
+                                            <p:cond delay="0"/>
+                                          </p:stCondLst>
+                                        </p:cTn>
+                                        <p:tgtEl>
+                                          <p:spTgt spid="5">
+                                            <p:graphicEl>
+                                              <a:dgm id="{2662F58C-627E-42F9-B860-A4AB2CF9FDC5}"/>
+                                            </p:graphicEl>
+                                          </p:spTgt>
+                                        </p:tgtEl>
+                                        <p:attrNameLst>
+                                          <p:attrName>style.visibility</p:attrName>
+                                        </p:attrNameLst>
+                                      </p:cBhvr>
+                                      <p:to>
+                                        <p:strVal val="visible"/>
+                                      </p:to>
+                                    </p:set>
+                                  </p:childTnLst>
+                                </p:cTn>
+                              </p:par>
+                            </p:childTnLst>
+                          </p:cTn>
+                        </p:par>
+                      </p:childTnLst>
+                    </p:cTn>
+                  </p:par>
+                  <p:par>
+                    <p:cTn id="23" fill="hold">
+                      <p:stCondLst>
+                        <p:cond delay="indefinite"/>
+                      </p:stCondLst>
+                      <p:childTnLst>
+                        <p:par>
+                          <p:cTn id="24" fill="hold">
+                            <p:stCondLst>
+                              <p:cond delay="0"/>
+                            </p:stCondLst>
+                            <p:childTnLst>
+                              <p:par>
+                                <p:cTn id="25" presetID="1" presetClass="entr" presetSubtype="0" fill="hold" grpId="0" nodeType="clickEffect">
+                                  <p:stCondLst>
+                                    <p:cond delay="0"/>
+                                  </p:stCondLst>
+                                  <p:childTnLst>
+                                    <p:set>
+                                      <p:cBhvr>
+                                        <p:cTn id="26" dur="1" fill="hold">
+                                          <p:stCondLst>
+                                            <p:cond delay="0"/>
+                                          </p:stCondLst>
+                                        </p:cTn>
+                                        <p:tgtEl>
+                                          <p:spTgt spid="5">
+                                            <p:graphicEl>
+                                              <a:dgm id="{D8CF8820-457D-4A14-A780-4040BD113D83}"/>
+                                            </p:graphicEl>
+                                          </p:spTgt>
+                                        </p:tgtEl>
+                                        <p:attrNameLst>
+                                          <p:attrName>style.visibility</p:attrName>
+                                        </p:attrNameLst>
+                                      </p:cBhvr>
+                                      <p:to>
+                                        <p:strVal val="visible"/>
+                                      </p:to>
+                                    </p:set>
+                                  </p:childTnLst>
+                                </p:cTn>
+                              </p:par>
+                            </p:childTnLst>
+                          </p:cTn>
+                        </p:par>
+                      </p:childTnLst>
+                    </p:cTn>
+                  </p:par>
+                  <p:par>
+                    <p:cTn id="27" fill="hold">
+                      <p:stCondLst>
+                        <p:cond delay="indefinite"/>
+                      </p:stCondLst>
+                      <p:childTnLst>
+                        <p:par>
+                          <p:cTn id="28" fill="hold">
+                            <p:stCondLst>
+                              <p:cond delay="0"/>
+                            </p:stCondLst>
+                            <p:childTnLst>
+                              <p:par>
+                                <p:cTn id="29" presetID="1" presetClass="entr" presetSubtype="0" fill="hold" grpId="0" nodeType="clickEffect">
+                                  <p:stCondLst>
+                                    <p:cond delay="0"/>
+                                  </p:stCondLst>
+                                  <p:childTnLst>
+                                    <p:set>
+                                      <p:cBhvr>
+                                        <p:cTn id="30" dur="1" fill="hold">
+                                          <p:stCondLst>
+                                            <p:cond delay="0"/>
+                                          </p:stCondLst>
+                                        </p:cTn>
+                                        <p:tgtEl>
+                                          <p:spTgt spid="5">
+                                            <p:graphicEl>
+                                              <a:dgm id="{3B1EB352-1E39-40B9-8E6D-6036B104EA2B}"/>
+                                            </p:graphicEl>
+                                          </p:spTgt>
+                                        </p:tgtEl>
+                                        <p:attrNameLst>
+                                          <p:attrName>style.visibility</p:attrName>
+                                        </p:attrNameLst>
+                                      </p:cBhvr>
+                                      <p:to>
+                                        <p:strVal val="visible"/>
+                                      </p:to>
+                                    </p:set>
+                                  </p:childTnLst>
+                                </p:cTn>
+                              </p:par>
+                            </p:childTnLst>
+                          </p:cTn>
+                        </p:par>
+                      </p:childTnLst>
+                    </p:cTn>
+                  </p:par>
+                  <p:par>
+                    <p:cTn id="31" fill="hold">
+                      <p:stCondLst>
+                        <p:cond delay="indefinite"/>
+                      </p:stCondLst>
+                      <p:childTnLst>
+                        <p:par>
+                          <p:cTn id="32" fill="hold">
+                            <p:stCondLst>
+                              <p:cond delay="0"/>
+                            </p:stCondLst>
+                            <p:childTnLst>
+                              <p:par>
+                                <p:cTn id="33" presetID="1" presetClass="entr" presetSubtype="0" fill="hold" grpId="0" nodeType="clickEffect">
+                                  <p:stCondLst>
+                                    <p:cond delay="0"/>
+                                  </p:stCondLst>
+                                  <p:childTnLst>
+                                    <p:set>
+                                      <p:cBhvr>
+                                        <p:cTn id="34" dur="1" fill="hold">
+                                          <p:stCondLst>
+                                            <p:cond delay="0"/>
+                                          </p:stCondLst>
+                                        </p:cTn>
+                                        <p:tgtEl>
+                                          <p:spTgt spid="5">
+                                            <p:graphicEl>
+                                              <a:dgm id="{4A3FF34D-53E8-4EDD-92D7-AF2969E67621}"/>
+                                            </p:graphicEl>
+                                          </p:spTgt>
+                                        </p:tgtEl>
+                                        <p:attrNameLst>
+                                          <p:attrName>style.visibility</p:attrName>
+                                        </p:attrNameLst>
+                                      </p:cBhvr>
+                                      <p:to>
+                                        <p:strVal val="visible"/>
+                                      </p:to>
+                                    </p:set>
+                                  </p:childTnLst>
+                                </p:cTn>
+                              </p:par>
+                            </p:childTnLst>
+                          </p:cTn>
+                        </p:par>
+                      </p:childTnLst>
+                    </p:cTn>
+                  </p:par>
+                </p:childTnLst>
+              </p:cTn>
+              <p:prevCondLst>
+                <p:cond evt="onPrev" delay="0">
+                  <p:tgtEl>
+                    <p:sldTgt/>
+                  </p:tgtEl>
+                </p:cond>
+              </p:prevCondLst>
+              <p:nextCondLst>
+                <p:cond evt="onNext" delay="0">
+                  <p:tgtEl>
+                    <p:sldTgt/>
+                  </p:tgtEl>
+                </p:cond>
+              </p:nextCondLst>
+            </p:seq>
+          </p:childTnLst>
+        </p:cTn>
+      </p:par>
+    </p:tnLst>
+    <p:bldLst>
+      <p:bldGraphic spid="5" grpId="0">
+        <p:bldSub>
+          <a:bldDgm bld="one"/>
+        </p:bldSub>
+      </p:bldGraphic>
+    </p:bldLst>
+  </p:timing>
 </p:sld>
 </file>
 
@@ -10288,6 +13208,303 @@
   <p:clrMapOvr>
     <a:masterClrMapping/>
   </p:clrMapOvr>
+  <p:timing>
+    <p:tnLst>
+      <p:par>
+        <p:cTn id="1" dur="indefinite" restart="never" nodeType="tmRoot">
+          <p:childTnLst>
+            <p:seq concurrent="1" nextAc="seek">
+              <p:cTn id="2" dur="indefinite" nodeType="mainSeq">
+                <p:childTnLst>
+                  <p:par>
+                    <p:cTn id="3" fill="hold">
+                      <p:stCondLst>
+                        <p:cond delay="indefinite"/>
+                      </p:stCondLst>
+                      <p:childTnLst>
+                        <p:par>
+                          <p:cTn id="4" fill="hold">
+                            <p:stCondLst>
+                              <p:cond delay="0"/>
+                            </p:stCondLst>
+                            <p:childTnLst>
+                              <p:par>
+                                <p:cTn id="5" presetID="1" presetClass="entr" presetSubtype="0" fill="hold" nodeType="clickEffect">
+                                  <p:stCondLst>
+                                    <p:cond delay="0"/>
+                                  </p:stCondLst>
+                                  <p:childTnLst>
+                                    <p:set>
+                                      <p:cBhvr>
+                                        <p:cTn id="6" dur="1" fill="hold">
+                                          <p:stCondLst>
+                                            <p:cond delay="0"/>
+                                          </p:stCondLst>
+                                        </p:cTn>
+                                        <p:tgtEl>
+                                          <p:spTgt spid="6">
+                                            <p:txEl>
+                                              <p:pRg st="0" end="0"/>
+                                            </p:txEl>
+                                          </p:spTgt>
+                                        </p:tgtEl>
+                                        <p:attrNameLst>
+                                          <p:attrName>style.visibility</p:attrName>
+                                        </p:attrNameLst>
+                                      </p:cBhvr>
+                                      <p:to>
+                                        <p:strVal val="visible"/>
+                                      </p:to>
+                                    </p:set>
+                                  </p:childTnLst>
+                                </p:cTn>
+                              </p:par>
+                            </p:childTnLst>
+                          </p:cTn>
+                        </p:par>
+                      </p:childTnLst>
+                    </p:cTn>
+                  </p:par>
+                  <p:par>
+                    <p:cTn id="7" fill="hold">
+                      <p:stCondLst>
+                        <p:cond delay="indefinite"/>
+                      </p:stCondLst>
+                      <p:childTnLst>
+                        <p:par>
+                          <p:cTn id="8" fill="hold">
+                            <p:stCondLst>
+                              <p:cond delay="0"/>
+                            </p:stCondLst>
+                            <p:childTnLst>
+                              <p:par>
+                                <p:cTn id="9" presetID="1" presetClass="entr" presetSubtype="0" fill="hold" nodeType="clickEffect">
+                                  <p:stCondLst>
+                                    <p:cond delay="0"/>
+                                  </p:stCondLst>
+                                  <p:childTnLst>
+                                    <p:set>
+                                      <p:cBhvr>
+                                        <p:cTn id="10" dur="1" fill="hold">
+                                          <p:stCondLst>
+                                            <p:cond delay="0"/>
+                                          </p:stCondLst>
+                                        </p:cTn>
+                                        <p:tgtEl>
+                                          <p:spTgt spid="13"/>
+                                        </p:tgtEl>
+                                        <p:attrNameLst>
+                                          <p:attrName>style.visibility</p:attrName>
+                                        </p:attrNameLst>
+                                      </p:cBhvr>
+                                      <p:to>
+                                        <p:strVal val="visible"/>
+                                      </p:to>
+                                    </p:set>
+                                  </p:childTnLst>
+                                </p:cTn>
+                              </p:par>
+                            </p:childTnLst>
+                          </p:cTn>
+                        </p:par>
+                      </p:childTnLst>
+                    </p:cTn>
+                  </p:par>
+                  <p:par>
+                    <p:cTn id="11" fill="hold">
+                      <p:stCondLst>
+                        <p:cond delay="indefinite"/>
+                      </p:stCondLst>
+                      <p:childTnLst>
+                        <p:par>
+                          <p:cTn id="12" fill="hold">
+                            <p:stCondLst>
+                              <p:cond delay="0"/>
+                            </p:stCondLst>
+                            <p:childTnLst>
+                              <p:par>
+                                <p:cTn id="13" presetID="1" presetClass="entr" presetSubtype="0" fill="hold" nodeType="clickEffect">
+                                  <p:stCondLst>
+                                    <p:cond delay="0"/>
+                                  </p:stCondLst>
+                                  <p:childTnLst>
+                                    <p:set>
+                                      <p:cBhvr>
+                                        <p:cTn id="14" dur="1" fill="hold">
+                                          <p:stCondLst>
+                                            <p:cond delay="0"/>
+                                          </p:stCondLst>
+                                        </p:cTn>
+                                        <p:tgtEl>
+                                          <p:spTgt spid="6">
+                                            <p:txEl>
+                                              <p:pRg st="1" end="1"/>
+                                            </p:txEl>
+                                          </p:spTgt>
+                                        </p:tgtEl>
+                                        <p:attrNameLst>
+                                          <p:attrName>style.visibility</p:attrName>
+                                        </p:attrNameLst>
+                                      </p:cBhvr>
+                                      <p:to>
+                                        <p:strVal val="visible"/>
+                                      </p:to>
+                                    </p:set>
+                                  </p:childTnLst>
+                                </p:cTn>
+                              </p:par>
+                              <p:par>
+                                <p:cTn id="15" presetID="1" presetClass="entr" presetSubtype="0" fill="hold" nodeType="withEffect">
+                                  <p:stCondLst>
+                                    <p:cond delay="0"/>
+                                  </p:stCondLst>
+                                  <p:childTnLst>
+                                    <p:set>
+                                      <p:cBhvr>
+                                        <p:cTn id="16" dur="1" fill="hold">
+                                          <p:stCondLst>
+                                            <p:cond delay="0"/>
+                                          </p:stCondLst>
+                                        </p:cTn>
+                                        <p:tgtEl>
+                                          <p:spTgt spid="6">
+                                            <p:txEl>
+                                              <p:pRg st="2" end="2"/>
+                                            </p:txEl>
+                                          </p:spTgt>
+                                        </p:tgtEl>
+                                        <p:attrNameLst>
+                                          <p:attrName>style.visibility</p:attrName>
+                                        </p:attrNameLst>
+                                      </p:cBhvr>
+                                      <p:to>
+                                        <p:strVal val="visible"/>
+                                      </p:to>
+                                    </p:set>
+                                  </p:childTnLst>
+                                </p:cTn>
+                              </p:par>
+                              <p:par>
+                                <p:cTn id="17" presetID="1" presetClass="entr" presetSubtype="0" fill="hold" nodeType="withEffect">
+                                  <p:stCondLst>
+                                    <p:cond delay="0"/>
+                                  </p:stCondLst>
+                                  <p:childTnLst>
+                                    <p:set>
+                                      <p:cBhvr>
+                                        <p:cTn id="18" dur="1" fill="hold">
+                                          <p:stCondLst>
+                                            <p:cond delay="0"/>
+                                          </p:stCondLst>
+                                        </p:cTn>
+                                        <p:tgtEl>
+                                          <p:spTgt spid="6">
+                                            <p:txEl>
+                                              <p:pRg st="3" end="3"/>
+                                            </p:txEl>
+                                          </p:spTgt>
+                                        </p:tgtEl>
+                                        <p:attrNameLst>
+                                          <p:attrName>style.visibility</p:attrName>
+                                        </p:attrNameLst>
+                                      </p:cBhvr>
+                                      <p:to>
+                                        <p:strVal val="visible"/>
+                                      </p:to>
+                                    </p:set>
+                                  </p:childTnLst>
+                                </p:cTn>
+                              </p:par>
+                              <p:par>
+                                <p:cTn id="19" presetID="1" presetClass="entr" presetSubtype="0" fill="hold" nodeType="withEffect">
+                                  <p:stCondLst>
+                                    <p:cond delay="0"/>
+                                  </p:stCondLst>
+                                  <p:childTnLst>
+                                    <p:set>
+                                      <p:cBhvr>
+                                        <p:cTn id="20" dur="1" fill="hold">
+                                          <p:stCondLst>
+                                            <p:cond delay="0"/>
+                                          </p:stCondLst>
+                                        </p:cTn>
+                                        <p:tgtEl>
+                                          <p:spTgt spid="6">
+                                            <p:txEl>
+                                              <p:pRg st="4" end="4"/>
+                                            </p:txEl>
+                                          </p:spTgt>
+                                        </p:tgtEl>
+                                        <p:attrNameLst>
+                                          <p:attrName>style.visibility</p:attrName>
+                                        </p:attrNameLst>
+                                      </p:cBhvr>
+                                      <p:to>
+                                        <p:strVal val="visible"/>
+                                      </p:to>
+                                    </p:set>
+                                  </p:childTnLst>
+                                </p:cTn>
+                              </p:par>
+                              <p:par>
+                                <p:cTn id="21" presetID="1" presetClass="entr" presetSubtype="0" fill="hold" nodeType="withEffect">
+                                  <p:stCondLst>
+                                    <p:cond delay="0"/>
+                                  </p:stCondLst>
+                                  <p:childTnLst>
+                                    <p:set>
+                                      <p:cBhvr>
+                                        <p:cTn id="22" dur="1" fill="hold">
+                                          <p:stCondLst>
+                                            <p:cond delay="0"/>
+                                          </p:stCondLst>
+                                        </p:cTn>
+                                        <p:tgtEl>
+                                          <p:spTgt spid="6">
+                                            <p:txEl>
+                                              <p:pRg st="5" end="5"/>
+                                            </p:txEl>
+                                          </p:spTgt>
+                                        </p:tgtEl>
+                                        <p:attrNameLst>
+                                          <p:attrName>style.visibility</p:attrName>
+                                        </p:attrNameLst>
+                                      </p:cBhvr>
+                                      <p:to>
+                                        <p:strVal val="visible"/>
+                                      </p:to>
+                                    </p:set>
+                                  </p:childTnLst>
+                                </p:cTn>
+                              </p:par>
+                            </p:childTnLst>
+                          </p:cTn>
+                        </p:par>
+                      </p:childTnLst>
+                    </p:cTn>
+                  </p:par>
+                </p:childTnLst>
+              </p:cTn>
+              <p:prevCondLst>
+                <p:cond evt="onPrev" delay="0">
+                  <p:tgtEl>
+                    <p:sldTgt/>
+                  </p:tgtEl>
+                </p:cond>
+              </p:prevCondLst>
+              <p:nextCondLst>
+                <p:cond evt="onNext" delay="0">
+                  <p:tgtEl>
+                    <p:sldTgt/>
+                  </p:tgtEl>
+                </p:cond>
+              </p:nextCondLst>
+            </p:seq>
+          </p:childTnLst>
+        </p:cTn>
+      </p:par>
+    </p:tnLst>
+  </p:timing>
 </p:sld>
 </file>
 
@@ -10890,6 +14107,237 @@
   <p:clrMapOvr>
     <a:overrideClrMapping bg1="dk1" tx1="lt1" bg2="dk2" tx2="lt2" accent1="accent1" accent2="accent2" accent3="accent3" accent4="accent4" accent5="accent5" accent6="accent6" hlink="hlink" folHlink="folHlink"/>
   </p:clrMapOvr>
+  <p:timing>
+    <p:tnLst>
+      <p:par>
+        <p:cTn id="1" dur="indefinite" restart="never" nodeType="tmRoot">
+          <p:childTnLst>
+            <p:seq concurrent="1" nextAc="seek">
+              <p:cTn id="2" dur="indefinite" nodeType="mainSeq">
+                <p:childTnLst>
+                  <p:par>
+                    <p:cTn id="3" fill="hold">
+                      <p:stCondLst>
+                        <p:cond delay="indefinite"/>
+                      </p:stCondLst>
+                      <p:childTnLst>
+                        <p:par>
+                          <p:cTn id="4" fill="hold">
+                            <p:stCondLst>
+                              <p:cond delay="0"/>
+                            </p:stCondLst>
+                            <p:childTnLst>
+                              <p:par>
+                                <p:cTn id="5" presetID="1" presetClass="entr" presetSubtype="0" fill="hold" nodeType="clickEffect">
+                                  <p:stCondLst>
+                                    <p:cond delay="0"/>
+                                  </p:stCondLst>
+                                  <p:childTnLst>
+                                    <p:set>
+                                      <p:cBhvr>
+                                        <p:cTn id="6" dur="1" fill="hold">
+                                          <p:stCondLst>
+                                            <p:cond delay="0"/>
+                                          </p:stCondLst>
+                                        </p:cTn>
+                                        <p:tgtEl>
+                                          <p:spTgt spid="5"/>
+                                        </p:tgtEl>
+                                        <p:attrNameLst>
+                                          <p:attrName>style.visibility</p:attrName>
+                                        </p:attrNameLst>
+                                      </p:cBhvr>
+                                      <p:to>
+                                        <p:strVal val="visible"/>
+                                      </p:to>
+                                    </p:set>
+                                  </p:childTnLst>
+                                </p:cTn>
+                              </p:par>
+                            </p:childTnLst>
+                          </p:cTn>
+                        </p:par>
+                      </p:childTnLst>
+                    </p:cTn>
+                  </p:par>
+                  <p:par>
+                    <p:cTn id="7" fill="hold">
+                      <p:stCondLst>
+                        <p:cond delay="indefinite"/>
+                      </p:stCondLst>
+                      <p:childTnLst>
+                        <p:par>
+                          <p:cTn id="8" fill="hold">
+                            <p:stCondLst>
+                              <p:cond delay="0"/>
+                            </p:stCondLst>
+                            <p:childTnLst>
+                              <p:par>
+                                <p:cTn id="9" presetID="1" presetClass="entr" presetSubtype="0" fill="hold" nodeType="clickEffect">
+                                  <p:stCondLst>
+                                    <p:cond delay="0"/>
+                                  </p:stCondLst>
+                                  <p:childTnLst>
+                                    <p:set>
+                                      <p:cBhvr>
+                                        <p:cTn id="10" dur="1" fill="hold">
+                                          <p:stCondLst>
+                                            <p:cond delay="0"/>
+                                          </p:stCondLst>
+                                        </p:cTn>
+                                        <p:tgtEl>
+                                          <p:spTgt spid="9"/>
+                                        </p:tgtEl>
+                                        <p:attrNameLst>
+                                          <p:attrName>style.visibility</p:attrName>
+                                        </p:attrNameLst>
+                                      </p:cBhvr>
+                                      <p:to>
+                                        <p:strVal val="visible"/>
+                                      </p:to>
+                                    </p:set>
+                                  </p:childTnLst>
+                                </p:cTn>
+                              </p:par>
+                            </p:childTnLst>
+                          </p:cTn>
+                        </p:par>
+                      </p:childTnLst>
+                    </p:cTn>
+                  </p:par>
+                  <p:par>
+                    <p:cTn id="11" fill="hold">
+                      <p:stCondLst>
+                        <p:cond delay="indefinite"/>
+                      </p:stCondLst>
+                      <p:childTnLst>
+                        <p:par>
+                          <p:cTn id="12" fill="hold">
+                            <p:stCondLst>
+                              <p:cond delay="0"/>
+                            </p:stCondLst>
+                            <p:childTnLst>
+                              <p:par>
+                                <p:cTn id="13" presetID="1" presetClass="entr" presetSubtype="0" fill="hold" nodeType="clickEffect">
+                                  <p:stCondLst>
+                                    <p:cond delay="0"/>
+                                  </p:stCondLst>
+                                  <p:childTnLst>
+                                    <p:set>
+                                      <p:cBhvr>
+                                        <p:cTn id="14" dur="1" fill="hold">
+                                          <p:stCondLst>
+                                            <p:cond delay="0"/>
+                                          </p:stCondLst>
+                                        </p:cTn>
+                                        <p:tgtEl>
+                                          <p:spTgt spid="3">
+                                            <p:txEl>
+                                              <p:pRg st="0" end="0"/>
+                                            </p:txEl>
+                                          </p:spTgt>
+                                        </p:tgtEl>
+                                        <p:attrNameLst>
+                                          <p:attrName>style.visibility</p:attrName>
+                                        </p:attrNameLst>
+                                      </p:cBhvr>
+                                      <p:to>
+                                        <p:strVal val="visible"/>
+                                      </p:to>
+                                    </p:set>
+                                  </p:childTnLst>
+                                </p:cTn>
+                              </p:par>
+                              <p:par>
+                                <p:cTn id="15" presetID="1" presetClass="entr" presetSubtype="0" fill="hold" nodeType="withEffect">
+                                  <p:stCondLst>
+                                    <p:cond delay="0"/>
+                                  </p:stCondLst>
+                                  <p:childTnLst>
+                                    <p:set>
+                                      <p:cBhvr>
+                                        <p:cTn id="16" dur="1" fill="hold">
+                                          <p:stCondLst>
+                                            <p:cond delay="0"/>
+                                          </p:stCondLst>
+                                        </p:cTn>
+                                        <p:tgtEl>
+                                          <p:spTgt spid="3">
+                                            <p:txEl>
+                                              <p:pRg st="1" end="1"/>
+                                            </p:txEl>
+                                          </p:spTgt>
+                                        </p:tgtEl>
+                                        <p:attrNameLst>
+                                          <p:attrName>style.visibility</p:attrName>
+                                        </p:attrNameLst>
+                                      </p:cBhvr>
+                                      <p:to>
+                                        <p:strVal val="visible"/>
+                                      </p:to>
+                                    </p:set>
+                                  </p:childTnLst>
+                                </p:cTn>
+                              </p:par>
+                              <p:par>
+                                <p:cTn id="17" presetID="1" presetClass="entr" presetSubtype="0" fill="hold" nodeType="withEffect">
+                                  <p:stCondLst>
+                                    <p:cond delay="0"/>
+                                  </p:stCondLst>
+                                  <p:childTnLst>
+                                    <p:set>
+                                      <p:cBhvr>
+                                        <p:cTn id="18" dur="1" fill="hold">
+                                          <p:stCondLst>
+                                            <p:cond delay="0"/>
+                                          </p:stCondLst>
+                                        </p:cTn>
+                                        <p:tgtEl>
+                                          <p:spTgt spid="3">
+                                            <p:txEl>
+                                              <p:pRg st="2" end="2"/>
+                                            </p:txEl>
+                                          </p:spTgt>
+                                        </p:tgtEl>
+                                        <p:attrNameLst>
+                                          <p:attrName>style.visibility</p:attrName>
+                                        </p:attrNameLst>
+                                      </p:cBhvr>
+                                      <p:to>
+                                        <p:strVal val="visible"/>
+                                      </p:to>
+                                    </p:set>
+                                  </p:childTnLst>
+                                </p:cTn>
+                              </p:par>
+                            </p:childTnLst>
+                          </p:cTn>
+                        </p:par>
+                      </p:childTnLst>
+                    </p:cTn>
+                  </p:par>
+                </p:childTnLst>
+              </p:cTn>
+              <p:prevCondLst>
+                <p:cond evt="onPrev" delay="0">
+                  <p:tgtEl>
+                    <p:sldTgt/>
+                  </p:tgtEl>
+                </p:cond>
+              </p:prevCondLst>
+              <p:nextCondLst>
+                <p:cond evt="onNext" delay="0">
+                  <p:tgtEl>
+                    <p:sldTgt/>
+                  </p:tgtEl>
+                </p:cond>
+              </p:nextCondLst>
+            </p:seq>
+          </p:childTnLst>
+        </p:cTn>
+      </p:par>
+    </p:tnLst>
+  </p:timing>
 </p:sld>
 </file>
 
@@ -11504,6 +14952,271 @@
   <p:clrMapOvr>
     <a:overrideClrMapping bg1="dk1" tx1="lt1" bg2="dk2" tx2="lt2" accent1="accent1" accent2="accent2" accent3="accent3" accent4="accent4" accent5="accent5" accent6="accent6" hlink="hlink" folHlink="folHlink"/>
   </p:clrMapOvr>
+  <p:timing>
+    <p:tnLst>
+      <p:par>
+        <p:cTn id="1" dur="indefinite" restart="never" nodeType="tmRoot">
+          <p:childTnLst>
+            <p:seq concurrent="1" nextAc="seek">
+              <p:cTn id="2" dur="indefinite" nodeType="mainSeq">
+                <p:childTnLst>
+                  <p:par>
+                    <p:cTn id="3" fill="hold">
+                      <p:stCondLst>
+                        <p:cond delay="indefinite"/>
+                      </p:stCondLst>
+                      <p:childTnLst>
+                        <p:par>
+                          <p:cTn id="4" fill="hold">
+                            <p:stCondLst>
+                              <p:cond delay="0"/>
+                            </p:stCondLst>
+                            <p:childTnLst>
+                              <p:par>
+                                <p:cTn id="5" presetID="1" presetClass="entr" presetSubtype="0" fill="hold" nodeType="clickEffect">
+                                  <p:stCondLst>
+                                    <p:cond delay="0"/>
+                                  </p:stCondLst>
+                                  <p:childTnLst>
+                                    <p:set>
+                                      <p:cBhvr>
+                                        <p:cTn id="6" dur="1" fill="hold">
+                                          <p:stCondLst>
+                                            <p:cond delay="0"/>
+                                          </p:stCondLst>
+                                        </p:cTn>
+                                        <p:tgtEl>
+                                          <p:spTgt spid="7"/>
+                                        </p:tgtEl>
+                                        <p:attrNameLst>
+                                          <p:attrName>style.visibility</p:attrName>
+                                        </p:attrNameLst>
+                                      </p:cBhvr>
+                                      <p:to>
+                                        <p:strVal val="visible"/>
+                                      </p:to>
+                                    </p:set>
+                                  </p:childTnLst>
+                                </p:cTn>
+                              </p:par>
+                            </p:childTnLst>
+                          </p:cTn>
+                        </p:par>
+                      </p:childTnLst>
+                    </p:cTn>
+                  </p:par>
+                  <p:par>
+                    <p:cTn id="7" fill="hold">
+                      <p:stCondLst>
+                        <p:cond delay="indefinite"/>
+                      </p:stCondLst>
+                      <p:childTnLst>
+                        <p:par>
+                          <p:cTn id="8" fill="hold">
+                            <p:stCondLst>
+                              <p:cond delay="0"/>
+                            </p:stCondLst>
+                            <p:childTnLst>
+                              <p:par>
+                                <p:cTn id="9" presetID="1" presetClass="entr" presetSubtype="0" fill="hold" nodeType="clickEffect">
+                                  <p:stCondLst>
+                                    <p:cond delay="0"/>
+                                  </p:stCondLst>
+                                  <p:childTnLst>
+                                    <p:set>
+                                      <p:cBhvr>
+                                        <p:cTn id="10" dur="1" fill="hold">
+                                          <p:stCondLst>
+                                            <p:cond delay="0"/>
+                                          </p:stCondLst>
+                                        </p:cTn>
+                                        <p:tgtEl>
+                                          <p:spTgt spid="11"/>
+                                        </p:tgtEl>
+                                        <p:attrNameLst>
+                                          <p:attrName>style.visibility</p:attrName>
+                                        </p:attrNameLst>
+                                      </p:cBhvr>
+                                      <p:to>
+                                        <p:strVal val="visible"/>
+                                      </p:to>
+                                    </p:set>
+                                  </p:childTnLst>
+                                </p:cTn>
+                              </p:par>
+                            </p:childTnLst>
+                          </p:cTn>
+                        </p:par>
+                      </p:childTnLst>
+                    </p:cTn>
+                  </p:par>
+                  <p:par>
+                    <p:cTn id="11" fill="hold">
+                      <p:stCondLst>
+                        <p:cond delay="indefinite"/>
+                      </p:stCondLst>
+                      <p:childTnLst>
+                        <p:par>
+                          <p:cTn id="12" fill="hold">
+                            <p:stCondLst>
+                              <p:cond delay="0"/>
+                            </p:stCondLst>
+                            <p:childTnLst>
+                              <p:par>
+                                <p:cTn id="13" presetID="1" presetClass="entr" presetSubtype="0" fill="hold" grpId="0" nodeType="clickEffect">
+                                  <p:stCondLst>
+                                    <p:cond delay="0"/>
+                                  </p:stCondLst>
+                                  <p:childTnLst>
+                                    <p:set>
+                                      <p:cBhvr>
+                                        <p:cTn id="14" dur="1" fill="hold">
+                                          <p:stCondLst>
+                                            <p:cond delay="0"/>
+                                          </p:stCondLst>
+                                        </p:cTn>
+                                        <p:tgtEl>
+                                          <p:spTgt spid="3">
+                                            <p:txEl>
+                                              <p:pRg st="0" end="0"/>
+                                            </p:txEl>
+                                          </p:spTgt>
+                                        </p:tgtEl>
+                                        <p:attrNameLst>
+                                          <p:attrName>style.visibility</p:attrName>
+                                        </p:attrNameLst>
+                                      </p:cBhvr>
+                                      <p:to>
+                                        <p:strVal val="visible"/>
+                                      </p:to>
+                                    </p:set>
+                                  </p:childTnLst>
+                                </p:cTn>
+                              </p:par>
+                              <p:par>
+                                <p:cTn id="15" presetID="1" presetClass="entr" presetSubtype="0" fill="hold" grpId="0" nodeType="withEffect">
+                                  <p:stCondLst>
+                                    <p:cond delay="0"/>
+                                  </p:stCondLst>
+                                  <p:childTnLst>
+                                    <p:set>
+                                      <p:cBhvr>
+                                        <p:cTn id="16" dur="1" fill="hold">
+                                          <p:stCondLst>
+                                            <p:cond delay="0"/>
+                                          </p:stCondLst>
+                                        </p:cTn>
+                                        <p:tgtEl>
+                                          <p:spTgt spid="3">
+                                            <p:txEl>
+                                              <p:pRg st="1" end="1"/>
+                                            </p:txEl>
+                                          </p:spTgt>
+                                        </p:tgtEl>
+                                        <p:attrNameLst>
+                                          <p:attrName>style.visibility</p:attrName>
+                                        </p:attrNameLst>
+                                      </p:cBhvr>
+                                      <p:to>
+                                        <p:strVal val="visible"/>
+                                      </p:to>
+                                    </p:set>
+                                  </p:childTnLst>
+                                </p:cTn>
+                              </p:par>
+                              <p:par>
+                                <p:cTn id="17" presetID="1" presetClass="entr" presetSubtype="0" fill="hold" grpId="0" nodeType="withEffect">
+                                  <p:stCondLst>
+                                    <p:cond delay="0"/>
+                                  </p:stCondLst>
+                                  <p:childTnLst>
+                                    <p:set>
+                                      <p:cBhvr>
+                                        <p:cTn id="18" dur="1" fill="hold">
+                                          <p:stCondLst>
+                                            <p:cond delay="0"/>
+                                          </p:stCondLst>
+                                        </p:cTn>
+                                        <p:tgtEl>
+                                          <p:spTgt spid="3">
+                                            <p:txEl>
+                                              <p:pRg st="2" end="2"/>
+                                            </p:txEl>
+                                          </p:spTgt>
+                                        </p:tgtEl>
+                                        <p:attrNameLst>
+                                          <p:attrName>style.visibility</p:attrName>
+                                        </p:attrNameLst>
+                                      </p:cBhvr>
+                                      <p:to>
+                                        <p:strVal val="visible"/>
+                                      </p:to>
+                                    </p:set>
+                                  </p:childTnLst>
+                                </p:cTn>
+                              </p:par>
+                              <p:par>
+                                <p:cTn id="19" presetID="1" presetClass="entr" presetSubtype="0" fill="hold" grpId="0" nodeType="withEffect">
+                                  <p:stCondLst>
+                                    <p:cond delay="0"/>
+                                  </p:stCondLst>
+                                  <p:childTnLst>
+                                    <p:set>
+                                      <p:cBhvr>
+                                        <p:cTn id="20" dur="1" fill="hold">
+                                          <p:stCondLst>
+                                            <p:cond delay="0"/>
+                                          </p:stCondLst>
+                                        </p:cTn>
+                                        <p:tgtEl>
+                                          <p:spTgt spid="3">
+                                            <p:txEl>
+                                              <p:pRg st="3" end="3"/>
+                                            </p:txEl>
+                                          </p:spTgt>
+                                        </p:tgtEl>
+                                        <p:attrNameLst>
+                                          <p:attrName>style.visibility</p:attrName>
+                                        </p:attrNameLst>
+                                      </p:cBhvr>
+                                      <p:to>
+                                        <p:strVal val="visible"/>
+                                      </p:to>
+                                    </p:set>
+                                  </p:childTnLst>
+                                </p:cTn>
+                              </p:par>
+                            </p:childTnLst>
+                          </p:cTn>
+                        </p:par>
+                      </p:childTnLst>
+                    </p:cTn>
+                  </p:par>
+                </p:childTnLst>
+              </p:cTn>
+              <p:prevCondLst>
+                <p:cond evt="onPrev" delay="0">
+                  <p:tgtEl>
+                    <p:sldTgt/>
+                  </p:tgtEl>
+                </p:cond>
+              </p:prevCondLst>
+              <p:nextCondLst>
+                <p:cond evt="onNext" delay="0">
+                  <p:tgtEl>
+                    <p:sldTgt/>
+                  </p:tgtEl>
+                </p:cond>
+              </p:nextCondLst>
+            </p:seq>
+          </p:childTnLst>
+        </p:cTn>
+      </p:par>
+    </p:tnLst>
+    <p:bldLst>
+      <p:bldP spid="3" grpId="0" build="p"/>
+    </p:bldLst>
+  </p:timing>
 </p:sld>
 </file>
 
@@ -11656,15 +15369,7 @@
           <a:p>
             <a:r>
               <a:rPr lang="fr-BE" dirty="0"/>
-              <a:t>Séparer les </a:t>
-            </a:r>
-            <a:r>
-              <a:rPr lang="fr-BE" dirty="0" err="1"/>
-              <a:t>regions</a:t>
-            </a:r>
-            <a:r>
-              <a:rPr lang="fr-BE" dirty="0"/>
-              <a:t> des continents,</a:t>
+              <a:t>Séparer les régions des continents,</a:t>
             </a:r>
           </a:p>
           <a:p>
@@ -11704,7 +15409,7 @@
         </p:blipFill>
         <p:spPr>
           <a:xfrm>
-            <a:off x="6405691" y="2242998"/>
+            <a:off x="6096000" y="2952750"/>
             <a:ext cx="5229225" cy="952500"/>
           </a:xfrm>
           <a:prstGeom prst="rect">
@@ -11722,6 +15427,471 @@
   <p:clrMapOvr>
     <a:masterClrMapping/>
   </p:clrMapOvr>
+  <p:timing>
+    <p:tnLst>
+      <p:par>
+        <p:cTn id="1" dur="indefinite" restart="never" nodeType="tmRoot">
+          <p:childTnLst>
+            <p:seq concurrent="1" nextAc="seek">
+              <p:cTn id="2" dur="indefinite" nodeType="mainSeq">
+                <p:childTnLst>
+                  <p:par>
+                    <p:cTn id="3" fill="hold">
+                      <p:stCondLst>
+                        <p:cond delay="indefinite"/>
+                      </p:stCondLst>
+                      <p:childTnLst>
+                        <p:par>
+                          <p:cTn id="4" fill="hold">
+                            <p:stCondLst>
+                              <p:cond delay="0"/>
+                            </p:stCondLst>
+                            <p:childTnLst>
+                              <p:par>
+                                <p:cTn id="5" presetID="1" presetClass="entr" presetSubtype="0" fill="hold" grpId="0" nodeType="clickEffect">
+                                  <p:stCondLst>
+                                    <p:cond delay="0"/>
+                                  </p:stCondLst>
+                                  <p:childTnLst>
+                                    <p:set>
+                                      <p:cBhvr>
+                                        <p:cTn id="6" dur="1" fill="hold">
+                                          <p:stCondLst>
+                                            <p:cond delay="0"/>
+                                          </p:stCondLst>
+                                        </p:cTn>
+                                        <p:tgtEl>
+                                          <p:spTgt spid="3">
+                                            <p:txEl>
+                                              <p:pRg st="0" end="0"/>
+                                            </p:txEl>
+                                          </p:spTgt>
+                                        </p:tgtEl>
+                                        <p:attrNameLst>
+                                          <p:attrName>style.visibility</p:attrName>
+                                        </p:attrNameLst>
+                                      </p:cBhvr>
+                                      <p:to>
+                                        <p:strVal val="visible"/>
+                                      </p:to>
+                                    </p:set>
+                                  </p:childTnLst>
+                                </p:cTn>
+                              </p:par>
+                              <p:par>
+                                <p:cTn id="7" presetID="1" presetClass="entr" presetSubtype="0" fill="hold" grpId="0" nodeType="withEffect">
+                                  <p:stCondLst>
+                                    <p:cond delay="0"/>
+                                  </p:stCondLst>
+                                  <p:childTnLst>
+                                    <p:set>
+                                      <p:cBhvr>
+                                        <p:cTn id="8" dur="1" fill="hold">
+                                          <p:stCondLst>
+                                            <p:cond delay="0"/>
+                                          </p:stCondLst>
+                                        </p:cTn>
+                                        <p:tgtEl>
+                                          <p:spTgt spid="3">
+                                            <p:txEl>
+                                              <p:pRg st="1" end="1"/>
+                                            </p:txEl>
+                                          </p:spTgt>
+                                        </p:tgtEl>
+                                        <p:attrNameLst>
+                                          <p:attrName>style.visibility</p:attrName>
+                                        </p:attrNameLst>
+                                      </p:cBhvr>
+                                      <p:to>
+                                        <p:strVal val="visible"/>
+                                      </p:to>
+                                    </p:set>
+                                  </p:childTnLst>
+                                </p:cTn>
+                              </p:par>
+                              <p:par>
+                                <p:cTn id="9" presetID="1" presetClass="entr" presetSubtype="0" fill="hold" grpId="0" nodeType="withEffect">
+                                  <p:stCondLst>
+                                    <p:cond delay="0"/>
+                                  </p:stCondLst>
+                                  <p:childTnLst>
+                                    <p:set>
+                                      <p:cBhvr>
+                                        <p:cTn id="10" dur="1" fill="hold">
+                                          <p:stCondLst>
+                                            <p:cond delay="0"/>
+                                          </p:stCondLst>
+                                        </p:cTn>
+                                        <p:tgtEl>
+                                          <p:spTgt spid="3">
+                                            <p:txEl>
+                                              <p:pRg st="2" end="2"/>
+                                            </p:txEl>
+                                          </p:spTgt>
+                                        </p:tgtEl>
+                                        <p:attrNameLst>
+                                          <p:attrName>style.visibility</p:attrName>
+                                        </p:attrNameLst>
+                                      </p:cBhvr>
+                                      <p:to>
+                                        <p:strVal val="visible"/>
+                                      </p:to>
+                                    </p:set>
+                                  </p:childTnLst>
+                                </p:cTn>
+                              </p:par>
+                              <p:par>
+                                <p:cTn id="11" presetID="1" presetClass="entr" presetSubtype="0" fill="hold" grpId="0" nodeType="withEffect">
+                                  <p:stCondLst>
+                                    <p:cond delay="0"/>
+                                  </p:stCondLst>
+                                  <p:childTnLst>
+                                    <p:set>
+                                      <p:cBhvr>
+                                        <p:cTn id="12" dur="1" fill="hold">
+                                          <p:stCondLst>
+                                            <p:cond delay="0"/>
+                                          </p:stCondLst>
+                                        </p:cTn>
+                                        <p:tgtEl>
+                                          <p:spTgt spid="3">
+                                            <p:txEl>
+                                              <p:pRg st="3" end="3"/>
+                                            </p:txEl>
+                                          </p:spTgt>
+                                        </p:tgtEl>
+                                        <p:attrNameLst>
+                                          <p:attrName>style.visibility</p:attrName>
+                                        </p:attrNameLst>
+                                      </p:cBhvr>
+                                      <p:to>
+                                        <p:strVal val="visible"/>
+                                      </p:to>
+                                    </p:set>
+                                  </p:childTnLst>
+                                </p:cTn>
+                              </p:par>
+                            </p:childTnLst>
+                          </p:cTn>
+                        </p:par>
+                      </p:childTnLst>
+                    </p:cTn>
+                  </p:par>
+                  <p:par>
+                    <p:cTn id="13" fill="hold">
+                      <p:stCondLst>
+                        <p:cond delay="indefinite"/>
+                      </p:stCondLst>
+                      <p:childTnLst>
+                        <p:par>
+                          <p:cTn id="14" fill="hold">
+                            <p:stCondLst>
+                              <p:cond delay="0"/>
+                            </p:stCondLst>
+                            <p:childTnLst>
+                              <p:par>
+                                <p:cTn id="15" presetID="1" presetClass="entr" presetSubtype="0" fill="hold" grpId="0" nodeType="clickEffect">
+                                  <p:stCondLst>
+                                    <p:cond delay="0"/>
+                                  </p:stCondLst>
+                                  <p:childTnLst>
+                                    <p:set>
+                                      <p:cBhvr>
+                                        <p:cTn id="16" dur="1" fill="hold">
+                                          <p:stCondLst>
+                                            <p:cond delay="0"/>
+                                          </p:stCondLst>
+                                        </p:cTn>
+                                        <p:tgtEl>
+                                          <p:spTgt spid="3">
+                                            <p:txEl>
+                                              <p:pRg st="4" end="4"/>
+                                            </p:txEl>
+                                          </p:spTgt>
+                                        </p:tgtEl>
+                                        <p:attrNameLst>
+                                          <p:attrName>style.visibility</p:attrName>
+                                        </p:attrNameLst>
+                                      </p:cBhvr>
+                                      <p:to>
+                                        <p:strVal val="visible"/>
+                                      </p:to>
+                                    </p:set>
+                                  </p:childTnLst>
+                                </p:cTn>
+                              </p:par>
+                            </p:childTnLst>
+                          </p:cTn>
+                        </p:par>
+                      </p:childTnLst>
+                    </p:cTn>
+                  </p:par>
+                  <p:par>
+                    <p:cTn id="17" fill="hold">
+                      <p:stCondLst>
+                        <p:cond delay="indefinite"/>
+                      </p:stCondLst>
+                      <p:childTnLst>
+                        <p:par>
+                          <p:cTn id="18" fill="hold">
+                            <p:stCondLst>
+                              <p:cond delay="0"/>
+                            </p:stCondLst>
+                            <p:childTnLst>
+                              <p:par>
+                                <p:cTn id="19" presetID="1" presetClass="entr" presetSubtype="0" fill="hold" nodeType="clickEffect">
+                                  <p:stCondLst>
+                                    <p:cond delay="0"/>
+                                  </p:stCondLst>
+                                  <p:childTnLst>
+                                    <p:set>
+                                      <p:cBhvr>
+                                        <p:cTn id="20" dur="1" fill="hold">
+                                          <p:stCondLst>
+                                            <p:cond delay="0"/>
+                                          </p:stCondLst>
+                                        </p:cTn>
+                                        <p:tgtEl>
+                                          <p:spTgt spid="5"/>
+                                        </p:tgtEl>
+                                        <p:attrNameLst>
+                                          <p:attrName>style.visibility</p:attrName>
+                                        </p:attrNameLst>
+                                      </p:cBhvr>
+                                      <p:to>
+                                        <p:strVal val="visible"/>
+                                      </p:to>
+                                    </p:set>
+                                  </p:childTnLst>
+                                </p:cTn>
+                              </p:par>
+                            </p:childTnLst>
+                          </p:cTn>
+                        </p:par>
+                      </p:childTnLst>
+                    </p:cTn>
+                  </p:par>
+                  <p:par>
+                    <p:cTn id="21" fill="hold">
+                      <p:stCondLst>
+                        <p:cond delay="indefinite"/>
+                      </p:stCondLst>
+                      <p:childTnLst>
+                        <p:par>
+                          <p:cTn id="22" fill="hold">
+                            <p:stCondLst>
+                              <p:cond delay="0"/>
+                            </p:stCondLst>
+                            <p:childTnLst>
+                              <p:par>
+                                <p:cTn id="23" presetID="1" presetClass="entr" presetSubtype="0" fill="hold" grpId="0" nodeType="clickEffect">
+                                  <p:stCondLst>
+                                    <p:cond delay="0"/>
+                                  </p:stCondLst>
+                                  <p:childTnLst>
+                                    <p:set>
+                                      <p:cBhvr>
+                                        <p:cTn id="24" dur="1" fill="hold">
+                                          <p:stCondLst>
+                                            <p:cond delay="0"/>
+                                          </p:stCondLst>
+                                        </p:cTn>
+                                        <p:tgtEl>
+                                          <p:spTgt spid="3">
+                                            <p:txEl>
+                                              <p:pRg st="5" end="5"/>
+                                            </p:txEl>
+                                          </p:spTgt>
+                                        </p:tgtEl>
+                                        <p:attrNameLst>
+                                          <p:attrName>style.visibility</p:attrName>
+                                        </p:attrNameLst>
+                                      </p:cBhvr>
+                                      <p:to>
+                                        <p:strVal val="visible"/>
+                                      </p:to>
+                                    </p:set>
+                                  </p:childTnLst>
+                                </p:cTn>
+                              </p:par>
+                            </p:childTnLst>
+                          </p:cTn>
+                        </p:par>
+                      </p:childTnLst>
+                    </p:cTn>
+                  </p:par>
+                  <p:par>
+                    <p:cTn id="25" fill="hold">
+                      <p:stCondLst>
+                        <p:cond delay="indefinite"/>
+                      </p:stCondLst>
+                      <p:childTnLst>
+                        <p:par>
+                          <p:cTn id="26" fill="hold">
+                            <p:stCondLst>
+                              <p:cond delay="0"/>
+                            </p:stCondLst>
+                            <p:childTnLst>
+                              <p:par>
+                                <p:cTn id="27" presetID="1" presetClass="entr" presetSubtype="0" fill="hold" grpId="0" nodeType="clickEffect">
+                                  <p:stCondLst>
+                                    <p:cond delay="0"/>
+                                  </p:stCondLst>
+                                  <p:childTnLst>
+                                    <p:set>
+                                      <p:cBhvr>
+                                        <p:cTn id="28" dur="1" fill="hold">
+                                          <p:stCondLst>
+                                            <p:cond delay="0"/>
+                                          </p:stCondLst>
+                                        </p:cTn>
+                                        <p:tgtEl>
+                                          <p:spTgt spid="3">
+                                            <p:txEl>
+                                              <p:pRg st="6" end="6"/>
+                                            </p:txEl>
+                                          </p:spTgt>
+                                        </p:tgtEl>
+                                        <p:attrNameLst>
+                                          <p:attrName>style.visibility</p:attrName>
+                                        </p:attrNameLst>
+                                      </p:cBhvr>
+                                      <p:to>
+                                        <p:strVal val="visible"/>
+                                      </p:to>
+                                    </p:set>
+                                  </p:childTnLst>
+                                </p:cTn>
+                              </p:par>
+                            </p:childTnLst>
+                          </p:cTn>
+                        </p:par>
+                      </p:childTnLst>
+                    </p:cTn>
+                  </p:par>
+                  <p:par>
+                    <p:cTn id="29" fill="hold">
+                      <p:stCondLst>
+                        <p:cond delay="indefinite"/>
+                      </p:stCondLst>
+                      <p:childTnLst>
+                        <p:par>
+                          <p:cTn id="30" fill="hold">
+                            <p:stCondLst>
+                              <p:cond delay="0"/>
+                            </p:stCondLst>
+                            <p:childTnLst>
+                              <p:par>
+                                <p:cTn id="31" presetID="1" presetClass="entr" presetSubtype="0" fill="hold" grpId="0" nodeType="clickEffect">
+                                  <p:stCondLst>
+                                    <p:cond delay="0"/>
+                                  </p:stCondLst>
+                                  <p:childTnLst>
+                                    <p:set>
+                                      <p:cBhvr>
+                                        <p:cTn id="32" dur="1" fill="hold">
+                                          <p:stCondLst>
+                                            <p:cond delay="0"/>
+                                          </p:stCondLst>
+                                        </p:cTn>
+                                        <p:tgtEl>
+                                          <p:spTgt spid="3">
+                                            <p:txEl>
+                                              <p:pRg st="7" end="7"/>
+                                            </p:txEl>
+                                          </p:spTgt>
+                                        </p:tgtEl>
+                                        <p:attrNameLst>
+                                          <p:attrName>style.visibility</p:attrName>
+                                        </p:attrNameLst>
+                                      </p:cBhvr>
+                                      <p:to>
+                                        <p:strVal val="visible"/>
+                                      </p:to>
+                                    </p:set>
+                                  </p:childTnLst>
+                                </p:cTn>
+                              </p:par>
+                            </p:childTnLst>
+                          </p:cTn>
+                        </p:par>
+                      </p:childTnLst>
+                    </p:cTn>
+                  </p:par>
+                  <p:par>
+                    <p:cTn id="33" fill="hold">
+                      <p:stCondLst>
+                        <p:cond delay="indefinite"/>
+                      </p:stCondLst>
+                      <p:childTnLst>
+                        <p:par>
+                          <p:cTn id="34" fill="hold">
+                            <p:stCondLst>
+                              <p:cond delay="0"/>
+                            </p:stCondLst>
+                            <p:childTnLst>
+                              <p:par>
+                                <p:cTn id="35" presetID="1" presetClass="entr" presetSubtype="0" fill="hold" grpId="0" nodeType="clickEffect">
+                                  <p:stCondLst>
+                                    <p:cond delay="0"/>
+                                  </p:stCondLst>
+                                  <p:childTnLst>
+                                    <p:set>
+                                      <p:cBhvr>
+                                        <p:cTn id="36" dur="1" fill="hold">
+                                          <p:stCondLst>
+                                            <p:cond delay="0"/>
+                                          </p:stCondLst>
+                                        </p:cTn>
+                                        <p:tgtEl>
+                                          <p:spTgt spid="3">
+                                            <p:txEl>
+                                              <p:pRg st="8" end="8"/>
+                                            </p:txEl>
+                                          </p:spTgt>
+                                        </p:tgtEl>
+                                        <p:attrNameLst>
+                                          <p:attrName>style.visibility</p:attrName>
+                                        </p:attrNameLst>
+                                      </p:cBhvr>
+                                      <p:to>
+                                        <p:strVal val="visible"/>
+                                      </p:to>
+                                    </p:set>
+                                  </p:childTnLst>
+                                </p:cTn>
+                              </p:par>
+                            </p:childTnLst>
+                          </p:cTn>
+                        </p:par>
+                      </p:childTnLst>
+                    </p:cTn>
+                  </p:par>
+                </p:childTnLst>
+              </p:cTn>
+              <p:prevCondLst>
+                <p:cond evt="onPrev" delay="0">
+                  <p:tgtEl>
+                    <p:sldTgt/>
+                  </p:tgtEl>
+                </p:cond>
+              </p:prevCondLst>
+              <p:nextCondLst>
+                <p:cond evt="onNext" delay="0">
+                  <p:tgtEl>
+                    <p:sldTgt/>
+                  </p:tgtEl>
+                </p:cond>
+              </p:nextCondLst>
+            </p:seq>
+          </p:childTnLst>
+        </p:cTn>
+      </p:par>
+    </p:tnLst>
+    <p:bldLst>
+      <p:bldP spid="3" grpId="0" uiExpand="1" build="p"/>
+    </p:bldLst>
+  </p:timing>
 </p:sld>
 </file>
 
@@ -11872,13 +16042,50 @@
           <a:p>
             <a:pPr algn="r"/>
             <a:r>
-              <a:rPr lang="en-US" sz="4100">
+              <a:rPr lang="en-US" sz="4100" dirty="0" err="1">
                 <a:solidFill>
                   <a:srgbClr val="FFFFFF"/>
                 </a:solidFill>
               </a:rPr>
-              <a:t>Implémentation des contraintes d’intégrité</a:t>
-            </a:r>
+              <a:t>Implémentation</a:t>
+            </a:r>
+            <a:r>
+              <a:rPr lang="en-US" sz="4100" dirty="0">
+                <a:solidFill>
+                  <a:srgbClr val="FFFFFF"/>
+                </a:solidFill>
+              </a:rPr>
+              <a:t> des </a:t>
+            </a:r>
+            <a:r>
+              <a:rPr lang="en-US" sz="4100" dirty="0" err="1">
+                <a:solidFill>
+                  <a:srgbClr val="FFFFFF"/>
+                </a:solidFill>
+              </a:rPr>
+              <a:t>contraintes</a:t>
+            </a:r>
+            <a:r>
+              <a:rPr lang="en-US" sz="4100" dirty="0">
+                <a:solidFill>
+                  <a:srgbClr val="FFFFFF"/>
+                </a:solidFill>
+              </a:rPr>
+              <a:t> </a:t>
+            </a:r>
+            <a:r>
+              <a:rPr lang="en-US" sz="4100" dirty="0" err="1">
+                <a:solidFill>
+                  <a:srgbClr val="FFFFFF"/>
+                </a:solidFill>
+              </a:rPr>
+              <a:t>d’intégrité</a:t>
+            </a:r>
+            <a:endParaRPr lang="en-US" sz="4100" dirty="0">
+              <a:solidFill>
+                <a:srgbClr val="FFFFFF"/>
+              </a:solidFill>
+            </a:endParaRPr>
           </a:p>
         </p:txBody>
       </p:sp>
@@ -11977,6 +16184,129 @@
   <p:clrMapOvr>
     <a:overrideClrMapping bg1="lt1" tx1="dk1" bg2="lt2" tx2="dk2" accent1="accent1" accent2="accent2" accent3="accent3" accent4="accent4" accent5="accent5" accent6="accent6" hlink="hlink" folHlink="folHlink"/>
   </p:clrMapOvr>
+  <p:timing>
+    <p:tnLst>
+      <p:par>
+        <p:cTn id="1" dur="indefinite" restart="never" nodeType="tmRoot">
+          <p:childTnLst>
+            <p:seq concurrent="1" nextAc="seek">
+              <p:cTn id="2" dur="indefinite" nodeType="mainSeq">
+                <p:childTnLst>
+                  <p:par>
+                    <p:cTn id="3" fill="hold">
+                      <p:stCondLst>
+                        <p:cond delay="indefinite"/>
+                      </p:stCondLst>
+                      <p:childTnLst>
+                        <p:par>
+                          <p:cTn id="4" fill="hold">
+                            <p:stCondLst>
+                              <p:cond delay="0"/>
+                            </p:stCondLst>
+                            <p:childTnLst>
+                              <p:par>
+                                <p:cTn id="5" presetID="1" presetClass="entr" presetSubtype="0" fill="hold" grpId="0" nodeType="clickEffect">
+                                  <p:stCondLst>
+                                    <p:cond delay="0"/>
+                                  </p:stCondLst>
+                                  <p:childTnLst>
+                                    <p:set>
+                                      <p:cBhvr>
+                                        <p:cTn id="6" dur="1" fill="hold">
+                                          <p:stCondLst>
+                                            <p:cond delay="0"/>
+                                          </p:stCondLst>
+                                        </p:cTn>
+                                        <p:tgtEl>
+                                          <p:spTgt spid="2"/>
+                                        </p:tgtEl>
+                                        <p:attrNameLst>
+                                          <p:attrName>style.visibility</p:attrName>
+                                        </p:attrNameLst>
+                                      </p:cBhvr>
+                                      <p:to>
+                                        <p:strVal val="visible"/>
+                                      </p:to>
+                                    </p:set>
+                                  </p:childTnLst>
+                                </p:cTn>
+                              </p:par>
+                            </p:childTnLst>
+                          </p:cTn>
+                        </p:par>
+                      </p:childTnLst>
+                    </p:cTn>
+                  </p:par>
+                  <p:par>
+                    <p:cTn id="7" fill="hold">
+                      <p:stCondLst>
+                        <p:cond delay="indefinite"/>
+                      </p:stCondLst>
+                      <p:childTnLst>
+                        <p:par>
+                          <p:cTn id="8" fill="hold">
+                            <p:stCondLst>
+                              <p:cond delay="0"/>
+                            </p:stCondLst>
+                            <p:childTnLst>
+                              <p:par>
+                                <p:cTn id="9" presetID="1" presetClass="entr" presetSubtype="0" fill="hold" nodeType="clickEffect">
+                                  <p:stCondLst>
+                                    <p:cond delay="0"/>
+                                  </p:stCondLst>
+                                  <p:childTnLst>
+                                    <p:set>
+                                      <p:cBhvr>
+                                        <p:cTn id="10" dur="1" fill="hold">
+                                          <p:stCondLst>
+                                            <p:cond delay="0"/>
+                                          </p:stCondLst>
+                                        </p:cTn>
+                                        <p:tgtEl>
+                                          <p:spTgt spid="5"/>
+                                        </p:tgtEl>
+                                        <p:attrNameLst>
+                                          <p:attrName>style.visibility</p:attrName>
+                                        </p:attrNameLst>
+                                      </p:cBhvr>
+                                      <p:to>
+                                        <p:strVal val="visible"/>
+                                      </p:to>
+                                    </p:set>
+                                  </p:childTnLst>
+                                </p:cTn>
+                              </p:par>
+                            </p:childTnLst>
+                          </p:cTn>
+                        </p:par>
+                      </p:childTnLst>
+                    </p:cTn>
+                  </p:par>
+                </p:childTnLst>
+              </p:cTn>
+              <p:prevCondLst>
+                <p:cond evt="onPrev" delay="0">
+                  <p:tgtEl>
+                    <p:sldTgt/>
+                  </p:tgtEl>
+                </p:cond>
+              </p:prevCondLst>
+              <p:nextCondLst>
+                <p:cond evt="onNext" delay="0">
+                  <p:tgtEl>
+                    <p:sldTgt/>
+                  </p:tgtEl>
+                </p:cond>
+              </p:nextCondLst>
+            </p:seq>
+          </p:childTnLst>
+        </p:cTn>
+      </p:par>
+    </p:tnLst>
+    <p:bldLst>
+      <p:bldP spid="2" grpId="0"/>
+    </p:bldLst>
+  </p:timing>
 </p:sld>
 </file>
 
@@ -12508,7 +16838,7 @@
         </p:blipFill>
         <p:spPr>
           <a:xfrm>
-            <a:off x="4279187" y="4249529"/>
+            <a:off x="4123116" y="4546630"/>
             <a:ext cx="7579397" cy="698769"/>
           </a:xfrm>
           <a:prstGeom prst="rect">
@@ -12538,7 +16868,7 @@
         </p:blipFill>
         <p:spPr>
           <a:xfrm>
-            <a:off x="4279187" y="680986"/>
+            <a:off x="4379594" y="719570"/>
             <a:ext cx="7579397" cy="2709430"/>
           </a:xfrm>
           <a:prstGeom prst="rect">
@@ -12632,6 +16962,126 @@
   <p:clrMapOvr>
     <a:masterClrMapping/>
   </p:clrMapOvr>
+  <p:timing>
+    <p:tnLst>
+      <p:par>
+        <p:cTn id="1" dur="indefinite" restart="never" nodeType="tmRoot">
+          <p:childTnLst>
+            <p:seq concurrent="1" nextAc="seek">
+              <p:cTn id="2" dur="indefinite" nodeType="mainSeq">
+                <p:childTnLst>
+                  <p:par>
+                    <p:cTn id="3" fill="hold">
+                      <p:stCondLst>
+                        <p:cond delay="indefinite"/>
+                      </p:stCondLst>
+                      <p:childTnLst>
+                        <p:par>
+                          <p:cTn id="4" fill="hold">
+                            <p:stCondLst>
+                              <p:cond delay="0"/>
+                            </p:stCondLst>
+                            <p:childTnLst>
+                              <p:par>
+                                <p:cTn id="5" presetID="1" presetClass="entr" presetSubtype="0" fill="hold" nodeType="clickEffect">
+                                  <p:stCondLst>
+                                    <p:cond delay="0"/>
+                                  </p:stCondLst>
+                                  <p:childTnLst>
+                                    <p:set>
+                                      <p:cBhvr>
+                                        <p:cTn id="6" dur="1" fill="hold">
+                                          <p:stCondLst>
+                                            <p:cond delay="0"/>
+                                          </p:stCondLst>
+                                        </p:cTn>
+                                        <p:tgtEl>
+                                          <p:spTgt spid="11"/>
+                                        </p:tgtEl>
+                                        <p:attrNameLst>
+                                          <p:attrName>style.visibility</p:attrName>
+                                        </p:attrNameLst>
+                                      </p:cBhvr>
+                                      <p:to>
+                                        <p:strVal val="visible"/>
+                                      </p:to>
+                                    </p:set>
+                                  </p:childTnLst>
+                                </p:cTn>
+                              </p:par>
+                            </p:childTnLst>
+                          </p:cTn>
+                        </p:par>
+                      </p:childTnLst>
+                    </p:cTn>
+                  </p:par>
+                  <p:par>
+                    <p:cTn id="7" fill="hold">
+                      <p:stCondLst>
+                        <p:cond delay="indefinite"/>
+                      </p:stCondLst>
+                      <p:childTnLst>
+                        <p:par>
+                          <p:cTn id="8" fill="hold">
+                            <p:stCondLst>
+                              <p:cond delay="0"/>
+                            </p:stCondLst>
+                            <p:childTnLst>
+                              <p:par>
+                                <p:cTn id="9" presetID="1" presetClass="entr" presetSubtype="0" fill="hold" nodeType="clickEffect">
+                                  <p:stCondLst>
+                                    <p:cond delay="0"/>
+                                  </p:stCondLst>
+                                  <p:childTnLst>
+                                    <p:set>
+                                      <p:cBhvr>
+                                        <p:cTn id="10" dur="1" fill="hold">
+                                          <p:stCondLst>
+                                            <p:cond delay="0"/>
+                                          </p:stCondLst>
+                                        </p:cTn>
+                                        <p:tgtEl>
+                                          <p:spTgt spid="12"/>
+                                        </p:tgtEl>
+                                        <p:attrNameLst>
+                                          <p:attrName>style.visibility</p:attrName>
+                                        </p:attrNameLst>
+                                      </p:cBhvr>
+                                      <p:to>
+                                        <p:strVal val="visible"/>
+                                      </p:to>
+                                    </p:set>
+                                  </p:childTnLst>
+                                </p:cTn>
+                              </p:par>
+                            </p:childTnLst>
+                          </p:cTn>
+                        </p:par>
+                      </p:childTnLst>
+                    </p:cTn>
+                  </p:par>
+                </p:childTnLst>
+              </p:cTn>
+              <p:prevCondLst>
+                <p:cond evt="onPrev" delay="0">
+                  <p:tgtEl>
+                    <p:sldTgt/>
+                  </p:tgtEl>
+                </p:cond>
+              </p:prevCondLst>
+              <p:nextCondLst>
+                <p:cond evt="onNext" delay="0">
+                  <p:tgtEl>
+                    <p:sldTgt/>
+                  </p:tgtEl>
+                </p:cond>
+              </p:nextCondLst>
+            </p:seq>
+          </p:childTnLst>
+        </p:cTn>
+      </p:par>
+    </p:tnLst>
+  </p:timing>
 </p:sld>
 </file>
 
@@ -12845,6 +17295,162 @@
           </a:prstGeom>
         </p:spPr>
       </p:pic>
+      <p:sp>
+        <p:nvSpPr>
+          <p:cNvPr id="4" name="Rectangle 3">
+            <a:extLst>
+              <a:ext uri="{FF2B5EF4-FFF2-40B4-BE49-F238E27FC236}">
+                <a16:creationId xmlns:a16="http://schemas.microsoft.com/office/drawing/2014/main" id="{B6E995A0-8A2C-464D-A9BC-D0BB09AB2807}"/>
+              </a:ext>
+            </a:extLst>
+          </p:cNvPr>
+          <p:cNvSpPr/>
+          <p:nvPr/>
+        </p:nvSpPr>
+        <p:spPr>
+          <a:xfrm>
+            <a:off x="1929161" y="3200400"/>
+            <a:ext cx="2921619" cy="947854"/>
+          </a:xfrm>
+          <a:prstGeom prst="rect">
+            <a:avLst/>
+          </a:prstGeom>
+          <a:noFill/>
+          <a:ln>
+            <a:solidFill>
+              <a:schemeClr val="bg1"/>
+            </a:solidFill>
+          </a:ln>
+        </p:spPr>
+        <p:style>
+          <a:lnRef idx="2">
+            <a:schemeClr val="accent1">
+              <a:shade val="50000"/>
+            </a:schemeClr>
+          </a:lnRef>
+          <a:fillRef idx="1">
+            <a:schemeClr val="accent1"/>
+          </a:fillRef>
+          <a:effectRef idx="0">
+            <a:schemeClr val="accent1"/>
+          </a:effectRef>
+          <a:fontRef idx="minor">
+            <a:schemeClr val="lt1"/>
+          </a:fontRef>
+        </p:style>
+        <p:txBody>
+          <a:bodyPr rtlCol="0" anchor="ctr"/>
+          <a:lstStyle/>
+          <a:p>
+            <a:pPr algn="ctr"/>
+            <a:endParaRPr lang="fr-BE"/>
+          </a:p>
+        </p:txBody>
+      </p:sp>
+      <p:sp>
+        <p:nvSpPr>
+          <p:cNvPr id="8" name="Rectangle 7">
+            <a:extLst>
+              <a:ext uri="{FF2B5EF4-FFF2-40B4-BE49-F238E27FC236}">
+                <a16:creationId xmlns:a16="http://schemas.microsoft.com/office/drawing/2014/main" id="{72C3672C-7FEC-4633-B244-24BAE6D06651}"/>
+              </a:ext>
+            </a:extLst>
+          </p:cNvPr>
+          <p:cNvSpPr/>
+          <p:nvPr/>
+        </p:nvSpPr>
+        <p:spPr>
+          <a:xfrm>
+            <a:off x="2044390" y="4205222"/>
+            <a:ext cx="3085171" cy="846280"/>
+          </a:xfrm>
+          <a:prstGeom prst="rect">
+            <a:avLst/>
+          </a:prstGeom>
+          <a:noFill/>
+          <a:ln>
+            <a:solidFill>
+              <a:schemeClr val="bg1"/>
+            </a:solidFill>
+          </a:ln>
+        </p:spPr>
+        <p:style>
+          <a:lnRef idx="2">
+            <a:schemeClr val="accent1">
+              <a:shade val="50000"/>
+            </a:schemeClr>
+          </a:lnRef>
+          <a:fillRef idx="1">
+            <a:schemeClr val="accent1"/>
+          </a:fillRef>
+          <a:effectRef idx="0">
+            <a:schemeClr val="accent1"/>
+          </a:effectRef>
+          <a:fontRef idx="minor">
+            <a:schemeClr val="lt1"/>
+          </a:fontRef>
+        </p:style>
+        <p:txBody>
+          <a:bodyPr rtlCol="0" anchor="ctr"/>
+          <a:lstStyle/>
+          <a:p>
+            <a:pPr algn="ctr"/>
+            <a:endParaRPr lang="fr-BE"/>
+          </a:p>
+        </p:txBody>
+      </p:sp>
+      <p:sp>
+        <p:nvSpPr>
+          <p:cNvPr id="10" name="Rectangle 9">
+            <a:extLst>
+              <a:ext uri="{FF2B5EF4-FFF2-40B4-BE49-F238E27FC236}">
+                <a16:creationId xmlns:a16="http://schemas.microsoft.com/office/drawing/2014/main" id="{77BAB780-7307-495C-91A9-682EC12C819A}"/>
+              </a:ext>
+            </a:extLst>
+          </p:cNvPr>
+          <p:cNvSpPr/>
+          <p:nvPr/>
+        </p:nvSpPr>
+        <p:spPr>
+          <a:xfrm>
+            <a:off x="2044389" y="5254884"/>
+            <a:ext cx="8248187" cy="846280"/>
+          </a:xfrm>
+          <a:prstGeom prst="rect">
+            <a:avLst/>
+          </a:prstGeom>
+          <a:noFill/>
+          <a:ln>
+            <a:solidFill>
+              <a:schemeClr val="bg1"/>
+            </a:solidFill>
+          </a:ln>
+        </p:spPr>
+        <p:style>
+          <a:lnRef idx="2">
+            <a:schemeClr val="accent1">
+              <a:shade val="50000"/>
+            </a:schemeClr>
+          </a:lnRef>
+          <a:fillRef idx="1">
+            <a:schemeClr val="accent1"/>
+          </a:fillRef>
+          <a:effectRef idx="0">
+            <a:schemeClr val="accent1"/>
+          </a:effectRef>
+          <a:fontRef idx="minor">
+            <a:schemeClr val="lt1"/>
+          </a:fontRef>
+        </p:style>
+        <p:txBody>
+          <a:bodyPr rtlCol="0" anchor="ctr"/>
+          <a:lstStyle/>
+          <a:p>
+            <a:pPr algn="ctr"/>
+            <a:endParaRPr lang="fr-BE"/>
+          </a:p>
+        </p:txBody>
+      </p:sp>
     </p:spTree>
     <p:extLst>
       <p:ext uri="{BB962C8B-B14F-4D97-AF65-F5344CB8AC3E}">
@@ -12855,6 +17461,176 @@
   <p:clrMapOvr>
     <a:masterClrMapping/>
   </p:clrMapOvr>
+  <p:timing>
+    <p:tnLst>
+      <p:par>
+        <p:cTn id="1" dur="indefinite" restart="never" nodeType="tmRoot">
+          <p:childTnLst>
+            <p:seq concurrent="1" nextAc="seek">
+              <p:cTn id="2" dur="indefinite" nodeType="mainSeq">
+                <p:childTnLst>
+                  <p:par>
+                    <p:cTn id="3" fill="hold">
+                      <p:stCondLst>
+                        <p:cond delay="indefinite"/>
+                      </p:stCondLst>
+                      <p:childTnLst>
+                        <p:par>
+                          <p:cTn id="4" fill="hold">
+                            <p:stCondLst>
+                              <p:cond delay="0"/>
+                            </p:stCondLst>
+                            <p:childTnLst>
+                              <p:par>
+                                <p:cTn id="5" presetID="1" presetClass="entr" presetSubtype="0" fill="hold" grpId="0" nodeType="clickEffect">
+                                  <p:stCondLst>
+                                    <p:cond delay="0"/>
+                                  </p:stCondLst>
+                                  <p:childTnLst>
+                                    <p:set>
+                                      <p:cBhvr>
+                                        <p:cTn id="6" dur="1" fill="hold">
+                                          <p:stCondLst>
+                                            <p:cond delay="0"/>
+                                          </p:stCondLst>
+                                        </p:cTn>
+                                        <p:tgtEl>
+                                          <p:spTgt spid="4"/>
+                                        </p:tgtEl>
+                                        <p:attrNameLst>
+                                          <p:attrName>style.visibility</p:attrName>
+                                        </p:attrNameLst>
+                                      </p:cBhvr>
+                                      <p:to>
+                                        <p:strVal val="visible"/>
+                                      </p:to>
+                                    </p:set>
+                                  </p:childTnLst>
+                                </p:cTn>
+                              </p:par>
+                            </p:childTnLst>
+                          </p:cTn>
+                        </p:par>
+                      </p:childTnLst>
+                    </p:cTn>
+                  </p:par>
+                  <p:par>
+                    <p:cTn id="7" fill="hold">
+                      <p:stCondLst>
+                        <p:cond delay="indefinite"/>
+                      </p:stCondLst>
+                      <p:childTnLst>
+                        <p:par>
+                          <p:cTn id="8" fill="hold">
+                            <p:stCondLst>
+                              <p:cond delay="0"/>
+                            </p:stCondLst>
+                            <p:childTnLst>
+                              <p:par>
+                                <p:cTn id="9" presetID="1" presetClass="entr" presetSubtype="0" fill="hold" grpId="0" nodeType="clickEffect">
+                                  <p:stCondLst>
+                                    <p:cond delay="0"/>
+                                  </p:stCondLst>
+                                  <p:childTnLst>
+                                    <p:set>
+                                      <p:cBhvr>
+                                        <p:cTn id="10" dur="1" fill="hold">
+                                          <p:stCondLst>
+                                            <p:cond delay="0"/>
+                                          </p:stCondLst>
+                                        </p:cTn>
+                                        <p:tgtEl>
+                                          <p:spTgt spid="8"/>
+                                        </p:tgtEl>
+                                        <p:attrNameLst>
+                                          <p:attrName>style.visibility</p:attrName>
+                                        </p:attrNameLst>
+                                      </p:cBhvr>
+                                      <p:to>
+                                        <p:strVal val="visible"/>
+                                      </p:to>
+                                    </p:set>
+                                  </p:childTnLst>
+                                </p:cTn>
+                              </p:par>
+                            </p:childTnLst>
+                          </p:cTn>
+                        </p:par>
+                      </p:childTnLst>
+                    </p:cTn>
+                  </p:par>
+                  <p:par>
+                    <p:cTn id="11" fill="hold">
+                      <p:stCondLst>
+                        <p:cond delay="indefinite"/>
+                      </p:stCondLst>
+                      <p:childTnLst>
+                        <p:par>
+                          <p:cTn id="12" fill="hold">
+                            <p:stCondLst>
+                              <p:cond delay="0"/>
+                            </p:stCondLst>
+                            <p:childTnLst>
+                              <p:par>
+                                <p:cTn id="13" presetID="1" presetClass="entr" presetSubtype="0" fill="hold" grpId="0" nodeType="clickEffect">
+                                  <p:stCondLst>
+                                    <p:cond delay="0"/>
+                                  </p:stCondLst>
+                                  <p:childTnLst>
+                                    <p:set>
+                                      <p:cBhvr>
+                                        <p:cTn id="14" dur="1" fill="hold">
+                                          <p:stCondLst>
+                                            <p:cond delay="0"/>
+                                          </p:stCondLst>
+                                        </p:cTn>
+                                        <p:tgtEl>
+                                          <p:spTgt spid="10"/>
+                                        </p:tgtEl>
+                                        <p:attrNameLst>
+                                          <p:attrName>style.visibility</p:attrName>
+                                        </p:attrNameLst>
+                                      </p:cBhvr>
+                                      <p:to>
+                                        <p:strVal val="visible"/>
+                                      </p:to>
+                                    </p:set>
+                                  </p:childTnLst>
+                                </p:cTn>
+                              </p:par>
+                            </p:childTnLst>
+                          </p:cTn>
+                        </p:par>
+                      </p:childTnLst>
+                    </p:cTn>
+                  </p:par>
+                </p:childTnLst>
+              </p:cTn>
+              <p:prevCondLst>
+                <p:cond evt="onPrev" delay="0">
+                  <p:tgtEl>
+                    <p:sldTgt/>
+                  </p:tgtEl>
+                </p:cond>
+              </p:prevCondLst>
+              <p:nextCondLst>
+                <p:cond evt="onNext" delay="0">
+                  <p:tgtEl>
+                    <p:sldTgt/>
+                  </p:tgtEl>
+                </p:cond>
+              </p:nextCondLst>
+            </p:seq>
+          </p:childTnLst>
+        </p:cTn>
+      </p:par>
+    </p:tnLst>
+    <p:bldLst>
+      <p:bldP spid="4" grpId="0" animBg="1"/>
+      <p:bldP spid="8" grpId="0" animBg="1"/>
+      <p:bldP spid="10" grpId="0" animBg="1"/>
+    </p:bldLst>
+  </p:timing>
 </p:sld>
 </file>
 

--- a/Presentation.pptx
+++ b/Presentation.pptx
@@ -10643,8 +10643,13 @@
             <a:pPr lvl="1"/>
             <a:r>
               <a:rPr lang="fr-FR" dirty="0"/>
-              <a:t>Ex nom des pays</a:t>
-            </a:r>
+              <a:t>Ex nom </a:t>
+            </a:r>
+            <a:r>
+              <a:rPr lang="fr-FR"/>
+              <a:t>des pays, pseudo mot de passe utilisateur</a:t>
+            </a:r>
+            <a:endParaRPr lang="fr-FR" dirty="0"/>
           </a:p>
           <a:p>
             <a:r>
